--- a/01.02.what_is-data-science.pptx
+++ b/01.02.what_is-data-science.pptx
@@ -1,41 +1,41 @@
 
 <file path=ppt/presentation.xml><?xml version="1.0" encoding="utf-8"?>
-<p:presentation xmlns:a="http://schemas.openxmlformats.org/drawingml/2006/main" xmlns:r="http://schemas.openxmlformats.org/officeDocument/2006/relationships" xmlns:p="http://schemas.openxmlformats.org/presentationml/2006/main" strictFirstAndLastChars="0" embedTrueTypeFonts="1" saveSubsetFonts="1" autoCompressPictures="0">
+<p:presentation xmlns:a="http://schemas.openxmlformats.org/drawingml/2006/main" xmlns:r="http://schemas.openxmlformats.org/officeDocument/2006/relationships" xmlns:mc="http://schemas.openxmlformats.org/markup-compatibility/2006" xmlns:mv="urn:schemas-microsoft-com:mac:vml" xmlns:p="http://schemas.openxmlformats.org/presentationml/2006/main" xmlns:c="http://schemas.openxmlformats.org/drawingml/2006/chart" xmlns:dgm="http://schemas.openxmlformats.org/drawingml/2006/diagram" xmlns:o="urn:schemas-microsoft-com:office:office" xmlns:v="urn:schemas-microsoft-com:vml" xmlns:pvml="urn:schemas-microsoft-com:office:powerpoint" xmlns:com="http://schemas.openxmlformats.org/drawingml/2006/compatibility" xmlns:p14="http://schemas.microsoft.com/office/powerpoint/2010/main" xmlns:p15="http://schemas.microsoft.com/office/powerpoint/2012/main" autoCompressPictures="0" embedTrueTypeFonts="1" strictFirstAndLastChars="0" saveSubsetFonts="1">
   <p:sldMasterIdLst>
-    <p:sldMasterId id="2147483659" r:id="rId1"/>
+    <p:sldMasterId id="2147483658" r:id="rId4"/>
   </p:sldMasterIdLst>
   <p:notesMasterIdLst>
-    <p:notesMasterId r:id="rId9"/>
+    <p:notesMasterId r:id="rId5"/>
   </p:notesMasterIdLst>
   <p:sldIdLst>
-    <p:sldId id="256" r:id="rId2"/>
-    <p:sldId id="264" r:id="rId3"/>
-    <p:sldId id="265" r:id="rId4"/>
-    <p:sldId id="258" r:id="rId5"/>
-    <p:sldId id="266" r:id="rId6"/>
-    <p:sldId id="262" r:id="rId7"/>
-    <p:sldId id="263" r:id="rId8"/>
+    <p:sldId id="256" r:id="rId6"/>
+    <p:sldId id="257" r:id="rId7"/>
+    <p:sldId id="258" r:id="rId8"/>
+    <p:sldId id="259" r:id="rId9"/>
+    <p:sldId id="260" r:id="rId10"/>
+    <p:sldId id="261" r:id="rId11"/>
+    <p:sldId id="262" r:id="rId12"/>
   </p:sldIdLst>
-  <p:sldSz cx="9144000" cy="5143500" type="screen16x9"/>
+  <p:sldSz cy="5143500" cx="9144000"/>
   <p:notesSz cx="6858000" cy="9144000"/>
   <p:embeddedFontLst>
     <p:embeddedFont>
-      <p:font typeface="Lato" panose="020B0604020202020204" charset="0"/>
-      <p:regular r:id="rId10"/>
-      <p:bold r:id="rId11"/>
-      <p:italic r:id="rId12"/>
-      <p:boldItalic r:id="rId13"/>
+      <p:font typeface="Raleway"/>
+      <p:regular r:id="rId13"/>
+      <p:bold r:id="rId14"/>
+      <p:italic r:id="rId15"/>
+      <p:boldItalic r:id="rId16"/>
     </p:embeddedFont>
     <p:embeddedFont>
-      <p:font typeface="Raleway" panose="020B0604020202020204" charset="0"/>
-      <p:regular r:id="rId14"/>
-      <p:bold r:id="rId15"/>
-      <p:italic r:id="rId16"/>
-      <p:boldItalic r:id="rId17"/>
+      <p:font typeface="Lato"/>
+      <p:regular r:id="rId17"/>
+      <p:bold r:id="rId18"/>
+      <p:italic r:id="rId19"/>
+      <p:boldItalic r:id="rId20"/>
     </p:embeddedFont>
   </p:embeddedFontLst>
   <p:defaultTextStyle>
-    <a:defPPr marR="0" lvl="0" algn="l" rtl="0">
+    <a:defPPr lvl="0" marR="0" rtl="0" algn="l">
       <a:lnSpc>
         <a:spcPct val="100000"/>
       </a:lnSpc>
@@ -46,7 +46,7 @@
         <a:spcPts val="0"/>
       </a:spcAft>
     </a:defPPr>
-    <a:lvl1pPr marR="0" lvl="0" algn="l" rtl="0">
+    <a:lvl1pPr lvl="0" marR="0" rtl="0" algn="l">
       <a:lnSpc>
         <a:spcPct val="100000"/>
       </a:lnSpc>
@@ -60,7 +60,7 @@
         <a:srgbClr val="000000"/>
       </a:buClr>
       <a:buFont typeface="Arial"/>
-      <a:defRPr sz="1400" b="0" i="0" u="none" strike="noStrike" cap="none">
+      <a:defRPr b="0" i="0" sz="1400" u="none" cap="none" strike="noStrike">
         <a:solidFill>
           <a:srgbClr val="000000"/>
         </a:solidFill>
@@ -70,7 +70,7 @@
         <a:sym typeface="Arial"/>
       </a:defRPr>
     </a:lvl1pPr>
-    <a:lvl2pPr marR="0" lvl="1" algn="l" rtl="0">
+    <a:lvl2pPr lvl="1" marR="0" rtl="0" algn="l">
       <a:lnSpc>
         <a:spcPct val="100000"/>
       </a:lnSpc>
@@ -84,7 +84,7 @@
         <a:srgbClr val="000000"/>
       </a:buClr>
       <a:buFont typeface="Arial"/>
-      <a:defRPr sz="1400" b="0" i="0" u="none" strike="noStrike" cap="none">
+      <a:defRPr b="0" i="0" sz="1400" u="none" cap="none" strike="noStrike">
         <a:solidFill>
           <a:srgbClr val="000000"/>
         </a:solidFill>
@@ -94,7 +94,7 @@
         <a:sym typeface="Arial"/>
       </a:defRPr>
     </a:lvl2pPr>
-    <a:lvl3pPr marR="0" lvl="2" algn="l" rtl="0">
+    <a:lvl3pPr lvl="2" marR="0" rtl="0" algn="l">
       <a:lnSpc>
         <a:spcPct val="100000"/>
       </a:lnSpc>
@@ -108,7 +108,7 @@
         <a:srgbClr val="000000"/>
       </a:buClr>
       <a:buFont typeface="Arial"/>
-      <a:defRPr sz="1400" b="0" i="0" u="none" strike="noStrike" cap="none">
+      <a:defRPr b="0" i="0" sz="1400" u="none" cap="none" strike="noStrike">
         <a:solidFill>
           <a:srgbClr val="000000"/>
         </a:solidFill>
@@ -118,7 +118,7 @@
         <a:sym typeface="Arial"/>
       </a:defRPr>
     </a:lvl3pPr>
-    <a:lvl4pPr marR="0" lvl="3" algn="l" rtl="0">
+    <a:lvl4pPr lvl="3" marR="0" rtl="0" algn="l">
       <a:lnSpc>
         <a:spcPct val="100000"/>
       </a:lnSpc>
@@ -132,7 +132,7 @@
         <a:srgbClr val="000000"/>
       </a:buClr>
       <a:buFont typeface="Arial"/>
-      <a:defRPr sz="1400" b="0" i="0" u="none" strike="noStrike" cap="none">
+      <a:defRPr b="0" i="0" sz="1400" u="none" cap="none" strike="noStrike">
         <a:solidFill>
           <a:srgbClr val="000000"/>
         </a:solidFill>
@@ -142,7 +142,7 @@
         <a:sym typeface="Arial"/>
       </a:defRPr>
     </a:lvl4pPr>
-    <a:lvl5pPr marR="0" lvl="4" algn="l" rtl="0">
+    <a:lvl5pPr lvl="4" marR="0" rtl="0" algn="l">
       <a:lnSpc>
         <a:spcPct val="100000"/>
       </a:lnSpc>
@@ -156,7 +156,7 @@
         <a:srgbClr val="000000"/>
       </a:buClr>
       <a:buFont typeface="Arial"/>
-      <a:defRPr sz="1400" b="0" i="0" u="none" strike="noStrike" cap="none">
+      <a:defRPr b="0" i="0" sz="1400" u="none" cap="none" strike="noStrike">
         <a:solidFill>
           <a:srgbClr val="000000"/>
         </a:solidFill>
@@ -166,7 +166,7 @@
         <a:sym typeface="Arial"/>
       </a:defRPr>
     </a:lvl5pPr>
-    <a:lvl6pPr marR="0" lvl="5" algn="l" rtl="0">
+    <a:lvl6pPr lvl="5" marR="0" rtl="0" algn="l">
       <a:lnSpc>
         <a:spcPct val="100000"/>
       </a:lnSpc>
@@ -180,7 +180,7 @@
         <a:srgbClr val="000000"/>
       </a:buClr>
       <a:buFont typeface="Arial"/>
-      <a:defRPr sz="1400" b="0" i="0" u="none" strike="noStrike" cap="none">
+      <a:defRPr b="0" i="0" sz="1400" u="none" cap="none" strike="noStrike">
         <a:solidFill>
           <a:srgbClr val="000000"/>
         </a:solidFill>
@@ -190,7 +190,7 @@
         <a:sym typeface="Arial"/>
       </a:defRPr>
     </a:lvl6pPr>
-    <a:lvl7pPr marR="0" lvl="6" algn="l" rtl="0">
+    <a:lvl7pPr lvl="6" marR="0" rtl="0" algn="l">
       <a:lnSpc>
         <a:spcPct val="100000"/>
       </a:lnSpc>
@@ -204,7 +204,7 @@
         <a:srgbClr val="000000"/>
       </a:buClr>
       <a:buFont typeface="Arial"/>
-      <a:defRPr sz="1400" b="0" i="0" u="none" strike="noStrike" cap="none">
+      <a:defRPr b="0" i="0" sz="1400" u="none" cap="none" strike="noStrike">
         <a:solidFill>
           <a:srgbClr val="000000"/>
         </a:solidFill>
@@ -214,7 +214,7 @@
         <a:sym typeface="Arial"/>
       </a:defRPr>
     </a:lvl7pPr>
-    <a:lvl8pPr marR="0" lvl="7" algn="l" rtl="0">
+    <a:lvl8pPr lvl="7" marR="0" rtl="0" algn="l">
       <a:lnSpc>
         <a:spcPct val="100000"/>
       </a:lnSpc>
@@ -228,7 +228,7 @@
         <a:srgbClr val="000000"/>
       </a:buClr>
       <a:buFont typeface="Arial"/>
-      <a:defRPr sz="1400" b="0" i="0" u="none" strike="noStrike" cap="none">
+      <a:defRPr b="0" i="0" sz="1400" u="none" cap="none" strike="noStrike">
         <a:solidFill>
           <a:srgbClr val="000000"/>
         </a:solidFill>
@@ -238,7 +238,7 @@
         <a:sym typeface="Arial"/>
       </a:defRPr>
     </a:lvl8pPr>
-    <a:lvl9pPr marR="0" lvl="8" algn="l" rtl="0">
+    <a:lvl9pPr lvl="8" marR="0" rtl="0" algn="l">
       <a:lnSpc>
         <a:spcPct val="100000"/>
       </a:lnSpc>
@@ -252,7 +252,7 @@
         <a:srgbClr val="000000"/>
       </a:buClr>
       <a:buFont typeface="Arial"/>
-      <a:defRPr sz="1400" b="0" i="0" u="none" strike="noStrike" cap="none">
+      <a:defRPr b="0" i="0" sz="1400" u="none" cap="none" strike="noStrike">
         <a:solidFill>
           <a:srgbClr val="000000"/>
         </a:solidFill>
@@ -265,7 +265,7 @@
   </p:defaultTextStyle>
   <p:extLst>
     <p:ext uri="{EFAFB233-063F-42B5-8137-9DF3F51BA10A}">
-      <p15:sldGuideLst xmlns:p15="http://schemas.microsoft.com/office/powerpoint/2012/main">
+      <p15:sldGuideLst>
         <p15:guide id="1" orient="horz" pos="1620">
           <p15:clr>
             <a:srgbClr val="A4A3A4"/>
@@ -283,16 +283,18 @@
 </file>
 
 <file path=ppt/notesMasters/notesMaster1.xml><?xml version="1.0" encoding="utf-8"?>
-<p:notesMaster xmlns:a="http://schemas.openxmlformats.org/drawingml/2006/main" xmlns:r="http://schemas.openxmlformats.org/officeDocument/2006/relationships" xmlns:p="http://schemas.openxmlformats.org/presentationml/2006/main">
+<p:notesMaster xmlns:a="http://schemas.openxmlformats.org/drawingml/2006/main" xmlns:r="http://schemas.openxmlformats.org/officeDocument/2006/relationships" xmlns:mc="http://schemas.openxmlformats.org/markup-compatibility/2006" xmlns:mv="urn:schemas-microsoft-com:mac:vml" xmlns:p="http://schemas.openxmlformats.org/presentationml/2006/main" xmlns:c="http://schemas.openxmlformats.org/drawingml/2006/chart" xmlns:dgm="http://schemas.openxmlformats.org/drawingml/2006/diagram" xmlns:o="urn:schemas-microsoft-com:office:office" xmlns:v="urn:schemas-microsoft-com:vml" xmlns:pvml="urn:schemas-microsoft-com:office:powerpoint" xmlns:com="http://schemas.openxmlformats.org/drawingml/2006/compatibility" xmlns:p14="http://schemas.microsoft.com/office/powerpoint/2010/main" xmlns:p15="http://schemas.microsoft.com/office/powerpoint/2012/main">
   <p:cSld>
     <p:bg>
-      <p:bgRef idx="1001">
-        <a:schemeClr val="bg1"/>
-      </p:bgRef>
+      <p:bgPr>
+        <a:solidFill>
+          <a:schemeClr val="lt1"/>
+        </a:solidFill>
+      </p:bgPr>
     </p:bg>
     <p:spTree>
       <p:nvGrpSpPr>
-        <p:cNvPr id="1" name="Shape 2"/>
+        <p:cNvPr id="2" name="Shape 2"/>
         <p:cNvGrpSpPr/>
         <p:nvPr/>
       </p:nvGrpSpPr>
@@ -307,11 +309,9 @@
       <p:sp>
         <p:nvSpPr>
           <p:cNvPr id="3" name="Google Shape;3;n"/>
-          <p:cNvSpPr>
-            <a:spLocks noGrp="1" noRot="1" noChangeAspect="1"/>
-          </p:cNvSpPr>
+          <p:cNvSpPr/>
           <p:nvPr>
-            <p:ph type="sldImg" idx="2"/>
+            <p:ph idx="2" type="sldImg"/>
           </p:nvPr>
         </p:nvSpPr>
         <p:spPr>
@@ -320,13 +320,9 @@
             <a:ext cx="6096075" cy="3429000"/>
           </a:xfrm>
           <a:custGeom>
-            <a:avLst/>
-            <a:gdLst/>
-            <a:ahLst/>
-            <a:cxnLst/>
-            <a:rect l="l" t="t" r="r" b="b"/>
+            <a:rect b="b" l="l" r="r" t="t"/>
             <a:pathLst>
-              <a:path w="120000" h="120000" extrusionOk="0">
+              <a:path extrusionOk="0" h="120000" w="120000">
                 <a:moveTo>
                   <a:pt x="0" y="0"/>
                 </a:moveTo>
@@ -344,25 +340,23 @@
             </a:pathLst>
           </a:custGeom>
           <a:noFill/>
-          <a:ln w="9525" cap="flat" cmpd="sng">
+          <a:ln cap="flat" cmpd="sng" w="9525">
             <a:solidFill>
               <a:srgbClr val="000000"/>
             </a:solidFill>
             <a:prstDash val="solid"/>
             <a:round/>
-            <a:headEnd type="none" w="sm" len="sm"/>
-            <a:tailEnd type="none" w="sm" len="sm"/>
+            <a:headEnd len="sm" w="sm" type="none"/>
+            <a:tailEnd len="sm" w="sm" type="none"/>
           </a:ln>
         </p:spPr>
       </p:sp>
       <p:sp>
         <p:nvSpPr>
           <p:cNvPr id="4" name="Google Shape;4;n"/>
-          <p:cNvSpPr txBox="1">
-            <a:spLocks noGrp="1"/>
-          </p:cNvSpPr>
+          <p:cNvSpPr txBox="1"/>
           <p:nvPr>
-            <p:ph type="body" idx="1"/>
+            <p:ph idx="1" type="body"/>
           </p:nvPr>
         </p:nvSpPr>
         <p:spPr>
@@ -379,9 +373,11 @@
           </a:ln>
         </p:spPr>
         <p:txBody>
-          <a:bodyPr spcFirstLastPara="1" wrap="square" lIns="91425" tIns="91425" rIns="91425" bIns="91425" anchor="t" anchorCtr="0"/>
+          <a:bodyPr anchorCtr="0" anchor="t" bIns="91425" lIns="91425" spcFirstLastPara="1" rIns="91425" wrap="square" tIns="91425">
+            <a:noAutofit/>
+          </a:bodyPr>
           <a:lstStyle>
-            <a:lvl1pPr marL="457200" marR="0" lvl="0" indent="-298450" algn="l" rtl="0">
+            <a:lvl1pPr indent="-298450" lvl="0" marL="457200" marR="0" rtl="0" algn="l">
               <a:lnSpc>
                 <a:spcPct val="100000"/>
               </a:lnSpc>
@@ -397,7 +393,7 @@
               <a:buSzPts val="1100"/>
               <a:buFont typeface="Arial"/>
               <a:buChar char="●"/>
-              <a:defRPr sz="1100" b="0" i="0" u="none" strike="noStrike" cap="none">
+              <a:defRPr b="0" i="0" sz="1100" u="none" cap="none" strike="noStrike">
                 <a:solidFill>
                   <a:srgbClr val="000000"/>
                 </a:solidFill>
@@ -407,7 +403,7 @@
                 <a:sym typeface="Arial"/>
               </a:defRPr>
             </a:lvl1pPr>
-            <a:lvl2pPr marL="914400" marR="0" lvl="1" indent="-298450" algn="l" rtl="0">
+            <a:lvl2pPr indent="-298450" lvl="1" marL="914400" marR="0" rtl="0" algn="l">
               <a:lnSpc>
                 <a:spcPct val="100000"/>
               </a:lnSpc>
@@ -423,7 +419,7 @@
               <a:buSzPts val="1100"/>
               <a:buFont typeface="Arial"/>
               <a:buChar char="○"/>
-              <a:defRPr sz="1100" b="0" i="0" u="none" strike="noStrike" cap="none">
+              <a:defRPr b="0" i="0" sz="1100" u="none" cap="none" strike="noStrike">
                 <a:solidFill>
                   <a:srgbClr val="000000"/>
                 </a:solidFill>
@@ -433,7 +429,7 @@
                 <a:sym typeface="Arial"/>
               </a:defRPr>
             </a:lvl2pPr>
-            <a:lvl3pPr marL="1371600" marR="0" lvl="2" indent="-298450" algn="l" rtl="0">
+            <a:lvl3pPr indent="-298450" lvl="2" marL="1371600" marR="0" rtl="0" algn="l">
               <a:lnSpc>
                 <a:spcPct val="100000"/>
               </a:lnSpc>
@@ -449,7 +445,7 @@
               <a:buSzPts val="1100"/>
               <a:buFont typeface="Arial"/>
               <a:buChar char="■"/>
-              <a:defRPr sz="1100" b="0" i="0" u="none" strike="noStrike" cap="none">
+              <a:defRPr b="0" i="0" sz="1100" u="none" cap="none" strike="noStrike">
                 <a:solidFill>
                   <a:srgbClr val="000000"/>
                 </a:solidFill>
@@ -459,7 +455,7 @@
                 <a:sym typeface="Arial"/>
               </a:defRPr>
             </a:lvl3pPr>
-            <a:lvl4pPr marL="1828800" marR="0" lvl="3" indent="-298450" algn="l" rtl="0">
+            <a:lvl4pPr indent="-298450" lvl="3" marL="1828800" marR="0" rtl="0" algn="l">
               <a:lnSpc>
                 <a:spcPct val="100000"/>
               </a:lnSpc>
@@ -475,7 +471,7 @@
               <a:buSzPts val="1100"/>
               <a:buFont typeface="Arial"/>
               <a:buChar char="●"/>
-              <a:defRPr sz="1100" b="0" i="0" u="none" strike="noStrike" cap="none">
+              <a:defRPr b="0" i="0" sz="1100" u="none" cap="none" strike="noStrike">
                 <a:solidFill>
                   <a:srgbClr val="000000"/>
                 </a:solidFill>
@@ -485,7 +481,7 @@
                 <a:sym typeface="Arial"/>
               </a:defRPr>
             </a:lvl4pPr>
-            <a:lvl5pPr marL="2286000" marR="0" lvl="4" indent="-298450" algn="l" rtl="0">
+            <a:lvl5pPr indent="-298450" lvl="4" marL="2286000" marR="0" rtl="0" algn="l">
               <a:lnSpc>
                 <a:spcPct val="100000"/>
               </a:lnSpc>
@@ -501,7 +497,7 @@
               <a:buSzPts val="1100"/>
               <a:buFont typeface="Arial"/>
               <a:buChar char="○"/>
-              <a:defRPr sz="1100" b="0" i="0" u="none" strike="noStrike" cap="none">
+              <a:defRPr b="0" i="0" sz="1100" u="none" cap="none" strike="noStrike">
                 <a:solidFill>
                   <a:srgbClr val="000000"/>
                 </a:solidFill>
@@ -511,7 +507,7 @@
                 <a:sym typeface="Arial"/>
               </a:defRPr>
             </a:lvl5pPr>
-            <a:lvl6pPr marL="2743200" marR="0" lvl="5" indent="-298450" algn="l" rtl="0">
+            <a:lvl6pPr indent="-298450" lvl="5" marL="2743200" marR="0" rtl="0" algn="l">
               <a:lnSpc>
                 <a:spcPct val="100000"/>
               </a:lnSpc>
@@ -527,7 +523,7 @@
               <a:buSzPts val="1100"/>
               <a:buFont typeface="Arial"/>
               <a:buChar char="■"/>
-              <a:defRPr sz="1100" b="0" i="0" u="none" strike="noStrike" cap="none">
+              <a:defRPr b="0" i="0" sz="1100" u="none" cap="none" strike="noStrike">
                 <a:solidFill>
                   <a:srgbClr val="000000"/>
                 </a:solidFill>
@@ -537,7 +533,7 @@
                 <a:sym typeface="Arial"/>
               </a:defRPr>
             </a:lvl6pPr>
-            <a:lvl7pPr marL="3200400" marR="0" lvl="6" indent="-298450" algn="l" rtl="0">
+            <a:lvl7pPr indent="-298450" lvl="6" marL="3200400" marR="0" rtl="0" algn="l">
               <a:lnSpc>
                 <a:spcPct val="100000"/>
               </a:lnSpc>
@@ -553,7 +549,7 @@
               <a:buSzPts val="1100"/>
               <a:buFont typeface="Arial"/>
               <a:buChar char="●"/>
-              <a:defRPr sz="1100" b="0" i="0" u="none" strike="noStrike" cap="none">
+              <a:defRPr b="0" i="0" sz="1100" u="none" cap="none" strike="noStrike">
                 <a:solidFill>
                   <a:srgbClr val="000000"/>
                 </a:solidFill>
@@ -563,7 +559,7 @@
                 <a:sym typeface="Arial"/>
               </a:defRPr>
             </a:lvl7pPr>
-            <a:lvl8pPr marL="3657600" marR="0" lvl="7" indent="-298450" algn="l" rtl="0">
+            <a:lvl8pPr indent="-298450" lvl="7" marL="3657600" marR="0" rtl="0" algn="l">
               <a:lnSpc>
                 <a:spcPct val="100000"/>
               </a:lnSpc>
@@ -579,7 +575,7 @@
               <a:buSzPts val="1100"/>
               <a:buFont typeface="Arial"/>
               <a:buChar char="○"/>
-              <a:defRPr sz="1100" b="0" i="0" u="none" strike="noStrike" cap="none">
+              <a:defRPr b="0" i="0" sz="1100" u="none" cap="none" strike="noStrike">
                 <a:solidFill>
                   <a:srgbClr val="000000"/>
                 </a:solidFill>
@@ -589,7 +585,7 @@
                 <a:sym typeface="Arial"/>
               </a:defRPr>
             </a:lvl8pPr>
-            <a:lvl9pPr marL="4114800" marR="0" lvl="8" indent="-298450" algn="l" rtl="0">
+            <a:lvl9pPr indent="-298450" lvl="8" marL="4114800" marR="0" rtl="0" algn="l">
               <a:lnSpc>
                 <a:spcPct val="100000"/>
               </a:lnSpc>
@@ -605,7 +601,7 @@
               <a:buSzPts val="1100"/>
               <a:buFont typeface="Arial"/>
               <a:buChar char="■"/>
-              <a:defRPr sz="1100" b="0" i="0" u="none" strike="noStrike" cap="none">
+              <a:defRPr b="0" i="0" sz="1100" u="none" cap="none" strike="noStrike">
                 <a:solidFill>
                   <a:srgbClr val="000000"/>
                 </a:solidFill>
@@ -616,16 +612,14 @@
               </a:defRPr>
             </a:lvl9pPr>
           </a:lstStyle>
-          <a:p>
-            <a:endParaRPr/>
-          </a:p>
+          <a:p/>
         </p:txBody>
       </p:sp>
     </p:spTree>
   </p:cSld>
-  <p:clrMap bg1="lt1" tx1="dk1" bg2="dk2" tx2="lt2" accent1="accent1" accent2="accent2" accent3="accent3" accent4="accent4" accent5="accent5" accent6="accent6" hlink="hlink" folHlink="folHlink"/>
+  <p:clrMap accent1="accent1" accent2="accent2" accent3="accent3" accent4="accent4" accent5="accent5" accent6="accent6" bg1="lt1" bg2="dk2" tx1="dk1" tx2="lt2" folHlink="folHlink" hlink="hlink"/>
   <p:notesStyle>
-    <a:defPPr marR="0" lvl="0" algn="l" rtl="0">
+    <a:defPPr lvl="0" marR="0" rtl="0" algn="l">
       <a:lnSpc>
         <a:spcPct val="100000"/>
       </a:lnSpc>
@@ -636,7 +630,7 @@
         <a:spcPts val="0"/>
       </a:spcAft>
     </a:defPPr>
-    <a:lvl1pPr marR="0" lvl="0" algn="l" rtl="0">
+    <a:lvl1pPr lvl="0" marR="0" rtl="0" algn="l">
       <a:lnSpc>
         <a:spcPct val="100000"/>
       </a:lnSpc>
@@ -650,7 +644,7 @@
         <a:srgbClr val="000000"/>
       </a:buClr>
       <a:buFont typeface="Arial"/>
-      <a:defRPr sz="1400" b="0" i="0" u="none" strike="noStrike" cap="none">
+      <a:defRPr b="0" i="0" sz="1400" u="none" cap="none" strike="noStrike">
         <a:solidFill>
           <a:srgbClr val="000000"/>
         </a:solidFill>
@@ -660,7 +654,7 @@
         <a:sym typeface="Arial"/>
       </a:defRPr>
     </a:lvl1pPr>
-    <a:lvl2pPr marR="0" lvl="1" algn="l" rtl="0">
+    <a:lvl2pPr lvl="1" marR="0" rtl="0" algn="l">
       <a:lnSpc>
         <a:spcPct val="100000"/>
       </a:lnSpc>
@@ -674,7 +668,7 @@
         <a:srgbClr val="000000"/>
       </a:buClr>
       <a:buFont typeface="Arial"/>
-      <a:defRPr sz="1400" b="0" i="0" u="none" strike="noStrike" cap="none">
+      <a:defRPr b="0" i="0" sz="1400" u="none" cap="none" strike="noStrike">
         <a:solidFill>
           <a:srgbClr val="000000"/>
         </a:solidFill>
@@ -684,7 +678,7 @@
         <a:sym typeface="Arial"/>
       </a:defRPr>
     </a:lvl2pPr>
-    <a:lvl3pPr marR="0" lvl="2" algn="l" rtl="0">
+    <a:lvl3pPr lvl="2" marR="0" rtl="0" algn="l">
       <a:lnSpc>
         <a:spcPct val="100000"/>
       </a:lnSpc>
@@ -698,7 +692,7 @@
         <a:srgbClr val="000000"/>
       </a:buClr>
       <a:buFont typeface="Arial"/>
-      <a:defRPr sz="1400" b="0" i="0" u="none" strike="noStrike" cap="none">
+      <a:defRPr b="0" i="0" sz="1400" u="none" cap="none" strike="noStrike">
         <a:solidFill>
           <a:srgbClr val="000000"/>
         </a:solidFill>
@@ -708,7 +702,7 @@
         <a:sym typeface="Arial"/>
       </a:defRPr>
     </a:lvl3pPr>
-    <a:lvl4pPr marR="0" lvl="3" algn="l" rtl="0">
+    <a:lvl4pPr lvl="3" marR="0" rtl="0" algn="l">
       <a:lnSpc>
         <a:spcPct val="100000"/>
       </a:lnSpc>
@@ -722,7 +716,7 @@
         <a:srgbClr val="000000"/>
       </a:buClr>
       <a:buFont typeface="Arial"/>
-      <a:defRPr sz="1400" b="0" i="0" u="none" strike="noStrike" cap="none">
+      <a:defRPr b="0" i="0" sz="1400" u="none" cap="none" strike="noStrike">
         <a:solidFill>
           <a:srgbClr val="000000"/>
         </a:solidFill>
@@ -732,7 +726,7 @@
         <a:sym typeface="Arial"/>
       </a:defRPr>
     </a:lvl4pPr>
-    <a:lvl5pPr marR="0" lvl="4" algn="l" rtl="0">
+    <a:lvl5pPr lvl="4" marR="0" rtl="0" algn="l">
       <a:lnSpc>
         <a:spcPct val="100000"/>
       </a:lnSpc>
@@ -746,7 +740,7 @@
         <a:srgbClr val="000000"/>
       </a:buClr>
       <a:buFont typeface="Arial"/>
-      <a:defRPr sz="1400" b="0" i="0" u="none" strike="noStrike" cap="none">
+      <a:defRPr b="0" i="0" sz="1400" u="none" cap="none" strike="noStrike">
         <a:solidFill>
           <a:srgbClr val="000000"/>
         </a:solidFill>
@@ -756,7 +750,7 @@
         <a:sym typeface="Arial"/>
       </a:defRPr>
     </a:lvl5pPr>
-    <a:lvl6pPr marR="0" lvl="5" algn="l" rtl="0">
+    <a:lvl6pPr lvl="5" marR="0" rtl="0" algn="l">
       <a:lnSpc>
         <a:spcPct val="100000"/>
       </a:lnSpc>
@@ -770,7 +764,7 @@
         <a:srgbClr val="000000"/>
       </a:buClr>
       <a:buFont typeface="Arial"/>
-      <a:defRPr sz="1400" b="0" i="0" u="none" strike="noStrike" cap="none">
+      <a:defRPr b="0" i="0" sz="1400" u="none" cap="none" strike="noStrike">
         <a:solidFill>
           <a:srgbClr val="000000"/>
         </a:solidFill>
@@ -780,7 +774,7 @@
         <a:sym typeface="Arial"/>
       </a:defRPr>
     </a:lvl6pPr>
-    <a:lvl7pPr marR="0" lvl="6" algn="l" rtl="0">
+    <a:lvl7pPr lvl="6" marR="0" rtl="0" algn="l">
       <a:lnSpc>
         <a:spcPct val="100000"/>
       </a:lnSpc>
@@ -794,7 +788,7 @@
         <a:srgbClr val="000000"/>
       </a:buClr>
       <a:buFont typeface="Arial"/>
-      <a:defRPr sz="1400" b="0" i="0" u="none" strike="noStrike" cap="none">
+      <a:defRPr b="0" i="0" sz="1400" u="none" cap="none" strike="noStrike">
         <a:solidFill>
           <a:srgbClr val="000000"/>
         </a:solidFill>
@@ -804,7 +798,7 @@
         <a:sym typeface="Arial"/>
       </a:defRPr>
     </a:lvl7pPr>
-    <a:lvl8pPr marR="0" lvl="7" algn="l" rtl="0">
+    <a:lvl8pPr lvl="7" marR="0" rtl="0" algn="l">
       <a:lnSpc>
         <a:spcPct val="100000"/>
       </a:lnSpc>
@@ -818,7 +812,7 @@
         <a:srgbClr val="000000"/>
       </a:buClr>
       <a:buFont typeface="Arial"/>
-      <a:defRPr sz="1400" b="0" i="0" u="none" strike="noStrike" cap="none">
+      <a:defRPr b="0" i="0" sz="1400" u="none" cap="none" strike="noStrike">
         <a:solidFill>
           <a:srgbClr val="000000"/>
         </a:solidFill>
@@ -828,7 +822,7 @@
         <a:sym typeface="Arial"/>
       </a:defRPr>
     </a:lvl8pPr>
-    <a:lvl9pPr marR="0" lvl="8" algn="l" rtl="0">
+    <a:lvl9pPr lvl="8" marR="0" rtl="0" algn="l">
       <a:lnSpc>
         <a:spcPct val="100000"/>
       </a:lnSpc>
@@ -842,7 +836,7 @@
         <a:srgbClr val="000000"/>
       </a:buClr>
       <a:buFont typeface="Arial"/>
-      <a:defRPr sz="1400" b="0" i="0" u="none" strike="noStrike" cap="none">
+      <a:defRPr b="0" i="0" sz="1400" u="none" cap="none" strike="noStrike">
         <a:solidFill>
           <a:srgbClr val="000000"/>
         </a:solidFill>
@@ -857,11 +851,11 @@
 </file>
 
 <file path=ppt/notesSlides/notesSlide1.xml><?xml version="1.0" encoding="utf-8"?>
-<p:notes xmlns:a="http://schemas.openxmlformats.org/drawingml/2006/main" xmlns:r="http://schemas.openxmlformats.org/officeDocument/2006/relationships" xmlns:p="http://schemas.openxmlformats.org/presentationml/2006/main" showMasterSp="0" showMasterPhAnim="0">
+<p:notes xmlns:a="http://schemas.openxmlformats.org/drawingml/2006/main" xmlns:r="http://schemas.openxmlformats.org/officeDocument/2006/relationships" xmlns:mc="http://schemas.openxmlformats.org/markup-compatibility/2006" xmlns:mv="urn:schemas-microsoft-com:mac:vml" xmlns:p="http://schemas.openxmlformats.org/presentationml/2006/main" xmlns:c="http://schemas.openxmlformats.org/drawingml/2006/chart" xmlns:dgm="http://schemas.openxmlformats.org/drawingml/2006/diagram" xmlns:o="urn:schemas-microsoft-com:office:office" xmlns:v="urn:schemas-microsoft-com:vml" xmlns:pvml="urn:schemas-microsoft-com:office:powerpoint" xmlns:com="http://schemas.openxmlformats.org/drawingml/2006/compatibility" xmlns:p14="http://schemas.microsoft.com/office/powerpoint/2010/main" xmlns:p15="http://schemas.microsoft.com/office/powerpoint/2012/main" showMasterPhAnim="0" showMasterSp="0">
   <p:cSld>
     <p:spTree>
       <p:nvGrpSpPr>
-        <p:cNvPr id="1" name="Shape 68"/>
+        <p:cNvPr id="66" name="Shape 66"/>
         <p:cNvGrpSpPr/>
         <p:nvPr/>
       </p:nvGrpSpPr>
@@ -875,12 +869,10 @@
       </p:grpSpPr>
       <p:sp>
         <p:nvSpPr>
-          <p:cNvPr id="69" name="Google Shape;69;p1:notes"/>
-          <p:cNvSpPr>
-            <a:spLocks noGrp="1" noRot="1" noChangeAspect="1"/>
-          </p:cNvSpPr>
+          <p:cNvPr id="67" name="Google Shape;67;p1:notes"/>
+          <p:cNvSpPr/>
           <p:nvPr>
-            <p:ph type="sldImg" idx="2"/>
+            <p:ph idx="2" type="sldImg"/>
           </p:nvPr>
         </p:nvSpPr>
         <p:spPr>
@@ -889,13 +881,9 @@
             <a:ext cx="6096000" cy="3429000"/>
           </a:xfrm>
           <a:custGeom>
-            <a:avLst/>
-            <a:gdLst/>
-            <a:ahLst/>
-            <a:cxnLst/>
-            <a:rect l="l" t="t" r="r" b="b"/>
+            <a:rect b="b" l="l" r="r" t="t"/>
             <a:pathLst>
-              <a:path w="120000" h="120000" extrusionOk="0">
+              <a:path extrusionOk="0" h="120000" w="120000">
                 <a:moveTo>
                   <a:pt x="0" y="0"/>
                 </a:moveTo>
@@ -913,25 +901,23 @@
             </a:pathLst>
           </a:custGeom>
           <a:noFill/>
-          <a:ln w="9525" cap="flat" cmpd="sng">
+          <a:ln cap="flat" cmpd="sng" w="9525">
             <a:solidFill>
               <a:srgbClr val="000000"/>
             </a:solidFill>
             <a:prstDash val="solid"/>
             <a:round/>
-            <a:headEnd type="none" w="sm" len="sm"/>
-            <a:tailEnd type="none" w="sm" len="sm"/>
+            <a:headEnd len="sm" w="sm" type="none"/>
+            <a:tailEnd len="sm" w="sm" type="none"/>
           </a:ln>
         </p:spPr>
       </p:sp>
       <p:sp>
         <p:nvSpPr>
-          <p:cNvPr id="70" name="Google Shape;70;p1:notes"/>
-          <p:cNvSpPr txBox="1">
-            <a:spLocks noGrp="1"/>
-          </p:cNvSpPr>
+          <p:cNvPr id="68" name="Google Shape;68;p1:notes"/>
+          <p:cNvSpPr txBox="1"/>
           <p:nvPr>
-            <p:ph type="body" idx="1"/>
+            <p:ph idx="1" type="body"/>
           </p:nvPr>
         </p:nvSpPr>
         <p:spPr>
@@ -948,12 +934,12 @@
           </a:ln>
         </p:spPr>
         <p:txBody>
-          <a:bodyPr spcFirstLastPara="1" wrap="square" lIns="91425" tIns="91425" rIns="91425" bIns="91425" anchor="t" anchorCtr="0">
+          <a:bodyPr anchorCtr="0" anchor="t" bIns="91425" lIns="91425" spcFirstLastPara="1" rIns="91425" wrap="square" tIns="91425">
             <a:noAutofit/>
           </a:bodyPr>
           <a:lstStyle/>
           <a:p>
-            <a:pPr marL="0" lvl="0" indent="0" algn="l" rtl="0">
+            <a:pPr indent="0" lvl="0" marL="0" rtl="0" algn="l">
               <a:lnSpc>
                 <a:spcPct val="100000"/>
               </a:lnSpc>
@@ -966,6 +952,9 @@
               <a:buSzPts val="1100"/>
               <a:buNone/>
             </a:pPr>
+            <a:r>
+              <a:t/>
+            </a:r>
             <a:endParaRPr/>
           </a:p>
         </p:txBody>
@@ -979,11 +968,11 @@
 </file>
 
 <file path=ppt/notesSlides/notesSlide2.xml><?xml version="1.0" encoding="utf-8"?>
-<p:notes xmlns:a="http://schemas.openxmlformats.org/drawingml/2006/main" xmlns:r="http://schemas.openxmlformats.org/officeDocument/2006/relationships" xmlns:p="http://schemas.openxmlformats.org/presentationml/2006/main" showMasterSp="0" showMasterPhAnim="0">
+<p:notes xmlns:a="http://schemas.openxmlformats.org/drawingml/2006/main" xmlns:r="http://schemas.openxmlformats.org/officeDocument/2006/relationships" xmlns:mc="http://schemas.openxmlformats.org/markup-compatibility/2006" xmlns:mv="urn:schemas-microsoft-com:mac:vml" xmlns:p="http://schemas.openxmlformats.org/presentationml/2006/main" xmlns:c="http://schemas.openxmlformats.org/drawingml/2006/chart" xmlns:dgm="http://schemas.openxmlformats.org/drawingml/2006/diagram" xmlns:o="urn:schemas-microsoft-com:office:office" xmlns:v="urn:schemas-microsoft-com:vml" xmlns:pvml="urn:schemas-microsoft-com:office:powerpoint" xmlns:com="http://schemas.openxmlformats.org/drawingml/2006/compatibility" xmlns:p14="http://schemas.microsoft.com/office/powerpoint/2010/main" xmlns:p15="http://schemas.microsoft.com/office/powerpoint/2012/main" showMasterPhAnim="0" showMasterSp="0">
   <p:cSld>
     <p:spTree>
       <p:nvGrpSpPr>
-        <p:cNvPr id="1" name="Shape 137"/>
+        <p:cNvPr id="74" name="Shape 74"/>
         <p:cNvGrpSpPr/>
         <p:nvPr/>
       </p:nvGrpSpPr>
@@ -997,12 +986,10 @@
       </p:grpSpPr>
       <p:sp>
         <p:nvSpPr>
-          <p:cNvPr id="138" name="Google Shape;138;g3fd17ecbb5_2_95:notes"/>
-          <p:cNvSpPr>
-            <a:spLocks noGrp="1" noRot="1" noChangeAspect="1"/>
-          </p:cNvSpPr>
+          <p:cNvPr id="75" name="Google Shape;75;p2:notes"/>
+          <p:cNvSpPr/>
           <p:nvPr>
-            <p:ph type="sldImg" idx="2"/>
+            <p:ph idx="2" type="sldImg"/>
           </p:nvPr>
         </p:nvSpPr>
         <p:spPr>
@@ -1011,434 +998,9 @@
             <a:ext cx="6096000" cy="3429000"/>
           </a:xfrm>
           <a:custGeom>
-            <a:avLst/>
-            <a:gdLst/>
-            <a:ahLst/>
-            <a:cxnLst/>
-            <a:rect l="l" t="t" r="r" b="b"/>
+            <a:rect b="b" l="l" r="r" t="t"/>
             <a:pathLst>
-              <a:path w="120000" h="120000" extrusionOk="0">
-                <a:moveTo>
-                  <a:pt x="0" y="0"/>
-                </a:moveTo>
-                <a:lnTo>
-                  <a:pt x="120000" y="0"/>
-                </a:lnTo>
-                <a:lnTo>
-                  <a:pt x="120000" y="120000"/>
-                </a:lnTo>
-                <a:lnTo>
-                  <a:pt x="0" y="120000"/>
-                </a:lnTo>
-                <a:close/>
-              </a:path>
-            </a:pathLst>
-          </a:custGeom>
-        </p:spPr>
-      </p:sp>
-      <p:sp>
-        <p:nvSpPr>
-          <p:cNvPr id="139" name="Google Shape;139;g3fd17ecbb5_2_95:notes"/>
-          <p:cNvSpPr txBox="1">
-            <a:spLocks noGrp="1"/>
-          </p:cNvSpPr>
-          <p:nvPr>
-            <p:ph type="body" idx="1"/>
-          </p:nvPr>
-        </p:nvSpPr>
-        <p:spPr>
-          <a:xfrm>
-            <a:off x="685800" y="4343400"/>
-            <a:ext cx="5486400" cy="4114800"/>
-          </a:xfrm>
-          <a:prstGeom prst="rect">
-            <a:avLst/>
-          </a:prstGeom>
-        </p:spPr>
-        <p:txBody>
-          <a:bodyPr spcFirstLastPara="1" wrap="square" lIns="91425" tIns="91425" rIns="91425" bIns="91425" anchor="t" anchorCtr="0">
-            <a:noAutofit/>
-          </a:bodyPr>
-          <a:lstStyle/>
-          <a:p>
-            <a:pPr marL="0" lvl="0" indent="0" algn="l" rtl="0">
-              <a:spcBef>
-                <a:spcPts val="0"/>
-              </a:spcBef>
-              <a:spcAft>
-                <a:spcPts val="0"/>
-              </a:spcAft>
-              <a:buNone/>
-            </a:pPr>
-            <a:endParaRPr/>
-          </a:p>
-        </p:txBody>
-      </p:sp>
-    </p:spTree>
-  </p:cSld>
-  <p:clrMapOvr>
-    <a:masterClrMapping/>
-  </p:clrMapOvr>
-</p:notes>
-</file>
-
-<file path=ppt/notesSlides/notesSlide3.xml><?xml version="1.0" encoding="utf-8"?>
-<p:notes xmlns:a="http://schemas.openxmlformats.org/drawingml/2006/main" xmlns:r="http://schemas.openxmlformats.org/officeDocument/2006/relationships" xmlns:p="http://schemas.openxmlformats.org/presentationml/2006/main" showMasterSp="0" showMasterPhAnim="0">
-  <p:cSld>
-    <p:spTree>
-      <p:nvGrpSpPr>
-        <p:cNvPr id="1" name="Shape 184"/>
-        <p:cNvGrpSpPr/>
-        <p:nvPr/>
-      </p:nvGrpSpPr>
-      <p:grpSpPr>
-        <a:xfrm>
-          <a:off x="0" y="0"/>
-          <a:ext cx="0" cy="0"/>
-          <a:chOff x="0" y="0"/>
-          <a:chExt cx="0" cy="0"/>
-        </a:xfrm>
-      </p:grpSpPr>
-      <p:sp>
-        <p:nvSpPr>
-          <p:cNvPr id="185" name="Google Shape;185;g3fd17ecbb5_0_150:notes"/>
-          <p:cNvSpPr>
-            <a:spLocks noGrp="1" noRot="1" noChangeAspect="1"/>
-          </p:cNvSpPr>
-          <p:nvPr>
-            <p:ph type="sldImg" idx="2"/>
-          </p:nvPr>
-        </p:nvSpPr>
-        <p:spPr>
-          <a:xfrm>
-            <a:off x="381000" y="685800"/>
-            <a:ext cx="6096000" cy="3429000"/>
-          </a:xfrm>
-          <a:custGeom>
-            <a:avLst/>
-            <a:gdLst/>
-            <a:ahLst/>
-            <a:cxnLst/>
-            <a:rect l="l" t="t" r="r" b="b"/>
-            <a:pathLst>
-              <a:path w="120000" h="120000" extrusionOk="0">
-                <a:moveTo>
-                  <a:pt x="0" y="0"/>
-                </a:moveTo>
-                <a:lnTo>
-                  <a:pt x="120000" y="0"/>
-                </a:lnTo>
-                <a:lnTo>
-                  <a:pt x="120000" y="120000"/>
-                </a:lnTo>
-                <a:lnTo>
-                  <a:pt x="0" y="120000"/>
-                </a:lnTo>
-                <a:close/>
-              </a:path>
-            </a:pathLst>
-          </a:custGeom>
-        </p:spPr>
-      </p:sp>
-      <p:sp>
-        <p:nvSpPr>
-          <p:cNvPr id="186" name="Google Shape;186;g3fd17ecbb5_0_150:notes"/>
-          <p:cNvSpPr txBox="1">
-            <a:spLocks noGrp="1"/>
-          </p:cNvSpPr>
-          <p:nvPr>
-            <p:ph type="body" idx="1"/>
-          </p:nvPr>
-        </p:nvSpPr>
-        <p:spPr>
-          <a:xfrm>
-            <a:off x="685800" y="4343400"/>
-            <a:ext cx="5486400" cy="4114800"/>
-          </a:xfrm>
-          <a:prstGeom prst="rect">
-            <a:avLst/>
-          </a:prstGeom>
-        </p:spPr>
-        <p:txBody>
-          <a:bodyPr spcFirstLastPara="1" wrap="square" lIns="91425" tIns="91425" rIns="91425" bIns="91425" anchor="t" anchorCtr="0">
-            <a:noAutofit/>
-          </a:bodyPr>
-          <a:lstStyle/>
-          <a:p>
-            <a:pPr marL="0" lvl="0" indent="0" algn="l" rtl="0">
-              <a:spcBef>
-                <a:spcPts val="0"/>
-              </a:spcBef>
-              <a:spcAft>
-                <a:spcPts val="0"/>
-              </a:spcAft>
-              <a:buNone/>
-            </a:pPr>
-            <a:endParaRPr/>
-          </a:p>
-        </p:txBody>
-      </p:sp>
-    </p:spTree>
-  </p:cSld>
-  <p:clrMapOvr>
-    <a:masterClrMapping/>
-  </p:clrMapOvr>
-</p:notes>
-</file>
-
-<file path=ppt/notesSlides/notesSlide4.xml><?xml version="1.0" encoding="utf-8"?>
-<p:notes xmlns:a="http://schemas.openxmlformats.org/drawingml/2006/main" xmlns:r="http://schemas.openxmlformats.org/officeDocument/2006/relationships" xmlns:p="http://schemas.openxmlformats.org/presentationml/2006/main" showMasterSp="0" showMasterPhAnim="0">
-  <p:cSld>
-    <p:spTree>
-      <p:nvGrpSpPr>
-        <p:cNvPr id="1" name="Shape 145"/>
-        <p:cNvGrpSpPr/>
-        <p:nvPr/>
-      </p:nvGrpSpPr>
-      <p:grpSpPr>
-        <a:xfrm>
-          <a:off x="0" y="0"/>
-          <a:ext cx="0" cy="0"/>
-          <a:chOff x="0" y="0"/>
-          <a:chExt cx="0" cy="0"/>
-        </a:xfrm>
-      </p:grpSpPr>
-      <p:sp>
-        <p:nvSpPr>
-          <p:cNvPr id="146" name="Google Shape;146;g3fd17ecbb5_2_49:notes"/>
-          <p:cNvSpPr>
-            <a:spLocks noGrp="1" noRot="1" noChangeAspect="1"/>
-          </p:cNvSpPr>
-          <p:nvPr>
-            <p:ph type="sldImg" idx="2"/>
-          </p:nvPr>
-        </p:nvSpPr>
-        <p:spPr>
-          <a:xfrm>
-            <a:off x="381000" y="685800"/>
-            <a:ext cx="6096000" cy="3429000"/>
-          </a:xfrm>
-          <a:custGeom>
-            <a:avLst/>
-            <a:gdLst/>
-            <a:ahLst/>
-            <a:cxnLst/>
-            <a:rect l="l" t="t" r="r" b="b"/>
-            <a:pathLst>
-              <a:path w="120000" h="120000" extrusionOk="0">
-                <a:moveTo>
-                  <a:pt x="0" y="0"/>
-                </a:moveTo>
-                <a:lnTo>
-                  <a:pt x="120000" y="0"/>
-                </a:lnTo>
-                <a:lnTo>
-                  <a:pt x="120000" y="120000"/>
-                </a:lnTo>
-                <a:lnTo>
-                  <a:pt x="0" y="120000"/>
-                </a:lnTo>
-                <a:close/>
-              </a:path>
-            </a:pathLst>
-          </a:custGeom>
-        </p:spPr>
-      </p:sp>
-      <p:sp>
-        <p:nvSpPr>
-          <p:cNvPr id="147" name="Google Shape;147;g3fd17ecbb5_2_49:notes"/>
-          <p:cNvSpPr txBox="1">
-            <a:spLocks noGrp="1"/>
-          </p:cNvSpPr>
-          <p:nvPr>
-            <p:ph type="body" idx="1"/>
-          </p:nvPr>
-        </p:nvSpPr>
-        <p:spPr>
-          <a:xfrm>
-            <a:off x="685800" y="4343400"/>
-            <a:ext cx="5486400" cy="4114800"/>
-          </a:xfrm>
-          <a:prstGeom prst="rect">
-            <a:avLst/>
-          </a:prstGeom>
-        </p:spPr>
-        <p:txBody>
-          <a:bodyPr spcFirstLastPara="1" wrap="square" lIns="91425" tIns="91425" rIns="91425" bIns="91425" anchor="t" anchorCtr="0">
-            <a:noAutofit/>
-          </a:bodyPr>
-          <a:lstStyle/>
-          <a:p>
-            <a:pPr marL="0" lvl="0" indent="0" algn="l" rtl="0">
-              <a:spcBef>
-                <a:spcPts val="0"/>
-              </a:spcBef>
-              <a:spcAft>
-                <a:spcPts val="0"/>
-              </a:spcAft>
-              <a:buNone/>
-            </a:pPr>
-            <a:endParaRPr/>
-          </a:p>
-        </p:txBody>
-      </p:sp>
-    </p:spTree>
-  </p:cSld>
-  <p:clrMapOvr>
-    <a:masterClrMapping/>
-  </p:clrMapOvr>
-</p:notes>
-</file>
-
-<file path=ppt/notesSlides/notesSlide5.xml><?xml version="1.0" encoding="utf-8"?>
-<p:notes xmlns:a="http://schemas.openxmlformats.org/drawingml/2006/main" xmlns:r="http://schemas.openxmlformats.org/officeDocument/2006/relationships" xmlns:p="http://schemas.openxmlformats.org/presentationml/2006/main" showMasterSp="0" showMasterPhAnim="0">
-  <p:cSld>
-    <p:spTree>
-      <p:nvGrpSpPr>
-        <p:cNvPr id="1" name="Shape 184"/>
-        <p:cNvGrpSpPr/>
-        <p:nvPr/>
-      </p:nvGrpSpPr>
-      <p:grpSpPr>
-        <a:xfrm>
-          <a:off x="0" y="0"/>
-          <a:ext cx="0" cy="0"/>
-          <a:chOff x="0" y="0"/>
-          <a:chExt cx="0" cy="0"/>
-        </a:xfrm>
-      </p:grpSpPr>
-      <p:sp>
-        <p:nvSpPr>
-          <p:cNvPr id="185" name="Google Shape;185;g3fd17ecbb5_0_150:notes"/>
-          <p:cNvSpPr>
-            <a:spLocks noGrp="1" noRot="1" noChangeAspect="1"/>
-          </p:cNvSpPr>
-          <p:nvPr>
-            <p:ph type="sldImg" idx="2"/>
-          </p:nvPr>
-        </p:nvSpPr>
-        <p:spPr>
-          <a:xfrm>
-            <a:off x="381000" y="685800"/>
-            <a:ext cx="6096000" cy="3429000"/>
-          </a:xfrm>
-          <a:custGeom>
-            <a:avLst/>
-            <a:gdLst/>
-            <a:ahLst/>
-            <a:cxnLst/>
-            <a:rect l="l" t="t" r="r" b="b"/>
-            <a:pathLst>
-              <a:path w="120000" h="120000" extrusionOk="0">
-                <a:moveTo>
-                  <a:pt x="0" y="0"/>
-                </a:moveTo>
-                <a:lnTo>
-                  <a:pt x="120000" y="0"/>
-                </a:lnTo>
-                <a:lnTo>
-                  <a:pt x="120000" y="120000"/>
-                </a:lnTo>
-                <a:lnTo>
-                  <a:pt x="0" y="120000"/>
-                </a:lnTo>
-                <a:close/>
-              </a:path>
-            </a:pathLst>
-          </a:custGeom>
-        </p:spPr>
-      </p:sp>
-      <p:sp>
-        <p:nvSpPr>
-          <p:cNvPr id="186" name="Google Shape;186;g3fd17ecbb5_0_150:notes"/>
-          <p:cNvSpPr txBox="1">
-            <a:spLocks noGrp="1"/>
-          </p:cNvSpPr>
-          <p:nvPr>
-            <p:ph type="body" idx="1"/>
-          </p:nvPr>
-        </p:nvSpPr>
-        <p:spPr>
-          <a:xfrm>
-            <a:off x="685800" y="4343400"/>
-            <a:ext cx="5486400" cy="4114800"/>
-          </a:xfrm>
-          <a:prstGeom prst="rect">
-            <a:avLst/>
-          </a:prstGeom>
-        </p:spPr>
-        <p:txBody>
-          <a:bodyPr spcFirstLastPara="1" wrap="square" lIns="91425" tIns="91425" rIns="91425" bIns="91425" anchor="t" anchorCtr="0">
-            <a:noAutofit/>
-          </a:bodyPr>
-          <a:lstStyle/>
-          <a:p>
-            <a:pPr marL="0" lvl="0" indent="0" algn="l" rtl="0">
-              <a:spcBef>
-                <a:spcPts val="0"/>
-              </a:spcBef>
-              <a:spcAft>
-                <a:spcPts val="0"/>
-              </a:spcAft>
-              <a:buNone/>
-            </a:pPr>
-            <a:endParaRPr/>
-          </a:p>
-        </p:txBody>
-      </p:sp>
-    </p:spTree>
-    <p:extLst>
-      <p:ext uri="{BB962C8B-B14F-4D97-AF65-F5344CB8AC3E}">
-        <p14:creationId xmlns:p14="http://schemas.microsoft.com/office/powerpoint/2010/main" val="2136192511"/>
-      </p:ext>
-    </p:extLst>
-  </p:cSld>
-  <p:clrMapOvr>
-    <a:masterClrMapping/>
-  </p:clrMapOvr>
-</p:notes>
-</file>
-
-<file path=ppt/notesSlides/notesSlide6.xml><?xml version="1.0" encoding="utf-8"?>
-<p:notes xmlns:a="http://schemas.openxmlformats.org/drawingml/2006/main" xmlns:r="http://schemas.openxmlformats.org/officeDocument/2006/relationships" xmlns:p="http://schemas.openxmlformats.org/presentationml/2006/main" showMasterSp="0" showMasterPhAnim="0">
-  <p:cSld>
-    <p:spTree>
-      <p:nvGrpSpPr>
-        <p:cNvPr id="1" name="Shape 175"/>
-        <p:cNvGrpSpPr/>
-        <p:nvPr/>
-      </p:nvGrpSpPr>
-      <p:grpSpPr>
-        <a:xfrm>
-          <a:off x="0" y="0"/>
-          <a:ext cx="0" cy="0"/>
-          <a:chOff x="0" y="0"/>
-          <a:chExt cx="0" cy="0"/>
-        </a:xfrm>
-      </p:grpSpPr>
-      <p:sp>
-        <p:nvSpPr>
-          <p:cNvPr id="176" name="Google Shape;176;p2:notes"/>
-          <p:cNvSpPr>
-            <a:spLocks noGrp="1" noRot="1" noChangeAspect="1"/>
-          </p:cNvSpPr>
-          <p:nvPr>
-            <p:ph type="sldImg" idx="2"/>
-          </p:nvPr>
-        </p:nvSpPr>
-        <p:spPr>
-          <a:xfrm>
-            <a:off x="381300" y="685800"/>
-            <a:ext cx="6096000" cy="3429000"/>
-          </a:xfrm>
-          <a:custGeom>
-            <a:avLst/>
-            <a:gdLst/>
-            <a:ahLst/>
-            <a:cxnLst/>
-            <a:rect l="l" t="t" r="r" b="b"/>
-            <a:pathLst>
-              <a:path w="120000" h="120000" extrusionOk="0">
+              <a:path extrusionOk="0" h="120000" w="120000">
                 <a:moveTo>
                   <a:pt x="0" y="0"/>
                 </a:moveTo>
@@ -1456,25 +1018,23 @@
             </a:pathLst>
           </a:custGeom>
           <a:noFill/>
-          <a:ln w="9525" cap="flat" cmpd="sng">
+          <a:ln cap="flat" cmpd="sng" w="9525">
             <a:solidFill>
               <a:srgbClr val="000000"/>
             </a:solidFill>
             <a:prstDash val="solid"/>
             <a:round/>
-            <a:headEnd type="none" w="sm" len="sm"/>
-            <a:tailEnd type="none" w="sm" len="sm"/>
+            <a:headEnd len="sm" w="sm" type="none"/>
+            <a:tailEnd len="sm" w="sm" type="none"/>
           </a:ln>
         </p:spPr>
       </p:sp>
       <p:sp>
         <p:nvSpPr>
-          <p:cNvPr id="177" name="Google Shape;177;p2:notes"/>
-          <p:cNvSpPr txBox="1">
-            <a:spLocks noGrp="1"/>
-          </p:cNvSpPr>
+          <p:cNvPr id="76" name="Google Shape;76;p2:notes"/>
+          <p:cNvSpPr txBox="1"/>
           <p:nvPr>
-            <p:ph type="body" idx="1"/>
+            <p:ph idx="1" type="body"/>
           </p:nvPr>
         </p:nvSpPr>
         <p:spPr>
@@ -1491,12 +1051,12 @@
           </a:ln>
         </p:spPr>
         <p:txBody>
-          <a:bodyPr spcFirstLastPara="1" wrap="square" lIns="91425" tIns="91425" rIns="91425" bIns="91425" anchor="t" anchorCtr="0">
+          <a:bodyPr anchorCtr="0" anchor="t" bIns="91425" lIns="91425" spcFirstLastPara="1" rIns="91425" wrap="square" tIns="91425">
             <a:noAutofit/>
           </a:bodyPr>
           <a:lstStyle/>
           <a:p>
-            <a:pPr marL="0" lvl="0" indent="0" algn="l" rtl="0">
+            <a:pPr indent="0" lvl="0" marL="0" rtl="0" algn="l">
               <a:lnSpc>
                 <a:spcPct val="100000"/>
               </a:lnSpc>
@@ -1509,6 +1069,9 @@
               <a:buSzPts val="1100"/>
               <a:buNone/>
             </a:pPr>
+            <a:r>
+              <a:t/>
+            </a:r>
             <a:endParaRPr/>
           </a:p>
         </p:txBody>
@@ -1521,12 +1084,12 @@
 </p:notes>
 </file>
 
-<file path=ppt/notesSlides/notesSlide7.xml><?xml version="1.0" encoding="utf-8"?>
-<p:notes xmlns:a="http://schemas.openxmlformats.org/drawingml/2006/main" xmlns:r="http://schemas.openxmlformats.org/officeDocument/2006/relationships" xmlns:p="http://schemas.openxmlformats.org/presentationml/2006/main" showMasterSp="0" showMasterPhAnim="0">
+<file path=ppt/notesSlides/notesSlide3.xml><?xml version="1.0" encoding="utf-8"?>
+<p:notes xmlns:a="http://schemas.openxmlformats.org/drawingml/2006/main" xmlns:r="http://schemas.openxmlformats.org/officeDocument/2006/relationships" xmlns:mc="http://schemas.openxmlformats.org/markup-compatibility/2006" xmlns:mv="urn:schemas-microsoft-com:mac:vml" xmlns:p="http://schemas.openxmlformats.org/presentationml/2006/main" xmlns:c="http://schemas.openxmlformats.org/drawingml/2006/chart" xmlns:dgm="http://schemas.openxmlformats.org/drawingml/2006/diagram" xmlns:o="urn:schemas-microsoft-com:office:office" xmlns:v="urn:schemas-microsoft-com:vml" xmlns:pvml="urn:schemas-microsoft-com:office:powerpoint" xmlns:com="http://schemas.openxmlformats.org/drawingml/2006/compatibility" xmlns:p14="http://schemas.microsoft.com/office/powerpoint/2010/main" xmlns:p15="http://schemas.microsoft.com/office/powerpoint/2012/main" showMasterPhAnim="0" showMasterSp="0">
   <p:cSld>
     <p:spTree>
       <p:nvGrpSpPr>
-        <p:cNvPr id="1" name="Shape 183"/>
+        <p:cNvPr id="81" name="Shape 81"/>
         <p:cNvGrpSpPr/>
         <p:nvPr/>
       </p:nvGrpSpPr>
@@ -1540,12 +1103,10 @@
       </p:grpSpPr>
       <p:sp>
         <p:nvSpPr>
-          <p:cNvPr id="184" name="Google Shape;184;p3:notes"/>
-          <p:cNvSpPr>
-            <a:spLocks noGrp="1" noRot="1" noChangeAspect="1"/>
-          </p:cNvSpPr>
+          <p:cNvPr id="82" name="Google Shape;82;p3:notes"/>
+          <p:cNvSpPr/>
           <p:nvPr>
-            <p:ph type="sldImg" idx="2"/>
+            <p:ph idx="2" type="sldImg"/>
           </p:nvPr>
         </p:nvSpPr>
         <p:spPr>
@@ -1554,13 +1115,9 @@
             <a:ext cx="6096000" cy="3429000"/>
           </a:xfrm>
           <a:custGeom>
-            <a:avLst/>
-            <a:gdLst/>
-            <a:ahLst/>
-            <a:cxnLst/>
-            <a:rect l="l" t="t" r="r" b="b"/>
+            <a:rect b="b" l="l" r="r" t="t"/>
             <a:pathLst>
-              <a:path w="120000" h="120000" extrusionOk="0">
+              <a:path extrusionOk="0" h="120000" w="120000">
                 <a:moveTo>
                   <a:pt x="0" y="0"/>
                 </a:moveTo>
@@ -1578,25 +1135,23 @@
             </a:pathLst>
           </a:custGeom>
           <a:noFill/>
-          <a:ln w="9525" cap="flat" cmpd="sng">
+          <a:ln cap="flat" cmpd="sng" w="9525">
             <a:solidFill>
               <a:srgbClr val="000000"/>
             </a:solidFill>
             <a:prstDash val="solid"/>
             <a:round/>
-            <a:headEnd type="none" w="sm" len="sm"/>
-            <a:tailEnd type="none" w="sm" len="sm"/>
+            <a:headEnd len="sm" w="sm" type="none"/>
+            <a:tailEnd len="sm" w="sm" type="none"/>
           </a:ln>
         </p:spPr>
       </p:sp>
       <p:sp>
         <p:nvSpPr>
-          <p:cNvPr id="185" name="Google Shape;185;p3:notes"/>
-          <p:cNvSpPr txBox="1">
-            <a:spLocks noGrp="1"/>
-          </p:cNvSpPr>
+          <p:cNvPr id="83" name="Google Shape;83;p3:notes"/>
+          <p:cNvSpPr txBox="1"/>
           <p:nvPr>
-            <p:ph type="body" idx="1"/>
+            <p:ph idx="1" type="body"/>
           </p:nvPr>
         </p:nvSpPr>
         <p:spPr>
@@ -1613,12 +1168,12 @@
           </a:ln>
         </p:spPr>
         <p:txBody>
-          <a:bodyPr spcFirstLastPara="1" wrap="square" lIns="91425" tIns="91425" rIns="91425" bIns="91425" anchor="t" anchorCtr="0">
+          <a:bodyPr anchorCtr="0" anchor="t" bIns="91425" lIns="91425" spcFirstLastPara="1" rIns="91425" wrap="square" tIns="91425">
             <a:noAutofit/>
           </a:bodyPr>
           <a:lstStyle/>
           <a:p>
-            <a:pPr marL="0" lvl="0" indent="0" algn="l" rtl="0">
+            <a:pPr indent="0" lvl="0" marL="0" rtl="0" algn="l">
               <a:lnSpc>
                 <a:spcPct val="100000"/>
               </a:lnSpc>
@@ -1631,6 +1186,477 @@
               <a:buSzPts val="1100"/>
               <a:buNone/>
             </a:pPr>
+            <a:r>
+              <a:t/>
+            </a:r>
+            <a:endParaRPr/>
+          </a:p>
+        </p:txBody>
+      </p:sp>
+    </p:spTree>
+  </p:cSld>
+  <p:clrMapOvr>
+    <a:masterClrMapping/>
+  </p:clrMapOvr>
+</p:notes>
+</file>
+
+<file path=ppt/notesSlides/notesSlide4.xml><?xml version="1.0" encoding="utf-8"?>
+<p:notes xmlns:a="http://schemas.openxmlformats.org/drawingml/2006/main" xmlns:r="http://schemas.openxmlformats.org/officeDocument/2006/relationships" xmlns:mc="http://schemas.openxmlformats.org/markup-compatibility/2006" xmlns:mv="urn:schemas-microsoft-com:mac:vml" xmlns:p="http://schemas.openxmlformats.org/presentationml/2006/main" xmlns:c="http://schemas.openxmlformats.org/drawingml/2006/chart" xmlns:dgm="http://schemas.openxmlformats.org/drawingml/2006/diagram" xmlns:o="urn:schemas-microsoft-com:office:office" xmlns:v="urn:schemas-microsoft-com:vml" xmlns:pvml="urn:schemas-microsoft-com:office:powerpoint" xmlns:com="http://schemas.openxmlformats.org/drawingml/2006/compatibility" xmlns:p14="http://schemas.microsoft.com/office/powerpoint/2010/main" xmlns:p15="http://schemas.microsoft.com/office/powerpoint/2012/main" showMasterPhAnim="0" showMasterSp="0">
+  <p:cSld>
+    <p:spTree>
+      <p:nvGrpSpPr>
+        <p:cNvPr id="90" name="Shape 90"/>
+        <p:cNvGrpSpPr/>
+        <p:nvPr/>
+      </p:nvGrpSpPr>
+      <p:grpSpPr>
+        <a:xfrm>
+          <a:off x="0" y="0"/>
+          <a:ext cx="0" cy="0"/>
+          <a:chOff x="0" y="0"/>
+          <a:chExt cx="0" cy="0"/>
+        </a:xfrm>
+      </p:grpSpPr>
+      <p:sp>
+        <p:nvSpPr>
+          <p:cNvPr id="91" name="Google Shape;91;p4:notes"/>
+          <p:cNvSpPr/>
+          <p:nvPr>
+            <p:ph idx="2" type="sldImg"/>
+          </p:nvPr>
+        </p:nvSpPr>
+        <p:spPr>
+          <a:xfrm>
+            <a:off x="381000" y="685800"/>
+            <a:ext cx="6096000" cy="3429000"/>
+          </a:xfrm>
+          <a:custGeom>
+            <a:rect b="b" l="l" r="r" t="t"/>
+            <a:pathLst>
+              <a:path extrusionOk="0" h="120000" w="120000">
+                <a:moveTo>
+                  <a:pt x="0" y="0"/>
+                </a:moveTo>
+                <a:lnTo>
+                  <a:pt x="120000" y="0"/>
+                </a:lnTo>
+                <a:lnTo>
+                  <a:pt x="120000" y="120000"/>
+                </a:lnTo>
+                <a:lnTo>
+                  <a:pt x="0" y="120000"/>
+                </a:lnTo>
+                <a:close/>
+              </a:path>
+            </a:pathLst>
+          </a:custGeom>
+          <a:noFill/>
+          <a:ln cap="flat" cmpd="sng" w="9525">
+            <a:solidFill>
+              <a:srgbClr val="000000"/>
+            </a:solidFill>
+            <a:prstDash val="solid"/>
+            <a:round/>
+            <a:headEnd len="sm" w="sm" type="none"/>
+            <a:tailEnd len="sm" w="sm" type="none"/>
+          </a:ln>
+        </p:spPr>
+      </p:sp>
+      <p:sp>
+        <p:nvSpPr>
+          <p:cNvPr id="92" name="Google Shape;92;p4:notes"/>
+          <p:cNvSpPr txBox="1"/>
+          <p:nvPr>
+            <p:ph idx="1" type="body"/>
+          </p:nvPr>
+        </p:nvSpPr>
+        <p:spPr>
+          <a:xfrm>
+            <a:off x="685800" y="4343400"/>
+            <a:ext cx="5486400" cy="4114800"/>
+          </a:xfrm>
+          <a:prstGeom prst="rect">
+            <a:avLst/>
+          </a:prstGeom>
+          <a:noFill/>
+          <a:ln>
+            <a:noFill/>
+          </a:ln>
+        </p:spPr>
+        <p:txBody>
+          <a:bodyPr anchorCtr="0" anchor="t" bIns="91425" lIns="91425" spcFirstLastPara="1" rIns="91425" wrap="square" tIns="91425">
+            <a:noAutofit/>
+          </a:bodyPr>
+          <a:lstStyle/>
+          <a:p>
+            <a:pPr indent="0" lvl="0" marL="0" rtl="0" algn="l">
+              <a:lnSpc>
+                <a:spcPct val="100000"/>
+              </a:lnSpc>
+              <a:spcBef>
+                <a:spcPts val="0"/>
+              </a:spcBef>
+              <a:spcAft>
+                <a:spcPts val="0"/>
+              </a:spcAft>
+              <a:buSzPts val="1100"/>
+              <a:buNone/>
+            </a:pPr>
+            <a:r>
+              <a:t/>
+            </a:r>
+            <a:endParaRPr/>
+          </a:p>
+        </p:txBody>
+      </p:sp>
+    </p:spTree>
+  </p:cSld>
+  <p:clrMapOvr>
+    <a:masterClrMapping/>
+  </p:clrMapOvr>
+</p:notes>
+</file>
+
+<file path=ppt/notesSlides/notesSlide5.xml><?xml version="1.0" encoding="utf-8"?>
+<p:notes xmlns:a="http://schemas.openxmlformats.org/drawingml/2006/main" xmlns:r="http://schemas.openxmlformats.org/officeDocument/2006/relationships" xmlns:mc="http://schemas.openxmlformats.org/markup-compatibility/2006" xmlns:mv="urn:schemas-microsoft-com:mac:vml" xmlns:p="http://schemas.openxmlformats.org/presentationml/2006/main" xmlns:c="http://schemas.openxmlformats.org/drawingml/2006/chart" xmlns:dgm="http://schemas.openxmlformats.org/drawingml/2006/diagram" xmlns:o="urn:schemas-microsoft-com:office:office" xmlns:v="urn:schemas-microsoft-com:vml" xmlns:pvml="urn:schemas-microsoft-com:office:powerpoint" xmlns:com="http://schemas.openxmlformats.org/drawingml/2006/compatibility" xmlns:p14="http://schemas.microsoft.com/office/powerpoint/2010/main" xmlns:p15="http://schemas.microsoft.com/office/powerpoint/2012/main" showMasterPhAnim="0" showMasterSp="0">
+  <p:cSld>
+    <p:spTree>
+      <p:nvGrpSpPr>
+        <p:cNvPr id="99" name="Shape 99"/>
+        <p:cNvGrpSpPr/>
+        <p:nvPr/>
+      </p:nvGrpSpPr>
+      <p:grpSpPr>
+        <a:xfrm>
+          <a:off x="0" y="0"/>
+          <a:ext cx="0" cy="0"/>
+          <a:chOff x="0" y="0"/>
+          <a:chExt cx="0" cy="0"/>
+        </a:xfrm>
+      </p:grpSpPr>
+      <p:sp>
+        <p:nvSpPr>
+          <p:cNvPr id="100" name="Google Shape;100;p5:notes"/>
+          <p:cNvSpPr/>
+          <p:nvPr>
+            <p:ph idx="2" type="sldImg"/>
+          </p:nvPr>
+        </p:nvSpPr>
+        <p:spPr>
+          <a:xfrm>
+            <a:off x="381000" y="685800"/>
+            <a:ext cx="6096000" cy="3429000"/>
+          </a:xfrm>
+          <a:custGeom>
+            <a:rect b="b" l="l" r="r" t="t"/>
+            <a:pathLst>
+              <a:path extrusionOk="0" h="120000" w="120000">
+                <a:moveTo>
+                  <a:pt x="0" y="0"/>
+                </a:moveTo>
+                <a:lnTo>
+                  <a:pt x="120000" y="0"/>
+                </a:lnTo>
+                <a:lnTo>
+                  <a:pt x="120000" y="120000"/>
+                </a:lnTo>
+                <a:lnTo>
+                  <a:pt x="0" y="120000"/>
+                </a:lnTo>
+                <a:close/>
+              </a:path>
+            </a:pathLst>
+          </a:custGeom>
+          <a:noFill/>
+          <a:ln cap="flat" cmpd="sng" w="9525">
+            <a:solidFill>
+              <a:srgbClr val="000000"/>
+            </a:solidFill>
+            <a:prstDash val="solid"/>
+            <a:round/>
+            <a:headEnd len="sm" w="sm" type="none"/>
+            <a:tailEnd len="sm" w="sm" type="none"/>
+          </a:ln>
+        </p:spPr>
+      </p:sp>
+      <p:sp>
+        <p:nvSpPr>
+          <p:cNvPr id="101" name="Google Shape;101;p5:notes"/>
+          <p:cNvSpPr txBox="1"/>
+          <p:nvPr>
+            <p:ph idx="1" type="body"/>
+          </p:nvPr>
+        </p:nvSpPr>
+        <p:spPr>
+          <a:xfrm>
+            <a:off x="685800" y="4343400"/>
+            <a:ext cx="5486400" cy="4114800"/>
+          </a:xfrm>
+          <a:prstGeom prst="rect">
+            <a:avLst/>
+          </a:prstGeom>
+          <a:noFill/>
+          <a:ln>
+            <a:noFill/>
+          </a:ln>
+        </p:spPr>
+        <p:txBody>
+          <a:bodyPr anchorCtr="0" anchor="t" bIns="91425" lIns="91425" spcFirstLastPara="1" rIns="91425" wrap="square" tIns="91425">
+            <a:noAutofit/>
+          </a:bodyPr>
+          <a:lstStyle/>
+          <a:p>
+            <a:pPr indent="0" lvl="0" marL="0" rtl="0" algn="l">
+              <a:lnSpc>
+                <a:spcPct val="100000"/>
+              </a:lnSpc>
+              <a:spcBef>
+                <a:spcPts val="0"/>
+              </a:spcBef>
+              <a:spcAft>
+                <a:spcPts val="0"/>
+              </a:spcAft>
+              <a:buSzPts val="1100"/>
+              <a:buNone/>
+            </a:pPr>
+            <a:r>
+              <a:t/>
+            </a:r>
+            <a:endParaRPr/>
+          </a:p>
+        </p:txBody>
+      </p:sp>
+    </p:spTree>
+  </p:cSld>
+  <p:clrMapOvr>
+    <a:masterClrMapping/>
+  </p:clrMapOvr>
+</p:notes>
+</file>
+
+<file path=ppt/notesSlides/notesSlide6.xml><?xml version="1.0" encoding="utf-8"?>
+<p:notes xmlns:a="http://schemas.openxmlformats.org/drawingml/2006/main" xmlns:r="http://schemas.openxmlformats.org/officeDocument/2006/relationships" xmlns:mc="http://schemas.openxmlformats.org/markup-compatibility/2006" xmlns:mv="urn:schemas-microsoft-com:mac:vml" xmlns:p="http://schemas.openxmlformats.org/presentationml/2006/main" xmlns:c="http://schemas.openxmlformats.org/drawingml/2006/chart" xmlns:dgm="http://schemas.openxmlformats.org/drawingml/2006/diagram" xmlns:o="urn:schemas-microsoft-com:office:office" xmlns:v="urn:schemas-microsoft-com:vml" xmlns:pvml="urn:schemas-microsoft-com:office:powerpoint" xmlns:com="http://schemas.openxmlformats.org/drawingml/2006/compatibility" xmlns:p14="http://schemas.microsoft.com/office/powerpoint/2010/main" xmlns:p15="http://schemas.microsoft.com/office/powerpoint/2012/main" showMasterPhAnim="0" showMasterSp="0">
+  <p:cSld>
+    <p:spTree>
+      <p:nvGrpSpPr>
+        <p:cNvPr id="108" name="Shape 108"/>
+        <p:cNvGrpSpPr/>
+        <p:nvPr/>
+      </p:nvGrpSpPr>
+      <p:grpSpPr>
+        <a:xfrm>
+          <a:off x="0" y="0"/>
+          <a:ext cx="0" cy="0"/>
+          <a:chOff x="0" y="0"/>
+          <a:chExt cx="0" cy="0"/>
+        </a:xfrm>
+      </p:grpSpPr>
+      <p:sp>
+        <p:nvSpPr>
+          <p:cNvPr id="109" name="Google Shape;109;p6:notes"/>
+          <p:cNvSpPr/>
+          <p:nvPr>
+            <p:ph idx="2" type="sldImg"/>
+          </p:nvPr>
+        </p:nvSpPr>
+        <p:spPr>
+          <a:xfrm>
+            <a:off x="381300" y="685800"/>
+            <a:ext cx="6096000" cy="3429000"/>
+          </a:xfrm>
+          <a:custGeom>
+            <a:rect b="b" l="l" r="r" t="t"/>
+            <a:pathLst>
+              <a:path extrusionOk="0" h="120000" w="120000">
+                <a:moveTo>
+                  <a:pt x="0" y="0"/>
+                </a:moveTo>
+                <a:lnTo>
+                  <a:pt x="120000" y="0"/>
+                </a:lnTo>
+                <a:lnTo>
+                  <a:pt x="120000" y="120000"/>
+                </a:lnTo>
+                <a:lnTo>
+                  <a:pt x="0" y="120000"/>
+                </a:lnTo>
+                <a:close/>
+              </a:path>
+            </a:pathLst>
+          </a:custGeom>
+          <a:noFill/>
+          <a:ln cap="flat" cmpd="sng" w="9525">
+            <a:solidFill>
+              <a:srgbClr val="000000"/>
+            </a:solidFill>
+            <a:prstDash val="solid"/>
+            <a:round/>
+            <a:headEnd len="sm" w="sm" type="none"/>
+            <a:tailEnd len="sm" w="sm" type="none"/>
+          </a:ln>
+        </p:spPr>
+      </p:sp>
+      <p:sp>
+        <p:nvSpPr>
+          <p:cNvPr id="110" name="Google Shape;110;p6:notes"/>
+          <p:cNvSpPr txBox="1"/>
+          <p:nvPr>
+            <p:ph idx="1" type="body"/>
+          </p:nvPr>
+        </p:nvSpPr>
+        <p:spPr>
+          <a:xfrm>
+            <a:off x="685800" y="4343400"/>
+            <a:ext cx="5486400" cy="4114800"/>
+          </a:xfrm>
+          <a:prstGeom prst="rect">
+            <a:avLst/>
+          </a:prstGeom>
+          <a:noFill/>
+          <a:ln>
+            <a:noFill/>
+          </a:ln>
+        </p:spPr>
+        <p:txBody>
+          <a:bodyPr anchorCtr="0" anchor="t" bIns="91425" lIns="91425" spcFirstLastPara="1" rIns="91425" wrap="square" tIns="91425">
+            <a:noAutofit/>
+          </a:bodyPr>
+          <a:lstStyle/>
+          <a:p>
+            <a:pPr indent="0" lvl="0" marL="0" rtl="0" algn="l">
+              <a:lnSpc>
+                <a:spcPct val="100000"/>
+              </a:lnSpc>
+              <a:spcBef>
+                <a:spcPts val="0"/>
+              </a:spcBef>
+              <a:spcAft>
+                <a:spcPts val="0"/>
+              </a:spcAft>
+              <a:buSzPts val="1100"/>
+              <a:buNone/>
+            </a:pPr>
+            <a:r>
+              <a:t/>
+            </a:r>
+            <a:endParaRPr/>
+          </a:p>
+        </p:txBody>
+      </p:sp>
+    </p:spTree>
+  </p:cSld>
+  <p:clrMapOvr>
+    <a:masterClrMapping/>
+  </p:clrMapOvr>
+</p:notes>
+</file>
+
+<file path=ppt/notesSlides/notesSlide7.xml><?xml version="1.0" encoding="utf-8"?>
+<p:notes xmlns:a="http://schemas.openxmlformats.org/drawingml/2006/main" xmlns:r="http://schemas.openxmlformats.org/officeDocument/2006/relationships" xmlns:mc="http://schemas.openxmlformats.org/markup-compatibility/2006" xmlns:mv="urn:schemas-microsoft-com:mac:vml" xmlns:p="http://schemas.openxmlformats.org/presentationml/2006/main" xmlns:c="http://schemas.openxmlformats.org/drawingml/2006/chart" xmlns:dgm="http://schemas.openxmlformats.org/drawingml/2006/diagram" xmlns:o="urn:schemas-microsoft-com:office:office" xmlns:v="urn:schemas-microsoft-com:vml" xmlns:pvml="urn:schemas-microsoft-com:office:powerpoint" xmlns:com="http://schemas.openxmlformats.org/drawingml/2006/compatibility" xmlns:p14="http://schemas.microsoft.com/office/powerpoint/2010/main" xmlns:p15="http://schemas.microsoft.com/office/powerpoint/2012/main" showMasterPhAnim="0" showMasterSp="0">
+  <p:cSld>
+    <p:spTree>
+      <p:nvGrpSpPr>
+        <p:cNvPr id="116" name="Shape 116"/>
+        <p:cNvGrpSpPr/>
+        <p:nvPr/>
+      </p:nvGrpSpPr>
+      <p:grpSpPr>
+        <a:xfrm>
+          <a:off x="0" y="0"/>
+          <a:ext cx="0" cy="0"/>
+          <a:chOff x="0" y="0"/>
+          <a:chExt cx="0" cy="0"/>
+        </a:xfrm>
+      </p:grpSpPr>
+      <p:sp>
+        <p:nvSpPr>
+          <p:cNvPr id="117" name="Google Shape;117;p7:notes"/>
+          <p:cNvSpPr/>
+          <p:nvPr>
+            <p:ph idx="2" type="sldImg"/>
+          </p:nvPr>
+        </p:nvSpPr>
+        <p:spPr>
+          <a:xfrm>
+            <a:off x="381000" y="685800"/>
+            <a:ext cx="6096000" cy="3429000"/>
+          </a:xfrm>
+          <a:custGeom>
+            <a:rect b="b" l="l" r="r" t="t"/>
+            <a:pathLst>
+              <a:path extrusionOk="0" h="120000" w="120000">
+                <a:moveTo>
+                  <a:pt x="0" y="0"/>
+                </a:moveTo>
+                <a:lnTo>
+                  <a:pt x="120000" y="0"/>
+                </a:lnTo>
+                <a:lnTo>
+                  <a:pt x="120000" y="120000"/>
+                </a:lnTo>
+                <a:lnTo>
+                  <a:pt x="0" y="120000"/>
+                </a:lnTo>
+                <a:close/>
+              </a:path>
+            </a:pathLst>
+          </a:custGeom>
+          <a:noFill/>
+          <a:ln cap="flat" cmpd="sng" w="9525">
+            <a:solidFill>
+              <a:srgbClr val="000000"/>
+            </a:solidFill>
+            <a:prstDash val="solid"/>
+            <a:round/>
+            <a:headEnd len="sm" w="sm" type="none"/>
+            <a:tailEnd len="sm" w="sm" type="none"/>
+          </a:ln>
+        </p:spPr>
+      </p:sp>
+      <p:sp>
+        <p:nvSpPr>
+          <p:cNvPr id="118" name="Google Shape;118;p7:notes"/>
+          <p:cNvSpPr txBox="1"/>
+          <p:nvPr>
+            <p:ph idx="1" type="body"/>
+          </p:nvPr>
+        </p:nvSpPr>
+        <p:spPr>
+          <a:xfrm>
+            <a:off x="685800" y="4343400"/>
+            <a:ext cx="5486400" cy="4114800"/>
+          </a:xfrm>
+          <a:prstGeom prst="rect">
+            <a:avLst/>
+          </a:prstGeom>
+          <a:noFill/>
+          <a:ln>
+            <a:noFill/>
+          </a:ln>
+        </p:spPr>
+        <p:txBody>
+          <a:bodyPr anchorCtr="0" anchor="t" bIns="91425" lIns="91425" spcFirstLastPara="1" rIns="91425" wrap="square" tIns="91425">
+            <a:noAutofit/>
+          </a:bodyPr>
+          <a:lstStyle/>
+          <a:p>
+            <a:pPr indent="0" lvl="0" marL="0" rtl="0" algn="l">
+              <a:lnSpc>
+                <a:spcPct val="100000"/>
+              </a:lnSpc>
+              <a:spcBef>
+                <a:spcPts val="0"/>
+              </a:spcBef>
+              <a:spcAft>
+                <a:spcPts val="0"/>
+              </a:spcAft>
+              <a:buSzPts val="1100"/>
+              <a:buNone/>
+            </a:pPr>
+            <a:r>
+              <a:t/>
+            </a:r>
             <a:endParaRPr/>
           </a:p>
         </p:txBody>
@@ -1644,19 +1670,18 @@
 </file>
 
 <file path=ppt/slideLayouts/slideLayout1.xml><?xml version="1.0" encoding="utf-8"?>
-<p:sldLayout xmlns:a="http://schemas.openxmlformats.org/drawingml/2006/main" xmlns:r="http://schemas.openxmlformats.org/officeDocument/2006/relationships" xmlns:p="http://schemas.openxmlformats.org/presentationml/2006/main" matchingName="Title slide" type="title">
+<p:sldLayout xmlns:a="http://schemas.openxmlformats.org/drawingml/2006/main" xmlns:r="http://schemas.openxmlformats.org/officeDocument/2006/relationships" xmlns:mc="http://schemas.openxmlformats.org/markup-compatibility/2006" xmlns:mv="urn:schemas-microsoft-com:mac:vml" xmlns:p="http://schemas.openxmlformats.org/presentationml/2006/main" xmlns:c="http://schemas.openxmlformats.org/drawingml/2006/chart" xmlns:dgm="http://schemas.openxmlformats.org/drawingml/2006/diagram" xmlns:o="urn:schemas-microsoft-com:office:office" xmlns:v="urn:schemas-microsoft-com:vml" xmlns:pvml="urn:schemas-microsoft-com:office:powerpoint" xmlns:com="http://schemas.openxmlformats.org/drawingml/2006/compatibility" xmlns:p14="http://schemas.microsoft.com/office/powerpoint/2010/main" xmlns:p15="http://schemas.microsoft.com/office/powerpoint/2012/main" matchingName="Title slide" type="title">
   <p:cSld name="TITLE">
     <p:bg>
       <p:bgPr>
         <a:solidFill>
           <a:schemeClr val="dk1"/>
         </a:solidFill>
-        <a:effectLst/>
       </p:bgPr>
     </p:bg>
     <p:spTree>
       <p:nvGrpSpPr>
-        <p:cNvPr id="1" name="Shape 9"/>
+        <p:cNvPr id="9" name="Shape 9"/>
         <p:cNvGrpSpPr/>
         <p:nvPr/>
       </p:nvGrpSpPr>
@@ -1683,14 +1708,14 @@
             <a:avLst/>
           </a:prstGeom>
           <a:noFill/>
-          <a:ln w="38100" cap="flat" cmpd="sng">
+          <a:ln cap="flat" cmpd="sng" w="38100">
             <a:solidFill>
               <a:schemeClr val="lt1"/>
             </a:solidFill>
             <a:prstDash val="solid"/>
             <a:round/>
-            <a:headEnd type="none" w="sm" len="sm"/>
-            <a:tailEnd type="none" w="sm" len="sm"/>
+            <a:headEnd len="sm" w="sm" type="none"/>
+            <a:tailEnd len="sm" w="sm" type="none"/>
           </a:ln>
         </p:spPr>
       </p:cxnSp>
@@ -1709,14 +1734,14 @@
             <a:avLst/>
           </a:prstGeom>
           <a:noFill/>
-          <a:ln w="19050" cap="flat" cmpd="sng">
+          <a:ln cap="flat" cmpd="sng" w="19050">
             <a:solidFill>
               <a:schemeClr val="lt1"/>
             </a:solidFill>
             <a:prstDash val="solid"/>
             <a:round/>
-            <a:headEnd type="none" w="sm" len="sm"/>
-            <a:tailEnd type="none" w="sm" len="sm"/>
+            <a:headEnd len="sm" w="sm" type="none"/>
+            <a:tailEnd len="sm" w="sm" type="none"/>
           </a:ln>
         </p:spPr>
       </p:cxnSp>
@@ -1735,23 +1760,21 @@
             <a:avLst/>
           </a:prstGeom>
           <a:noFill/>
-          <a:ln w="19050" cap="flat" cmpd="sng">
+          <a:ln cap="flat" cmpd="sng" w="19050">
             <a:solidFill>
               <a:schemeClr val="lt1"/>
             </a:solidFill>
             <a:prstDash val="solid"/>
             <a:round/>
-            <a:headEnd type="none" w="sm" len="sm"/>
-            <a:tailEnd type="none" w="sm" len="sm"/>
+            <a:headEnd len="sm" w="sm" type="none"/>
+            <a:tailEnd len="sm" w="sm" type="none"/>
           </a:ln>
         </p:spPr>
       </p:cxnSp>
       <p:sp>
         <p:nvSpPr>
           <p:cNvPr id="13" name="Google Shape;13;p2"/>
-          <p:cNvSpPr txBox="1">
-            <a:spLocks noGrp="1"/>
-          </p:cNvSpPr>
+          <p:cNvSpPr txBox="1"/>
           <p:nvPr>
             <p:ph type="ctrTitle"/>
           </p:nvPr>
@@ -1770,7 +1793,9 @@
           </a:ln>
         </p:spPr>
         <p:txBody>
-          <a:bodyPr spcFirstLastPara="1" wrap="square" lIns="91425" tIns="91425" rIns="91425" bIns="91425" anchor="t" anchorCtr="0"/>
+          <a:bodyPr anchorCtr="0" anchor="t" bIns="91425" lIns="91425" spcFirstLastPara="1" rIns="91425" wrap="square" tIns="91425">
+            <a:noAutofit/>
+          </a:bodyPr>
           <a:lstStyle>
             <a:lvl1pPr lvl="0" algn="l">
               <a:lnSpc>
@@ -1962,19 +1987,15 @@
               </a:defRPr>
             </a:lvl9pPr>
           </a:lstStyle>
-          <a:p>
-            <a:endParaRPr/>
-          </a:p>
+          <a:p/>
         </p:txBody>
       </p:sp>
       <p:sp>
         <p:nvSpPr>
           <p:cNvPr id="14" name="Google Shape;14;p2"/>
-          <p:cNvSpPr txBox="1">
-            <a:spLocks noGrp="1"/>
-          </p:cNvSpPr>
+          <p:cNvSpPr txBox="1"/>
           <p:nvPr>
-            <p:ph type="subTitle" idx="1"/>
+            <p:ph idx="1" type="subTitle"/>
           </p:nvPr>
         </p:nvSpPr>
         <p:spPr>
@@ -1991,7 +2012,9 @@
           </a:ln>
         </p:spPr>
         <p:txBody>
-          <a:bodyPr spcFirstLastPara="1" wrap="square" lIns="91425" tIns="91425" rIns="91425" bIns="91425" anchor="b" anchorCtr="0"/>
+          <a:bodyPr anchorCtr="0" anchor="b" bIns="91425" lIns="91425" spcFirstLastPara="1" rIns="91425" wrap="square" tIns="91425">
+            <a:noAutofit/>
+          </a:bodyPr>
           <a:lstStyle>
             <a:lvl1pPr lvl="0" algn="l">
               <a:lnSpc>
@@ -2183,19 +2206,15 @@
               </a:defRPr>
             </a:lvl9pPr>
           </a:lstStyle>
-          <a:p>
-            <a:endParaRPr/>
-          </a:p>
+          <a:p/>
         </p:txBody>
       </p:sp>
       <p:sp>
         <p:nvSpPr>
           <p:cNvPr id="15" name="Google Shape;15;p2"/>
-          <p:cNvSpPr txBox="1">
-            <a:spLocks noGrp="1"/>
-          </p:cNvSpPr>
+          <p:cNvSpPr txBox="1"/>
           <p:nvPr>
-            <p:ph type="sldNum" idx="12"/>
+            <p:ph idx="12" type="sldNum"/>
           </p:nvPr>
         </p:nvSpPr>
         <p:spPr>
@@ -2212,11 +2231,11 @@
           </a:ln>
         </p:spPr>
         <p:txBody>
-          <a:bodyPr spcFirstLastPara="1" wrap="square" lIns="91425" tIns="91425" rIns="91425" bIns="91425" anchor="ctr" anchorCtr="0">
+          <a:bodyPr anchorCtr="0" anchor="ctr" bIns="91425" lIns="91425" spcFirstLastPara="1" rIns="91425" wrap="square" tIns="91425">
             <a:noAutofit/>
           </a:bodyPr>
           <a:lstStyle>
-            <a:lvl1pPr marL="0" marR="0" lvl="0" indent="0" algn="r">
+            <a:lvl1pPr indent="0" lvl="0" marL="0" marR="0" algn="r">
               <a:lnSpc>
                 <a:spcPct val="100000"/>
               </a:lnSpc>
@@ -2232,7 +2251,7 @@
               <a:buSzPts val="1000"/>
               <a:buFont typeface="Arial"/>
               <a:buNone/>
-              <a:defRPr sz="1000" b="0" i="0" u="none" strike="noStrike" cap="none">
+              <a:defRPr b="0" i="0" sz="1000" u="none" cap="none" strike="noStrike">
                 <a:solidFill>
                   <a:schemeClr val="lt1"/>
                 </a:solidFill>
@@ -2242,7 +2261,7 @@
                 <a:sym typeface="Lato"/>
               </a:defRPr>
             </a:lvl1pPr>
-            <a:lvl2pPr marL="0" marR="0" lvl="1" indent="0" algn="r">
+            <a:lvl2pPr indent="0" lvl="1" marL="0" marR="0" algn="r">
               <a:lnSpc>
                 <a:spcPct val="100000"/>
               </a:lnSpc>
@@ -2258,7 +2277,7 @@
               <a:buSzPts val="1000"/>
               <a:buFont typeface="Arial"/>
               <a:buNone/>
-              <a:defRPr sz="1000" b="0" i="0" u="none" strike="noStrike" cap="none">
+              <a:defRPr b="0" i="0" sz="1000" u="none" cap="none" strike="noStrike">
                 <a:solidFill>
                   <a:schemeClr val="lt1"/>
                 </a:solidFill>
@@ -2268,7 +2287,7 @@
                 <a:sym typeface="Lato"/>
               </a:defRPr>
             </a:lvl2pPr>
-            <a:lvl3pPr marL="0" marR="0" lvl="2" indent="0" algn="r">
+            <a:lvl3pPr indent="0" lvl="2" marL="0" marR="0" algn="r">
               <a:lnSpc>
                 <a:spcPct val="100000"/>
               </a:lnSpc>
@@ -2284,7 +2303,7 @@
               <a:buSzPts val="1000"/>
               <a:buFont typeface="Arial"/>
               <a:buNone/>
-              <a:defRPr sz="1000" b="0" i="0" u="none" strike="noStrike" cap="none">
+              <a:defRPr b="0" i="0" sz="1000" u="none" cap="none" strike="noStrike">
                 <a:solidFill>
                   <a:schemeClr val="lt1"/>
                 </a:solidFill>
@@ -2294,7 +2313,7 @@
                 <a:sym typeface="Lato"/>
               </a:defRPr>
             </a:lvl3pPr>
-            <a:lvl4pPr marL="0" marR="0" lvl="3" indent="0" algn="r">
+            <a:lvl4pPr indent="0" lvl="3" marL="0" marR="0" algn="r">
               <a:lnSpc>
                 <a:spcPct val="100000"/>
               </a:lnSpc>
@@ -2310,7 +2329,7 @@
               <a:buSzPts val="1000"/>
               <a:buFont typeface="Arial"/>
               <a:buNone/>
-              <a:defRPr sz="1000" b="0" i="0" u="none" strike="noStrike" cap="none">
+              <a:defRPr b="0" i="0" sz="1000" u="none" cap="none" strike="noStrike">
                 <a:solidFill>
                   <a:schemeClr val="lt1"/>
                 </a:solidFill>
@@ -2320,7 +2339,7 @@
                 <a:sym typeface="Lato"/>
               </a:defRPr>
             </a:lvl4pPr>
-            <a:lvl5pPr marL="0" marR="0" lvl="4" indent="0" algn="r">
+            <a:lvl5pPr indent="0" lvl="4" marL="0" marR="0" algn="r">
               <a:lnSpc>
                 <a:spcPct val="100000"/>
               </a:lnSpc>
@@ -2336,7 +2355,7 @@
               <a:buSzPts val="1000"/>
               <a:buFont typeface="Arial"/>
               <a:buNone/>
-              <a:defRPr sz="1000" b="0" i="0" u="none" strike="noStrike" cap="none">
+              <a:defRPr b="0" i="0" sz="1000" u="none" cap="none" strike="noStrike">
                 <a:solidFill>
                   <a:schemeClr val="lt1"/>
                 </a:solidFill>
@@ -2346,7 +2365,7 @@
                 <a:sym typeface="Lato"/>
               </a:defRPr>
             </a:lvl5pPr>
-            <a:lvl6pPr marL="0" marR="0" lvl="5" indent="0" algn="r">
+            <a:lvl6pPr indent="0" lvl="5" marL="0" marR="0" algn="r">
               <a:lnSpc>
                 <a:spcPct val="100000"/>
               </a:lnSpc>
@@ -2362,7 +2381,7 @@
               <a:buSzPts val="1000"/>
               <a:buFont typeface="Arial"/>
               <a:buNone/>
-              <a:defRPr sz="1000" b="0" i="0" u="none" strike="noStrike" cap="none">
+              <a:defRPr b="0" i="0" sz="1000" u="none" cap="none" strike="noStrike">
                 <a:solidFill>
                   <a:schemeClr val="lt1"/>
                 </a:solidFill>
@@ -2372,7 +2391,7 @@
                 <a:sym typeface="Lato"/>
               </a:defRPr>
             </a:lvl6pPr>
-            <a:lvl7pPr marL="0" marR="0" lvl="6" indent="0" algn="r">
+            <a:lvl7pPr indent="0" lvl="6" marL="0" marR="0" algn="r">
               <a:lnSpc>
                 <a:spcPct val="100000"/>
               </a:lnSpc>
@@ -2388,7 +2407,7 @@
               <a:buSzPts val="1000"/>
               <a:buFont typeface="Arial"/>
               <a:buNone/>
-              <a:defRPr sz="1000" b="0" i="0" u="none" strike="noStrike" cap="none">
+              <a:defRPr b="0" i="0" sz="1000" u="none" cap="none" strike="noStrike">
                 <a:solidFill>
                   <a:schemeClr val="lt1"/>
                 </a:solidFill>
@@ -2398,7 +2417,7 @@
                 <a:sym typeface="Lato"/>
               </a:defRPr>
             </a:lvl7pPr>
-            <a:lvl8pPr marL="0" marR="0" lvl="7" indent="0" algn="r">
+            <a:lvl8pPr indent="0" lvl="7" marL="0" marR="0" algn="r">
               <a:lnSpc>
                 <a:spcPct val="100000"/>
               </a:lnSpc>
@@ -2414,7 +2433,7 @@
               <a:buSzPts val="1000"/>
               <a:buFont typeface="Arial"/>
               <a:buNone/>
-              <a:defRPr sz="1000" b="0" i="0" u="none" strike="noStrike" cap="none">
+              <a:defRPr b="0" i="0" sz="1000" u="none" cap="none" strike="noStrike">
                 <a:solidFill>
                   <a:schemeClr val="lt1"/>
                 </a:solidFill>
@@ -2424,7 +2443,7 @@
                 <a:sym typeface="Lato"/>
               </a:defRPr>
             </a:lvl8pPr>
-            <a:lvl9pPr marL="0" marR="0" lvl="8" indent="0" algn="r">
+            <a:lvl9pPr indent="0" lvl="8" marL="0" marR="0" algn="r">
               <a:lnSpc>
                 <a:spcPct val="100000"/>
               </a:lnSpc>
@@ -2440,7 +2459,7 @@
               <a:buSzPts val="1000"/>
               <a:buFont typeface="Arial"/>
               <a:buNone/>
-              <a:defRPr sz="1000" b="0" i="0" u="none" strike="noStrike" cap="none">
+              <a:defRPr b="0" i="0" sz="1000" u="none" cap="none" strike="noStrike">
                 <a:solidFill>
                   <a:schemeClr val="lt1"/>
                 </a:solidFill>
@@ -2452,7 +2471,7 @@
             </a:lvl9pPr>
           </a:lstStyle>
           <a:p>
-            <a:pPr marL="0" lvl="0" indent="0" algn="r" rtl="0">
+            <a:pPr indent="0" lvl="0" marL="0" rtl="0" algn="r">
               <a:spcBef>
                 <a:spcPts val="0"/>
               </a:spcBef>
@@ -2478,11 +2497,11 @@
 </file>
 
 <file path=ppt/slideLayouts/slideLayout10.xml><?xml version="1.0" encoding="utf-8"?>
-<p:sldLayout xmlns:a="http://schemas.openxmlformats.org/drawingml/2006/main" xmlns:r="http://schemas.openxmlformats.org/officeDocument/2006/relationships" xmlns:p="http://schemas.openxmlformats.org/presentationml/2006/main" matchingName="Big number">
+<p:sldLayout xmlns:a="http://schemas.openxmlformats.org/drawingml/2006/main" xmlns:r="http://schemas.openxmlformats.org/officeDocument/2006/relationships" xmlns:mc="http://schemas.openxmlformats.org/markup-compatibility/2006" xmlns:mv="urn:schemas-microsoft-com:mac:vml" xmlns:p="http://schemas.openxmlformats.org/presentationml/2006/main" xmlns:c="http://schemas.openxmlformats.org/drawingml/2006/chart" xmlns:dgm="http://schemas.openxmlformats.org/drawingml/2006/diagram" xmlns:o="urn:schemas-microsoft-com:office:office" xmlns:v="urn:schemas-microsoft-com:vml" xmlns:pvml="urn:schemas-microsoft-com:office:powerpoint" xmlns:com="http://schemas.openxmlformats.org/drawingml/2006/compatibility" xmlns:p14="http://schemas.microsoft.com/office/powerpoint/2010/main" xmlns:p15="http://schemas.microsoft.com/office/powerpoint/2012/main" matchingName="Big number">
   <p:cSld name="BIG_NUMBER">
     <p:spTree>
       <p:nvGrpSpPr>
-        <p:cNvPr id="1" name="Shape 62"/>
+        <p:cNvPr id="60" name="Shape 60"/>
         <p:cNvGrpSpPr/>
         <p:nvPr/>
       </p:nvGrpSpPr>
@@ -2496,7 +2515,7 @@
       </p:grpSpPr>
       <p:cxnSp>
         <p:nvCxnSpPr>
-          <p:cNvPr id="63" name="Google Shape;63;p12"/>
+          <p:cNvPr id="61" name="Google Shape;61;p11"/>
           <p:cNvCxnSpPr/>
           <p:nvPr/>
         </p:nvCxnSpPr>
@@ -2509,20 +2528,20 @@
             <a:avLst/>
           </a:prstGeom>
           <a:noFill/>
-          <a:ln w="19050" cap="flat" cmpd="sng">
+          <a:ln cap="flat" cmpd="sng" w="19050">
             <a:solidFill>
               <a:schemeClr val="dk2"/>
             </a:solidFill>
             <a:prstDash val="solid"/>
             <a:round/>
-            <a:headEnd type="none" w="sm" len="sm"/>
-            <a:tailEnd type="none" w="sm" len="sm"/>
+            <a:headEnd len="sm" w="sm" type="none"/>
+            <a:tailEnd len="sm" w="sm" type="none"/>
           </a:ln>
         </p:spPr>
       </p:cxnSp>
       <p:cxnSp>
         <p:nvCxnSpPr>
-          <p:cNvPr id="64" name="Google Shape;64;p12"/>
+          <p:cNvPr id="62" name="Google Shape;62;p11"/>
           <p:cNvCxnSpPr/>
           <p:nvPr/>
         </p:nvCxnSpPr>
@@ -2535,25 +2554,23 @@
             <a:avLst/>
           </a:prstGeom>
           <a:noFill/>
-          <a:ln w="38100" cap="flat" cmpd="sng">
+          <a:ln cap="flat" cmpd="sng" w="38100">
             <a:solidFill>
               <a:schemeClr val="dk2"/>
             </a:solidFill>
             <a:prstDash val="solid"/>
             <a:round/>
-            <a:headEnd type="none" w="sm" len="sm"/>
-            <a:tailEnd type="none" w="sm" len="sm"/>
+            <a:headEnd len="sm" w="sm" type="none"/>
+            <a:tailEnd len="sm" w="sm" type="none"/>
           </a:ln>
         </p:spPr>
       </p:cxnSp>
       <p:sp>
         <p:nvSpPr>
-          <p:cNvPr id="65" name="Google Shape;65;p12"/>
-          <p:cNvSpPr txBox="1">
-            <a:spLocks noGrp="1"/>
-          </p:cNvSpPr>
+          <p:cNvPr id="63" name="Google Shape;63;p11"/>
+          <p:cNvSpPr txBox="1"/>
           <p:nvPr>
-            <p:ph type="title" hasCustomPrompt="1"/>
+            <p:ph hasCustomPrompt="1" type="title"/>
           </p:nvPr>
         </p:nvSpPr>
         <p:spPr>
@@ -2570,7 +2587,9 @@
           </a:ln>
         </p:spPr>
         <p:txBody>
-          <a:bodyPr spcFirstLastPara="1" wrap="square" lIns="91425" tIns="91425" rIns="91425" bIns="91425" anchor="ctr" anchorCtr="0"/>
+          <a:bodyPr anchorCtr="0" anchor="ctr" bIns="91425" lIns="91425" spcFirstLastPara="1" rIns="91425" wrap="square" tIns="91425">
+            <a:noAutofit/>
+          </a:bodyPr>
           <a:lstStyle>
             <a:lvl1pPr lvl="0" algn="ctr">
               <a:lnSpc>
@@ -2816,12 +2835,10 @@
       </p:sp>
       <p:sp>
         <p:nvSpPr>
-          <p:cNvPr id="66" name="Google Shape;66;p12"/>
-          <p:cNvSpPr txBox="1">
-            <a:spLocks noGrp="1"/>
-          </p:cNvSpPr>
+          <p:cNvPr id="64" name="Google Shape;64;p11"/>
+          <p:cNvSpPr txBox="1"/>
           <p:nvPr>
-            <p:ph type="body" idx="1"/>
+            <p:ph idx="1" type="body"/>
           </p:nvPr>
         </p:nvSpPr>
         <p:spPr>
@@ -2838,9 +2855,11 @@
           </a:ln>
         </p:spPr>
         <p:txBody>
-          <a:bodyPr spcFirstLastPara="1" wrap="square" lIns="91425" tIns="91425" rIns="91425" bIns="91425" anchor="t" anchorCtr="0"/>
+          <a:bodyPr anchorCtr="0" anchor="t" bIns="91425" lIns="91425" spcFirstLastPara="1" rIns="91425" wrap="square" tIns="91425">
+            <a:noAutofit/>
+          </a:bodyPr>
           <a:lstStyle>
-            <a:lvl1pPr marL="457200" lvl="0" indent="-342900" algn="ctr">
+            <a:lvl1pPr indent="-342900" lvl="0" marL="457200" algn="ctr">
               <a:lnSpc>
                 <a:spcPct val="115000"/>
               </a:lnSpc>
@@ -2854,7 +2873,7 @@
               <a:buChar char="●"/>
               <a:defRPr/>
             </a:lvl1pPr>
-            <a:lvl2pPr marL="914400" lvl="1" indent="-317500" algn="ctr">
+            <a:lvl2pPr indent="-317500" lvl="1" marL="914400" algn="ctr">
               <a:lnSpc>
                 <a:spcPct val="115000"/>
               </a:lnSpc>
@@ -2868,7 +2887,7 @@
               <a:buChar char="○"/>
               <a:defRPr/>
             </a:lvl2pPr>
-            <a:lvl3pPr marL="1371600" lvl="2" indent="-317500" algn="ctr">
+            <a:lvl3pPr indent="-317500" lvl="2" marL="1371600" algn="ctr">
               <a:lnSpc>
                 <a:spcPct val="115000"/>
               </a:lnSpc>
@@ -2882,7 +2901,7 @@
               <a:buChar char="■"/>
               <a:defRPr/>
             </a:lvl3pPr>
-            <a:lvl4pPr marL="1828800" lvl="3" indent="-317500" algn="ctr">
+            <a:lvl4pPr indent="-317500" lvl="3" marL="1828800" algn="ctr">
               <a:lnSpc>
                 <a:spcPct val="115000"/>
               </a:lnSpc>
@@ -2896,7 +2915,7 @@
               <a:buChar char="●"/>
               <a:defRPr/>
             </a:lvl4pPr>
-            <a:lvl5pPr marL="2286000" lvl="4" indent="-317500" algn="ctr">
+            <a:lvl5pPr indent="-317500" lvl="4" marL="2286000" algn="ctr">
               <a:lnSpc>
                 <a:spcPct val="115000"/>
               </a:lnSpc>
@@ -2910,7 +2929,7 @@
               <a:buChar char="○"/>
               <a:defRPr/>
             </a:lvl5pPr>
-            <a:lvl6pPr marL="2743200" lvl="5" indent="-317500" algn="ctr">
+            <a:lvl6pPr indent="-317500" lvl="5" marL="2743200" algn="ctr">
               <a:lnSpc>
                 <a:spcPct val="115000"/>
               </a:lnSpc>
@@ -2924,7 +2943,7 @@
               <a:buChar char="■"/>
               <a:defRPr/>
             </a:lvl6pPr>
-            <a:lvl7pPr marL="3200400" lvl="6" indent="-317500" algn="ctr">
+            <a:lvl7pPr indent="-317500" lvl="6" marL="3200400" algn="ctr">
               <a:lnSpc>
                 <a:spcPct val="115000"/>
               </a:lnSpc>
@@ -2938,7 +2957,7 @@
               <a:buChar char="●"/>
               <a:defRPr/>
             </a:lvl7pPr>
-            <a:lvl8pPr marL="3657600" lvl="7" indent="-317500" algn="ctr">
+            <a:lvl8pPr indent="-317500" lvl="7" marL="3657600" algn="ctr">
               <a:lnSpc>
                 <a:spcPct val="115000"/>
               </a:lnSpc>
@@ -2952,7 +2971,7 @@
               <a:buChar char="○"/>
               <a:defRPr/>
             </a:lvl8pPr>
-            <a:lvl9pPr marL="4114800" lvl="8" indent="-317500" algn="ctr">
+            <a:lvl9pPr indent="-317500" lvl="8" marL="4114800" algn="ctr">
               <a:lnSpc>
                 <a:spcPct val="115000"/>
               </a:lnSpc>
@@ -2967,19 +2986,15 @@
               <a:defRPr/>
             </a:lvl9pPr>
           </a:lstStyle>
-          <a:p>
-            <a:endParaRPr/>
-          </a:p>
+          <a:p/>
         </p:txBody>
       </p:sp>
       <p:sp>
         <p:nvSpPr>
-          <p:cNvPr id="67" name="Google Shape;67;p12"/>
-          <p:cNvSpPr txBox="1">
-            <a:spLocks noGrp="1"/>
-          </p:cNvSpPr>
+          <p:cNvPr id="65" name="Google Shape;65;p11"/>
+          <p:cNvSpPr txBox="1"/>
           <p:nvPr>
-            <p:ph type="sldNum" idx="12"/>
+            <p:ph idx="12" type="sldNum"/>
           </p:nvPr>
         </p:nvSpPr>
         <p:spPr>
@@ -2996,11 +3011,11 @@
           </a:ln>
         </p:spPr>
         <p:txBody>
-          <a:bodyPr spcFirstLastPara="1" wrap="square" lIns="91425" tIns="91425" rIns="91425" bIns="91425" anchor="ctr" anchorCtr="0">
+          <a:bodyPr anchorCtr="0" anchor="ctr" bIns="91425" lIns="91425" spcFirstLastPara="1" rIns="91425" wrap="square" tIns="91425">
             <a:noAutofit/>
           </a:bodyPr>
           <a:lstStyle>
-            <a:lvl1pPr marL="0" marR="0" lvl="0" indent="0" algn="r">
+            <a:lvl1pPr indent="0" lvl="0" marL="0" marR="0" algn="r">
               <a:lnSpc>
                 <a:spcPct val="100000"/>
               </a:lnSpc>
@@ -3016,7 +3031,7 @@
               <a:buSzPts val="1000"/>
               <a:buFont typeface="Arial"/>
               <a:buNone/>
-              <a:defRPr sz="1000" b="0" i="0" u="none" strike="noStrike" cap="none">
+              <a:defRPr b="0" i="0" sz="1000" u="none" cap="none" strike="noStrike">
                 <a:solidFill>
                   <a:schemeClr val="dk2"/>
                 </a:solidFill>
@@ -3026,7 +3041,7 @@
                 <a:sym typeface="Lato"/>
               </a:defRPr>
             </a:lvl1pPr>
-            <a:lvl2pPr marL="0" marR="0" lvl="1" indent="0" algn="r">
+            <a:lvl2pPr indent="0" lvl="1" marL="0" marR="0" algn="r">
               <a:lnSpc>
                 <a:spcPct val="100000"/>
               </a:lnSpc>
@@ -3042,7 +3057,7 @@
               <a:buSzPts val="1000"/>
               <a:buFont typeface="Arial"/>
               <a:buNone/>
-              <a:defRPr sz="1000" b="0" i="0" u="none" strike="noStrike" cap="none">
+              <a:defRPr b="0" i="0" sz="1000" u="none" cap="none" strike="noStrike">
                 <a:solidFill>
                   <a:schemeClr val="dk2"/>
                 </a:solidFill>
@@ -3052,7 +3067,7 @@
                 <a:sym typeface="Lato"/>
               </a:defRPr>
             </a:lvl2pPr>
-            <a:lvl3pPr marL="0" marR="0" lvl="2" indent="0" algn="r">
+            <a:lvl3pPr indent="0" lvl="2" marL="0" marR="0" algn="r">
               <a:lnSpc>
                 <a:spcPct val="100000"/>
               </a:lnSpc>
@@ -3068,7 +3083,7 @@
               <a:buSzPts val="1000"/>
               <a:buFont typeface="Arial"/>
               <a:buNone/>
-              <a:defRPr sz="1000" b="0" i="0" u="none" strike="noStrike" cap="none">
+              <a:defRPr b="0" i="0" sz="1000" u="none" cap="none" strike="noStrike">
                 <a:solidFill>
                   <a:schemeClr val="dk2"/>
                 </a:solidFill>
@@ -3078,7 +3093,7 @@
                 <a:sym typeface="Lato"/>
               </a:defRPr>
             </a:lvl3pPr>
-            <a:lvl4pPr marL="0" marR="0" lvl="3" indent="0" algn="r">
+            <a:lvl4pPr indent="0" lvl="3" marL="0" marR="0" algn="r">
               <a:lnSpc>
                 <a:spcPct val="100000"/>
               </a:lnSpc>
@@ -3094,7 +3109,7 @@
               <a:buSzPts val="1000"/>
               <a:buFont typeface="Arial"/>
               <a:buNone/>
-              <a:defRPr sz="1000" b="0" i="0" u="none" strike="noStrike" cap="none">
+              <a:defRPr b="0" i="0" sz="1000" u="none" cap="none" strike="noStrike">
                 <a:solidFill>
                   <a:schemeClr val="dk2"/>
                 </a:solidFill>
@@ -3104,7 +3119,7 @@
                 <a:sym typeface="Lato"/>
               </a:defRPr>
             </a:lvl4pPr>
-            <a:lvl5pPr marL="0" marR="0" lvl="4" indent="0" algn="r">
+            <a:lvl5pPr indent="0" lvl="4" marL="0" marR="0" algn="r">
               <a:lnSpc>
                 <a:spcPct val="100000"/>
               </a:lnSpc>
@@ -3120,7 +3135,7 @@
               <a:buSzPts val="1000"/>
               <a:buFont typeface="Arial"/>
               <a:buNone/>
-              <a:defRPr sz="1000" b="0" i="0" u="none" strike="noStrike" cap="none">
+              <a:defRPr b="0" i="0" sz="1000" u="none" cap="none" strike="noStrike">
                 <a:solidFill>
                   <a:schemeClr val="dk2"/>
                 </a:solidFill>
@@ -3130,7 +3145,7 @@
                 <a:sym typeface="Lato"/>
               </a:defRPr>
             </a:lvl5pPr>
-            <a:lvl6pPr marL="0" marR="0" lvl="5" indent="0" algn="r">
+            <a:lvl6pPr indent="0" lvl="5" marL="0" marR="0" algn="r">
               <a:lnSpc>
                 <a:spcPct val="100000"/>
               </a:lnSpc>
@@ -3146,7 +3161,7 @@
               <a:buSzPts val="1000"/>
               <a:buFont typeface="Arial"/>
               <a:buNone/>
-              <a:defRPr sz="1000" b="0" i="0" u="none" strike="noStrike" cap="none">
+              <a:defRPr b="0" i="0" sz="1000" u="none" cap="none" strike="noStrike">
                 <a:solidFill>
                   <a:schemeClr val="dk2"/>
                 </a:solidFill>
@@ -3156,7 +3171,7 @@
                 <a:sym typeface="Lato"/>
               </a:defRPr>
             </a:lvl6pPr>
-            <a:lvl7pPr marL="0" marR="0" lvl="6" indent="0" algn="r">
+            <a:lvl7pPr indent="0" lvl="6" marL="0" marR="0" algn="r">
               <a:lnSpc>
                 <a:spcPct val="100000"/>
               </a:lnSpc>
@@ -3172,7 +3187,7 @@
               <a:buSzPts val="1000"/>
               <a:buFont typeface="Arial"/>
               <a:buNone/>
-              <a:defRPr sz="1000" b="0" i="0" u="none" strike="noStrike" cap="none">
+              <a:defRPr b="0" i="0" sz="1000" u="none" cap="none" strike="noStrike">
                 <a:solidFill>
                   <a:schemeClr val="dk2"/>
                 </a:solidFill>
@@ -3182,7 +3197,7 @@
                 <a:sym typeface="Lato"/>
               </a:defRPr>
             </a:lvl7pPr>
-            <a:lvl8pPr marL="0" marR="0" lvl="7" indent="0" algn="r">
+            <a:lvl8pPr indent="0" lvl="7" marL="0" marR="0" algn="r">
               <a:lnSpc>
                 <a:spcPct val="100000"/>
               </a:lnSpc>
@@ -3198,7 +3213,7 @@
               <a:buSzPts val="1000"/>
               <a:buFont typeface="Arial"/>
               <a:buNone/>
-              <a:defRPr sz="1000" b="0" i="0" u="none" strike="noStrike" cap="none">
+              <a:defRPr b="0" i="0" sz="1000" u="none" cap="none" strike="noStrike">
                 <a:solidFill>
                   <a:schemeClr val="dk2"/>
                 </a:solidFill>
@@ -3208,7 +3223,7 @@
                 <a:sym typeface="Lato"/>
               </a:defRPr>
             </a:lvl8pPr>
-            <a:lvl9pPr marL="0" marR="0" lvl="8" indent="0" algn="r">
+            <a:lvl9pPr indent="0" lvl="8" marL="0" marR="0" algn="r">
               <a:lnSpc>
                 <a:spcPct val="100000"/>
               </a:lnSpc>
@@ -3224,7 +3239,7 @@
               <a:buSzPts val="1000"/>
               <a:buFont typeface="Arial"/>
               <a:buNone/>
-              <a:defRPr sz="1000" b="0" i="0" u="none" strike="noStrike" cap="none">
+              <a:defRPr b="0" i="0" sz="1000" u="none" cap="none" strike="noStrike">
                 <a:solidFill>
                   <a:schemeClr val="dk2"/>
                 </a:solidFill>
@@ -3236,7 +3251,7 @@
             </a:lvl9pPr>
           </a:lstStyle>
           <a:p>
-            <a:pPr marL="0" lvl="0" indent="0" algn="r" rtl="0">
+            <a:pPr indent="0" lvl="0" marL="0" rtl="0" algn="r">
               <a:spcBef>
                 <a:spcPts val="0"/>
               </a:spcBef>
@@ -3262,11 +3277,567 @@
 </file>
 
 <file path=ppt/slideLayouts/slideLayout2.xml><?xml version="1.0" encoding="utf-8"?>
-<p:sldLayout xmlns:a="http://schemas.openxmlformats.org/drawingml/2006/main" xmlns:r="http://schemas.openxmlformats.org/officeDocument/2006/relationships" xmlns:p="http://schemas.openxmlformats.org/presentationml/2006/main" matchingName="Section title and description">
+<p:sldLayout xmlns:a="http://schemas.openxmlformats.org/drawingml/2006/main" xmlns:r="http://schemas.openxmlformats.org/officeDocument/2006/relationships" xmlns:mc="http://schemas.openxmlformats.org/markup-compatibility/2006" xmlns:mv="urn:schemas-microsoft-com:mac:vml" xmlns:p="http://schemas.openxmlformats.org/presentationml/2006/main" xmlns:c="http://schemas.openxmlformats.org/drawingml/2006/chart" xmlns:dgm="http://schemas.openxmlformats.org/drawingml/2006/diagram" xmlns:o="urn:schemas-microsoft-com:office:office" xmlns:v="urn:schemas-microsoft-com:vml" xmlns:pvml="urn:schemas-microsoft-com:office:powerpoint" xmlns:com="http://schemas.openxmlformats.org/drawingml/2006/compatibility" xmlns:p14="http://schemas.microsoft.com/office/powerpoint/2010/main" xmlns:p15="http://schemas.microsoft.com/office/powerpoint/2012/main" matchingName="Main point">
+  <p:cSld name="MAIN_POINT">
+    <p:bg>
+      <p:bgPr>
+        <a:solidFill>
+          <a:schemeClr val="lt2"/>
+        </a:solidFill>
+      </p:bgPr>
+    </p:bg>
+    <p:spTree>
+      <p:nvGrpSpPr>
+        <p:cNvPr id="16" name="Shape 16"/>
+        <p:cNvGrpSpPr/>
+        <p:nvPr/>
+      </p:nvGrpSpPr>
+      <p:grpSpPr>
+        <a:xfrm>
+          <a:off x="0" y="0"/>
+          <a:ext cx="0" cy="0"/>
+          <a:chOff x="0" y="0"/>
+          <a:chExt cx="0" cy="0"/>
+        </a:xfrm>
+      </p:grpSpPr>
+      <p:cxnSp>
+        <p:nvCxnSpPr>
+          <p:cNvPr id="17" name="Google Shape;17;p3"/>
+          <p:cNvCxnSpPr/>
+          <p:nvPr/>
+        </p:nvCxnSpPr>
+        <p:spPr>
+          <a:xfrm>
+            <a:off x="425198" y="415650"/>
+            <a:ext cx="183300" cy="0"/>
+          </a:xfrm>
+          <a:prstGeom prst="straightConnector1">
+            <a:avLst/>
+          </a:prstGeom>
+          <a:noFill/>
+          <a:ln cap="flat" cmpd="sng" w="19050">
+            <a:solidFill>
+              <a:schemeClr val="lt1"/>
+            </a:solidFill>
+            <a:prstDash val="solid"/>
+            <a:round/>
+            <a:headEnd len="sm" w="sm" type="none"/>
+            <a:tailEnd len="sm" w="sm" type="none"/>
+          </a:ln>
+        </p:spPr>
+      </p:cxnSp>
+      <p:sp>
+        <p:nvSpPr>
+          <p:cNvPr id="18" name="Google Shape;18;p3"/>
+          <p:cNvSpPr txBox="1"/>
+          <p:nvPr>
+            <p:ph type="title"/>
+          </p:nvPr>
+        </p:nvSpPr>
+        <p:spPr>
+          <a:xfrm>
+            <a:off x="283103" y="712141"/>
+            <a:ext cx="6244200" cy="3835500"/>
+          </a:xfrm>
+          <a:prstGeom prst="rect">
+            <a:avLst/>
+          </a:prstGeom>
+          <a:noFill/>
+          <a:ln>
+            <a:noFill/>
+          </a:ln>
+        </p:spPr>
+        <p:txBody>
+          <a:bodyPr anchorCtr="0" anchor="ctr" bIns="91425" lIns="91425" spcFirstLastPara="1" rIns="91425" wrap="square" tIns="91425">
+            <a:noAutofit/>
+          </a:bodyPr>
+          <a:lstStyle>
+            <a:lvl1pPr lvl="0" algn="l">
+              <a:lnSpc>
+                <a:spcPct val="100000"/>
+              </a:lnSpc>
+              <a:spcBef>
+                <a:spcPts val="0"/>
+              </a:spcBef>
+              <a:spcAft>
+                <a:spcPts val="0"/>
+              </a:spcAft>
+              <a:buClr>
+                <a:schemeClr val="lt1"/>
+              </a:buClr>
+              <a:buSzPts val="4800"/>
+              <a:buNone/>
+              <a:defRPr sz="4800">
+                <a:solidFill>
+                  <a:schemeClr val="lt1"/>
+                </a:solidFill>
+              </a:defRPr>
+            </a:lvl1pPr>
+            <a:lvl2pPr lvl="1" algn="l">
+              <a:lnSpc>
+                <a:spcPct val="100000"/>
+              </a:lnSpc>
+              <a:spcBef>
+                <a:spcPts val="0"/>
+              </a:spcBef>
+              <a:spcAft>
+                <a:spcPts val="0"/>
+              </a:spcAft>
+              <a:buClr>
+                <a:schemeClr val="lt1"/>
+              </a:buClr>
+              <a:buSzPts val="4800"/>
+              <a:buNone/>
+              <a:defRPr sz="4800">
+                <a:solidFill>
+                  <a:schemeClr val="lt1"/>
+                </a:solidFill>
+              </a:defRPr>
+            </a:lvl2pPr>
+            <a:lvl3pPr lvl="2" algn="l">
+              <a:lnSpc>
+                <a:spcPct val="100000"/>
+              </a:lnSpc>
+              <a:spcBef>
+                <a:spcPts val="0"/>
+              </a:spcBef>
+              <a:spcAft>
+                <a:spcPts val="0"/>
+              </a:spcAft>
+              <a:buClr>
+                <a:schemeClr val="lt1"/>
+              </a:buClr>
+              <a:buSzPts val="4800"/>
+              <a:buNone/>
+              <a:defRPr sz="4800">
+                <a:solidFill>
+                  <a:schemeClr val="lt1"/>
+                </a:solidFill>
+              </a:defRPr>
+            </a:lvl3pPr>
+            <a:lvl4pPr lvl="3" algn="l">
+              <a:lnSpc>
+                <a:spcPct val="100000"/>
+              </a:lnSpc>
+              <a:spcBef>
+                <a:spcPts val="0"/>
+              </a:spcBef>
+              <a:spcAft>
+                <a:spcPts val="0"/>
+              </a:spcAft>
+              <a:buClr>
+                <a:schemeClr val="lt1"/>
+              </a:buClr>
+              <a:buSzPts val="4800"/>
+              <a:buNone/>
+              <a:defRPr sz="4800">
+                <a:solidFill>
+                  <a:schemeClr val="lt1"/>
+                </a:solidFill>
+              </a:defRPr>
+            </a:lvl4pPr>
+            <a:lvl5pPr lvl="4" algn="l">
+              <a:lnSpc>
+                <a:spcPct val="100000"/>
+              </a:lnSpc>
+              <a:spcBef>
+                <a:spcPts val="0"/>
+              </a:spcBef>
+              <a:spcAft>
+                <a:spcPts val="0"/>
+              </a:spcAft>
+              <a:buClr>
+                <a:schemeClr val="lt1"/>
+              </a:buClr>
+              <a:buSzPts val="4800"/>
+              <a:buNone/>
+              <a:defRPr sz="4800">
+                <a:solidFill>
+                  <a:schemeClr val="lt1"/>
+                </a:solidFill>
+              </a:defRPr>
+            </a:lvl5pPr>
+            <a:lvl6pPr lvl="5" algn="l">
+              <a:lnSpc>
+                <a:spcPct val="100000"/>
+              </a:lnSpc>
+              <a:spcBef>
+                <a:spcPts val="0"/>
+              </a:spcBef>
+              <a:spcAft>
+                <a:spcPts val="0"/>
+              </a:spcAft>
+              <a:buClr>
+                <a:schemeClr val="lt1"/>
+              </a:buClr>
+              <a:buSzPts val="4800"/>
+              <a:buNone/>
+              <a:defRPr sz="4800">
+                <a:solidFill>
+                  <a:schemeClr val="lt1"/>
+                </a:solidFill>
+              </a:defRPr>
+            </a:lvl6pPr>
+            <a:lvl7pPr lvl="6" algn="l">
+              <a:lnSpc>
+                <a:spcPct val="100000"/>
+              </a:lnSpc>
+              <a:spcBef>
+                <a:spcPts val="0"/>
+              </a:spcBef>
+              <a:spcAft>
+                <a:spcPts val="0"/>
+              </a:spcAft>
+              <a:buClr>
+                <a:schemeClr val="lt1"/>
+              </a:buClr>
+              <a:buSzPts val="4800"/>
+              <a:buNone/>
+              <a:defRPr sz="4800">
+                <a:solidFill>
+                  <a:schemeClr val="lt1"/>
+                </a:solidFill>
+              </a:defRPr>
+            </a:lvl7pPr>
+            <a:lvl8pPr lvl="7" algn="l">
+              <a:lnSpc>
+                <a:spcPct val="100000"/>
+              </a:lnSpc>
+              <a:spcBef>
+                <a:spcPts val="0"/>
+              </a:spcBef>
+              <a:spcAft>
+                <a:spcPts val="0"/>
+              </a:spcAft>
+              <a:buClr>
+                <a:schemeClr val="lt1"/>
+              </a:buClr>
+              <a:buSzPts val="4800"/>
+              <a:buNone/>
+              <a:defRPr sz="4800">
+                <a:solidFill>
+                  <a:schemeClr val="lt1"/>
+                </a:solidFill>
+              </a:defRPr>
+            </a:lvl8pPr>
+            <a:lvl9pPr lvl="8" algn="l">
+              <a:lnSpc>
+                <a:spcPct val="100000"/>
+              </a:lnSpc>
+              <a:spcBef>
+                <a:spcPts val="0"/>
+              </a:spcBef>
+              <a:spcAft>
+                <a:spcPts val="0"/>
+              </a:spcAft>
+              <a:buClr>
+                <a:schemeClr val="lt1"/>
+              </a:buClr>
+              <a:buSzPts val="4800"/>
+              <a:buNone/>
+              <a:defRPr sz="4800">
+                <a:solidFill>
+                  <a:schemeClr val="lt1"/>
+                </a:solidFill>
+              </a:defRPr>
+            </a:lvl9pPr>
+          </a:lstStyle>
+          <a:p/>
+        </p:txBody>
+      </p:sp>
+      <p:sp>
+        <p:nvSpPr>
+          <p:cNvPr id="19" name="Google Shape;19;p3"/>
+          <p:cNvSpPr txBox="1"/>
+          <p:nvPr>
+            <p:ph idx="12" type="sldNum"/>
+          </p:nvPr>
+        </p:nvSpPr>
+        <p:spPr>
+          <a:xfrm>
+            <a:off x="8497999" y="4688759"/>
+            <a:ext cx="548700" cy="393600"/>
+          </a:xfrm>
+          <a:prstGeom prst="rect">
+            <a:avLst/>
+          </a:prstGeom>
+          <a:noFill/>
+          <a:ln>
+            <a:noFill/>
+          </a:ln>
+        </p:spPr>
+        <p:txBody>
+          <a:bodyPr anchorCtr="0" anchor="ctr" bIns="91425" lIns="91425" spcFirstLastPara="1" rIns="91425" wrap="square" tIns="91425">
+            <a:noAutofit/>
+          </a:bodyPr>
+          <a:lstStyle>
+            <a:lvl1pPr indent="0" lvl="0" marL="0" marR="0" algn="r">
+              <a:lnSpc>
+                <a:spcPct val="100000"/>
+              </a:lnSpc>
+              <a:spcBef>
+                <a:spcPts val="0"/>
+              </a:spcBef>
+              <a:spcAft>
+                <a:spcPts val="0"/>
+              </a:spcAft>
+              <a:buClr>
+                <a:srgbClr val="000000"/>
+              </a:buClr>
+              <a:buSzPts val="1000"/>
+              <a:buFont typeface="Arial"/>
+              <a:buNone/>
+              <a:defRPr b="0" i="0" sz="1000" u="none" cap="none" strike="noStrike">
+                <a:solidFill>
+                  <a:schemeClr val="lt1"/>
+                </a:solidFill>
+                <a:latin typeface="Lato"/>
+                <a:ea typeface="Lato"/>
+                <a:cs typeface="Lato"/>
+                <a:sym typeface="Lato"/>
+              </a:defRPr>
+            </a:lvl1pPr>
+            <a:lvl2pPr indent="0" lvl="1" marL="0" marR="0" algn="r">
+              <a:lnSpc>
+                <a:spcPct val="100000"/>
+              </a:lnSpc>
+              <a:spcBef>
+                <a:spcPts val="0"/>
+              </a:spcBef>
+              <a:spcAft>
+                <a:spcPts val="0"/>
+              </a:spcAft>
+              <a:buClr>
+                <a:srgbClr val="000000"/>
+              </a:buClr>
+              <a:buSzPts val="1000"/>
+              <a:buFont typeface="Arial"/>
+              <a:buNone/>
+              <a:defRPr b="0" i="0" sz="1000" u="none" cap="none" strike="noStrike">
+                <a:solidFill>
+                  <a:schemeClr val="lt1"/>
+                </a:solidFill>
+                <a:latin typeface="Lato"/>
+                <a:ea typeface="Lato"/>
+                <a:cs typeface="Lato"/>
+                <a:sym typeface="Lato"/>
+              </a:defRPr>
+            </a:lvl2pPr>
+            <a:lvl3pPr indent="0" lvl="2" marL="0" marR="0" algn="r">
+              <a:lnSpc>
+                <a:spcPct val="100000"/>
+              </a:lnSpc>
+              <a:spcBef>
+                <a:spcPts val="0"/>
+              </a:spcBef>
+              <a:spcAft>
+                <a:spcPts val="0"/>
+              </a:spcAft>
+              <a:buClr>
+                <a:srgbClr val="000000"/>
+              </a:buClr>
+              <a:buSzPts val="1000"/>
+              <a:buFont typeface="Arial"/>
+              <a:buNone/>
+              <a:defRPr b="0" i="0" sz="1000" u="none" cap="none" strike="noStrike">
+                <a:solidFill>
+                  <a:schemeClr val="lt1"/>
+                </a:solidFill>
+                <a:latin typeface="Lato"/>
+                <a:ea typeface="Lato"/>
+                <a:cs typeface="Lato"/>
+                <a:sym typeface="Lato"/>
+              </a:defRPr>
+            </a:lvl3pPr>
+            <a:lvl4pPr indent="0" lvl="3" marL="0" marR="0" algn="r">
+              <a:lnSpc>
+                <a:spcPct val="100000"/>
+              </a:lnSpc>
+              <a:spcBef>
+                <a:spcPts val="0"/>
+              </a:spcBef>
+              <a:spcAft>
+                <a:spcPts val="0"/>
+              </a:spcAft>
+              <a:buClr>
+                <a:srgbClr val="000000"/>
+              </a:buClr>
+              <a:buSzPts val="1000"/>
+              <a:buFont typeface="Arial"/>
+              <a:buNone/>
+              <a:defRPr b="0" i="0" sz="1000" u="none" cap="none" strike="noStrike">
+                <a:solidFill>
+                  <a:schemeClr val="lt1"/>
+                </a:solidFill>
+                <a:latin typeface="Lato"/>
+                <a:ea typeface="Lato"/>
+                <a:cs typeface="Lato"/>
+                <a:sym typeface="Lato"/>
+              </a:defRPr>
+            </a:lvl4pPr>
+            <a:lvl5pPr indent="0" lvl="4" marL="0" marR="0" algn="r">
+              <a:lnSpc>
+                <a:spcPct val="100000"/>
+              </a:lnSpc>
+              <a:spcBef>
+                <a:spcPts val="0"/>
+              </a:spcBef>
+              <a:spcAft>
+                <a:spcPts val="0"/>
+              </a:spcAft>
+              <a:buClr>
+                <a:srgbClr val="000000"/>
+              </a:buClr>
+              <a:buSzPts val="1000"/>
+              <a:buFont typeface="Arial"/>
+              <a:buNone/>
+              <a:defRPr b="0" i="0" sz="1000" u="none" cap="none" strike="noStrike">
+                <a:solidFill>
+                  <a:schemeClr val="lt1"/>
+                </a:solidFill>
+                <a:latin typeface="Lato"/>
+                <a:ea typeface="Lato"/>
+                <a:cs typeface="Lato"/>
+                <a:sym typeface="Lato"/>
+              </a:defRPr>
+            </a:lvl5pPr>
+            <a:lvl6pPr indent="0" lvl="5" marL="0" marR="0" algn="r">
+              <a:lnSpc>
+                <a:spcPct val="100000"/>
+              </a:lnSpc>
+              <a:spcBef>
+                <a:spcPts val="0"/>
+              </a:spcBef>
+              <a:spcAft>
+                <a:spcPts val="0"/>
+              </a:spcAft>
+              <a:buClr>
+                <a:srgbClr val="000000"/>
+              </a:buClr>
+              <a:buSzPts val="1000"/>
+              <a:buFont typeface="Arial"/>
+              <a:buNone/>
+              <a:defRPr b="0" i="0" sz="1000" u="none" cap="none" strike="noStrike">
+                <a:solidFill>
+                  <a:schemeClr val="lt1"/>
+                </a:solidFill>
+                <a:latin typeface="Lato"/>
+                <a:ea typeface="Lato"/>
+                <a:cs typeface="Lato"/>
+                <a:sym typeface="Lato"/>
+              </a:defRPr>
+            </a:lvl6pPr>
+            <a:lvl7pPr indent="0" lvl="6" marL="0" marR="0" algn="r">
+              <a:lnSpc>
+                <a:spcPct val="100000"/>
+              </a:lnSpc>
+              <a:spcBef>
+                <a:spcPts val="0"/>
+              </a:spcBef>
+              <a:spcAft>
+                <a:spcPts val="0"/>
+              </a:spcAft>
+              <a:buClr>
+                <a:srgbClr val="000000"/>
+              </a:buClr>
+              <a:buSzPts val="1000"/>
+              <a:buFont typeface="Arial"/>
+              <a:buNone/>
+              <a:defRPr b="0" i="0" sz="1000" u="none" cap="none" strike="noStrike">
+                <a:solidFill>
+                  <a:schemeClr val="lt1"/>
+                </a:solidFill>
+                <a:latin typeface="Lato"/>
+                <a:ea typeface="Lato"/>
+                <a:cs typeface="Lato"/>
+                <a:sym typeface="Lato"/>
+              </a:defRPr>
+            </a:lvl7pPr>
+            <a:lvl8pPr indent="0" lvl="7" marL="0" marR="0" algn="r">
+              <a:lnSpc>
+                <a:spcPct val="100000"/>
+              </a:lnSpc>
+              <a:spcBef>
+                <a:spcPts val="0"/>
+              </a:spcBef>
+              <a:spcAft>
+                <a:spcPts val="0"/>
+              </a:spcAft>
+              <a:buClr>
+                <a:srgbClr val="000000"/>
+              </a:buClr>
+              <a:buSzPts val="1000"/>
+              <a:buFont typeface="Arial"/>
+              <a:buNone/>
+              <a:defRPr b="0" i="0" sz="1000" u="none" cap="none" strike="noStrike">
+                <a:solidFill>
+                  <a:schemeClr val="lt1"/>
+                </a:solidFill>
+                <a:latin typeface="Lato"/>
+                <a:ea typeface="Lato"/>
+                <a:cs typeface="Lato"/>
+                <a:sym typeface="Lato"/>
+              </a:defRPr>
+            </a:lvl8pPr>
+            <a:lvl9pPr indent="0" lvl="8" marL="0" marR="0" algn="r">
+              <a:lnSpc>
+                <a:spcPct val="100000"/>
+              </a:lnSpc>
+              <a:spcBef>
+                <a:spcPts val="0"/>
+              </a:spcBef>
+              <a:spcAft>
+                <a:spcPts val="0"/>
+              </a:spcAft>
+              <a:buClr>
+                <a:srgbClr val="000000"/>
+              </a:buClr>
+              <a:buSzPts val="1000"/>
+              <a:buFont typeface="Arial"/>
+              <a:buNone/>
+              <a:defRPr b="0" i="0" sz="1000" u="none" cap="none" strike="noStrike">
+                <a:solidFill>
+                  <a:schemeClr val="lt1"/>
+                </a:solidFill>
+                <a:latin typeface="Lato"/>
+                <a:ea typeface="Lato"/>
+                <a:cs typeface="Lato"/>
+                <a:sym typeface="Lato"/>
+              </a:defRPr>
+            </a:lvl9pPr>
+          </a:lstStyle>
+          <a:p>
+            <a:pPr indent="0" lvl="0" marL="0" rtl="0" algn="r">
+              <a:spcBef>
+                <a:spcPts val="0"/>
+              </a:spcBef>
+              <a:spcAft>
+                <a:spcPts val="0"/>
+              </a:spcAft>
+              <a:buNone/>
+            </a:pPr>
+            <a:fld id="{00000000-1234-1234-1234-123412341234}" type="slidenum">
+              <a:rPr lang="en"/>
+              <a:t>‹#›</a:t>
+            </a:fld>
+            <a:endParaRPr/>
+          </a:p>
+        </p:txBody>
+      </p:sp>
+    </p:spTree>
+  </p:cSld>
+  <p:clrMapOvr>
+    <a:masterClrMapping/>
+  </p:clrMapOvr>
+</p:sldLayout>
+</file>
+
+<file path=ppt/slideLayouts/slideLayout3.xml><?xml version="1.0" encoding="utf-8"?>
+<p:sldLayout xmlns:a="http://schemas.openxmlformats.org/drawingml/2006/main" xmlns:r="http://schemas.openxmlformats.org/officeDocument/2006/relationships" xmlns:mc="http://schemas.openxmlformats.org/markup-compatibility/2006" xmlns:mv="urn:schemas-microsoft-com:mac:vml" xmlns:p="http://schemas.openxmlformats.org/presentationml/2006/main" xmlns:c="http://schemas.openxmlformats.org/drawingml/2006/chart" xmlns:dgm="http://schemas.openxmlformats.org/drawingml/2006/diagram" xmlns:o="urn:schemas-microsoft-com:office:office" xmlns:v="urn:schemas-microsoft-com:vml" xmlns:pvml="urn:schemas-microsoft-com:office:powerpoint" xmlns:com="http://schemas.openxmlformats.org/drawingml/2006/compatibility" xmlns:p14="http://schemas.microsoft.com/office/powerpoint/2010/main" xmlns:p15="http://schemas.microsoft.com/office/powerpoint/2012/main" matchingName="Section title and description">
   <p:cSld name="SECTION_TITLE_AND_DESCRIPTION">
     <p:spTree>
       <p:nvGrpSpPr>
-        <p:cNvPr id="1" name="Shape 16"/>
+        <p:cNvPr id="20" name="Shape 20"/>
         <p:cNvGrpSpPr/>
         <p:nvPr/>
       </p:nvGrpSpPr>
@@ -3280,7 +3851,7 @@
       </p:grpSpPr>
       <p:sp>
         <p:nvSpPr>
-          <p:cNvPr id="17" name="Google Shape;17;p3"/>
+          <p:cNvPr id="21" name="Google Shape;21;p4"/>
           <p:cNvSpPr/>
           <p:nvPr/>
         </p:nvSpPr>
@@ -3300,12 +3871,12 @@
           </a:ln>
         </p:spPr>
         <p:txBody>
-          <a:bodyPr spcFirstLastPara="1" wrap="square" lIns="91425" tIns="91425" rIns="91425" bIns="91425" anchor="ctr" anchorCtr="0">
+          <a:bodyPr anchorCtr="0" anchor="ctr" bIns="91425" lIns="91425" spcFirstLastPara="1" rIns="91425" wrap="square" tIns="91425">
             <a:noAutofit/>
           </a:bodyPr>
           <a:lstStyle/>
           <a:p>
-            <a:pPr marL="0" marR="0" lvl="0" indent="0" algn="l" rtl="0">
+            <a:pPr indent="0" lvl="0" marL="0" marR="0" rtl="0" algn="l">
               <a:lnSpc>
                 <a:spcPct val="100000"/>
               </a:lnSpc>
@@ -3322,7 +3893,10 @@
               <a:buFont typeface="Arial"/>
               <a:buNone/>
             </a:pPr>
-            <a:endParaRPr sz="1400" b="0" i="0" u="none" strike="noStrike" cap="none">
+            <a:r>
+              <a:t/>
+            </a:r>
+            <a:endParaRPr b="0" i="0" sz="1400" u="none" cap="none" strike="noStrike">
               <a:solidFill>
                 <a:srgbClr val="000000"/>
               </a:solidFill>
@@ -3336,7 +3910,7 @@
       </p:sp>
       <p:cxnSp>
         <p:nvCxnSpPr>
-          <p:cNvPr id="18" name="Google Shape;18;p3"/>
+          <p:cNvPr id="22" name="Google Shape;22;p4"/>
           <p:cNvCxnSpPr/>
           <p:nvPr/>
         </p:nvCxnSpPr>
@@ -3349,23 +3923,21 @@
             <a:avLst/>
           </a:prstGeom>
           <a:noFill/>
-          <a:ln w="19050" cap="flat" cmpd="sng">
+          <a:ln cap="flat" cmpd="sng" w="19050">
             <a:solidFill>
               <a:schemeClr val="lt1"/>
             </a:solidFill>
             <a:prstDash val="solid"/>
             <a:round/>
-            <a:headEnd type="none" w="sm" len="sm"/>
-            <a:tailEnd type="none" w="sm" len="sm"/>
+            <a:headEnd len="sm" w="sm" type="none"/>
+            <a:tailEnd len="sm" w="sm" type="none"/>
           </a:ln>
         </p:spPr>
       </p:cxnSp>
       <p:sp>
         <p:nvSpPr>
-          <p:cNvPr id="19" name="Google Shape;19;p3"/>
-          <p:cNvSpPr txBox="1">
-            <a:spLocks noGrp="1"/>
-          </p:cNvSpPr>
+          <p:cNvPr id="23" name="Google Shape;23;p4"/>
+          <p:cNvSpPr txBox="1"/>
           <p:nvPr>
             <p:ph type="title"/>
           </p:nvPr>
@@ -3384,7 +3956,9 @@
           </a:ln>
         </p:spPr>
         <p:txBody>
-          <a:bodyPr spcFirstLastPara="1" wrap="square" lIns="91425" tIns="91425" rIns="91425" bIns="91425" anchor="b" anchorCtr="0"/>
+          <a:bodyPr anchorCtr="0" anchor="b" bIns="91425" lIns="91425" spcFirstLastPara="1" rIns="91425" wrap="square" tIns="91425">
+            <a:noAutofit/>
+          </a:bodyPr>
           <a:lstStyle>
             <a:lvl1pPr lvl="0" algn="ctr">
               <a:lnSpc>
@@ -3576,19 +4150,15 @@
               </a:defRPr>
             </a:lvl9pPr>
           </a:lstStyle>
-          <a:p>
-            <a:endParaRPr/>
-          </a:p>
+          <a:p/>
         </p:txBody>
       </p:sp>
       <p:sp>
         <p:nvSpPr>
-          <p:cNvPr id="20" name="Google Shape;20;p3"/>
-          <p:cNvSpPr txBox="1">
-            <a:spLocks noGrp="1"/>
-          </p:cNvSpPr>
+          <p:cNvPr id="24" name="Google Shape;24;p4"/>
+          <p:cNvSpPr txBox="1"/>
           <p:nvPr>
-            <p:ph type="subTitle" idx="1"/>
+            <p:ph idx="1" type="subTitle"/>
           </p:nvPr>
         </p:nvSpPr>
         <p:spPr>
@@ -3605,7 +4175,9 @@
           </a:ln>
         </p:spPr>
         <p:txBody>
-          <a:bodyPr spcFirstLastPara="1" wrap="square" lIns="91425" tIns="91425" rIns="91425" bIns="91425" anchor="t" anchorCtr="0"/>
+          <a:bodyPr anchorCtr="0" anchor="t" bIns="91425" lIns="91425" spcFirstLastPara="1" rIns="91425" wrap="square" tIns="91425">
+            <a:noAutofit/>
+          </a:bodyPr>
           <a:lstStyle>
             <a:lvl1pPr lvl="0" algn="ctr">
               <a:lnSpc>
@@ -3734,19 +4306,15 @@
               <a:defRPr sz="2100"/>
             </a:lvl9pPr>
           </a:lstStyle>
-          <a:p>
-            <a:endParaRPr/>
-          </a:p>
+          <a:p/>
         </p:txBody>
       </p:sp>
       <p:sp>
         <p:nvSpPr>
-          <p:cNvPr id="21" name="Google Shape;21;p3"/>
-          <p:cNvSpPr txBox="1">
-            <a:spLocks noGrp="1"/>
-          </p:cNvSpPr>
+          <p:cNvPr id="25" name="Google Shape;25;p4"/>
+          <p:cNvSpPr txBox="1"/>
           <p:nvPr>
-            <p:ph type="body" idx="2"/>
+            <p:ph idx="2" type="body"/>
           </p:nvPr>
         </p:nvSpPr>
         <p:spPr>
@@ -3763,9 +4331,11 @@
           </a:ln>
         </p:spPr>
         <p:txBody>
-          <a:bodyPr spcFirstLastPara="1" wrap="square" lIns="91425" tIns="91425" rIns="91425" bIns="91425" anchor="ctr" anchorCtr="0"/>
+          <a:bodyPr anchorCtr="0" anchor="ctr" bIns="91425" lIns="91425" spcFirstLastPara="1" rIns="91425" wrap="square" tIns="91425">
+            <a:noAutofit/>
+          </a:bodyPr>
           <a:lstStyle>
-            <a:lvl1pPr marL="457200" lvl="0" indent="-342900" algn="l">
+            <a:lvl1pPr indent="-342900" lvl="0" marL="457200" algn="l">
               <a:lnSpc>
                 <a:spcPct val="115000"/>
               </a:lnSpc>
@@ -3786,7 +4356,7 @@
                 </a:solidFill>
               </a:defRPr>
             </a:lvl1pPr>
-            <a:lvl2pPr marL="914400" lvl="1" indent="-317500" algn="l">
+            <a:lvl2pPr indent="-317500" lvl="1" marL="914400" algn="l">
               <a:lnSpc>
                 <a:spcPct val="115000"/>
               </a:lnSpc>
@@ -3807,7 +4377,7 @@
                 </a:solidFill>
               </a:defRPr>
             </a:lvl2pPr>
-            <a:lvl3pPr marL="1371600" lvl="2" indent="-317500" algn="l">
+            <a:lvl3pPr indent="-317500" lvl="2" marL="1371600" algn="l">
               <a:lnSpc>
                 <a:spcPct val="115000"/>
               </a:lnSpc>
@@ -3828,7 +4398,7 @@
                 </a:solidFill>
               </a:defRPr>
             </a:lvl3pPr>
-            <a:lvl4pPr marL="1828800" lvl="3" indent="-317500" algn="l">
+            <a:lvl4pPr indent="-317500" lvl="3" marL="1828800" algn="l">
               <a:lnSpc>
                 <a:spcPct val="115000"/>
               </a:lnSpc>
@@ -3849,7 +4419,7 @@
                 </a:solidFill>
               </a:defRPr>
             </a:lvl4pPr>
-            <a:lvl5pPr marL="2286000" lvl="4" indent="-317500" algn="l">
+            <a:lvl5pPr indent="-317500" lvl="4" marL="2286000" algn="l">
               <a:lnSpc>
                 <a:spcPct val="115000"/>
               </a:lnSpc>
@@ -3870,7 +4440,7 @@
                 </a:solidFill>
               </a:defRPr>
             </a:lvl5pPr>
-            <a:lvl6pPr marL="2743200" lvl="5" indent="-317500" algn="l">
+            <a:lvl6pPr indent="-317500" lvl="5" marL="2743200" algn="l">
               <a:lnSpc>
                 <a:spcPct val="115000"/>
               </a:lnSpc>
@@ -3891,7 +4461,7 @@
                 </a:solidFill>
               </a:defRPr>
             </a:lvl6pPr>
-            <a:lvl7pPr marL="3200400" lvl="6" indent="-317500" algn="l">
+            <a:lvl7pPr indent="-317500" lvl="6" marL="3200400" algn="l">
               <a:lnSpc>
                 <a:spcPct val="115000"/>
               </a:lnSpc>
@@ -3912,7 +4482,7 @@
                 </a:solidFill>
               </a:defRPr>
             </a:lvl7pPr>
-            <a:lvl8pPr marL="3657600" lvl="7" indent="-317500" algn="l">
+            <a:lvl8pPr indent="-317500" lvl="7" marL="3657600" algn="l">
               <a:lnSpc>
                 <a:spcPct val="115000"/>
               </a:lnSpc>
@@ -3933,7 +4503,7 @@
                 </a:solidFill>
               </a:defRPr>
             </a:lvl8pPr>
-            <a:lvl9pPr marL="4114800" lvl="8" indent="-317500" algn="l">
+            <a:lvl9pPr indent="-317500" lvl="8" marL="4114800" algn="l">
               <a:lnSpc>
                 <a:spcPct val="115000"/>
               </a:lnSpc>
@@ -3955,19 +4525,15 @@
               </a:defRPr>
             </a:lvl9pPr>
           </a:lstStyle>
-          <a:p>
-            <a:endParaRPr/>
-          </a:p>
+          <a:p/>
         </p:txBody>
       </p:sp>
       <p:sp>
         <p:nvSpPr>
-          <p:cNvPr id="22" name="Google Shape;22;p3"/>
-          <p:cNvSpPr txBox="1">
-            <a:spLocks noGrp="1"/>
-          </p:cNvSpPr>
+          <p:cNvPr id="26" name="Google Shape;26;p4"/>
+          <p:cNvSpPr txBox="1"/>
           <p:nvPr>
-            <p:ph type="sldNum" idx="12"/>
+            <p:ph idx="12" type="sldNum"/>
           </p:nvPr>
         </p:nvSpPr>
         <p:spPr>
@@ -3984,11 +4550,11 @@
           </a:ln>
         </p:spPr>
         <p:txBody>
-          <a:bodyPr spcFirstLastPara="1" wrap="square" lIns="91425" tIns="91425" rIns="91425" bIns="91425" anchor="ctr" anchorCtr="0">
+          <a:bodyPr anchorCtr="0" anchor="ctr" bIns="91425" lIns="91425" spcFirstLastPara="1" rIns="91425" wrap="square" tIns="91425">
             <a:noAutofit/>
           </a:bodyPr>
           <a:lstStyle>
-            <a:lvl1pPr marL="0" marR="0" lvl="0" indent="0" algn="r">
+            <a:lvl1pPr indent="0" lvl="0" marL="0" marR="0" algn="r">
               <a:lnSpc>
                 <a:spcPct val="100000"/>
               </a:lnSpc>
@@ -4004,7 +4570,7 @@
               <a:buSzPts val="1000"/>
               <a:buFont typeface="Arial"/>
               <a:buNone/>
-              <a:defRPr sz="1000" b="0" i="0" u="none" strike="noStrike" cap="none">
+              <a:defRPr b="0" i="0" sz="1000" u="none" cap="none" strike="noStrike">
                 <a:solidFill>
                   <a:schemeClr val="lt1"/>
                 </a:solidFill>
@@ -4014,7 +4580,7 @@
                 <a:sym typeface="Lato"/>
               </a:defRPr>
             </a:lvl1pPr>
-            <a:lvl2pPr marL="0" marR="0" lvl="1" indent="0" algn="r">
+            <a:lvl2pPr indent="0" lvl="1" marL="0" marR="0" algn="r">
               <a:lnSpc>
                 <a:spcPct val="100000"/>
               </a:lnSpc>
@@ -4030,7 +4596,7 @@
               <a:buSzPts val="1000"/>
               <a:buFont typeface="Arial"/>
               <a:buNone/>
-              <a:defRPr sz="1000" b="0" i="0" u="none" strike="noStrike" cap="none">
+              <a:defRPr b="0" i="0" sz="1000" u="none" cap="none" strike="noStrike">
                 <a:solidFill>
                   <a:schemeClr val="lt1"/>
                 </a:solidFill>
@@ -4040,7 +4606,7 @@
                 <a:sym typeface="Lato"/>
               </a:defRPr>
             </a:lvl2pPr>
-            <a:lvl3pPr marL="0" marR="0" lvl="2" indent="0" algn="r">
+            <a:lvl3pPr indent="0" lvl="2" marL="0" marR="0" algn="r">
               <a:lnSpc>
                 <a:spcPct val="100000"/>
               </a:lnSpc>
@@ -4056,7 +4622,7 @@
               <a:buSzPts val="1000"/>
               <a:buFont typeface="Arial"/>
               <a:buNone/>
-              <a:defRPr sz="1000" b="0" i="0" u="none" strike="noStrike" cap="none">
+              <a:defRPr b="0" i="0" sz="1000" u="none" cap="none" strike="noStrike">
                 <a:solidFill>
                   <a:schemeClr val="lt1"/>
                 </a:solidFill>
@@ -4066,7 +4632,7 @@
                 <a:sym typeface="Lato"/>
               </a:defRPr>
             </a:lvl3pPr>
-            <a:lvl4pPr marL="0" marR="0" lvl="3" indent="0" algn="r">
+            <a:lvl4pPr indent="0" lvl="3" marL="0" marR="0" algn="r">
               <a:lnSpc>
                 <a:spcPct val="100000"/>
               </a:lnSpc>
@@ -4082,7 +4648,7 @@
               <a:buSzPts val="1000"/>
               <a:buFont typeface="Arial"/>
               <a:buNone/>
-              <a:defRPr sz="1000" b="0" i="0" u="none" strike="noStrike" cap="none">
+              <a:defRPr b="0" i="0" sz="1000" u="none" cap="none" strike="noStrike">
                 <a:solidFill>
                   <a:schemeClr val="lt1"/>
                 </a:solidFill>
@@ -4092,7 +4658,7 @@
                 <a:sym typeface="Lato"/>
               </a:defRPr>
             </a:lvl4pPr>
-            <a:lvl5pPr marL="0" marR="0" lvl="4" indent="0" algn="r">
+            <a:lvl5pPr indent="0" lvl="4" marL="0" marR="0" algn="r">
               <a:lnSpc>
                 <a:spcPct val="100000"/>
               </a:lnSpc>
@@ -4108,7 +4674,7 @@
               <a:buSzPts val="1000"/>
               <a:buFont typeface="Arial"/>
               <a:buNone/>
-              <a:defRPr sz="1000" b="0" i="0" u="none" strike="noStrike" cap="none">
+              <a:defRPr b="0" i="0" sz="1000" u="none" cap="none" strike="noStrike">
                 <a:solidFill>
                   <a:schemeClr val="lt1"/>
                 </a:solidFill>
@@ -4118,7 +4684,7 @@
                 <a:sym typeface="Lato"/>
               </a:defRPr>
             </a:lvl5pPr>
-            <a:lvl6pPr marL="0" marR="0" lvl="5" indent="0" algn="r">
+            <a:lvl6pPr indent="0" lvl="5" marL="0" marR="0" algn="r">
               <a:lnSpc>
                 <a:spcPct val="100000"/>
               </a:lnSpc>
@@ -4134,7 +4700,7 @@
               <a:buSzPts val="1000"/>
               <a:buFont typeface="Arial"/>
               <a:buNone/>
-              <a:defRPr sz="1000" b="0" i="0" u="none" strike="noStrike" cap="none">
+              <a:defRPr b="0" i="0" sz="1000" u="none" cap="none" strike="noStrike">
                 <a:solidFill>
                   <a:schemeClr val="lt1"/>
                 </a:solidFill>
@@ -4144,7 +4710,7 @@
                 <a:sym typeface="Lato"/>
               </a:defRPr>
             </a:lvl6pPr>
-            <a:lvl7pPr marL="0" marR="0" lvl="6" indent="0" algn="r">
+            <a:lvl7pPr indent="0" lvl="6" marL="0" marR="0" algn="r">
               <a:lnSpc>
                 <a:spcPct val="100000"/>
               </a:lnSpc>
@@ -4160,7 +4726,7 @@
               <a:buSzPts val="1000"/>
               <a:buFont typeface="Arial"/>
               <a:buNone/>
-              <a:defRPr sz="1000" b="0" i="0" u="none" strike="noStrike" cap="none">
+              <a:defRPr b="0" i="0" sz="1000" u="none" cap="none" strike="noStrike">
                 <a:solidFill>
                   <a:schemeClr val="lt1"/>
                 </a:solidFill>
@@ -4170,7 +4736,7 @@
                 <a:sym typeface="Lato"/>
               </a:defRPr>
             </a:lvl7pPr>
-            <a:lvl8pPr marL="0" marR="0" lvl="7" indent="0" algn="r">
+            <a:lvl8pPr indent="0" lvl="7" marL="0" marR="0" algn="r">
               <a:lnSpc>
                 <a:spcPct val="100000"/>
               </a:lnSpc>
@@ -4186,7 +4752,7 @@
               <a:buSzPts val="1000"/>
               <a:buFont typeface="Arial"/>
               <a:buNone/>
-              <a:defRPr sz="1000" b="0" i="0" u="none" strike="noStrike" cap="none">
+              <a:defRPr b="0" i="0" sz="1000" u="none" cap="none" strike="noStrike">
                 <a:solidFill>
                   <a:schemeClr val="lt1"/>
                 </a:solidFill>
@@ -4196,7 +4762,7 @@
                 <a:sym typeface="Lato"/>
               </a:defRPr>
             </a:lvl8pPr>
-            <a:lvl9pPr marL="0" marR="0" lvl="8" indent="0" algn="r">
+            <a:lvl9pPr indent="0" lvl="8" marL="0" marR="0" algn="r">
               <a:lnSpc>
                 <a:spcPct val="100000"/>
               </a:lnSpc>
@@ -4212,7 +4778,7 @@
               <a:buSzPts val="1000"/>
               <a:buFont typeface="Arial"/>
               <a:buNone/>
-              <a:defRPr sz="1000" b="0" i="0" u="none" strike="noStrike" cap="none">
+              <a:defRPr b="0" i="0" sz="1000" u="none" cap="none" strike="noStrike">
                 <a:solidFill>
                   <a:schemeClr val="lt1"/>
                 </a:solidFill>
@@ -4224,568 +4790,7 @@
             </a:lvl9pPr>
           </a:lstStyle>
           <a:p>
-            <a:pPr marL="0" lvl="0" indent="0" algn="r" rtl="0">
-              <a:spcBef>
-                <a:spcPts val="0"/>
-              </a:spcBef>
-              <a:spcAft>
-                <a:spcPts val="0"/>
-              </a:spcAft>
-              <a:buNone/>
-            </a:pPr>
-            <a:fld id="{00000000-1234-1234-1234-123412341234}" type="slidenum">
-              <a:rPr lang="en"/>
-              <a:t>‹#›</a:t>
-            </a:fld>
-            <a:endParaRPr/>
-          </a:p>
-        </p:txBody>
-      </p:sp>
-    </p:spTree>
-  </p:cSld>
-  <p:clrMapOvr>
-    <a:masterClrMapping/>
-  </p:clrMapOvr>
-</p:sldLayout>
-</file>
-
-<file path=ppt/slideLayouts/slideLayout3.xml><?xml version="1.0" encoding="utf-8"?>
-<p:sldLayout xmlns:a="http://schemas.openxmlformats.org/drawingml/2006/main" xmlns:r="http://schemas.openxmlformats.org/officeDocument/2006/relationships" xmlns:p="http://schemas.openxmlformats.org/presentationml/2006/main" matchingName="Main point">
-  <p:cSld name="MAIN_POINT">
-    <p:bg>
-      <p:bgPr>
-        <a:solidFill>
-          <a:schemeClr val="lt2"/>
-        </a:solidFill>
-        <a:effectLst/>
-      </p:bgPr>
-    </p:bg>
-    <p:spTree>
-      <p:nvGrpSpPr>
-        <p:cNvPr id="1" name="Shape 23"/>
-        <p:cNvGrpSpPr/>
-        <p:nvPr/>
-      </p:nvGrpSpPr>
-      <p:grpSpPr>
-        <a:xfrm>
-          <a:off x="0" y="0"/>
-          <a:ext cx="0" cy="0"/>
-          <a:chOff x="0" y="0"/>
-          <a:chExt cx="0" cy="0"/>
-        </a:xfrm>
-      </p:grpSpPr>
-      <p:cxnSp>
-        <p:nvCxnSpPr>
-          <p:cNvPr id="24" name="Google Shape;24;p4"/>
-          <p:cNvCxnSpPr/>
-          <p:nvPr/>
-        </p:nvCxnSpPr>
-        <p:spPr>
-          <a:xfrm>
-            <a:off x="425198" y="415650"/>
-            <a:ext cx="183300" cy="0"/>
-          </a:xfrm>
-          <a:prstGeom prst="straightConnector1">
-            <a:avLst/>
-          </a:prstGeom>
-          <a:noFill/>
-          <a:ln w="19050" cap="flat" cmpd="sng">
-            <a:solidFill>
-              <a:schemeClr val="lt1"/>
-            </a:solidFill>
-            <a:prstDash val="solid"/>
-            <a:round/>
-            <a:headEnd type="none" w="sm" len="sm"/>
-            <a:tailEnd type="none" w="sm" len="sm"/>
-          </a:ln>
-        </p:spPr>
-      </p:cxnSp>
-      <p:sp>
-        <p:nvSpPr>
-          <p:cNvPr id="25" name="Google Shape;25;p4"/>
-          <p:cNvSpPr txBox="1">
-            <a:spLocks noGrp="1"/>
-          </p:cNvSpPr>
-          <p:nvPr>
-            <p:ph type="title"/>
-          </p:nvPr>
-        </p:nvSpPr>
-        <p:spPr>
-          <a:xfrm>
-            <a:off x="283103" y="712141"/>
-            <a:ext cx="6244200" cy="3835500"/>
-          </a:xfrm>
-          <a:prstGeom prst="rect">
-            <a:avLst/>
-          </a:prstGeom>
-          <a:noFill/>
-          <a:ln>
-            <a:noFill/>
-          </a:ln>
-        </p:spPr>
-        <p:txBody>
-          <a:bodyPr spcFirstLastPara="1" wrap="square" lIns="91425" tIns="91425" rIns="91425" bIns="91425" anchor="ctr" anchorCtr="0"/>
-          <a:lstStyle>
-            <a:lvl1pPr lvl="0" algn="l">
-              <a:lnSpc>
-                <a:spcPct val="100000"/>
-              </a:lnSpc>
-              <a:spcBef>
-                <a:spcPts val="0"/>
-              </a:spcBef>
-              <a:spcAft>
-                <a:spcPts val="0"/>
-              </a:spcAft>
-              <a:buClr>
-                <a:schemeClr val="lt1"/>
-              </a:buClr>
-              <a:buSzPts val="4800"/>
-              <a:buNone/>
-              <a:defRPr sz="4800">
-                <a:solidFill>
-                  <a:schemeClr val="lt1"/>
-                </a:solidFill>
-              </a:defRPr>
-            </a:lvl1pPr>
-            <a:lvl2pPr lvl="1" algn="l">
-              <a:lnSpc>
-                <a:spcPct val="100000"/>
-              </a:lnSpc>
-              <a:spcBef>
-                <a:spcPts val="0"/>
-              </a:spcBef>
-              <a:spcAft>
-                <a:spcPts val="0"/>
-              </a:spcAft>
-              <a:buClr>
-                <a:schemeClr val="lt1"/>
-              </a:buClr>
-              <a:buSzPts val="4800"/>
-              <a:buNone/>
-              <a:defRPr sz="4800">
-                <a:solidFill>
-                  <a:schemeClr val="lt1"/>
-                </a:solidFill>
-              </a:defRPr>
-            </a:lvl2pPr>
-            <a:lvl3pPr lvl="2" algn="l">
-              <a:lnSpc>
-                <a:spcPct val="100000"/>
-              </a:lnSpc>
-              <a:spcBef>
-                <a:spcPts val="0"/>
-              </a:spcBef>
-              <a:spcAft>
-                <a:spcPts val="0"/>
-              </a:spcAft>
-              <a:buClr>
-                <a:schemeClr val="lt1"/>
-              </a:buClr>
-              <a:buSzPts val="4800"/>
-              <a:buNone/>
-              <a:defRPr sz="4800">
-                <a:solidFill>
-                  <a:schemeClr val="lt1"/>
-                </a:solidFill>
-              </a:defRPr>
-            </a:lvl3pPr>
-            <a:lvl4pPr lvl="3" algn="l">
-              <a:lnSpc>
-                <a:spcPct val="100000"/>
-              </a:lnSpc>
-              <a:spcBef>
-                <a:spcPts val="0"/>
-              </a:spcBef>
-              <a:spcAft>
-                <a:spcPts val="0"/>
-              </a:spcAft>
-              <a:buClr>
-                <a:schemeClr val="lt1"/>
-              </a:buClr>
-              <a:buSzPts val="4800"/>
-              <a:buNone/>
-              <a:defRPr sz="4800">
-                <a:solidFill>
-                  <a:schemeClr val="lt1"/>
-                </a:solidFill>
-              </a:defRPr>
-            </a:lvl4pPr>
-            <a:lvl5pPr lvl="4" algn="l">
-              <a:lnSpc>
-                <a:spcPct val="100000"/>
-              </a:lnSpc>
-              <a:spcBef>
-                <a:spcPts val="0"/>
-              </a:spcBef>
-              <a:spcAft>
-                <a:spcPts val="0"/>
-              </a:spcAft>
-              <a:buClr>
-                <a:schemeClr val="lt1"/>
-              </a:buClr>
-              <a:buSzPts val="4800"/>
-              <a:buNone/>
-              <a:defRPr sz="4800">
-                <a:solidFill>
-                  <a:schemeClr val="lt1"/>
-                </a:solidFill>
-              </a:defRPr>
-            </a:lvl5pPr>
-            <a:lvl6pPr lvl="5" algn="l">
-              <a:lnSpc>
-                <a:spcPct val="100000"/>
-              </a:lnSpc>
-              <a:spcBef>
-                <a:spcPts val="0"/>
-              </a:spcBef>
-              <a:spcAft>
-                <a:spcPts val="0"/>
-              </a:spcAft>
-              <a:buClr>
-                <a:schemeClr val="lt1"/>
-              </a:buClr>
-              <a:buSzPts val="4800"/>
-              <a:buNone/>
-              <a:defRPr sz="4800">
-                <a:solidFill>
-                  <a:schemeClr val="lt1"/>
-                </a:solidFill>
-              </a:defRPr>
-            </a:lvl6pPr>
-            <a:lvl7pPr lvl="6" algn="l">
-              <a:lnSpc>
-                <a:spcPct val="100000"/>
-              </a:lnSpc>
-              <a:spcBef>
-                <a:spcPts val="0"/>
-              </a:spcBef>
-              <a:spcAft>
-                <a:spcPts val="0"/>
-              </a:spcAft>
-              <a:buClr>
-                <a:schemeClr val="lt1"/>
-              </a:buClr>
-              <a:buSzPts val="4800"/>
-              <a:buNone/>
-              <a:defRPr sz="4800">
-                <a:solidFill>
-                  <a:schemeClr val="lt1"/>
-                </a:solidFill>
-              </a:defRPr>
-            </a:lvl7pPr>
-            <a:lvl8pPr lvl="7" algn="l">
-              <a:lnSpc>
-                <a:spcPct val="100000"/>
-              </a:lnSpc>
-              <a:spcBef>
-                <a:spcPts val="0"/>
-              </a:spcBef>
-              <a:spcAft>
-                <a:spcPts val="0"/>
-              </a:spcAft>
-              <a:buClr>
-                <a:schemeClr val="lt1"/>
-              </a:buClr>
-              <a:buSzPts val="4800"/>
-              <a:buNone/>
-              <a:defRPr sz="4800">
-                <a:solidFill>
-                  <a:schemeClr val="lt1"/>
-                </a:solidFill>
-              </a:defRPr>
-            </a:lvl8pPr>
-            <a:lvl9pPr lvl="8" algn="l">
-              <a:lnSpc>
-                <a:spcPct val="100000"/>
-              </a:lnSpc>
-              <a:spcBef>
-                <a:spcPts val="0"/>
-              </a:spcBef>
-              <a:spcAft>
-                <a:spcPts val="0"/>
-              </a:spcAft>
-              <a:buClr>
-                <a:schemeClr val="lt1"/>
-              </a:buClr>
-              <a:buSzPts val="4800"/>
-              <a:buNone/>
-              <a:defRPr sz="4800">
-                <a:solidFill>
-                  <a:schemeClr val="lt1"/>
-                </a:solidFill>
-              </a:defRPr>
-            </a:lvl9pPr>
-          </a:lstStyle>
-          <a:p>
-            <a:endParaRPr/>
-          </a:p>
-        </p:txBody>
-      </p:sp>
-      <p:sp>
-        <p:nvSpPr>
-          <p:cNvPr id="26" name="Google Shape;26;p4"/>
-          <p:cNvSpPr txBox="1">
-            <a:spLocks noGrp="1"/>
-          </p:cNvSpPr>
-          <p:nvPr>
-            <p:ph type="sldNum" idx="12"/>
-          </p:nvPr>
-        </p:nvSpPr>
-        <p:spPr>
-          <a:xfrm>
-            <a:off x="8497999" y="4688759"/>
-            <a:ext cx="548700" cy="393600"/>
-          </a:xfrm>
-          <a:prstGeom prst="rect">
-            <a:avLst/>
-          </a:prstGeom>
-          <a:noFill/>
-          <a:ln>
-            <a:noFill/>
-          </a:ln>
-        </p:spPr>
-        <p:txBody>
-          <a:bodyPr spcFirstLastPara="1" wrap="square" lIns="91425" tIns="91425" rIns="91425" bIns="91425" anchor="ctr" anchorCtr="0">
-            <a:noAutofit/>
-          </a:bodyPr>
-          <a:lstStyle>
-            <a:lvl1pPr marL="0" marR="0" lvl="0" indent="0" algn="r">
-              <a:lnSpc>
-                <a:spcPct val="100000"/>
-              </a:lnSpc>
-              <a:spcBef>
-                <a:spcPts val="0"/>
-              </a:spcBef>
-              <a:spcAft>
-                <a:spcPts val="0"/>
-              </a:spcAft>
-              <a:buClr>
-                <a:srgbClr val="000000"/>
-              </a:buClr>
-              <a:buSzPts val="1000"/>
-              <a:buFont typeface="Arial"/>
-              <a:buNone/>
-              <a:defRPr sz="1000" b="0" i="0" u="none" strike="noStrike" cap="none">
-                <a:solidFill>
-                  <a:schemeClr val="lt1"/>
-                </a:solidFill>
-                <a:latin typeface="Lato"/>
-                <a:ea typeface="Lato"/>
-                <a:cs typeface="Lato"/>
-                <a:sym typeface="Lato"/>
-              </a:defRPr>
-            </a:lvl1pPr>
-            <a:lvl2pPr marL="0" marR="0" lvl="1" indent="0" algn="r">
-              <a:lnSpc>
-                <a:spcPct val="100000"/>
-              </a:lnSpc>
-              <a:spcBef>
-                <a:spcPts val="0"/>
-              </a:spcBef>
-              <a:spcAft>
-                <a:spcPts val="0"/>
-              </a:spcAft>
-              <a:buClr>
-                <a:srgbClr val="000000"/>
-              </a:buClr>
-              <a:buSzPts val="1000"/>
-              <a:buFont typeface="Arial"/>
-              <a:buNone/>
-              <a:defRPr sz="1000" b="0" i="0" u="none" strike="noStrike" cap="none">
-                <a:solidFill>
-                  <a:schemeClr val="lt1"/>
-                </a:solidFill>
-                <a:latin typeface="Lato"/>
-                <a:ea typeface="Lato"/>
-                <a:cs typeface="Lato"/>
-                <a:sym typeface="Lato"/>
-              </a:defRPr>
-            </a:lvl2pPr>
-            <a:lvl3pPr marL="0" marR="0" lvl="2" indent="0" algn="r">
-              <a:lnSpc>
-                <a:spcPct val="100000"/>
-              </a:lnSpc>
-              <a:spcBef>
-                <a:spcPts val="0"/>
-              </a:spcBef>
-              <a:spcAft>
-                <a:spcPts val="0"/>
-              </a:spcAft>
-              <a:buClr>
-                <a:srgbClr val="000000"/>
-              </a:buClr>
-              <a:buSzPts val="1000"/>
-              <a:buFont typeface="Arial"/>
-              <a:buNone/>
-              <a:defRPr sz="1000" b="0" i="0" u="none" strike="noStrike" cap="none">
-                <a:solidFill>
-                  <a:schemeClr val="lt1"/>
-                </a:solidFill>
-                <a:latin typeface="Lato"/>
-                <a:ea typeface="Lato"/>
-                <a:cs typeface="Lato"/>
-                <a:sym typeface="Lato"/>
-              </a:defRPr>
-            </a:lvl3pPr>
-            <a:lvl4pPr marL="0" marR="0" lvl="3" indent="0" algn="r">
-              <a:lnSpc>
-                <a:spcPct val="100000"/>
-              </a:lnSpc>
-              <a:spcBef>
-                <a:spcPts val="0"/>
-              </a:spcBef>
-              <a:spcAft>
-                <a:spcPts val="0"/>
-              </a:spcAft>
-              <a:buClr>
-                <a:srgbClr val="000000"/>
-              </a:buClr>
-              <a:buSzPts val="1000"/>
-              <a:buFont typeface="Arial"/>
-              <a:buNone/>
-              <a:defRPr sz="1000" b="0" i="0" u="none" strike="noStrike" cap="none">
-                <a:solidFill>
-                  <a:schemeClr val="lt1"/>
-                </a:solidFill>
-                <a:latin typeface="Lato"/>
-                <a:ea typeface="Lato"/>
-                <a:cs typeface="Lato"/>
-                <a:sym typeface="Lato"/>
-              </a:defRPr>
-            </a:lvl4pPr>
-            <a:lvl5pPr marL="0" marR="0" lvl="4" indent="0" algn="r">
-              <a:lnSpc>
-                <a:spcPct val="100000"/>
-              </a:lnSpc>
-              <a:spcBef>
-                <a:spcPts val="0"/>
-              </a:spcBef>
-              <a:spcAft>
-                <a:spcPts val="0"/>
-              </a:spcAft>
-              <a:buClr>
-                <a:srgbClr val="000000"/>
-              </a:buClr>
-              <a:buSzPts val="1000"/>
-              <a:buFont typeface="Arial"/>
-              <a:buNone/>
-              <a:defRPr sz="1000" b="0" i="0" u="none" strike="noStrike" cap="none">
-                <a:solidFill>
-                  <a:schemeClr val="lt1"/>
-                </a:solidFill>
-                <a:latin typeface="Lato"/>
-                <a:ea typeface="Lato"/>
-                <a:cs typeface="Lato"/>
-                <a:sym typeface="Lato"/>
-              </a:defRPr>
-            </a:lvl5pPr>
-            <a:lvl6pPr marL="0" marR="0" lvl="5" indent="0" algn="r">
-              <a:lnSpc>
-                <a:spcPct val="100000"/>
-              </a:lnSpc>
-              <a:spcBef>
-                <a:spcPts val="0"/>
-              </a:spcBef>
-              <a:spcAft>
-                <a:spcPts val="0"/>
-              </a:spcAft>
-              <a:buClr>
-                <a:srgbClr val="000000"/>
-              </a:buClr>
-              <a:buSzPts val="1000"/>
-              <a:buFont typeface="Arial"/>
-              <a:buNone/>
-              <a:defRPr sz="1000" b="0" i="0" u="none" strike="noStrike" cap="none">
-                <a:solidFill>
-                  <a:schemeClr val="lt1"/>
-                </a:solidFill>
-                <a:latin typeface="Lato"/>
-                <a:ea typeface="Lato"/>
-                <a:cs typeface="Lato"/>
-                <a:sym typeface="Lato"/>
-              </a:defRPr>
-            </a:lvl6pPr>
-            <a:lvl7pPr marL="0" marR="0" lvl="6" indent="0" algn="r">
-              <a:lnSpc>
-                <a:spcPct val="100000"/>
-              </a:lnSpc>
-              <a:spcBef>
-                <a:spcPts val="0"/>
-              </a:spcBef>
-              <a:spcAft>
-                <a:spcPts val="0"/>
-              </a:spcAft>
-              <a:buClr>
-                <a:srgbClr val="000000"/>
-              </a:buClr>
-              <a:buSzPts val="1000"/>
-              <a:buFont typeface="Arial"/>
-              <a:buNone/>
-              <a:defRPr sz="1000" b="0" i="0" u="none" strike="noStrike" cap="none">
-                <a:solidFill>
-                  <a:schemeClr val="lt1"/>
-                </a:solidFill>
-                <a:latin typeface="Lato"/>
-                <a:ea typeface="Lato"/>
-                <a:cs typeface="Lato"/>
-                <a:sym typeface="Lato"/>
-              </a:defRPr>
-            </a:lvl7pPr>
-            <a:lvl8pPr marL="0" marR="0" lvl="7" indent="0" algn="r">
-              <a:lnSpc>
-                <a:spcPct val="100000"/>
-              </a:lnSpc>
-              <a:spcBef>
-                <a:spcPts val="0"/>
-              </a:spcBef>
-              <a:spcAft>
-                <a:spcPts val="0"/>
-              </a:spcAft>
-              <a:buClr>
-                <a:srgbClr val="000000"/>
-              </a:buClr>
-              <a:buSzPts val="1000"/>
-              <a:buFont typeface="Arial"/>
-              <a:buNone/>
-              <a:defRPr sz="1000" b="0" i="0" u="none" strike="noStrike" cap="none">
-                <a:solidFill>
-                  <a:schemeClr val="lt1"/>
-                </a:solidFill>
-                <a:latin typeface="Lato"/>
-                <a:ea typeface="Lato"/>
-                <a:cs typeface="Lato"/>
-                <a:sym typeface="Lato"/>
-              </a:defRPr>
-            </a:lvl8pPr>
-            <a:lvl9pPr marL="0" marR="0" lvl="8" indent="0" algn="r">
-              <a:lnSpc>
-                <a:spcPct val="100000"/>
-              </a:lnSpc>
-              <a:spcBef>
-                <a:spcPts val="0"/>
-              </a:spcBef>
-              <a:spcAft>
-                <a:spcPts val="0"/>
-              </a:spcAft>
-              <a:buClr>
-                <a:srgbClr val="000000"/>
-              </a:buClr>
-              <a:buSzPts val="1000"/>
-              <a:buFont typeface="Arial"/>
-              <a:buNone/>
-              <a:defRPr sz="1000" b="0" i="0" u="none" strike="noStrike" cap="none">
-                <a:solidFill>
-                  <a:schemeClr val="lt1"/>
-                </a:solidFill>
-                <a:latin typeface="Lato"/>
-                <a:ea typeface="Lato"/>
-                <a:cs typeface="Lato"/>
-                <a:sym typeface="Lato"/>
-              </a:defRPr>
-            </a:lvl9pPr>
-          </a:lstStyle>
-          <a:p>
-            <a:pPr marL="0" lvl="0" indent="0" algn="r" rtl="0">
+            <a:pPr indent="0" lvl="0" marL="0" rtl="0" algn="r">
               <a:spcBef>
                 <a:spcPts val="0"/>
               </a:spcBef>
@@ -4811,19 +4816,18 @@
 </file>
 
 <file path=ppt/slideLayouts/slideLayout4.xml><?xml version="1.0" encoding="utf-8"?>
-<p:sldLayout xmlns:a="http://schemas.openxmlformats.org/drawingml/2006/main" xmlns:r="http://schemas.openxmlformats.org/officeDocument/2006/relationships" xmlns:p="http://schemas.openxmlformats.org/presentationml/2006/main" matchingName="Section header" type="secHead">
+<p:sldLayout xmlns:a="http://schemas.openxmlformats.org/drawingml/2006/main" xmlns:r="http://schemas.openxmlformats.org/officeDocument/2006/relationships" xmlns:mc="http://schemas.openxmlformats.org/markup-compatibility/2006" xmlns:mv="urn:schemas-microsoft-com:mac:vml" xmlns:p="http://schemas.openxmlformats.org/presentationml/2006/main" xmlns:c="http://schemas.openxmlformats.org/drawingml/2006/chart" xmlns:dgm="http://schemas.openxmlformats.org/drawingml/2006/diagram" xmlns:o="urn:schemas-microsoft-com:office:office" xmlns:v="urn:schemas-microsoft-com:vml" xmlns:pvml="urn:schemas-microsoft-com:office:powerpoint" xmlns:com="http://schemas.openxmlformats.org/drawingml/2006/compatibility" xmlns:p14="http://schemas.microsoft.com/office/powerpoint/2010/main" xmlns:p15="http://schemas.microsoft.com/office/powerpoint/2012/main" matchingName="Section header" type="secHead">
   <p:cSld name="SECTION_HEADER">
     <p:bg>
       <p:bgPr>
         <a:solidFill>
           <a:schemeClr val="dk1"/>
         </a:solidFill>
-        <a:effectLst/>
       </p:bgPr>
     </p:bg>
     <p:spTree>
       <p:nvGrpSpPr>
-        <p:cNvPr id="1" name="Shape 29"/>
+        <p:cNvPr id="27" name="Shape 27"/>
         <p:cNvGrpSpPr/>
         <p:nvPr/>
       </p:nvGrpSpPr>
@@ -4837,7 +4841,7 @@
       </p:grpSpPr>
       <p:cxnSp>
         <p:nvCxnSpPr>
-          <p:cNvPr id="30" name="Google Shape;30;p6"/>
+          <p:cNvPr id="28" name="Google Shape;28;p5"/>
           <p:cNvCxnSpPr/>
           <p:nvPr/>
         </p:nvCxnSpPr>
@@ -4850,20 +4854,20 @@
             <a:avLst/>
           </a:prstGeom>
           <a:noFill/>
-          <a:ln w="38100" cap="flat" cmpd="sng">
+          <a:ln cap="flat" cmpd="sng" w="38100">
             <a:solidFill>
               <a:schemeClr val="lt1"/>
             </a:solidFill>
             <a:prstDash val="solid"/>
             <a:round/>
-            <a:headEnd type="none" w="sm" len="sm"/>
-            <a:tailEnd type="none" w="sm" len="sm"/>
+            <a:headEnd len="sm" w="sm" type="none"/>
+            <a:tailEnd len="sm" w="sm" type="none"/>
           </a:ln>
         </p:spPr>
       </p:cxnSp>
       <p:cxnSp>
         <p:nvCxnSpPr>
-          <p:cNvPr id="31" name="Google Shape;31;p6"/>
+          <p:cNvPr id="29" name="Google Shape;29;p5"/>
           <p:cNvCxnSpPr/>
           <p:nvPr/>
         </p:nvCxnSpPr>
@@ -4876,23 +4880,21 @@
             <a:avLst/>
           </a:prstGeom>
           <a:noFill/>
-          <a:ln w="19050" cap="flat" cmpd="sng">
+          <a:ln cap="flat" cmpd="sng" w="19050">
             <a:solidFill>
               <a:schemeClr val="lt1"/>
             </a:solidFill>
             <a:prstDash val="solid"/>
             <a:round/>
-            <a:headEnd type="none" w="sm" len="sm"/>
-            <a:tailEnd type="none" w="sm" len="sm"/>
+            <a:headEnd len="sm" w="sm" type="none"/>
+            <a:tailEnd len="sm" w="sm" type="none"/>
           </a:ln>
         </p:spPr>
       </p:cxnSp>
       <p:sp>
         <p:nvSpPr>
-          <p:cNvPr id="32" name="Google Shape;32;p6"/>
-          <p:cNvSpPr txBox="1">
-            <a:spLocks noGrp="1"/>
-          </p:cNvSpPr>
+          <p:cNvPr id="30" name="Google Shape;30;p5"/>
+          <p:cNvSpPr txBox="1"/>
           <p:nvPr>
             <p:ph type="title"/>
           </p:nvPr>
@@ -4911,7 +4913,9 @@
           </a:ln>
         </p:spPr>
         <p:txBody>
-          <a:bodyPr spcFirstLastPara="1" wrap="square" lIns="91425" tIns="91425" rIns="91425" bIns="91425" anchor="ctr" anchorCtr="0"/>
+          <a:bodyPr anchorCtr="0" anchor="ctr" bIns="91425" lIns="91425" spcFirstLastPara="1" rIns="91425" wrap="square" tIns="91425">
+            <a:noAutofit/>
+          </a:bodyPr>
           <a:lstStyle>
             <a:lvl1pPr lvl="0" algn="ctr">
               <a:lnSpc>
@@ -5103,19 +5107,15 @@
               </a:defRPr>
             </a:lvl9pPr>
           </a:lstStyle>
-          <a:p>
-            <a:endParaRPr/>
-          </a:p>
+          <a:p/>
         </p:txBody>
       </p:sp>
       <p:sp>
         <p:nvSpPr>
-          <p:cNvPr id="33" name="Google Shape;33;p6"/>
-          <p:cNvSpPr txBox="1">
-            <a:spLocks noGrp="1"/>
-          </p:cNvSpPr>
+          <p:cNvPr id="31" name="Google Shape;31;p5"/>
+          <p:cNvSpPr txBox="1"/>
           <p:nvPr>
-            <p:ph type="sldNum" idx="12"/>
+            <p:ph idx="12" type="sldNum"/>
           </p:nvPr>
         </p:nvSpPr>
         <p:spPr>
@@ -5132,11 +5132,11 @@
           </a:ln>
         </p:spPr>
         <p:txBody>
-          <a:bodyPr spcFirstLastPara="1" wrap="square" lIns="91425" tIns="91425" rIns="91425" bIns="91425" anchor="ctr" anchorCtr="0">
+          <a:bodyPr anchorCtr="0" anchor="ctr" bIns="91425" lIns="91425" spcFirstLastPara="1" rIns="91425" wrap="square" tIns="91425">
             <a:noAutofit/>
           </a:bodyPr>
           <a:lstStyle>
-            <a:lvl1pPr marL="0" marR="0" lvl="0" indent="0" algn="r">
+            <a:lvl1pPr indent="0" lvl="0" marL="0" marR="0" algn="r">
               <a:lnSpc>
                 <a:spcPct val="100000"/>
               </a:lnSpc>
@@ -5152,7 +5152,7 @@
               <a:buSzPts val="1000"/>
               <a:buFont typeface="Arial"/>
               <a:buNone/>
-              <a:defRPr sz="1000" b="0" i="0" u="none" strike="noStrike" cap="none">
+              <a:defRPr b="0" i="0" sz="1000" u="none" cap="none" strike="noStrike">
                 <a:solidFill>
                   <a:schemeClr val="lt1"/>
                 </a:solidFill>
@@ -5162,7 +5162,7 @@
                 <a:sym typeface="Lato"/>
               </a:defRPr>
             </a:lvl1pPr>
-            <a:lvl2pPr marL="0" marR="0" lvl="1" indent="0" algn="r">
+            <a:lvl2pPr indent="0" lvl="1" marL="0" marR="0" algn="r">
               <a:lnSpc>
                 <a:spcPct val="100000"/>
               </a:lnSpc>
@@ -5178,7 +5178,7 @@
               <a:buSzPts val="1000"/>
               <a:buFont typeface="Arial"/>
               <a:buNone/>
-              <a:defRPr sz="1000" b="0" i="0" u="none" strike="noStrike" cap="none">
+              <a:defRPr b="0" i="0" sz="1000" u="none" cap="none" strike="noStrike">
                 <a:solidFill>
                   <a:schemeClr val="lt1"/>
                 </a:solidFill>
@@ -5188,7 +5188,7 @@
                 <a:sym typeface="Lato"/>
               </a:defRPr>
             </a:lvl2pPr>
-            <a:lvl3pPr marL="0" marR="0" lvl="2" indent="0" algn="r">
+            <a:lvl3pPr indent="0" lvl="2" marL="0" marR="0" algn="r">
               <a:lnSpc>
                 <a:spcPct val="100000"/>
               </a:lnSpc>
@@ -5204,7 +5204,7 @@
               <a:buSzPts val="1000"/>
               <a:buFont typeface="Arial"/>
               <a:buNone/>
-              <a:defRPr sz="1000" b="0" i="0" u="none" strike="noStrike" cap="none">
+              <a:defRPr b="0" i="0" sz="1000" u="none" cap="none" strike="noStrike">
                 <a:solidFill>
                   <a:schemeClr val="lt1"/>
                 </a:solidFill>
@@ -5214,7 +5214,7 @@
                 <a:sym typeface="Lato"/>
               </a:defRPr>
             </a:lvl3pPr>
-            <a:lvl4pPr marL="0" marR="0" lvl="3" indent="0" algn="r">
+            <a:lvl4pPr indent="0" lvl="3" marL="0" marR="0" algn="r">
               <a:lnSpc>
                 <a:spcPct val="100000"/>
               </a:lnSpc>
@@ -5230,7 +5230,7 @@
               <a:buSzPts val="1000"/>
               <a:buFont typeface="Arial"/>
               <a:buNone/>
-              <a:defRPr sz="1000" b="0" i="0" u="none" strike="noStrike" cap="none">
+              <a:defRPr b="0" i="0" sz="1000" u="none" cap="none" strike="noStrike">
                 <a:solidFill>
                   <a:schemeClr val="lt1"/>
                 </a:solidFill>
@@ -5240,7 +5240,7 @@
                 <a:sym typeface="Lato"/>
               </a:defRPr>
             </a:lvl4pPr>
-            <a:lvl5pPr marL="0" marR="0" lvl="4" indent="0" algn="r">
+            <a:lvl5pPr indent="0" lvl="4" marL="0" marR="0" algn="r">
               <a:lnSpc>
                 <a:spcPct val="100000"/>
               </a:lnSpc>
@@ -5256,7 +5256,7 @@
               <a:buSzPts val="1000"/>
               <a:buFont typeface="Arial"/>
               <a:buNone/>
-              <a:defRPr sz="1000" b="0" i="0" u="none" strike="noStrike" cap="none">
+              <a:defRPr b="0" i="0" sz="1000" u="none" cap="none" strike="noStrike">
                 <a:solidFill>
                   <a:schemeClr val="lt1"/>
                 </a:solidFill>
@@ -5266,7 +5266,7 @@
                 <a:sym typeface="Lato"/>
               </a:defRPr>
             </a:lvl5pPr>
-            <a:lvl6pPr marL="0" marR="0" lvl="5" indent="0" algn="r">
+            <a:lvl6pPr indent="0" lvl="5" marL="0" marR="0" algn="r">
               <a:lnSpc>
                 <a:spcPct val="100000"/>
               </a:lnSpc>
@@ -5282,7 +5282,7 @@
               <a:buSzPts val="1000"/>
               <a:buFont typeface="Arial"/>
               <a:buNone/>
-              <a:defRPr sz="1000" b="0" i="0" u="none" strike="noStrike" cap="none">
+              <a:defRPr b="0" i="0" sz="1000" u="none" cap="none" strike="noStrike">
                 <a:solidFill>
                   <a:schemeClr val="lt1"/>
                 </a:solidFill>
@@ -5292,7 +5292,7 @@
                 <a:sym typeface="Lato"/>
               </a:defRPr>
             </a:lvl6pPr>
-            <a:lvl7pPr marL="0" marR="0" lvl="6" indent="0" algn="r">
+            <a:lvl7pPr indent="0" lvl="6" marL="0" marR="0" algn="r">
               <a:lnSpc>
                 <a:spcPct val="100000"/>
               </a:lnSpc>
@@ -5308,7 +5308,7 @@
               <a:buSzPts val="1000"/>
               <a:buFont typeface="Arial"/>
               <a:buNone/>
-              <a:defRPr sz="1000" b="0" i="0" u="none" strike="noStrike" cap="none">
+              <a:defRPr b="0" i="0" sz="1000" u="none" cap="none" strike="noStrike">
                 <a:solidFill>
                   <a:schemeClr val="lt1"/>
                 </a:solidFill>
@@ -5318,7 +5318,7 @@
                 <a:sym typeface="Lato"/>
               </a:defRPr>
             </a:lvl7pPr>
-            <a:lvl8pPr marL="0" marR="0" lvl="7" indent="0" algn="r">
+            <a:lvl8pPr indent="0" lvl="7" marL="0" marR="0" algn="r">
               <a:lnSpc>
                 <a:spcPct val="100000"/>
               </a:lnSpc>
@@ -5334,7 +5334,7 @@
               <a:buSzPts val="1000"/>
               <a:buFont typeface="Arial"/>
               <a:buNone/>
-              <a:defRPr sz="1000" b="0" i="0" u="none" strike="noStrike" cap="none">
+              <a:defRPr b="0" i="0" sz="1000" u="none" cap="none" strike="noStrike">
                 <a:solidFill>
                   <a:schemeClr val="lt1"/>
                 </a:solidFill>
@@ -5344,7 +5344,7 @@
                 <a:sym typeface="Lato"/>
               </a:defRPr>
             </a:lvl8pPr>
-            <a:lvl9pPr marL="0" marR="0" lvl="8" indent="0" algn="r">
+            <a:lvl9pPr indent="0" lvl="8" marL="0" marR="0" algn="r">
               <a:lnSpc>
                 <a:spcPct val="100000"/>
               </a:lnSpc>
@@ -5360,7 +5360,7 @@
               <a:buSzPts val="1000"/>
               <a:buFont typeface="Arial"/>
               <a:buNone/>
-              <a:defRPr sz="1000" b="0" i="0" u="none" strike="noStrike" cap="none">
+              <a:defRPr b="0" i="0" sz="1000" u="none" cap="none" strike="noStrike">
                 <a:solidFill>
                   <a:schemeClr val="lt1"/>
                 </a:solidFill>
@@ -5372,7 +5372,7 @@
             </a:lvl9pPr>
           </a:lstStyle>
           <a:p>
-            <a:pPr marL="0" lvl="0" indent="0" algn="r" rtl="0">
+            <a:pPr indent="0" lvl="0" marL="0" rtl="0" algn="r">
               <a:spcBef>
                 <a:spcPts val="0"/>
               </a:spcBef>
@@ -5398,11 +5398,11 @@
 </file>
 
 <file path=ppt/slideLayouts/slideLayout5.xml><?xml version="1.0" encoding="utf-8"?>
-<p:sldLayout xmlns:a="http://schemas.openxmlformats.org/drawingml/2006/main" xmlns:r="http://schemas.openxmlformats.org/officeDocument/2006/relationships" xmlns:p="http://schemas.openxmlformats.org/presentationml/2006/main" matchingName="Title and body" type="tx">
+<p:sldLayout xmlns:a="http://schemas.openxmlformats.org/drawingml/2006/main" xmlns:r="http://schemas.openxmlformats.org/officeDocument/2006/relationships" xmlns:mc="http://schemas.openxmlformats.org/markup-compatibility/2006" xmlns:mv="urn:schemas-microsoft-com:mac:vml" xmlns:p="http://schemas.openxmlformats.org/presentationml/2006/main" xmlns:c="http://schemas.openxmlformats.org/drawingml/2006/chart" xmlns:dgm="http://schemas.openxmlformats.org/drawingml/2006/diagram" xmlns:o="urn:schemas-microsoft-com:office:office" xmlns:v="urn:schemas-microsoft-com:vml" xmlns:pvml="urn:schemas-microsoft-com:office:powerpoint" xmlns:com="http://schemas.openxmlformats.org/drawingml/2006/compatibility" xmlns:p14="http://schemas.microsoft.com/office/powerpoint/2010/main" xmlns:p15="http://schemas.microsoft.com/office/powerpoint/2012/main" matchingName="Title and body" type="tx">
   <p:cSld name="TITLE_AND_BODY">
     <p:spTree>
       <p:nvGrpSpPr>
-        <p:cNvPr id="1" name="Shape 34"/>
+        <p:cNvPr id="32" name="Shape 32"/>
         <p:cNvGrpSpPr/>
         <p:nvPr/>
       </p:nvGrpSpPr>
@@ -5416,7 +5416,7 @@
       </p:grpSpPr>
       <p:cxnSp>
         <p:nvCxnSpPr>
-          <p:cNvPr id="35" name="Google Shape;35;p7"/>
+          <p:cNvPr id="33" name="Google Shape;33;p6"/>
           <p:cNvCxnSpPr/>
           <p:nvPr/>
         </p:nvCxnSpPr>
@@ -5429,20 +5429,20 @@
             <a:avLst/>
           </a:prstGeom>
           <a:noFill/>
-          <a:ln w="38100" cap="flat" cmpd="sng">
+          <a:ln cap="flat" cmpd="sng" w="38100">
             <a:solidFill>
               <a:schemeClr val="dk2"/>
             </a:solidFill>
             <a:prstDash val="solid"/>
             <a:round/>
-            <a:headEnd type="none" w="sm" len="sm"/>
-            <a:tailEnd type="none" w="sm" len="sm"/>
+            <a:headEnd len="sm" w="sm" type="none"/>
+            <a:tailEnd len="sm" w="sm" type="none"/>
           </a:ln>
         </p:spPr>
       </p:cxnSp>
       <p:cxnSp>
         <p:nvCxnSpPr>
-          <p:cNvPr id="36" name="Google Shape;36;p7"/>
+          <p:cNvPr id="34" name="Google Shape;34;p6"/>
           <p:cNvCxnSpPr/>
           <p:nvPr/>
         </p:nvCxnSpPr>
@@ -5455,20 +5455,20 @@
             <a:avLst/>
           </a:prstGeom>
           <a:noFill/>
-          <a:ln w="19050" cap="flat" cmpd="sng">
+          <a:ln cap="flat" cmpd="sng" w="19050">
             <a:solidFill>
               <a:schemeClr val="dk2"/>
             </a:solidFill>
             <a:prstDash val="solid"/>
             <a:round/>
-            <a:headEnd type="none" w="sm" len="sm"/>
-            <a:tailEnd type="none" w="sm" len="sm"/>
+            <a:headEnd len="sm" w="sm" type="none"/>
+            <a:tailEnd len="sm" w="sm" type="none"/>
           </a:ln>
         </p:spPr>
       </p:cxnSp>
       <p:cxnSp>
         <p:nvCxnSpPr>
-          <p:cNvPr id="37" name="Google Shape;37;p7"/>
+          <p:cNvPr id="35" name="Google Shape;35;p6"/>
           <p:cNvCxnSpPr/>
           <p:nvPr/>
         </p:nvCxnSpPr>
@@ -5481,23 +5481,21 @@
             <a:avLst/>
           </a:prstGeom>
           <a:noFill/>
-          <a:ln w="19050" cap="flat" cmpd="sng">
+          <a:ln cap="flat" cmpd="sng" w="19050">
             <a:solidFill>
               <a:schemeClr val="dk2"/>
             </a:solidFill>
             <a:prstDash val="solid"/>
             <a:round/>
-            <a:headEnd type="none" w="sm" len="sm"/>
-            <a:tailEnd type="none" w="sm" len="sm"/>
+            <a:headEnd len="sm" w="sm" type="none"/>
+            <a:tailEnd len="sm" w="sm" type="none"/>
           </a:ln>
         </p:spPr>
       </p:cxnSp>
       <p:sp>
         <p:nvSpPr>
-          <p:cNvPr id="38" name="Google Shape;38;p7"/>
-          <p:cNvSpPr txBox="1">
-            <a:spLocks noGrp="1"/>
-          </p:cNvSpPr>
+          <p:cNvPr id="36" name="Google Shape;36;p6"/>
+          <p:cNvSpPr txBox="1"/>
           <p:nvPr>
             <p:ph type="title"/>
           </p:nvPr>
@@ -5516,7 +5514,9 @@
           </a:ln>
         </p:spPr>
         <p:txBody>
-          <a:bodyPr spcFirstLastPara="1" wrap="square" lIns="91425" tIns="91425" rIns="91425" bIns="91425" anchor="t" anchorCtr="0"/>
+          <a:bodyPr anchorCtr="0" anchor="t" bIns="91425" lIns="91425" spcFirstLastPara="1" rIns="91425" wrap="square" tIns="91425">
+            <a:noAutofit/>
+          </a:bodyPr>
           <a:lstStyle>
             <a:lvl1pPr lvl="0" algn="l">
               <a:lnSpc>
@@ -5645,19 +5645,15 @@
               <a:defRPr/>
             </a:lvl9pPr>
           </a:lstStyle>
-          <a:p>
-            <a:endParaRPr/>
-          </a:p>
+          <a:p/>
         </p:txBody>
       </p:sp>
       <p:sp>
         <p:nvSpPr>
-          <p:cNvPr id="39" name="Google Shape;39;p7"/>
-          <p:cNvSpPr txBox="1">
-            <a:spLocks noGrp="1"/>
-          </p:cNvSpPr>
+          <p:cNvPr id="37" name="Google Shape;37;p6"/>
+          <p:cNvSpPr txBox="1"/>
           <p:nvPr>
-            <p:ph type="body" idx="1"/>
+            <p:ph idx="1" type="body"/>
           </p:nvPr>
         </p:nvSpPr>
         <p:spPr>
@@ -5674,9 +5670,11 @@
           </a:ln>
         </p:spPr>
         <p:txBody>
-          <a:bodyPr spcFirstLastPara="1" wrap="square" lIns="91425" tIns="91425" rIns="91425" bIns="91425" anchor="t" anchorCtr="0"/>
+          <a:bodyPr anchorCtr="0" anchor="t" bIns="91425" lIns="91425" spcFirstLastPara="1" rIns="91425" wrap="square" tIns="91425">
+            <a:noAutofit/>
+          </a:bodyPr>
           <a:lstStyle>
-            <a:lvl1pPr marL="457200" lvl="0" indent="-342900" algn="l">
+            <a:lvl1pPr indent="-342900" lvl="0" marL="457200" algn="l">
               <a:lnSpc>
                 <a:spcPct val="115000"/>
               </a:lnSpc>
@@ -5690,7 +5688,7 @@
               <a:buChar char="●"/>
               <a:defRPr/>
             </a:lvl1pPr>
-            <a:lvl2pPr marL="914400" lvl="1" indent="-317500" algn="l">
+            <a:lvl2pPr indent="-317500" lvl="1" marL="914400" algn="l">
               <a:lnSpc>
                 <a:spcPct val="115000"/>
               </a:lnSpc>
@@ -5704,7 +5702,7 @@
               <a:buChar char="○"/>
               <a:defRPr/>
             </a:lvl2pPr>
-            <a:lvl3pPr marL="1371600" lvl="2" indent="-317500" algn="l">
+            <a:lvl3pPr indent="-317500" lvl="2" marL="1371600" algn="l">
               <a:lnSpc>
                 <a:spcPct val="115000"/>
               </a:lnSpc>
@@ -5718,7 +5716,7 @@
               <a:buChar char="■"/>
               <a:defRPr/>
             </a:lvl3pPr>
-            <a:lvl4pPr marL="1828800" lvl="3" indent="-317500" algn="l">
+            <a:lvl4pPr indent="-317500" lvl="3" marL="1828800" algn="l">
               <a:lnSpc>
                 <a:spcPct val="115000"/>
               </a:lnSpc>
@@ -5732,7 +5730,7 @@
               <a:buChar char="●"/>
               <a:defRPr/>
             </a:lvl4pPr>
-            <a:lvl5pPr marL="2286000" lvl="4" indent="-317500" algn="l">
+            <a:lvl5pPr indent="-317500" lvl="4" marL="2286000" algn="l">
               <a:lnSpc>
                 <a:spcPct val="115000"/>
               </a:lnSpc>
@@ -5746,7 +5744,7 @@
               <a:buChar char="○"/>
               <a:defRPr/>
             </a:lvl5pPr>
-            <a:lvl6pPr marL="2743200" lvl="5" indent="-317500" algn="l">
+            <a:lvl6pPr indent="-317500" lvl="5" marL="2743200" algn="l">
               <a:lnSpc>
                 <a:spcPct val="115000"/>
               </a:lnSpc>
@@ -5760,7 +5758,7 @@
               <a:buChar char="■"/>
               <a:defRPr/>
             </a:lvl6pPr>
-            <a:lvl7pPr marL="3200400" lvl="6" indent="-317500" algn="l">
+            <a:lvl7pPr indent="-317500" lvl="6" marL="3200400" algn="l">
               <a:lnSpc>
                 <a:spcPct val="115000"/>
               </a:lnSpc>
@@ -5774,7 +5772,7 @@
               <a:buChar char="●"/>
               <a:defRPr/>
             </a:lvl7pPr>
-            <a:lvl8pPr marL="3657600" lvl="7" indent="-317500" algn="l">
+            <a:lvl8pPr indent="-317500" lvl="7" marL="3657600" algn="l">
               <a:lnSpc>
                 <a:spcPct val="115000"/>
               </a:lnSpc>
@@ -5788,7 +5786,7 @@
               <a:buChar char="○"/>
               <a:defRPr/>
             </a:lvl8pPr>
-            <a:lvl9pPr marL="4114800" lvl="8" indent="-317500" algn="l">
+            <a:lvl9pPr indent="-317500" lvl="8" marL="4114800" algn="l">
               <a:lnSpc>
                 <a:spcPct val="115000"/>
               </a:lnSpc>
@@ -5803,19 +5801,15 @@
               <a:defRPr/>
             </a:lvl9pPr>
           </a:lstStyle>
-          <a:p>
-            <a:endParaRPr/>
-          </a:p>
+          <a:p/>
         </p:txBody>
       </p:sp>
       <p:sp>
         <p:nvSpPr>
-          <p:cNvPr id="40" name="Google Shape;40;p7"/>
-          <p:cNvSpPr txBox="1">
-            <a:spLocks noGrp="1"/>
-          </p:cNvSpPr>
+          <p:cNvPr id="38" name="Google Shape;38;p6"/>
+          <p:cNvSpPr txBox="1"/>
           <p:nvPr>
-            <p:ph type="sldNum" idx="12"/>
+            <p:ph idx="12" type="sldNum"/>
           </p:nvPr>
         </p:nvSpPr>
         <p:spPr>
@@ -5832,11 +5826,11 @@
           </a:ln>
         </p:spPr>
         <p:txBody>
-          <a:bodyPr spcFirstLastPara="1" wrap="square" lIns="91425" tIns="91425" rIns="91425" bIns="91425" anchor="ctr" anchorCtr="0">
+          <a:bodyPr anchorCtr="0" anchor="ctr" bIns="91425" lIns="91425" spcFirstLastPara="1" rIns="91425" wrap="square" tIns="91425">
             <a:noAutofit/>
           </a:bodyPr>
           <a:lstStyle>
-            <a:lvl1pPr marL="0" marR="0" lvl="0" indent="0" algn="r">
+            <a:lvl1pPr indent="0" lvl="0" marL="0" marR="0" algn="r">
               <a:lnSpc>
                 <a:spcPct val="100000"/>
               </a:lnSpc>
@@ -5852,7 +5846,7 @@
               <a:buSzPts val="1000"/>
               <a:buFont typeface="Arial"/>
               <a:buNone/>
-              <a:defRPr sz="1000" b="0" i="0" u="none" strike="noStrike" cap="none">
+              <a:defRPr b="0" i="0" sz="1000" u="none" cap="none" strike="noStrike">
                 <a:solidFill>
                   <a:schemeClr val="dk2"/>
                 </a:solidFill>
@@ -5862,7 +5856,7 @@
                 <a:sym typeface="Lato"/>
               </a:defRPr>
             </a:lvl1pPr>
-            <a:lvl2pPr marL="0" marR="0" lvl="1" indent="0" algn="r">
+            <a:lvl2pPr indent="0" lvl="1" marL="0" marR="0" algn="r">
               <a:lnSpc>
                 <a:spcPct val="100000"/>
               </a:lnSpc>
@@ -5878,7 +5872,7 @@
               <a:buSzPts val="1000"/>
               <a:buFont typeface="Arial"/>
               <a:buNone/>
-              <a:defRPr sz="1000" b="0" i="0" u="none" strike="noStrike" cap="none">
+              <a:defRPr b="0" i="0" sz="1000" u="none" cap="none" strike="noStrike">
                 <a:solidFill>
                   <a:schemeClr val="dk2"/>
                 </a:solidFill>
@@ -5888,7 +5882,7 @@
                 <a:sym typeface="Lato"/>
               </a:defRPr>
             </a:lvl2pPr>
-            <a:lvl3pPr marL="0" marR="0" lvl="2" indent="0" algn="r">
+            <a:lvl3pPr indent="0" lvl="2" marL="0" marR="0" algn="r">
               <a:lnSpc>
                 <a:spcPct val="100000"/>
               </a:lnSpc>
@@ -5904,7 +5898,7 @@
               <a:buSzPts val="1000"/>
               <a:buFont typeface="Arial"/>
               <a:buNone/>
-              <a:defRPr sz="1000" b="0" i="0" u="none" strike="noStrike" cap="none">
+              <a:defRPr b="0" i="0" sz="1000" u="none" cap="none" strike="noStrike">
                 <a:solidFill>
                   <a:schemeClr val="dk2"/>
                 </a:solidFill>
@@ -5914,7 +5908,7 @@
                 <a:sym typeface="Lato"/>
               </a:defRPr>
             </a:lvl3pPr>
-            <a:lvl4pPr marL="0" marR="0" lvl="3" indent="0" algn="r">
+            <a:lvl4pPr indent="0" lvl="3" marL="0" marR="0" algn="r">
               <a:lnSpc>
                 <a:spcPct val="100000"/>
               </a:lnSpc>
@@ -5930,7 +5924,7 @@
               <a:buSzPts val="1000"/>
               <a:buFont typeface="Arial"/>
               <a:buNone/>
-              <a:defRPr sz="1000" b="0" i="0" u="none" strike="noStrike" cap="none">
+              <a:defRPr b="0" i="0" sz="1000" u="none" cap="none" strike="noStrike">
                 <a:solidFill>
                   <a:schemeClr val="dk2"/>
                 </a:solidFill>
@@ -5940,7 +5934,7 @@
                 <a:sym typeface="Lato"/>
               </a:defRPr>
             </a:lvl4pPr>
-            <a:lvl5pPr marL="0" marR="0" lvl="4" indent="0" algn="r">
+            <a:lvl5pPr indent="0" lvl="4" marL="0" marR="0" algn="r">
               <a:lnSpc>
                 <a:spcPct val="100000"/>
               </a:lnSpc>
@@ -5956,7 +5950,7 @@
               <a:buSzPts val="1000"/>
               <a:buFont typeface="Arial"/>
               <a:buNone/>
-              <a:defRPr sz="1000" b="0" i="0" u="none" strike="noStrike" cap="none">
+              <a:defRPr b="0" i="0" sz="1000" u="none" cap="none" strike="noStrike">
                 <a:solidFill>
                   <a:schemeClr val="dk2"/>
                 </a:solidFill>
@@ -5966,7 +5960,7 @@
                 <a:sym typeface="Lato"/>
               </a:defRPr>
             </a:lvl5pPr>
-            <a:lvl6pPr marL="0" marR="0" lvl="5" indent="0" algn="r">
+            <a:lvl6pPr indent="0" lvl="5" marL="0" marR="0" algn="r">
               <a:lnSpc>
                 <a:spcPct val="100000"/>
               </a:lnSpc>
@@ -5982,7 +5976,7 @@
               <a:buSzPts val="1000"/>
               <a:buFont typeface="Arial"/>
               <a:buNone/>
-              <a:defRPr sz="1000" b="0" i="0" u="none" strike="noStrike" cap="none">
+              <a:defRPr b="0" i="0" sz="1000" u="none" cap="none" strike="noStrike">
                 <a:solidFill>
                   <a:schemeClr val="dk2"/>
                 </a:solidFill>
@@ -5992,7 +5986,7 @@
                 <a:sym typeface="Lato"/>
               </a:defRPr>
             </a:lvl6pPr>
-            <a:lvl7pPr marL="0" marR="0" lvl="6" indent="0" algn="r">
+            <a:lvl7pPr indent="0" lvl="6" marL="0" marR="0" algn="r">
               <a:lnSpc>
                 <a:spcPct val="100000"/>
               </a:lnSpc>
@@ -6008,7 +6002,7 @@
               <a:buSzPts val="1000"/>
               <a:buFont typeface="Arial"/>
               <a:buNone/>
-              <a:defRPr sz="1000" b="0" i="0" u="none" strike="noStrike" cap="none">
+              <a:defRPr b="0" i="0" sz="1000" u="none" cap="none" strike="noStrike">
                 <a:solidFill>
                   <a:schemeClr val="dk2"/>
                 </a:solidFill>
@@ -6018,7 +6012,7 @@
                 <a:sym typeface="Lato"/>
               </a:defRPr>
             </a:lvl7pPr>
-            <a:lvl8pPr marL="0" marR="0" lvl="7" indent="0" algn="r">
+            <a:lvl8pPr indent="0" lvl="7" marL="0" marR="0" algn="r">
               <a:lnSpc>
                 <a:spcPct val="100000"/>
               </a:lnSpc>
@@ -6034,7 +6028,7 @@
               <a:buSzPts val="1000"/>
               <a:buFont typeface="Arial"/>
               <a:buNone/>
-              <a:defRPr sz="1000" b="0" i="0" u="none" strike="noStrike" cap="none">
+              <a:defRPr b="0" i="0" sz="1000" u="none" cap="none" strike="noStrike">
                 <a:solidFill>
                   <a:schemeClr val="dk2"/>
                 </a:solidFill>
@@ -6044,7 +6038,7 @@
                 <a:sym typeface="Lato"/>
               </a:defRPr>
             </a:lvl8pPr>
-            <a:lvl9pPr marL="0" marR="0" lvl="8" indent="0" algn="r">
+            <a:lvl9pPr indent="0" lvl="8" marL="0" marR="0" algn="r">
               <a:lnSpc>
                 <a:spcPct val="100000"/>
               </a:lnSpc>
@@ -6060,7 +6054,7 @@
               <a:buSzPts val="1000"/>
               <a:buFont typeface="Arial"/>
               <a:buNone/>
-              <a:defRPr sz="1000" b="0" i="0" u="none" strike="noStrike" cap="none">
+              <a:defRPr b="0" i="0" sz="1000" u="none" cap="none" strike="noStrike">
                 <a:solidFill>
                   <a:schemeClr val="dk2"/>
                 </a:solidFill>
@@ -6072,7 +6066,7 @@
             </a:lvl9pPr>
           </a:lstStyle>
           <a:p>
-            <a:pPr marL="0" lvl="0" indent="0" algn="r" rtl="0">
+            <a:pPr indent="0" lvl="0" marL="0" rtl="0" algn="r">
               <a:spcBef>
                 <a:spcPts val="0"/>
               </a:spcBef>
@@ -6098,11 +6092,11 @@
 </file>
 
 <file path=ppt/slideLayouts/slideLayout6.xml><?xml version="1.0" encoding="utf-8"?>
-<p:sldLayout xmlns:a="http://schemas.openxmlformats.org/drawingml/2006/main" xmlns:r="http://schemas.openxmlformats.org/officeDocument/2006/relationships" xmlns:p="http://schemas.openxmlformats.org/presentationml/2006/main" matchingName="Title and two columns" type="twoColTx">
+<p:sldLayout xmlns:a="http://schemas.openxmlformats.org/drawingml/2006/main" xmlns:r="http://schemas.openxmlformats.org/officeDocument/2006/relationships" xmlns:mc="http://schemas.openxmlformats.org/markup-compatibility/2006" xmlns:mv="urn:schemas-microsoft-com:mac:vml" xmlns:p="http://schemas.openxmlformats.org/presentationml/2006/main" xmlns:c="http://schemas.openxmlformats.org/drawingml/2006/chart" xmlns:dgm="http://schemas.openxmlformats.org/drawingml/2006/diagram" xmlns:o="urn:schemas-microsoft-com:office:office" xmlns:v="urn:schemas-microsoft-com:vml" xmlns:pvml="urn:schemas-microsoft-com:office:powerpoint" xmlns:com="http://schemas.openxmlformats.org/drawingml/2006/compatibility" xmlns:p14="http://schemas.microsoft.com/office/powerpoint/2010/main" xmlns:p15="http://schemas.microsoft.com/office/powerpoint/2012/main" matchingName="Title and two columns" type="twoColTx">
   <p:cSld name="TITLE_AND_TWO_COLUMNS">
     <p:spTree>
       <p:nvGrpSpPr>
-        <p:cNvPr id="1" name="Shape 41"/>
+        <p:cNvPr id="39" name="Shape 39"/>
         <p:cNvGrpSpPr/>
         <p:nvPr/>
       </p:nvGrpSpPr>
@@ -6116,7 +6110,7 @@
       </p:grpSpPr>
       <p:cxnSp>
         <p:nvCxnSpPr>
-          <p:cNvPr id="42" name="Google Shape;42;p8"/>
+          <p:cNvPr id="40" name="Google Shape;40;p7"/>
           <p:cNvCxnSpPr/>
           <p:nvPr/>
         </p:nvCxnSpPr>
@@ -6129,20 +6123,20 @@
             <a:avLst/>
           </a:prstGeom>
           <a:noFill/>
-          <a:ln w="38100" cap="flat" cmpd="sng">
+          <a:ln cap="flat" cmpd="sng" w="38100">
             <a:solidFill>
               <a:schemeClr val="dk2"/>
             </a:solidFill>
             <a:prstDash val="solid"/>
             <a:round/>
-            <a:headEnd type="none" w="sm" len="sm"/>
-            <a:tailEnd type="none" w="sm" len="sm"/>
+            <a:headEnd len="sm" w="sm" type="none"/>
+            <a:tailEnd len="sm" w="sm" type="none"/>
           </a:ln>
         </p:spPr>
       </p:cxnSp>
       <p:cxnSp>
         <p:nvCxnSpPr>
-          <p:cNvPr id="43" name="Google Shape;43;p8"/>
+          <p:cNvPr id="41" name="Google Shape;41;p7"/>
           <p:cNvCxnSpPr/>
           <p:nvPr/>
         </p:nvCxnSpPr>
@@ -6155,20 +6149,20 @@
             <a:avLst/>
           </a:prstGeom>
           <a:noFill/>
-          <a:ln w="19050" cap="flat" cmpd="sng">
+          <a:ln cap="flat" cmpd="sng" w="19050">
             <a:solidFill>
               <a:schemeClr val="dk2"/>
             </a:solidFill>
             <a:prstDash val="solid"/>
             <a:round/>
-            <a:headEnd type="none" w="sm" len="sm"/>
-            <a:tailEnd type="none" w="sm" len="sm"/>
+            <a:headEnd len="sm" w="sm" type="none"/>
+            <a:tailEnd len="sm" w="sm" type="none"/>
           </a:ln>
         </p:spPr>
       </p:cxnSp>
       <p:cxnSp>
         <p:nvCxnSpPr>
-          <p:cNvPr id="44" name="Google Shape;44;p8"/>
+          <p:cNvPr id="42" name="Google Shape;42;p7"/>
           <p:cNvCxnSpPr/>
           <p:nvPr/>
         </p:nvCxnSpPr>
@@ -6181,23 +6175,21 @@
             <a:avLst/>
           </a:prstGeom>
           <a:noFill/>
-          <a:ln w="19050" cap="flat" cmpd="sng">
+          <a:ln cap="flat" cmpd="sng" w="19050">
             <a:solidFill>
               <a:schemeClr val="dk2"/>
             </a:solidFill>
             <a:prstDash val="solid"/>
             <a:round/>
-            <a:headEnd type="none" w="sm" len="sm"/>
-            <a:tailEnd type="none" w="sm" len="sm"/>
+            <a:headEnd len="sm" w="sm" type="none"/>
+            <a:tailEnd len="sm" w="sm" type="none"/>
           </a:ln>
         </p:spPr>
       </p:cxnSp>
       <p:sp>
         <p:nvSpPr>
-          <p:cNvPr id="45" name="Google Shape;45;p8"/>
-          <p:cNvSpPr txBox="1">
-            <a:spLocks noGrp="1"/>
-          </p:cNvSpPr>
+          <p:cNvPr id="43" name="Google Shape;43;p7"/>
+          <p:cNvSpPr txBox="1"/>
           <p:nvPr>
             <p:ph type="title"/>
           </p:nvPr>
@@ -6216,7 +6208,9 @@
           </a:ln>
         </p:spPr>
         <p:txBody>
-          <a:bodyPr spcFirstLastPara="1" wrap="square" lIns="91425" tIns="91425" rIns="91425" bIns="91425" anchor="t" anchorCtr="0"/>
+          <a:bodyPr anchorCtr="0" anchor="t" bIns="91425" lIns="91425" spcFirstLastPara="1" rIns="91425" wrap="square" tIns="91425">
+            <a:noAutofit/>
+          </a:bodyPr>
           <a:lstStyle>
             <a:lvl1pPr lvl="0" algn="l">
               <a:lnSpc>
@@ -6345,19 +6339,15 @@
               <a:defRPr/>
             </a:lvl9pPr>
           </a:lstStyle>
-          <a:p>
-            <a:endParaRPr/>
-          </a:p>
+          <a:p/>
         </p:txBody>
       </p:sp>
       <p:sp>
         <p:nvSpPr>
-          <p:cNvPr id="46" name="Google Shape;46;p8"/>
-          <p:cNvSpPr txBox="1">
-            <a:spLocks noGrp="1"/>
-          </p:cNvSpPr>
+          <p:cNvPr id="44" name="Google Shape;44;p7"/>
+          <p:cNvSpPr txBox="1"/>
           <p:nvPr>
-            <p:ph type="body" idx="1"/>
+            <p:ph idx="1" type="body"/>
           </p:nvPr>
         </p:nvSpPr>
         <p:spPr>
@@ -6374,9 +6364,11 @@
           </a:ln>
         </p:spPr>
         <p:txBody>
-          <a:bodyPr spcFirstLastPara="1" wrap="square" lIns="91425" tIns="91425" rIns="91425" bIns="91425" anchor="t" anchorCtr="0"/>
+          <a:bodyPr anchorCtr="0" anchor="t" bIns="91425" lIns="91425" spcFirstLastPara="1" rIns="91425" wrap="square" tIns="91425">
+            <a:noAutofit/>
+          </a:bodyPr>
           <a:lstStyle>
-            <a:lvl1pPr marL="457200" lvl="0" indent="-317500" algn="l">
+            <a:lvl1pPr indent="-317500" lvl="0" marL="457200" algn="l">
               <a:lnSpc>
                 <a:spcPct val="115000"/>
               </a:lnSpc>
@@ -6390,7 +6382,7 @@
               <a:buChar char="●"/>
               <a:defRPr sz="1400"/>
             </a:lvl1pPr>
-            <a:lvl2pPr marL="914400" lvl="1" indent="-304800" algn="l">
+            <a:lvl2pPr indent="-304800" lvl="1" marL="914400" algn="l">
               <a:lnSpc>
                 <a:spcPct val="115000"/>
               </a:lnSpc>
@@ -6404,7 +6396,7 @@
               <a:buChar char="○"/>
               <a:defRPr sz="1200"/>
             </a:lvl2pPr>
-            <a:lvl3pPr marL="1371600" lvl="2" indent="-304800" algn="l">
+            <a:lvl3pPr indent="-304800" lvl="2" marL="1371600" algn="l">
               <a:lnSpc>
                 <a:spcPct val="115000"/>
               </a:lnSpc>
@@ -6418,7 +6410,7 @@
               <a:buChar char="■"/>
               <a:defRPr sz="1200"/>
             </a:lvl3pPr>
-            <a:lvl4pPr marL="1828800" lvl="3" indent="-304800" algn="l">
+            <a:lvl4pPr indent="-304800" lvl="3" marL="1828800" algn="l">
               <a:lnSpc>
                 <a:spcPct val="115000"/>
               </a:lnSpc>
@@ -6432,7 +6424,7 @@
               <a:buChar char="●"/>
               <a:defRPr sz="1200"/>
             </a:lvl4pPr>
-            <a:lvl5pPr marL="2286000" lvl="4" indent="-304800" algn="l">
+            <a:lvl5pPr indent="-304800" lvl="4" marL="2286000" algn="l">
               <a:lnSpc>
                 <a:spcPct val="115000"/>
               </a:lnSpc>
@@ -6446,7 +6438,7 @@
               <a:buChar char="○"/>
               <a:defRPr sz="1200"/>
             </a:lvl5pPr>
-            <a:lvl6pPr marL="2743200" lvl="5" indent="-304800" algn="l">
+            <a:lvl6pPr indent="-304800" lvl="5" marL="2743200" algn="l">
               <a:lnSpc>
                 <a:spcPct val="115000"/>
               </a:lnSpc>
@@ -6460,7 +6452,7 @@
               <a:buChar char="■"/>
               <a:defRPr sz="1200"/>
             </a:lvl6pPr>
-            <a:lvl7pPr marL="3200400" lvl="6" indent="-304800" algn="l">
+            <a:lvl7pPr indent="-304800" lvl="6" marL="3200400" algn="l">
               <a:lnSpc>
                 <a:spcPct val="115000"/>
               </a:lnSpc>
@@ -6474,7 +6466,7 @@
               <a:buChar char="●"/>
               <a:defRPr sz="1200"/>
             </a:lvl7pPr>
-            <a:lvl8pPr marL="3657600" lvl="7" indent="-304800" algn="l">
+            <a:lvl8pPr indent="-304800" lvl="7" marL="3657600" algn="l">
               <a:lnSpc>
                 <a:spcPct val="115000"/>
               </a:lnSpc>
@@ -6488,7 +6480,7 @@
               <a:buChar char="○"/>
               <a:defRPr sz="1200"/>
             </a:lvl8pPr>
-            <a:lvl9pPr marL="4114800" lvl="8" indent="-304800" algn="l">
+            <a:lvl9pPr indent="-304800" lvl="8" marL="4114800" algn="l">
               <a:lnSpc>
                 <a:spcPct val="115000"/>
               </a:lnSpc>
@@ -6503,19 +6495,15 @@
               <a:defRPr sz="1200"/>
             </a:lvl9pPr>
           </a:lstStyle>
-          <a:p>
-            <a:endParaRPr/>
-          </a:p>
+          <a:p/>
         </p:txBody>
       </p:sp>
       <p:sp>
         <p:nvSpPr>
-          <p:cNvPr id="47" name="Google Shape;47;p8"/>
-          <p:cNvSpPr txBox="1">
-            <a:spLocks noGrp="1"/>
-          </p:cNvSpPr>
+          <p:cNvPr id="45" name="Google Shape;45;p7"/>
+          <p:cNvSpPr txBox="1"/>
           <p:nvPr>
-            <p:ph type="body" idx="2"/>
+            <p:ph idx="2" type="body"/>
           </p:nvPr>
         </p:nvSpPr>
         <p:spPr>
@@ -6532,9 +6520,11 @@
           </a:ln>
         </p:spPr>
         <p:txBody>
-          <a:bodyPr spcFirstLastPara="1" wrap="square" lIns="91425" tIns="91425" rIns="91425" bIns="91425" anchor="t" anchorCtr="0"/>
+          <a:bodyPr anchorCtr="0" anchor="t" bIns="91425" lIns="91425" spcFirstLastPara="1" rIns="91425" wrap="square" tIns="91425">
+            <a:noAutofit/>
+          </a:bodyPr>
           <a:lstStyle>
-            <a:lvl1pPr marL="457200" lvl="0" indent="-317500" algn="l">
+            <a:lvl1pPr indent="-317500" lvl="0" marL="457200" algn="l">
               <a:lnSpc>
                 <a:spcPct val="115000"/>
               </a:lnSpc>
@@ -6548,7 +6538,7 @@
               <a:buChar char="●"/>
               <a:defRPr sz="1400"/>
             </a:lvl1pPr>
-            <a:lvl2pPr marL="914400" lvl="1" indent="-304800" algn="l">
+            <a:lvl2pPr indent="-304800" lvl="1" marL="914400" algn="l">
               <a:lnSpc>
                 <a:spcPct val="115000"/>
               </a:lnSpc>
@@ -6562,7 +6552,7 @@
               <a:buChar char="○"/>
               <a:defRPr sz="1200"/>
             </a:lvl2pPr>
-            <a:lvl3pPr marL="1371600" lvl="2" indent="-304800" algn="l">
+            <a:lvl3pPr indent="-304800" lvl="2" marL="1371600" algn="l">
               <a:lnSpc>
                 <a:spcPct val="115000"/>
               </a:lnSpc>
@@ -6576,7 +6566,7 @@
               <a:buChar char="■"/>
               <a:defRPr sz="1200"/>
             </a:lvl3pPr>
-            <a:lvl4pPr marL="1828800" lvl="3" indent="-304800" algn="l">
+            <a:lvl4pPr indent="-304800" lvl="3" marL="1828800" algn="l">
               <a:lnSpc>
                 <a:spcPct val="115000"/>
               </a:lnSpc>
@@ -6590,7 +6580,7 @@
               <a:buChar char="●"/>
               <a:defRPr sz="1200"/>
             </a:lvl4pPr>
-            <a:lvl5pPr marL="2286000" lvl="4" indent="-304800" algn="l">
+            <a:lvl5pPr indent="-304800" lvl="4" marL="2286000" algn="l">
               <a:lnSpc>
                 <a:spcPct val="115000"/>
               </a:lnSpc>
@@ -6604,7 +6594,7 @@
               <a:buChar char="○"/>
               <a:defRPr sz="1200"/>
             </a:lvl5pPr>
-            <a:lvl6pPr marL="2743200" lvl="5" indent="-304800" algn="l">
+            <a:lvl6pPr indent="-304800" lvl="5" marL="2743200" algn="l">
               <a:lnSpc>
                 <a:spcPct val="115000"/>
               </a:lnSpc>
@@ -6618,7 +6608,7 @@
               <a:buChar char="■"/>
               <a:defRPr sz="1200"/>
             </a:lvl6pPr>
-            <a:lvl7pPr marL="3200400" lvl="6" indent="-304800" algn="l">
+            <a:lvl7pPr indent="-304800" lvl="6" marL="3200400" algn="l">
               <a:lnSpc>
                 <a:spcPct val="115000"/>
               </a:lnSpc>
@@ -6632,7 +6622,7 @@
               <a:buChar char="●"/>
               <a:defRPr sz="1200"/>
             </a:lvl7pPr>
-            <a:lvl8pPr marL="3657600" lvl="7" indent="-304800" algn="l">
+            <a:lvl8pPr indent="-304800" lvl="7" marL="3657600" algn="l">
               <a:lnSpc>
                 <a:spcPct val="115000"/>
               </a:lnSpc>
@@ -6646,7 +6636,7 @@
               <a:buChar char="○"/>
               <a:defRPr sz="1200"/>
             </a:lvl8pPr>
-            <a:lvl9pPr marL="4114800" lvl="8" indent="-304800" algn="l">
+            <a:lvl9pPr indent="-304800" lvl="8" marL="4114800" algn="l">
               <a:lnSpc>
                 <a:spcPct val="115000"/>
               </a:lnSpc>
@@ -6661,19 +6651,15 @@
               <a:defRPr sz="1200"/>
             </a:lvl9pPr>
           </a:lstStyle>
-          <a:p>
-            <a:endParaRPr/>
-          </a:p>
+          <a:p/>
         </p:txBody>
       </p:sp>
       <p:sp>
         <p:nvSpPr>
-          <p:cNvPr id="48" name="Google Shape;48;p8"/>
-          <p:cNvSpPr txBox="1">
-            <a:spLocks noGrp="1"/>
-          </p:cNvSpPr>
+          <p:cNvPr id="46" name="Google Shape;46;p7"/>
+          <p:cNvSpPr txBox="1"/>
           <p:nvPr>
-            <p:ph type="sldNum" idx="12"/>
+            <p:ph idx="12" type="sldNum"/>
           </p:nvPr>
         </p:nvSpPr>
         <p:spPr>
@@ -6690,11 +6676,11 @@
           </a:ln>
         </p:spPr>
         <p:txBody>
-          <a:bodyPr spcFirstLastPara="1" wrap="square" lIns="91425" tIns="91425" rIns="91425" bIns="91425" anchor="ctr" anchorCtr="0">
+          <a:bodyPr anchorCtr="0" anchor="ctr" bIns="91425" lIns="91425" spcFirstLastPara="1" rIns="91425" wrap="square" tIns="91425">
             <a:noAutofit/>
           </a:bodyPr>
           <a:lstStyle>
-            <a:lvl1pPr marL="0" marR="0" lvl="0" indent="0" algn="r">
+            <a:lvl1pPr indent="0" lvl="0" marL="0" marR="0" algn="r">
               <a:lnSpc>
                 <a:spcPct val="100000"/>
               </a:lnSpc>
@@ -6710,7 +6696,7 @@
               <a:buSzPts val="1000"/>
               <a:buFont typeface="Arial"/>
               <a:buNone/>
-              <a:defRPr sz="1000" b="0" i="0" u="none" strike="noStrike" cap="none">
+              <a:defRPr b="0" i="0" sz="1000" u="none" cap="none" strike="noStrike">
                 <a:solidFill>
                   <a:schemeClr val="dk2"/>
                 </a:solidFill>
@@ -6720,7 +6706,7 @@
                 <a:sym typeface="Lato"/>
               </a:defRPr>
             </a:lvl1pPr>
-            <a:lvl2pPr marL="0" marR="0" lvl="1" indent="0" algn="r">
+            <a:lvl2pPr indent="0" lvl="1" marL="0" marR="0" algn="r">
               <a:lnSpc>
                 <a:spcPct val="100000"/>
               </a:lnSpc>
@@ -6736,7 +6722,7 @@
               <a:buSzPts val="1000"/>
               <a:buFont typeface="Arial"/>
               <a:buNone/>
-              <a:defRPr sz="1000" b="0" i="0" u="none" strike="noStrike" cap="none">
+              <a:defRPr b="0" i="0" sz="1000" u="none" cap="none" strike="noStrike">
                 <a:solidFill>
                   <a:schemeClr val="dk2"/>
                 </a:solidFill>
@@ -6746,7 +6732,7 @@
                 <a:sym typeface="Lato"/>
               </a:defRPr>
             </a:lvl2pPr>
-            <a:lvl3pPr marL="0" marR="0" lvl="2" indent="0" algn="r">
+            <a:lvl3pPr indent="0" lvl="2" marL="0" marR="0" algn="r">
               <a:lnSpc>
                 <a:spcPct val="100000"/>
               </a:lnSpc>
@@ -6762,7 +6748,7 @@
               <a:buSzPts val="1000"/>
               <a:buFont typeface="Arial"/>
               <a:buNone/>
-              <a:defRPr sz="1000" b="0" i="0" u="none" strike="noStrike" cap="none">
+              <a:defRPr b="0" i="0" sz="1000" u="none" cap="none" strike="noStrike">
                 <a:solidFill>
                   <a:schemeClr val="dk2"/>
                 </a:solidFill>
@@ -6772,7 +6758,7 @@
                 <a:sym typeface="Lato"/>
               </a:defRPr>
             </a:lvl3pPr>
-            <a:lvl4pPr marL="0" marR="0" lvl="3" indent="0" algn="r">
+            <a:lvl4pPr indent="0" lvl="3" marL="0" marR="0" algn="r">
               <a:lnSpc>
                 <a:spcPct val="100000"/>
               </a:lnSpc>
@@ -6788,7 +6774,7 @@
               <a:buSzPts val="1000"/>
               <a:buFont typeface="Arial"/>
               <a:buNone/>
-              <a:defRPr sz="1000" b="0" i="0" u="none" strike="noStrike" cap="none">
+              <a:defRPr b="0" i="0" sz="1000" u="none" cap="none" strike="noStrike">
                 <a:solidFill>
                   <a:schemeClr val="dk2"/>
                 </a:solidFill>
@@ -6798,7 +6784,7 @@
                 <a:sym typeface="Lato"/>
               </a:defRPr>
             </a:lvl4pPr>
-            <a:lvl5pPr marL="0" marR="0" lvl="4" indent="0" algn="r">
+            <a:lvl5pPr indent="0" lvl="4" marL="0" marR="0" algn="r">
               <a:lnSpc>
                 <a:spcPct val="100000"/>
               </a:lnSpc>
@@ -6814,7 +6800,7 @@
               <a:buSzPts val="1000"/>
               <a:buFont typeface="Arial"/>
               <a:buNone/>
-              <a:defRPr sz="1000" b="0" i="0" u="none" strike="noStrike" cap="none">
+              <a:defRPr b="0" i="0" sz="1000" u="none" cap="none" strike="noStrike">
                 <a:solidFill>
                   <a:schemeClr val="dk2"/>
                 </a:solidFill>
@@ -6824,7 +6810,7 @@
                 <a:sym typeface="Lato"/>
               </a:defRPr>
             </a:lvl5pPr>
-            <a:lvl6pPr marL="0" marR="0" lvl="5" indent="0" algn="r">
+            <a:lvl6pPr indent="0" lvl="5" marL="0" marR="0" algn="r">
               <a:lnSpc>
                 <a:spcPct val="100000"/>
               </a:lnSpc>
@@ -6840,7 +6826,7 @@
               <a:buSzPts val="1000"/>
               <a:buFont typeface="Arial"/>
               <a:buNone/>
-              <a:defRPr sz="1000" b="0" i="0" u="none" strike="noStrike" cap="none">
+              <a:defRPr b="0" i="0" sz="1000" u="none" cap="none" strike="noStrike">
                 <a:solidFill>
                   <a:schemeClr val="dk2"/>
                 </a:solidFill>
@@ -6850,7 +6836,7 @@
                 <a:sym typeface="Lato"/>
               </a:defRPr>
             </a:lvl6pPr>
-            <a:lvl7pPr marL="0" marR="0" lvl="6" indent="0" algn="r">
+            <a:lvl7pPr indent="0" lvl="6" marL="0" marR="0" algn="r">
               <a:lnSpc>
                 <a:spcPct val="100000"/>
               </a:lnSpc>
@@ -6866,7 +6852,7 @@
               <a:buSzPts val="1000"/>
               <a:buFont typeface="Arial"/>
               <a:buNone/>
-              <a:defRPr sz="1000" b="0" i="0" u="none" strike="noStrike" cap="none">
+              <a:defRPr b="0" i="0" sz="1000" u="none" cap="none" strike="noStrike">
                 <a:solidFill>
                   <a:schemeClr val="dk2"/>
                 </a:solidFill>
@@ -6876,7 +6862,7 @@
                 <a:sym typeface="Lato"/>
               </a:defRPr>
             </a:lvl7pPr>
-            <a:lvl8pPr marL="0" marR="0" lvl="7" indent="0" algn="r">
+            <a:lvl8pPr indent="0" lvl="7" marL="0" marR="0" algn="r">
               <a:lnSpc>
                 <a:spcPct val="100000"/>
               </a:lnSpc>
@@ -6892,7 +6878,7 @@
               <a:buSzPts val="1000"/>
               <a:buFont typeface="Arial"/>
               <a:buNone/>
-              <a:defRPr sz="1000" b="0" i="0" u="none" strike="noStrike" cap="none">
+              <a:defRPr b="0" i="0" sz="1000" u="none" cap="none" strike="noStrike">
                 <a:solidFill>
                   <a:schemeClr val="dk2"/>
                 </a:solidFill>
@@ -6902,7 +6888,7 @@
                 <a:sym typeface="Lato"/>
               </a:defRPr>
             </a:lvl8pPr>
-            <a:lvl9pPr marL="0" marR="0" lvl="8" indent="0" algn="r">
+            <a:lvl9pPr indent="0" lvl="8" marL="0" marR="0" algn="r">
               <a:lnSpc>
                 <a:spcPct val="100000"/>
               </a:lnSpc>
@@ -6918,7 +6904,7 @@
               <a:buSzPts val="1000"/>
               <a:buFont typeface="Arial"/>
               <a:buNone/>
-              <a:defRPr sz="1000" b="0" i="0" u="none" strike="noStrike" cap="none">
+              <a:defRPr b="0" i="0" sz="1000" u="none" cap="none" strike="noStrike">
                 <a:solidFill>
                   <a:schemeClr val="dk2"/>
                 </a:solidFill>
@@ -6930,7 +6916,7 @@
             </a:lvl9pPr>
           </a:lstStyle>
           <a:p>
-            <a:pPr marL="0" lvl="0" indent="0" algn="r" rtl="0">
+            <a:pPr indent="0" lvl="0" marL="0" rtl="0" algn="r">
               <a:spcBef>
                 <a:spcPts val="0"/>
               </a:spcBef>
@@ -6956,11 +6942,11 @@
 </file>
 
 <file path=ppt/slideLayouts/slideLayout7.xml><?xml version="1.0" encoding="utf-8"?>
-<p:sldLayout xmlns:a="http://schemas.openxmlformats.org/drawingml/2006/main" xmlns:r="http://schemas.openxmlformats.org/officeDocument/2006/relationships" xmlns:p="http://schemas.openxmlformats.org/presentationml/2006/main" matchingName="Title only" type="titleOnly">
+<p:sldLayout xmlns:a="http://schemas.openxmlformats.org/drawingml/2006/main" xmlns:r="http://schemas.openxmlformats.org/officeDocument/2006/relationships" xmlns:mc="http://schemas.openxmlformats.org/markup-compatibility/2006" xmlns:mv="urn:schemas-microsoft-com:mac:vml" xmlns:p="http://schemas.openxmlformats.org/presentationml/2006/main" xmlns:c="http://schemas.openxmlformats.org/drawingml/2006/chart" xmlns:dgm="http://schemas.openxmlformats.org/drawingml/2006/diagram" xmlns:o="urn:schemas-microsoft-com:office:office" xmlns:v="urn:schemas-microsoft-com:vml" xmlns:pvml="urn:schemas-microsoft-com:office:powerpoint" xmlns:com="http://schemas.openxmlformats.org/drawingml/2006/compatibility" xmlns:p14="http://schemas.microsoft.com/office/powerpoint/2010/main" xmlns:p15="http://schemas.microsoft.com/office/powerpoint/2012/main" matchingName="Title only" type="titleOnly">
   <p:cSld name="TITLE_ONLY">
     <p:spTree>
       <p:nvGrpSpPr>
-        <p:cNvPr id="1" name="Shape 49"/>
+        <p:cNvPr id="47" name="Shape 47"/>
         <p:cNvGrpSpPr/>
         <p:nvPr/>
       </p:nvGrpSpPr>
@@ -6974,10 +6960,8 @@
       </p:grpSpPr>
       <p:sp>
         <p:nvSpPr>
-          <p:cNvPr id="50" name="Google Shape;50;p9"/>
-          <p:cNvSpPr txBox="1">
-            <a:spLocks noGrp="1"/>
-          </p:cNvSpPr>
+          <p:cNvPr id="48" name="Google Shape;48;p8"/>
+          <p:cNvSpPr txBox="1"/>
           <p:nvPr>
             <p:ph type="title"/>
           </p:nvPr>
@@ -6996,7 +6980,9 @@
           </a:ln>
         </p:spPr>
         <p:txBody>
-          <a:bodyPr spcFirstLastPara="1" wrap="square" lIns="91425" tIns="91425" rIns="91425" bIns="91425" anchor="t" anchorCtr="0"/>
+          <a:bodyPr anchorCtr="0" anchor="t" bIns="91425" lIns="91425" spcFirstLastPara="1" rIns="91425" wrap="square" tIns="91425">
+            <a:noAutofit/>
+          </a:bodyPr>
           <a:lstStyle>
             <a:lvl1pPr lvl="0" algn="l">
               <a:lnSpc>
@@ -7125,19 +7111,15 @@
               <a:defRPr/>
             </a:lvl9pPr>
           </a:lstStyle>
-          <a:p>
-            <a:endParaRPr/>
-          </a:p>
+          <a:p/>
         </p:txBody>
       </p:sp>
       <p:sp>
         <p:nvSpPr>
-          <p:cNvPr id="51" name="Google Shape;51;p9"/>
-          <p:cNvSpPr txBox="1">
-            <a:spLocks noGrp="1"/>
-          </p:cNvSpPr>
+          <p:cNvPr id="49" name="Google Shape;49;p8"/>
+          <p:cNvSpPr txBox="1"/>
           <p:nvPr>
-            <p:ph type="sldNum" idx="12"/>
+            <p:ph idx="12" type="sldNum"/>
           </p:nvPr>
         </p:nvSpPr>
         <p:spPr>
@@ -7154,11 +7136,11 @@
           </a:ln>
         </p:spPr>
         <p:txBody>
-          <a:bodyPr spcFirstLastPara="1" wrap="square" lIns="91425" tIns="91425" rIns="91425" bIns="91425" anchor="ctr" anchorCtr="0">
+          <a:bodyPr anchorCtr="0" anchor="ctr" bIns="91425" lIns="91425" spcFirstLastPara="1" rIns="91425" wrap="square" tIns="91425">
             <a:noAutofit/>
           </a:bodyPr>
           <a:lstStyle>
-            <a:lvl1pPr marL="0" marR="0" lvl="0" indent="0" algn="r">
+            <a:lvl1pPr indent="0" lvl="0" marL="0" marR="0" algn="r">
               <a:lnSpc>
                 <a:spcPct val="100000"/>
               </a:lnSpc>
@@ -7174,7 +7156,7 @@
               <a:buSzPts val="1000"/>
               <a:buFont typeface="Arial"/>
               <a:buNone/>
-              <a:defRPr sz="1000" b="0" i="0" u="none" strike="noStrike" cap="none">
+              <a:defRPr b="0" i="0" sz="1000" u="none" cap="none" strike="noStrike">
                 <a:solidFill>
                   <a:schemeClr val="dk2"/>
                 </a:solidFill>
@@ -7184,7 +7166,7 @@
                 <a:sym typeface="Lato"/>
               </a:defRPr>
             </a:lvl1pPr>
-            <a:lvl2pPr marL="0" marR="0" lvl="1" indent="0" algn="r">
+            <a:lvl2pPr indent="0" lvl="1" marL="0" marR="0" algn="r">
               <a:lnSpc>
                 <a:spcPct val="100000"/>
               </a:lnSpc>
@@ -7200,7 +7182,7 @@
               <a:buSzPts val="1000"/>
               <a:buFont typeface="Arial"/>
               <a:buNone/>
-              <a:defRPr sz="1000" b="0" i="0" u="none" strike="noStrike" cap="none">
+              <a:defRPr b="0" i="0" sz="1000" u="none" cap="none" strike="noStrike">
                 <a:solidFill>
                   <a:schemeClr val="dk2"/>
                 </a:solidFill>
@@ -7210,7 +7192,7 @@
                 <a:sym typeface="Lato"/>
               </a:defRPr>
             </a:lvl2pPr>
-            <a:lvl3pPr marL="0" marR="0" lvl="2" indent="0" algn="r">
+            <a:lvl3pPr indent="0" lvl="2" marL="0" marR="0" algn="r">
               <a:lnSpc>
                 <a:spcPct val="100000"/>
               </a:lnSpc>
@@ -7226,7 +7208,7 @@
               <a:buSzPts val="1000"/>
               <a:buFont typeface="Arial"/>
               <a:buNone/>
-              <a:defRPr sz="1000" b="0" i="0" u="none" strike="noStrike" cap="none">
+              <a:defRPr b="0" i="0" sz="1000" u="none" cap="none" strike="noStrike">
                 <a:solidFill>
                   <a:schemeClr val="dk2"/>
                 </a:solidFill>
@@ -7236,7 +7218,7 @@
                 <a:sym typeface="Lato"/>
               </a:defRPr>
             </a:lvl3pPr>
-            <a:lvl4pPr marL="0" marR="0" lvl="3" indent="0" algn="r">
+            <a:lvl4pPr indent="0" lvl="3" marL="0" marR="0" algn="r">
               <a:lnSpc>
                 <a:spcPct val="100000"/>
               </a:lnSpc>
@@ -7252,7 +7234,7 @@
               <a:buSzPts val="1000"/>
               <a:buFont typeface="Arial"/>
               <a:buNone/>
-              <a:defRPr sz="1000" b="0" i="0" u="none" strike="noStrike" cap="none">
+              <a:defRPr b="0" i="0" sz="1000" u="none" cap="none" strike="noStrike">
                 <a:solidFill>
                   <a:schemeClr val="dk2"/>
                 </a:solidFill>
@@ -7262,7 +7244,7 @@
                 <a:sym typeface="Lato"/>
               </a:defRPr>
             </a:lvl4pPr>
-            <a:lvl5pPr marL="0" marR="0" lvl="4" indent="0" algn="r">
+            <a:lvl5pPr indent="0" lvl="4" marL="0" marR="0" algn="r">
               <a:lnSpc>
                 <a:spcPct val="100000"/>
               </a:lnSpc>
@@ -7278,7 +7260,7 @@
               <a:buSzPts val="1000"/>
               <a:buFont typeface="Arial"/>
               <a:buNone/>
-              <a:defRPr sz="1000" b="0" i="0" u="none" strike="noStrike" cap="none">
+              <a:defRPr b="0" i="0" sz="1000" u="none" cap="none" strike="noStrike">
                 <a:solidFill>
                   <a:schemeClr val="dk2"/>
                 </a:solidFill>
@@ -7288,7 +7270,7 @@
                 <a:sym typeface="Lato"/>
               </a:defRPr>
             </a:lvl5pPr>
-            <a:lvl6pPr marL="0" marR="0" lvl="5" indent="0" algn="r">
+            <a:lvl6pPr indent="0" lvl="5" marL="0" marR="0" algn="r">
               <a:lnSpc>
                 <a:spcPct val="100000"/>
               </a:lnSpc>
@@ -7304,7 +7286,7 @@
               <a:buSzPts val="1000"/>
               <a:buFont typeface="Arial"/>
               <a:buNone/>
-              <a:defRPr sz="1000" b="0" i="0" u="none" strike="noStrike" cap="none">
+              <a:defRPr b="0" i="0" sz="1000" u="none" cap="none" strike="noStrike">
                 <a:solidFill>
                   <a:schemeClr val="dk2"/>
                 </a:solidFill>
@@ -7314,7 +7296,7 @@
                 <a:sym typeface="Lato"/>
               </a:defRPr>
             </a:lvl6pPr>
-            <a:lvl7pPr marL="0" marR="0" lvl="6" indent="0" algn="r">
+            <a:lvl7pPr indent="0" lvl="6" marL="0" marR="0" algn="r">
               <a:lnSpc>
                 <a:spcPct val="100000"/>
               </a:lnSpc>
@@ -7330,7 +7312,7 @@
               <a:buSzPts val="1000"/>
               <a:buFont typeface="Arial"/>
               <a:buNone/>
-              <a:defRPr sz="1000" b="0" i="0" u="none" strike="noStrike" cap="none">
+              <a:defRPr b="0" i="0" sz="1000" u="none" cap="none" strike="noStrike">
                 <a:solidFill>
                   <a:schemeClr val="dk2"/>
                 </a:solidFill>
@@ -7340,7 +7322,7 @@
                 <a:sym typeface="Lato"/>
               </a:defRPr>
             </a:lvl7pPr>
-            <a:lvl8pPr marL="0" marR="0" lvl="7" indent="0" algn="r">
+            <a:lvl8pPr indent="0" lvl="7" marL="0" marR="0" algn="r">
               <a:lnSpc>
                 <a:spcPct val="100000"/>
               </a:lnSpc>
@@ -7356,7 +7338,7 @@
               <a:buSzPts val="1000"/>
               <a:buFont typeface="Arial"/>
               <a:buNone/>
-              <a:defRPr sz="1000" b="0" i="0" u="none" strike="noStrike" cap="none">
+              <a:defRPr b="0" i="0" sz="1000" u="none" cap="none" strike="noStrike">
                 <a:solidFill>
                   <a:schemeClr val="dk2"/>
                 </a:solidFill>
@@ -7366,7 +7348,7 @@
                 <a:sym typeface="Lato"/>
               </a:defRPr>
             </a:lvl8pPr>
-            <a:lvl9pPr marL="0" marR="0" lvl="8" indent="0" algn="r">
+            <a:lvl9pPr indent="0" lvl="8" marL="0" marR="0" algn="r">
               <a:lnSpc>
                 <a:spcPct val="100000"/>
               </a:lnSpc>
@@ -7382,7 +7364,7 @@
               <a:buSzPts val="1000"/>
               <a:buFont typeface="Arial"/>
               <a:buNone/>
-              <a:defRPr sz="1000" b="0" i="0" u="none" strike="noStrike" cap="none">
+              <a:defRPr b="0" i="0" sz="1000" u="none" cap="none" strike="noStrike">
                 <a:solidFill>
                   <a:schemeClr val="dk2"/>
                 </a:solidFill>
@@ -7394,7 +7376,7 @@
             </a:lvl9pPr>
           </a:lstStyle>
           <a:p>
-            <a:pPr marL="0" lvl="0" indent="0" algn="r" rtl="0">
+            <a:pPr indent="0" lvl="0" marL="0" rtl="0" algn="r">
               <a:spcBef>
                 <a:spcPts val="0"/>
               </a:spcBef>
@@ -7420,11 +7402,11 @@
 </file>
 
 <file path=ppt/slideLayouts/slideLayout8.xml><?xml version="1.0" encoding="utf-8"?>
-<p:sldLayout xmlns:a="http://schemas.openxmlformats.org/drawingml/2006/main" xmlns:r="http://schemas.openxmlformats.org/officeDocument/2006/relationships" xmlns:p="http://schemas.openxmlformats.org/presentationml/2006/main" matchingName="One column text">
+<p:sldLayout xmlns:a="http://schemas.openxmlformats.org/drawingml/2006/main" xmlns:r="http://schemas.openxmlformats.org/officeDocument/2006/relationships" xmlns:mc="http://schemas.openxmlformats.org/markup-compatibility/2006" xmlns:mv="urn:schemas-microsoft-com:mac:vml" xmlns:p="http://schemas.openxmlformats.org/presentationml/2006/main" xmlns:c="http://schemas.openxmlformats.org/drawingml/2006/chart" xmlns:dgm="http://schemas.openxmlformats.org/drawingml/2006/diagram" xmlns:o="urn:schemas-microsoft-com:office:office" xmlns:v="urn:schemas-microsoft-com:vml" xmlns:pvml="urn:schemas-microsoft-com:office:powerpoint" xmlns:com="http://schemas.openxmlformats.org/drawingml/2006/compatibility" xmlns:p14="http://schemas.microsoft.com/office/powerpoint/2010/main" xmlns:p15="http://schemas.microsoft.com/office/powerpoint/2012/main" matchingName="One column text">
   <p:cSld name="ONE_COLUMN_TEXT">
     <p:spTree>
       <p:nvGrpSpPr>
-        <p:cNvPr id="1" name="Shape 52"/>
+        <p:cNvPr id="50" name="Shape 50"/>
         <p:cNvGrpSpPr/>
         <p:nvPr/>
       </p:nvGrpSpPr>
@@ -7438,7 +7420,7 @@
       </p:grpSpPr>
       <p:cxnSp>
         <p:nvCxnSpPr>
-          <p:cNvPr id="53" name="Google Shape;53;p10"/>
+          <p:cNvPr id="51" name="Google Shape;51;p9"/>
           <p:cNvCxnSpPr/>
           <p:nvPr/>
         </p:nvCxnSpPr>
@@ -7451,23 +7433,21 @@
             <a:avLst/>
           </a:prstGeom>
           <a:noFill/>
-          <a:ln w="19050" cap="flat" cmpd="sng">
+          <a:ln cap="flat" cmpd="sng" w="19050">
             <a:solidFill>
               <a:schemeClr val="dk2"/>
             </a:solidFill>
             <a:prstDash val="solid"/>
             <a:round/>
-            <a:headEnd type="none" w="sm" len="sm"/>
-            <a:tailEnd type="none" w="sm" len="sm"/>
+            <a:headEnd len="sm" w="sm" type="none"/>
+            <a:tailEnd len="sm" w="sm" type="none"/>
           </a:ln>
         </p:spPr>
       </p:cxnSp>
       <p:sp>
         <p:nvSpPr>
-          <p:cNvPr id="54" name="Google Shape;54;p10"/>
-          <p:cNvSpPr txBox="1">
-            <a:spLocks noGrp="1"/>
-          </p:cNvSpPr>
+          <p:cNvPr id="52" name="Google Shape;52;p9"/>
+          <p:cNvSpPr txBox="1"/>
           <p:nvPr>
             <p:ph type="title"/>
           </p:nvPr>
@@ -7486,7 +7466,9 @@
           </a:ln>
         </p:spPr>
         <p:txBody>
-          <a:bodyPr spcFirstLastPara="1" wrap="square" lIns="91425" tIns="91425" rIns="91425" bIns="91425" anchor="b" anchorCtr="0"/>
+          <a:bodyPr anchorCtr="0" anchor="b" bIns="91425" lIns="91425" spcFirstLastPara="1" rIns="91425" wrap="square" tIns="91425">
+            <a:noAutofit/>
+          </a:bodyPr>
           <a:lstStyle>
             <a:lvl1pPr lvl="0" algn="l">
               <a:lnSpc>
@@ -7615,19 +7597,15 @@
               <a:defRPr sz="2400"/>
             </a:lvl9pPr>
           </a:lstStyle>
-          <a:p>
-            <a:endParaRPr/>
-          </a:p>
+          <a:p/>
         </p:txBody>
       </p:sp>
       <p:sp>
         <p:nvSpPr>
-          <p:cNvPr id="55" name="Google Shape;55;p10"/>
-          <p:cNvSpPr txBox="1">
-            <a:spLocks noGrp="1"/>
-          </p:cNvSpPr>
+          <p:cNvPr id="53" name="Google Shape;53;p9"/>
+          <p:cNvSpPr txBox="1"/>
           <p:nvPr>
-            <p:ph type="body" idx="1"/>
+            <p:ph idx="1" type="body"/>
           </p:nvPr>
         </p:nvSpPr>
         <p:spPr>
@@ -7644,9 +7622,11 @@
           </a:ln>
         </p:spPr>
         <p:txBody>
-          <a:bodyPr spcFirstLastPara="1" wrap="square" lIns="91425" tIns="91425" rIns="91425" bIns="91425" anchor="t" anchorCtr="0"/>
+          <a:bodyPr anchorCtr="0" anchor="t" bIns="91425" lIns="91425" spcFirstLastPara="1" rIns="91425" wrap="square" tIns="91425">
+            <a:noAutofit/>
+          </a:bodyPr>
           <a:lstStyle>
-            <a:lvl1pPr marL="457200" lvl="0" indent="-304800" algn="l">
+            <a:lvl1pPr indent="-304800" lvl="0" marL="457200" algn="l">
               <a:lnSpc>
                 <a:spcPct val="115000"/>
               </a:lnSpc>
@@ -7660,7 +7640,7 @@
               <a:buChar char="●"/>
               <a:defRPr sz="1200"/>
             </a:lvl1pPr>
-            <a:lvl2pPr marL="914400" lvl="1" indent="-304800" algn="l">
+            <a:lvl2pPr indent="-304800" lvl="1" marL="914400" algn="l">
               <a:lnSpc>
                 <a:spcPct val="115000"/>
               </a:lnSpc>
@@ -7674,7 +7654,7 @@
               <a:buChar char="○"/>
               <a:defRPr sz="1200"/>
             </a:lvl2pPr>
-            <a:lvl3pPr marL="1371600" lvl="2" indent="-304800" algn="l">
+            <a:lvl3pPr indent="-304800" lvl="2" marL="1371600" algn="l">
               <a:lnSpc>
                 <a:spcPct val="115000"/>
               </a:lnSpc>
@@ -7688,7 +7668,7 @@
               <a:buChar char="■"/>
               <a:defRPr sz="1200"/>
             </a:lvl3pPr>
-            <a:lvl4pPr marL="1828800" lvl="3" indent="-304800" algn="l">
+            <a:lvl4pPr indent="-304800" lvl="3" marL="1828800" algn="l">
               <a:lnSpc>
                 <a:spcPct val="115000"/>
               </a:lnSpc>
@@ -7702,7 +7682,7 @@
               <a:buChar char="●"/>
               <a:defRPr sz="1200"/>
             </a:lvl4pPr>
-            <a:lvl5pPr marL="2286000" lvl="4" indent="-304800" algn="l">
+            <a:lvl5pPr indent="-304800" lvl="4" marL="2286000" algn="l">
               <a:lnSpc>
                 <a:spcPct val="115000"/>
               </a:lnSpc>
@@ -7716,7 +7696,7 @@
               <a:buChar char="○"/>
               <a:defRPr sz="1200"/>
             </a:lvl5pPr>
-            <a:lvl6pPr marL="2743200" lvl="5" indent="-304800" algn="l">
+            <a:lvl6pPr indent="-304800" lvl="5" marL="2743200" algn="l">
               <a:lnSpc>
                 <a:spcPct val="115000"/>
               </a:lnSpc>
@@ -7730,7 +7710,7 @@
               <a:buChar char="■"/>
               <a:defRPr sz="1200"/>
             </a:lvl6pPr>
-            <a:lvl7pPr marL="3200400" lvl="6" indent="-304800" algn="l">
+            <a:lvl7pPr indent="-304800" lvl="6" marL="3200400" algn="l">
               <a:lnSpc>
                 <a:spcPct val="115000"/>
               </a:lnSpc>
@@ -7744,7 +7724,7 @@
               <a:buChar char="●"/>
               <a:defRPr sz="1200"/>
             </a:lvl7pPr>
-            <a:lvl8pPr marL="3657600" lvl="7" indent="-304800" algn="l">
+            <a:lvl8pPr indent="-304800" lvl="7" marL="3657600" algn="l">
               <a:lnSpc>
                 <a:spcPct val="115000"/>
               </a:lnSpc>
@@ -7758,7 +7738,7 @@
               <a:buChar char="○"/>
               <a:defRPr sz="1200"/>
             </a:lvl8pPr>
-            <a:lvl9pPr marL="4114800" lvl="8" indent="-304800" algn="l">
+            <a:lvl9pPr indent="-304800" lvl="8" marL="4114800" algn="l">
               <a:lnSpc>
                 <a:spcPct val="115000"/>
               </a:lnSpc>
@@ -7773,19 +7753,15 @@
               <a:defRPr sz="1200"/>
             </a:lvl9pPr>
           </a:lstStyle>
-          <a:p>
-            <a:endParaRPr/>
-          </a:p>
+          <a:p/>
         </p:txBody>
       </p:sp>
       <p:sp>
         <p:nvSpPr>
-          <p:cNvPr id="56" name="Google Shape;56;p10"/>
-          <p:cNvSpPr txBox="1">
-            <a:spLocks noGrp="1"/>
-          </p:cNvSpPr>
+          <p:cNvPr id="54" name="Google Shape;54;p9"/>
+          <p:cNvSpPr txBox="1"/>
           <p:nvPr>
-            <p:ph type="sldNum" idx="12"/>
+            <p:ph idx="12" type="sldNum"/>
           </p:nvPr>
         </p:nvSpPr>
         <p:spPr>
@@ -7802,11 +7778,11 @@
           </a:ln>
         </p:spPr>
         <p:txBody>
-          <a:bodyPr spcFirstLastPara="1" wrap="square" lIns="91425" tIns="91425" rIns="91425" bIns="91425" anchor="ctr" anchorCtr="0">
+          <a:bodyPr anchorCtr="0" anchor="ctr" bIns="91425" lIns="91425" spcFirstLastPara="1" rIns="91425" wrap="square" tIns="91425">
             <a:noAutofit/>
           </a:bodyPr>
           <a:lstStyle>
-            <a:lvl1pPr marL="0" marR="0" lvl="0" indent="0" algn="r">
+            <a:lvl1pPr indent="0" lvl="0" marL="0" marR="0" algn="r">
               <a:lnSpc>
                 <a:spcPct val="100000"/>
               </a:lnSpc>
@@ -7822,7 +7798,7 @@
               <a:buSzPts val="1000"/>
               <a:buFont typeface="Arial"/>
               <a:buNone/>
-              <a:defRPr sz="1000" b="0" i="0" u="none" strike="noStrike" cap="none">
+              <a:defRPr b="0" i="0" sz="1000" u="none" cap="none" strike="noStrike">
                 <a:solidFill>
                   <a:schemeClr val="dk2"/>
                 </a:solidFill>
@@ -7832,7 +7808,7 @@
                 <a:sym typeface="Lato"/>
               </a:defRPr>
             </a:lvl1pPr>
-            <a:lvl2pPr marL="0" marR="0" lvl="1" indent="0" algn="r">
+            <a:lvl2pPr indent="0" lvl="1" marL="0" marR="0" algn="r">
               <a:lnSpc>
                 <a:spcPct val="100000"/>
               </a:lnSpc>
@@ -7848,7 +7824,7 @@
               <a:buSzPts val="1000"/>
               <a:buFont typeface="Arial"/>
               <a:buNone/>
-              <a:defRPr sz="1000" b="0" i="0" u="none" strike="noStrike" cap="none">
+              <a:defRPr b="0" i="0" sz="1000" u="none" cap="none" strike="noStrike">
                 <a:solidFill>
                   <a:schemeClr val="dk2"/>
                 </a:solidFill>
@@ -7858,7 +7834,7 @@
                 <a:sym typeface="Lato"/>
               </a:defRPr>
             </a:lvl2pPr>
-            <a:lvl3pPr marL="0" marR="0" lvl="2" indent="0" algn="r">
+            <a:lvl3pPr indent="0" lvl="2" marL="0" marR="0" algn="r">
               <a:lnSpc>
                 <a:spcPct val="100000"/>
               </a:lnSpc>
@@ -7874,7 +7850,7 @@
               <a:buSzPts val="1000"/>
               <a:buFont typeface="Arial"/>
               <a:buNone/>
-              <a:defRPr sz="1000" b="0" i="0" u="none" strike="noStrike" cap="none">
+              <a:defRPr b="0" i="0" sz="1000" u="none" cap="none" strike="noStrike">
                 <a:solidFill>
                   <a:schemeClr val="dk2"/>
                 </a:solidFill>
@@ -7884,7 +7860,7 @@
                 <a:sym typeface="Lato"/>
               </a:defRPr>
             </a:lvl3pPr>
-            <a:lvl4pPr marL="0" marR="0" lvl="3" indent="0" algn="r">
+            <a:lvl4pPr indent="0" lvl="3" marL="0" marR="0" algn="r">
               <a:lnSpc>
                 <a:spcPct val="100000"/>
               </a:lnSpc>
@@ -7900,7 +7876,7 @@
               <a:buSzPts val="1000"/>
               <a:buFont typeface="Arial"/>
               <a:buNone/>
-              <a:defRPr sz="1000" b="0" i="0" u="none" strike="noStrike" cap="none">
+              <a:defRPr b="0" i="0" sz="1000" u="none" cap="none" strike="noStrike">
                 <a:solidFill>
                   <a:schemeClr val="dk2"/>
                 </a:solidFill>
@@ -7910,7 +7886,7 @@
                 <a:sym typeface="Lato"/>
               </a:defRPr>
             </a:lvl4pPr>
-            <a:lvl5pPr marL="0" marR="0" lvl="4" indent="0" algn="r">
+            <a:lvl5pPr indent="0" lvl="4" marL="0" marR="0" algn="r">
               <a:lnSpc>
                 <a:spcPct val="100000"/>
               </a:lnSpc>
@@ -7926,7 +7902,7 @@
               <a:buSzPts val="1000"/>
               <a:buFont typeface="Arial"/>
               <a:buNone/>
-              <a:defRPr sz="1000" b="0" i="0" u="none" strike="noStrike" cap="none">
+              <a:defRPr b="0" i="0" sz="1000" u="none" cap="none" strike="noStrike">
                 <a:solidFill>
                   <a:schemeClr val="dk2"/>
                 </a:solidFill>
@@ -7936,7 +7912,7 @@
                 <a:sym typeface="Lato"/>
               </a:defRPr>
             </a:lvl5pPr>
-            <a:lvl6pPr marL="0" marR="0" lvl="5" indent="0" algn="r">
+            <a:lvl6pPr indent="0" lvl="5" marL="0" marR="0" algn="r">
               <a:lnSpc>
                 <a:spcPct val="100000"/>
               </a:lnSpc>
@@ -7952,7 +7928,7 @@
               <a:buSzPts val="1000"/>
               <a:buFont typeface="Arial"/>
               <a:buNone/>
-              <a:defRPr sz="1000" b="0" i="0" u="none" strike="noStrike" cap="none">
+              <a:defRPr b="0" i="0" sz="1000" u="none" cap="none" strike="noStrike">
                 <a:solidFill>
                   <a:schemeClr val="dk2"/>
                 </a:solidFill>
@@ -7962,7 +7938,7 @@
                 <a:sym typeface="Lato"/>
               </a:defRPr>
             </a:lvl6pPr>
-            <a:lvl7pPr marL="0" marR="0" lvl="6" indent="0" algn="r">
+            <a:lvl7pPr indent="0" lvl="6" marL="0" marR="0" algn="r">
               <a:lnSpc>
                 <a:spcPct val="100000"/>
               </a:lnSpc>
@@ -7978,7 +7954,7 @@
               <a:buSzPts val="1000"/>
               <a:buFont typeface="Arial"/>
               <a:buNone/>
-              <a:defRPr sz="1000" b="0" i="0" u="none" strike="noStrike" cap="none">
+              <a:defRPr b="0" i="0" sz="1000" u="none" cap="none" strike="noStrike">
                 <a:solidFill>
                   <a:schemeClr val="dk2"/>
                 </a:solidFill>
@@ -7988,7 +7964,7 @@
                 <a:sym typeface="Lato"/>
               </a:defRPr>
             </a:lvl7pPr>
-            <a:lvl8pPr marL="0" marR="0" lvl="7" indent="0" algn="r">
+            <a:lvl8pPr indent="0" lvl="7" marL="0" marR="0" algn="r">
               <a:lnSpc>
                 <a:spcPct val="100000"/>
               </a:lnSpc>
@@ -8004,7 +7980,7 @@
               <a:buSzPts val="1000"/>
               <a:buFont typeface="Arial"/>
               <a:buNone/>
-              <a:defRPr sz="1000" b="0" i="0" u="none" strike="noStrike" cap="none">
+              <a:defRPr b="0" i="0" sz="1000" u="none" cap="none" strike="noStrike">
                 <a:solidFill>
                   <a:schemeClr val="dk2"/>
                 </a:solidFill>
@@ -8014,7 +7990,7 @@
                 <a:sym typeface="Lato"/>
               </a:defRPr>
             </a:lvl8pPr>
-            <a:lvl9pPr marL="0" marR="0" lvl="8" indent="0" algn="r">
+            <a:lvl9pPr indent="0" lvl="8" marL="0" marR="0" algn="r">
               <a:lnSpc>
                 <a:spcPct val="100000"/>
               </a:lnSpc>
@@ -8030,7 +8006,7 @@
               <a:buSzPts val="1000"/>
               <a:buFont typeface="Arial"/>
               <a:buNone/>
-              <a:defRPr sz="1000" b="0" i="0" u="none" strike="noStrike" cap="none">
+              <a:defRPr b="0" i="0" sz="1000" u="none" cap="none" strike="noStrike">
                 <a:solidFill>
                   <a:schemeClr val="dk2"/>
                 </a:solidFill>
@@ -8042,7 +8018,7 @@
             </a:lvl9pPr>
           </a:lstStyle>
           <a:p>
-            <a:pPr marL="0" lvl="0" indent="0" algn="r" rtl="0">
+            <a:pPr indent="0" lvl="0" marL="0" rtl="0" algn="r">
               <a:spcBef>
                 <a:spcPts val="0"/>
               </a:spcBef>
@@ -8068,11 +8044,11 @@
 </file>
 
 <file path=ppt/slideLayouts/slideLayout9.xml><?xml version="1.0" encoding="utf-8"?>
-<p:sldLayout xmlns:a="http://schemas.openxmlformats.org/drawingml/2006/main" xmlns:r="http://schemas.openxmlformats.org/officeDocument/2006/relationships" xmlns:p="http://schemas.openxmlformats.org/presentationml/2006/main" matchingName="Caption">
+<p:sldLayout xmlns:a="http://schemas.openxmlformats.org/drawingml/2006/main" xmlns:r="http://schemas.openxmlformats.org/officeDocument/2006/relationships" xmlns:mc="http://schemas.openxmlformats.org/markup-compatibility/2006" xmlns:mv="urn:schemas-microsoft-com:mac:vml" xmlns:p="http://schemas.openxmlformats.org/presentationml/2006/main" xmlns:c="http://schemas.openxmlformats.org/drawingml/2006/chart" xmlns:dgm="http://schemas.openxmlformats.org/drawingml/2006/diagram" xmlns:o="urn:schemas-microsoft-com:office:office" xmlns:v="urn:schemas-microsoft-com:vml" xmlns:pvml="urn:schemas-microsoft-com:office:powerpoint" xmlns:com="http://schemas.openxmlformats.org/drawingml/2006/compatibility" xmlns:p14="http://schemas.microsoft.com/office/powerpoint/2010/main" xmlns:p15="http://schemas.microsoft.com/office/powerpoint/2012/main" matchingName="Caption">
   <p:cSld name="CAPTION_ONLY">
     <p:spTree>
       <p:nvGrpSpPr>
-        <p:cNvPr id="1" name="Shape 57"/>
+        <p:cNvPr id="55" name="Shape 55"/>
         <p:cNvGrpSpPr/>
         <p:nvPr/>
       </p:nvGrpSpPr>
@@ -8086,7 +8062,7 @@
       </p:grpSpPr>
       <p:cxnSp>
         <p:nvCxnSpPr>
-          <p:cNvPr id="58" name="Google Shape;58;p11"/>
+          <p:cNvPr id="56" name="Google Shape;56;p10"/>
           <p:cNvCxnSpPr/>
           <p:nvPr/>
         </p:nvCxnSpPr>
@@ -8099,20 +8075,20 @@
             <a:avLst/>
           </a:prstGeom>
           <a:noFill/>
-          <a:ln w="19050" cap="flat" cmpd="sng">
+          <a:ln cap="flat" cmpd="sng" w="19050">
             <a:solidFill>
               <a:schemeClr val="dk2"/>
             </a:solidFill>
             <a:prstDash val="solid"/>
             <a:round/>
-            <a:headEnd type="none" w="sm" len="sm"/>
-            <a:tailEnd type="none" w="sm" len="sm"/>
+            <a:headEnd len="sm" w="sm" type="none"/>
+            <a:tailEnd len="sm" w="sm" type="none"/>
           </a:ln>
         </p:spPr>
       </p:cxnSp>
       <p:cxnSp>
         <p:nvCxnSpPr>
-          <p:cNvPr id="59" name="Google Shape;59;p11"/>
+          <p:cNvPr id="57" name="Google Shape;57;p10"/>
           <p:cNvCxnSpPr/>
           <p:nvPr/>
         </p:nvCxnSpPr>
@@ -8125,25 +8101,23 @@
             <a:avLst/>
           </a:prstGeom>
           <a:noFill/>
-          <a:ln w="19050" cap="flat" cmpd="sng">
+          <a:ln cap="flat" cmpd="sng" w="19050">
             <a:solidFill>
               <a:schemeClr val="dk2"/>
             </a:solidFill>
             <a:prstDash val="solid"/>
             <a:round/>
-            <a:headEnd type="none" w="sm" len="sm"/>
-            <a:tailEnd type="none" w="sm" len="sm"/>
+            <a:headEnd len="sm" w="sm" type="none"/>
+            <a:tailEnd len="sm" w="sm" type="none"/>
           </a:ln>
         </p:spPr>
       </p:cxnSp>
       <p:sp>
         <p:nvSpPr>
-          <p:cNvPr id="60" name="Google Shape;60;p11"/>
-          <p:cNvSpPr txBox="1">
-            <a:spLocks noGrp="1"/>
-          </p:cNvSpPr>
+          <p:cNvPr id="58" name="Google Shape;58;p10"/>
+          <p:cNvSpPr txBox="1"/>
           <p:nvPr>
-            <p:ph type="body" idx="1"/>
+            <p:ph idx="1" type="body"/>
           </p:nvPr>
         </p:nvSpPr>
         <p:spPr>
@@ -8160,9 +8134,11 @@
           </a:ln>
         </p:spPr>
         <p:txBody>
-          <a:bodyPr spcFirstLastPara="1" wrap="square" lIns="91425" tIns="91425" rIns="91425" bIns="91425" anchor="ctr" anchorCtr="0"/>
+          <a:bodyPr anchorCtr="0" anchor="ctr" bIns="91425" lIns="91425" spcFirstLastPara="1" rIns="91425" wrap="square" tIns="91425">
+            <a:noAutofit/>
+          </a:bodyPr>
           <a:lstStyle>
-            <a:lvl1pPr marL="457200" lvl="0" indent="-228600" algn="l">
+            <a:lvl1pPr indent="-228600" lvl="0" marL="457200" algn="l">
               <a:lnSpc>
                 <a:spcPct val="100000"/>
               </a:lnSpc>
@@ -8177,19 +8153,15 @@
               <a:defRPr/>
             </a:lvl1pPr>
           </a:lstStyle>
-          <a:p>
-            <a:endParaRPr/>
-          </a:p>
+          <a:p/>
         </p:txBody>
       </p:sp>
       <p:sp>
         <p:nvSpPr>
-          <p:cNvPr id="61" name="Google Shape;61;p11"/>
-          <p:cNvSpPr txBox="1">
-            <a:spLocks noGrp="1"/>
-          </p:cNvSpPr>
+          <p:cNvPr id="59" name="Google Shape;59;p10"/>
+          <p:cNvSpPr txBox="1"/>
           <p:nvPr>
-            <p:ph type="sldNum" idx="12"/>
+            <p:ph idx="12" type="sldNum"/>
           </p:nvPr>
         </p:nvSpPr>
         <p:spPr>
@@ -8206,11 +8178,11 @@
           </a:ln>
         </p:spPr>
         <p:txBody>
-          <a:bodyPr spcFirstLastPara="1" wrap="square" lIns="91425" tIns="91425" rIns="91425" bIns="91425" anchor="ctr" anchorCtr="0">
+          <a:bodyPr anchorCtr="0" anchor="ctr" bIns="91425" lIns="91425" spcFirstLastPara="1" rIns="91425" wrap="square" tIns="91425">
             <a:noAutofit/>
           </a:bodyPr>
           <a:lstStyle>
-            <a:lvl1pPr marL="0" marR="0" lvl="0" indent="0" algn="r">
+            <a:lvl1pPr indent="0" lvl="0" marL="0" marR="0" algn="r">
               <a:lnSpc>
                 <a:spcPct val="100000"/>
               </a:lnSpc>
@@ -8226,7 +8198,7 @@
               <a:buSzPts val="1000"/>
               <a:buFont typeface="Arial"/>
               <a:buNone/>
-              <a:defRPr sz="1000" b="0" i="0" u="none" strike="noStrike" cap="none">
+              <a:defRPr b="0" i="0" sz="1000" u="none" cap="none" strike="noStrike">
                 <a:solidFill>
                   <a:schemeClr val="dk2"/>
                 </a:solidFill>
@@ -8236,7 +8208,7 @@
                 <a:sym typeface="Lato"/>
               </a:defRPr>
             </a:lvl1pPr>
-            <a:lvl2pPr marL="0" marR="0" lvl="1" indent="0" algn="r">
+            <a:lvl2pPr indent="0" lvl="1" marL="0" marR="0" algn="r">
               <a:lnSpc>
                 <a:spcPct val="100000"/>
               </a:lnSpc>
@@ -8252,7 +8224,7 @@
               <a:buSzPts val="1000"/>
               <a:buFont typeface="Arial"/>
               <a:buNone/>
-              <a:defRPr sz="1000" b="0" i="0" u="none" strike="noStrike" cap="none">
+              <a:defRPr b="0" i="0" sz="1000" u="none" cap="none" strike="noStrike">
                 <a:solidFill>
                   <a:schemeClr val="dk2"/>
                 </a:solidFill>
@@ -8262,7 +8234,7 @@
                 <a:sym typeface="Lato"/>
               </a:defRPr>
             </a:lvl2pPr>
-            <a:lvl3pPr marL="0" marR="0" lvl="2" indent="0" algn="r">
+            <a:lvl3pPr indent="0" lvl="2" marL="0" marR="0" algn="r">
               <a:lnSpc>
                 <a:spcPct val="100000"/>
               </a:lnSpc>
@@ -8278,7 +8250,7 @@
               <a:buSzPts val="1000"/>
               <a:buFont typeface="Arial"/>
               <a:buNone/>
-              <a:defRPr sz="1000" b="0" i="0" u="none" strike="noStrike" cap="none">
+              <a:defRPr b="0" i="0" sz="1000" u="none" cap="none" strike="noStrike">
                 <a:solidFill>
                   <a:schemeClr val="dk2"/>
                 </a:solidFill>
@@ -8288,7 +8260,7 @@
                 <a:sym typeface="Lato"/>
               </a:defRPr>
             </a:lvl3pPr>
-            <a:lvl4pPr marL="0" marR="0" lvl="3" indent="0" algn="r">
+            <a:lvl4pPr indent="0" lvl="3" marL="0" marR="0" algn="r">
               <a:lnSpc>
                 <a:spcPct val="100000"/>
               </a:lnSpc>
@@ -8304,7 +8276,7 @@
               <a:buSzPts val="1000"/>
               <a:buFont typeface="Arial"/>
               <a:buNone/>
-              <a:defRPr sz="1000" b="0" i="0" u="none" strike="noStrike" cap="none">
+              <a:defRPr b="0" i="0" sz="1000" u="none" cap="none" strike="noStrike">
                 <a:solidFill>
                   <a:schemeClr val="dk2"/>
                 </a:solidFill>
@@ -8314,7 +8286,7 @@
                 <a:sym typeface="Lato"/>
               </a:defRPr>
             </a:lvl4pPr>
-            <a:lvl5pPr marL="0" marR="0" lvl="4" indent="0" algn="r">
+            <a:lvl5pPr indent="0" lvl="4" marL="0" marR="0" algn="r">
               <a:lnSpc>
                 <a:spcPct val="100000"/>
               </a:lnSpc>
@@ -8330,7 +8302,7 @@
               <a:buSzPts val="1000"/>
               <a:buFont typeface="Arial"/>
               <a:buNone/>
-              <a:defRPr sz="1000" b="0" i="0" u="none" strike="noStrike" cap="none">
+              <a:defRPr b="0" i="0" sz="1000" u="none" cap="none" strike="noStrike">
                 <a:solidFill>
                   <a:schemeClr val="dk2"/>
                 </a:solidFill>
@@ -8340,7 +8312,7 @@
                 <a:sym typeface="Lato"/>
               </a:defRPr>
             </a:lvl5pPr>
-            <a:lvl6pPr marL="0" marR="0" lvl="5" indent="0" algn="r">
+            <a:lvl6pPr indent="0" lvl="5" marL="0" marR="0" algn="r">
               <a:lnSpc>
                 <a:spcPct val="100000"/>
               </a:lnSpc>
@@ -8356,7 +8328,7 @@
               <a:buSzPts val="1000"/>
               <a:buFont typeface="Arial"/>
               <a:buNone/>
-              <a:defRPr sz="1000" b="0" i="0" u="none" strike="noStrike" cap="none">
+              <a:defRPr b="0" i="0" sz="1000" u="none" cap="none" strike="noStrike">
                 <a:solidFill>
                   <a:schemeClr val="dk2"/>
                 </a:solidFill>
@@ -8366,7 +8338,7 @@
                 <a:sym typeface="Lato"/>
               </a:defRPr>
             </a:lvl6pPr>
-            <a:lvl7pPr marL="0" marR="0" lvl="6" indent="0" algn="r">
+            <a:lvl7pPr indent="0" lvl="6" marL="0" marR="0" algn="r">
               <a:lnSpc>
                 <a:spcPct val="100000"/>
               </a:lnSpc>
@@ -8382,7 +8354,7 @@
               <a:buSzPts val="1000"/>
               <a:buFont typeface="Arial"/>
               <a:buNone/>
-              <a:defRPr sz="1000" b="0" i="0" u="none" strike="noStrike" cap="none">
+              <a:defRPr b="0" i="0" sz="1000" u="none" cap="none" strike="noStrike">
                 <a:solidFill>
                   <a:schemeClr val="dk2"/>
                 </a:solidFill>
@@ -8392,7 +8364,7 @@
                 <a:sym typeface="Lato"/>
               </a:defRPr>
             </a:lvl7pPr>
-            <a:lvl8pPr marL="0" marR="0" lvl="7" indent="0" algn="r">
+            <a:lvl8pPr indent="0" lvl="7" marL="0" marR="0" algn="r">
               <a:lnSpc>
                 <a:spcPct val="100000"/>
               </a:lnSpc>
@@ -8408,7 +8380,7 @@
               <a:buSzPts val="1000"/>
               <a:buFont typeface="Arial"/>
               <a:buNone/>
-              <a:defRPr sz="1000" b="0" i="0" u="none" strike="noStrike" cap="none">
+              <a:defRPr b="0" i="0" sz="1000" u="none" cap="none" strike="noStrike">
                 <a:solidFill>
                   <a:schemeClr val="dk2"/>
                 </a:solidFill>
@@ -8418,7 +8390,7 @@
                 <a:sym typeface="Lato"/>
               </a:defRPr>
             </a:lvl8pPr>
-            <a:lvl9pPr marL="0" marR="0" lvl="8" indent="0" algn="r">
+            <a:lvl9pPr indent="0" lvl="8" marL="0" marR="0" algn="r">
               <a:lnSpc>
                 <a:spcPct val="100000"/>
               </a:lnSpc>
@@ -8434,7 +8406,7 @@
               <a:buSzPts val="1000"/>
               <a:buFont typeface="Arial"/>
               <a:buNone/>
-              <a:defRPr sz="1000" b="0" i="0" u="none" strike="noStrike" cap="none">
+              <a:defRPr b="0" i="0" sz="1000" u="none" cap="none" strike="noStrike">
                 <a:solidFill>
                   <a:schemeClr val="dk2"/>
                 </a:solidFill>
@@ -8446,7 +8418,7 @@
             </a:lvl9pPr>
           </a:lstStyle>
           <a:p>
-            <a:pPr marL="0" lvl="0" indent="0" algn="r" rtl="0">
+            <a:pPr indent="0" lvl="0" marL="0" rtl="0" algn="r">
               <a:spcBef>
                 <a:spcPts val="0"/>
               </a:spcBef>
@@ -8472,19 +8444,18 @@
 </file>
 
 <file path=ppt/slideMasters/slideMaster1.xml><?xml version="1.0" encoding="utf-8"?>
-<p:sldMaster xmlns:a="http://schemas.openxmlformats.org/drawingml/2006/main" xmlns:r="http://schemas.openxmlformats.org/officeDocument/2006/relationships" xmlns:p="http://schemas.openxmlformats.org/presentationml/2006/main">
+<p:sldMaster xmlns:a="http://schemas.openxmlformats.org/drawingml/2006/main" xmlns:r="http://schemas.openxmlformats.org/officeDocument/2006/relationships" xmlns:mc="http://schemas.openxmlformats.org/markup-compatibility/2006" xmlns:mv="urn:schemas-microsoft-com:mac:vml" xmlns:p="http://schemas.openxmlformats.org/presentationml/2006/main" xmlns:c="http://schemas.openxmlformats.org/drawingml/2006/chart" xmlns:dgm="http://schemas.openxmlformats.org/drawingml/2006/diagram" xmlns:o="urn:schemas-microsoft-com:office:office" xmlns:v="urn:schemas-microsoft-com:vml" xmlns:pvml="urn:schemas-microsoft-com:office:powerpoint" xmlns:com="http://schemas.openxmlformats.org/drawingml/2006/compatibility" xmlns:p14="http://schemas.microsoft.com/office/powerpoint/2010/main" xmlns:p15="http://schemas.microsoft.com/office/powerpoint/2012/main">
   <p:cSld name="swiss-2">
     <p:bg>
       <p:bgPr>
         <a:solidFill>
           <a:schemeClr val="lt1"/>
         </a:solidFill>
-        <a:effectLst/>
       </p:bgPr>
     </p:bg>
     <p:spTree>
       <p:nvGrpSpPr>
-        <p:cNvPr id="1" name="Shape 5"/>
+        <p:cNvPr id="5" name="Shape 5"/>
         <p:cNvGrpSpPr/>
         <p:nvPr/>
       </p:nvGrpSpPr>
@@ -8499,9 +8470,7 @@
       <p:sp>
         <p:nvSpPr>
           <p:cNvPr id="6" name="Google Shape;6;p1"/>
-          <p:cNvSpPr txBox="1">
-            <a:spLocks noGrp="1"/>
-          </p:cNvSpPr>
+          <p:cNvSpPr txBox="1"/>
           <p:nvPr>
             <p:ph type="title"/>
           </p:nvPr>
@@ -8520,9 +8489,11 @@
           </a:ln>
         </p:spPr>
         <p:txBody>
-          <a:bodyPr spcFirstLastPara="1" wrap="square" lIns="91425" tIns="91425" rIns="91425" bIns="91425" anchor="t" anchorCtr="0"/>
+          <a:bodyPr anchorCtr="0" anchor="t" bIns="91425" lIns="91425" spcFirstLastPara="1" rIns="91425" wrap="square" tIns="91425">
+            <a:noAutofit/>
+          </a:bodyPr>
           <a:lstStyle>
-            <a:lvl1pPr marR="0" lvl="0" algn="l" rtl="0">
+            <a:lvl1pPr lvl="0" marR="0" rtl="0" algn="l">
               <a:lnSpc>
                 <a:spcPct val="100000"/>
               </a:lnSpc>
@@ -8538,7 +8509,7 @@
               <a:buSzPts val="3000"/>
               <a:buFont typeface="Raleway"/>
               <a:buNone/>
-              <a:defRPr sz="3000" b="1" i="0" u="none" strike="noStrike" cap="none">
+              <a:defRPr b="1" i="0" sz="3000" u="none" cap="none" strike="noStrike">
                 <a:solidFill>
                   <a:schemeClr val="dk2"/>
                 </a:solidFill>
@@ -8548,7 +8519,7 @@
                 <a:sym typeface="Raleway"/>
               </a:defRPr>
             </a:lvl1pPr>
-            <a:lvl2pPr marR="0" lvl="1" algn="l" rtl="0">
+            <a:lvl2pPr lvl="1" marR="0" rtl="0" algn="l">
               <a:lnSpc>
                 <a:spcPct val="100000"/>
               </a:lnSpc>
@@ -8564,7 +8535,7 @@
               <a:buSzPts val="3000"/>
               <a:buFont typeface="Raleway"/>
               <a:buNone/>
-              <a:defRPr sz="3000" b="1" i="0" u="none" strike="noStrike" cap="none">
+              <a:defRPr b="1" i="0" sz="3000" u="none" cap="none" strike="noStrike">
                 <a:solidFill>
                   <a:schemeClr val="dk2"/>
                 </a:solidFill>
@@ -8574,7 +8545,7 @@
                 <a:sym typeface="Raleway"/>
               </a:defRPr>
             </a:lvl2pPr>
-            <a:lvl3pPr marR="0" lvl="2" algn="l" rtl="0">
+            <a:lvl3pPr lvl="2" marR="0" rtl="0" algn="l">
               <a:lnSpc>
                 <a:spcPct val="100000"/>
               </a:lnSpc>
@@ -8590,7 +8561,7 @@
               <a:buSzPts val="3000"/>
               <a:buFont typeface="Raleway"/>
               <a:buNone/>
-              <a:defRPr sz="3000" b="1" i="0" u="none" strike="noStrike" cap="none">
+              <a:defRPr b="1" i="0" sz="3000" u="none" cap="none" strike="noStrike">
                 <a:solidFill>
                   <a:schemeClr val="dk2"/>
                 </a:solidFill>
@@ -8600,7 +8571,7 @@
                 <a:sym typeface="Raleway"/>
               </a:defRPr>
             </a:lvl3pPr>
-            <a:lvl4pPr marR="0" lvl="3" algn="l" rtl="0">
+            <a:lvl4pPr lvl="3" marR="0" rtl="0" algn="l">
               <a:lnSpc>
                 <a:spcPct val="100000"/>
               </a:lnSpc>
@@ -8616,7 +8587,7 @@
               <a:buSzPts val="3000"/>
               <a:buFont typeface="Raleway"/>
               <a:buNone/>
-              <a:defRPr sz="3000" b="1" i="0" u="none" strike="noStrike" cap="none">
+              <a:defRPr b="1" i="0" sz="3000" u="none" cap="none" strike="noStrike">
                 <a:solidFill>
                   <a:schemeClr val="dk2"/>
                 </a:solidFill>
@@ -8626,7 +8597,7 @@
                 <a:sym typeface="Raleway"/>
               </a:defRPr>
             </a:lvl4pPr>
-            <a:lvl5pPr marR="0" lvl="4" algn="l" rtl="0">
+            <a:lvl5pPr lvl="4" marR="0" rtl="0" algn="l">
               <a:lnSpc>
                 <a:spcPct val="100000"/>
               </a:lnSpc>
@@ -8642,7 +8613,7 @@
               <a:buSzPts val="3000"/>
               <a:buFont typeface="Raleway"/>
               <a:buNone/>
-              <a:defRPr sz="3000" b="1" i="0" u="none" strike="noStrike" cap="none">
+              <a:defRPr b="1" i="0" sz="3000" u="none" cap="none" strike="noStrike">
                 <a:solidFill>
                   <a:schemeClr val="dk2"/>
                 </a:solidFill>
@@ -8652,7 +8623,7 @@
                 <a:sym typeface="Raleway"/>
               </a:defRPr>
             </a:lvl5pPr>
-            <a:lvl6pPr marR="0" lvl="5" algn="l" rtl="0">
+            <a:lvl6pPr lvl="5" marR="0" rtl="0" algn="l">
               <a:lnSpc>
                 <a:spcPct val="100000"/>
               </a:lnSpc>
@@ -8668,7 +8639,7 @@
               <a:buSzPts val="3000"/>
               <a:buFont typeface="Raleway"/>
               <a:buNone/>
-              <a:defRPr sz="3000" b="1" i="0" u="none" strike="noStrike" cap="none">
+              <a:defRPr b="1" i="0" sz="3000" u="none" cap="none" strike="noStrike">
                 <a:solidFill>
                   <a:schemeClr val="dk2"/>
                 </a:solidFill>
@@ -8678,7 +8649,7 @@
                 <a:sym typeface="Raleway"/>
               </a:defRPr>
             </a:lvl6pPr>
-            <a:lvl7pPr marR="0" lvl="6" algn="l" rtl="0">
+            <a:lvl7pPr lvl="6" marR="0" rtl="0" algn="l">
               <a:lnSpc>
                 <a:spcPct val="100000"/>
               </a:lnSpc>
@@ -8694,7 +8665,7 @@
               <a:buSzPts val="3000"/>
               <a:buFont typeface="Raleway"/>
               <a:buNone/>
-              <a:defRPr sz="3000" b="1" i="0" u="none" strike="noStrike" cap="none">
+              <a:defRPr b="1" i="0" sz="3000" u="none" cap="none" strike="noStrike">
                 <a:solidFill>
                   <a:schemeClr val="dk2"/>
                 </a:solidFill>
@@ -8704,7 +8675,7 @@
                 <a:sym typeface="Raleway"/>
               </a:defRPr>
             </a:lvl7pPr>
-            <a:lvl8pPr marR="0" lvl="7" algn="l" rtl="0">
+            <a:lvl8pPr lvl="7" marR="0" rtl="0" algn="l">
               <a:lnSpc>
                 <a:spcPct val="100000"/>
               </a:lnSpc>
@@ -8720,7 +8691,7 @@
               <a:buSzPts val="3000"/>
               <a:buFont typeface="Raleway"/>
               <a:buNone/>
-              <a:defRPr sz="3000" b="1" i="0" u="none" strike="noStrike" cap="none">
+              <a:defRPr b="1" i="0" sz="3000" u="none" cap="none" strike="noStrike">
                 <a:solidFill>
                   <a:schemeClr val="dk2"/>
                 </a:solidFill>
@@ -8730,7 +8701,7 @@
                 <a:sym typeface="Raleway"/>
               </a:defRPr>
             </a:lvl8pPr>
-            <a:lvl9pPr marR="0" lvl="8" algn="l" rtl="0">
+            <a:lvl9pPr lvl="8" marR="0" rtl="0" algn="l">
               <a:lnSpc>
                 <a:spcPct val="100000"/>
               </a:lnSpc>
@@ -8746,7 +8717,7 @@
               <a:buSzPts val="3000"/>
               <a:buFont typeface="Raleway"/>
               <a:buNone/>
-              <a:defRPr sz="3000" b="1" i="0" u="none" strike="noStrike" cap="none">
+              <a:defRPr b="1" i="0" sz="3000" u="none" cap="none" strike="noStrike">
                 <a:solidFill>
                   <a:schemeClr val="dk2"/>
                 </a:solidFill>
@@ -8757,19 +8728,15 @@
               </a:defRPr>
             </a:lvl9pPr>
           </a:lstStyle>
-          <a:p>
-            <a:endParaRPr/>
-          </a:p>
+          <a:p/>
         </p:txBody>
       </p:sp>
       <p:sp>
         <p:nvSpPr>
           <p:cNvPr id="7" name="Google Shape;7;p1"/>
-          <p:cNvSpPr txBox="1">
-            <a:spLocks noGrp="1"/>
-          </p:cNvSpPr>
+          <p:cNvSpPr txBox="1"/>
           <p:nvPr>
-            <p:ph type="body" idx="1"/>
+            <p:ph idx="1" type="body"/>
           </p:nvPr>
         </p:nvSpPr>
         <p:spPr>
@@ -8786,9 +8753,11 @@
           </a:ln>
         </p:spPr>
         <p:txBody>
-          <a:bodyPr spcFirstLastPara="1" wrap="square" lIns="91425" tIns="91425" rIns="91425" bIns="91425" anchor="t" anchorCtr="0"/>
+          <a:bodyPr anchorCtr="0" anchor="t" bIns="91425" lIns="91425" spcFirstLastPara="1" rIns="91425" wrap="square" tIns="91425">
+            <a:noAutofit/>
+          </a:bodyPr>
           <a:lstStyle>
-            <a:lvl1pPr marL="457200" marR="0" lvl="0" indent="-342900" algn="l" rtl="0">
+            <a:lvl1pPr indent="-342900" lvl="0" marL="457200" marR="0" rtl="0" algn="l">
               <a:lnSpc>
                 <a:spcPct val="115000"/>
               </a:lnSpc>
@@ -8804,7 +8773,7 @@
               <a:buSzPts val="1800"/>
               <a:buFont typeface="Lato"/>
               <a:buChar char="●"/>
-              <a:defRPr sz="1800" b="0" i="0" u="none" strike="noStrike" cap="none">
+              <a:defRPr b="0" i="0" sz="1800" u="none" cap="none" strike="noStrike">
                 <a:solidFill>
                   <a:schemeClr val="dk2"/>
                 </a:solidFill>
@@ -8814,7 +8783,7 @@
                 <a:sym typeface="Lato"/>
               </a:defRPr>
             </a:lvl1pPr>
-            <a:lvl2pPr marL="914400" marR="0" lvl="1" indent="-317500" algn="l" rtl="0">
+            <a:lvl2pPr indent="-317500" lvl="1" marL="914400" marR="0" rtl="0" algn="l">
               <a:lnSpc>
                 <a:spcPct val="115000"/>
               </a:lnSpc>
@@ -8830,7 +8799,7 @@
               <a:buSzPts val="1400"/>
               <a:buFont typeface="Lato"/>
               <a:buChar char="○"/>
-              <a:defRPr sz="1400" b="0" i="0" u="none" strike="noStrike" cap="none">
+              <a:defRPr b="0" i="0" sz="1400" u="none" cap="none" strike="noStrike">
                 <a:solidFill>
                   <a:schemeClr val="dk2"/>
                 </a:solidFill>
@@ -8840,7 +8809,7 @@
                 <a:sym typeface="Lato"/>
               </a:defRPr>
             </a:lvl2pPr>
-            <a:lvl3pPr marL="1371600" marR="0" lvl="2" indent="-317500" algn="l" rtl="0">
+            <a:lvl3pPr indent="-317500" lvl="2" marL="1371600" marR="0" rtl="0" algn="l">
               <a:lnSpc>
                 <a:spcPct val="115000"/>
               </a:lnSpc>
@@ -8856,7 +8825,7 @@
               <a:buSzPts val="1400"/>
               <a:buFont typeface="Lato"/>
               <a:buChar char="■"/>
-              <a:defRPr sz="1400" b="0" i="0" u="none" strike="noStrike" cap="none">
+              <a:defRPr b="0" i="0" sz="1400" u="none" cap="none" strike="noStrike">
                 <a:solidFill>
                   <a:schemeClr val="dk2"/>
                 </a:solidFill>
@@ -8866,7 +8835,7 @@
                 <a:sym typeface="Lato"/>
               </a:defRPr>
             </a:lvl3pPr>
-            <a:lvl4pPr marL="1828800" marR="0" lvl="3" indent="-317500" algn="l" rtl="0">
+            <a:lvl4pPr indent="-317500" lvl="3" marL="1828800" marR="0" rtl="0" algn="l">
               <a:lnSpc>
                 <a:spcPct val="115000"/>
               </a:lnSpc>
@@ -8882,7 +8851,7 @@
               <a:buSzPts val="1400"/>
               <a:buFont typeface="Lato"/>
               <a:buChar char="●"/>
-              <a:defRPr sz="1400" b="0" i="0" u="none" strike="noStrike" cap="none">
+              <a:defRPr b="0" i="0" sz="1400" u="none" cap="none" strike="noStrike">
                 <a:solidFill>
                   <a:schemeClr val="dk2"/>
                 </a:solidFill>
@@ -8892,7 +8861,7 @@
                 <a:sym typeface="Lato"/>
               </a:defRPr>
             </a:lvl4pPr>
-            <a:lvl5pPr marL="2286000" marR="0" lvl="4" indent="-317500" algn="l" rtl="0">
+            <a:lvl5pPr indent="-317500" lvl="4" marL="2286000" marR="0" rtl="0" algn="l">
               <a:lnSpc>
                 <a:spcPct val="115000"/>
               </a:lnSpc>
@@ -8908,7 +8877,7 @@
               <a:buSzPts val="1400"/>
               <a:buFont typeface="Lato"/>
               <a:buChar char="○"/>
-              <a:defRPr sz="1400" b="0" i="0" u="none" strike="noStrike" cap="none">
+              <a:defRPr b="0" i="0" sz="1400" u="none" cap="none" strike="noStrike">
                 <a:solidFill>
                   <a:schemeClr val="dk2"/>
                 </a:solidFill>
@@ -8918,7 +8887,7 @@
                 <a:sym typeface="Lato"/>
               </a:defRPr>
             </a:lvl5pPr>
-            <a:lvl6pPr marL="2743200" marR="0" lvl="5" indent="-317500" algn="l" rtl="0">
+            <a:lvl6pPr indent="-317500" lvl="5" marL="2743200" marR="0" rtl="0" algn="l">
               <a:lnSpc>
                 <a:spcPct val="115000"/>
               </a:lnSpc>
@@ -8934,7 +8903,7 @@
               <a:buSzPts val="1400"/>
               <a:buFont typeface="Lato"/>
               <a:buChar char="■"/>
-              <a:defRPr sz="1400" b="0" i="0" u="none" strike="noStrike" cap="none">
+              <a:defRPr b="0" i="0" sz="1400" u="none" cap="none" strike="noStrike">
                 <a:solidFill>
                   <a:schemeClr val="dk2"/>
                 </a:solidFill>
@@ -8944,7 +8913,7 @@
                 <a:sym typeface="Lato"/>
               </a:defRPr>
             </a:lvl6pPr>
-            <a:lvl7pPr marL="3200400" marR="0" lvl="6" indent="-317500" algn="l" rtl="0">
+            <a:lvl7pPr indent="-317500" lvl="6" marL="3200400" marR="0" rtl="0" algn="l">
               <a:lnSpc>
                 <a:spcPct val="115000"/>
               </a:lnSpc>
@@ -8960,7 +8929,7 @@
               <a:buSzPts val="1400"/>
               <a:buFont typeface="Lato"/>
               <a:buChar char="●"/>
-              <a:defRPr sz="1400" b="0" i="0" u="none" strike="noStrike" cap="none">
+              <a:defRPr b="0" i="0" sz="1400" u="none" cap="none" strike="noStrike">
                 <a:solidFill>
                   <a:schemeClr val="dk2"/>
                 </a:solidFill>
@@ -8970,7 +8939,7 @@
                 <a:sym typeface="Lato"/>
               </a:defRPr>
             </a:lvl7pPr>
-            <a:lvl8pPr marL="3657600" marR="0" lvl="7" indent="-317500" algn="l" rtl="0">
+            <a:lvl8pPr indent="-317500" lvl="7" marL="3657600" marR="0" rtl="0" algn="l">
               <a:lnSpc>
                 <a:spcPct val="115000"/>
               </a:lnSpc>
@@ -8986,7 +8955,7 @@
               <a:buSzPts val="1400"/>
               <a:buFont typeface="Lato"/>
               <a:buChar char="○"/>
-              <a:defRPr sz="1400" b="0" i="0" u="none" strike="noStrike" cap="none">
+              <a:defRPr b="0" i="0" sz="1400" u="none" cap="none" strike="noStrike">
                 <a:solidFill>
                   <a:schemeClr val="dk2"/>
                 </a:solidFill>
@@ -8996,7 +8965,7 @@
                 <a:sym typeface="Lato"/>
               </a:defRPr>
             </a:lvl8pPr>
-            <a:lvl9pPr marL="4114800" marR="0" lvl="8" indent="-317500" algn="l" rtl="0">
+            <a:lvl9pPr indent="-317500" lvl="8" marL="4114800" marR="0" rtl="0" algn="l">
               <a:lnSpc>
                 <a:spcPct val="115000"/>
               </a:lnSpc>
@@ -9012,7 +8981,7 @@
               <a:buSzPts val="1400"/>
               <a:buFont typeface="Lato"/>
               <a:buChar char="■"/>
-              <a:defRPr sz="1400" b="0" i="0" u="none" strike="noStrike" cap="none">
+              <a:defRPr b="0" i="0" sz="1400" u="none" cap="none" strike="noStrike">
                 <a:solidFill>
                   <a:schemeClr val="dk2"/>
                 </a:solidFill>
@@ -9023,19 +8992,15 @@
               </a:defRPr>
             </a:lvl9pPr>
           </a:lstStyle>
-          <a:p>
-            <a:endParaRPr/>
-          </a:p>
+          <a:p/>
         </p:txBody>
       </p:sp>
       <p:sp>
         <p:nvSpPr>
           <p:cNvPr id="8" name="Google Shape;8;p1"/>
-          <p:cNvSpPr txBox="1">
-            <a:spLocks noGrp="1"/>
-          </p:cNvSpPr>
+          <p:cNvSpPr txBox="1"/>
           <p:nvPr>
-            <p:ph type="sldNum" idx="12"/>
+            <p:ph idx="12" type="sldNum"/>
           </p:nvPr>
         </p:nvSpPr>
         <p:spPr>
@@ -9052,11 +9017,11 @@
           </a:ln>
         </p:spPr>
         <p:txBody>
-          <a:bodyPr spcFirstLastPara="1" wrap="square" lIns="91425" tIns="91425" rIns="91425" bIns="91425" anchor="ctr" anchorCtr="0">
+          <a:bodyPr anchorCtr="0" anchor="ctr" bIns="91425" lIns="91425" spcFirstLastPara="1" rIns="91425" wrap="square" tIns="91425">
             <a:noAutofit/>
           </a:bodyPr>
           <a:lstStyle>
-            <a:lvl1pPr marL="0" marR="0" lvl="0" indent="0" algn="r" rtl="0">
+            <a:lvl1pPr indent="0" lvl="0" marL="0" marR="0" rtl="0" algn="r">
               <a:lnSpc>
                 <a:spcPct val="100000"/>
               </a:lnSpc>
@@ -9072,7 +9037,7 @@
               <a:buSzPts val="1000"/>
               <a:buFont typeface="Arial"/>
               <a:buNone/>
-              <a:defRPr sz="1000" b="0" i="0" u="none" strike="noStrike" cap="none">
+              <a:defRPr b="0" i="0" sz="1000" u="none" cap="none" strike="noStrike">
                 <a:solidFill>
                   <a:schemeClr val="dk2"/>
                 </a:solidFill>
@@ -9082,7 +9047,7 @@
                 <a:sym typeface="Lato"/>
               </a:defRPr>
             </a:lvl1pPr>
-            <a:lvl2pPr marL="0" marR="0" lvl="1" indent="0" algn="r" rtl="0">
+            <a:lvl2pPr indent="0" lvl="1" marL="0" marR="0" rtl="0" algn="r">
               <a:lnSpc>
                 <a:spcPct val="100000"/>
               </a:lnSpc>
@@ -9098,7 +9063,7 @@
               <a:buSzPts val="1000"/>
               <a:buFont typeface="Arial"/>
               <a:buNone/>
-              <a:defRPr sz="1000" b="0" i="0" u="none" strike="noStrike" cap="none">
+              <a:defRPr b="0" i="0" sz="1000" u="none" cap="none" strike="noStrike">
                 <a:solidFill>
                   <a:schemeClr val="dk2"/>
                 </a:solidFill>
@@ -9108,7 +9073,7 @@
                 <a:sym typeface="Lato"/>
               </a:defRPr>
             </a:lvl2pPr>
-            <a:lvl3pPr marL="0" marR="0" lvl="2" indent="0" algn="r" rtl="0">
+            <a:lvl3pPr indent="0" lvl="2" marL="0" marR="0" rtl="0" algn="r">
               <a:lnSpc>
                 <a:spcPct val="100000"/>
               </a:lnSpc>
@@ -9124,7 +9089,7 @@
               <a:buSzPts val="1000"/>
               <a:buFont typeface="Arial"/>
               <a:buNone/>
-              <a:defRPr sz="1000" b="0" i="0" u="none" strike="noStrike" cap="none">
+              <a:defRPr b="0" i="0" sz="1000" u="none" cap="none" strike="noStrike">
                 <a:solidFill>
                   <a:schemeClr val="dk2"/>
                 </a:solidFill>
@@ -9134,7 +9099,7 @@
                 <a:sym typeface="Lato"/>
               </a:defRPr>
             </a:lvl3pPr>
-            <a:lvl4pPr marL="0" marR="0" lvl="3" indent="0" algn="r" rtl="0">
+            <a:lvl4pPr indent="0" lvl="3" marL="0" marR="0" rtl="0" algn="r">
               <a:lnSpc>
                 <a:spcPct val="100000"/>
               </a:lnSpc>
@@ -9150,7 +9115,7 @@
               <a:buSzPts val="1000"/>
               <a:buFont typeface="Arial"/>
               <a:buNone/>
-              <a:defRPr sz="1000" b="0" i="0" u="none" strike="noStrike" cap="none">
+              <a:defRPr b="0" i="0" sz="1000" u="none" cap="none" strike="noStrike">
                 <a:solidFill>
                   <a:schemeClr val="dk2"/>
                 </a:solidFill>
@@ -9160,7 +9125,7 @@
                 <a:sym typeface="Lato"/>
               </a:defRPr>
             </a:lvl4pPr>
-            <a:lvl5pPr marL="0" marR="0" lvl="4" indent="0" algn="r" rtl="0">
+            <a:lvl5pPr indent="0" lvl="4" marL="0" marR="0" rtl="0" algn="r">
               <a:lnSpc>
                 <a:spcPct val="100000"/>
               </a:lnSpc>
@@ -9176,7 +9141,7 @@
               <a:buSzPts val="1000"/>
               <a:buFont typeface="Arial"/>
               <a:buNone/>
-              <a:defRPr sz="1000" b="0" i="0" u="none" strike="noStrike" cap="none">
+              <a:defRPr b="0" i="0" sz="1000" u="none" cap="none" strike="noStrike">
                 <a:solidFill>
                   <a:schemeClr val="dk2"/>
                 </a:solidFill>
@@ -9186,7 +9151,7 @@
                 <a:sym typeface="Lato"/>
               </a:defRPr>
             </a:lvl5pPr>
-            <a:lvl6pPr marL="0" marR="0" lvl="5" indent="0" algn="r" rtl="0">
+            <a:lvl6pPr indent="0" lvl="5" marL="0" marR="0" rtl="0" algn="r">
               <a:lnSpc>
                 <a:spcPct val="100000"/>
               </a:lnSpc>
@@ -9202,7 +9167,7 @@
               <a:buSzPts val="1000"/>
               <a:buFont typeface="Arial"/>
               <a:buNone/>
-              <a:defRPr sz="1000" b="0" i="0" u="none" strike="noStrike" cap="none">
+              <a:defRPr b="0" i="0" sz="1000" u="none" cap="none" strike="noStrike">
                 <a:solidFill>
                   <a:schemeClr val="dk2"/>
                 </a:solidFill>
@@ -9212,7 +9177,7 @@
                 <a:sym typeface="Lato"/>
               </a:defRPr>
             </a:lvl6pPr>
-            <a:lvl7pPr marL="0" marR="0" lvl="6" indent="0" algn="r" rtl="0">
+            <a:lvl7pPr indent="0" lvl="6" marL="0" marR="0" rtl="0" algn="r">
               <a:lnSpc>
                 <a:spcPct val="100000"/>
               </a:lnSpc>
@@ -9228,7 +9193,7 @@
               <a:buSzPts val="1000"/>
               <a:buFont typeface="Arial"/>
               <a:buNone/>
-              <a:defRPr sz="1000" b="0" i="0" u="none" strike="noStrike" cap="none">
+              <a:defRPr b="0" i="0" sz="1000" u="none" cap="none" strike="noStrike">
                 <a:solidFill>
                   <a:schemeClr val="dk2"/>
                 </a:solidFill>
@@ -9238,7 +9203,7 @@
                 <a:sym typeface="Lato"/>
               </a:defRPr>
             </a:lvl7pPr>
-            <a:lvl8pPr marL="0" marR="0" lvl="7" indent="0" algn="r" rtl="0">
+            <a:lvl8pPr indent="0" lvl="7" marL="0" marR="0" rtl="0" algn="r">
               <a:lnSpc>
                 <a:spcPct val="100000"/>
               </a:lnSpc>
@@ -9254,7 +9219,7 @@
               <a:buSzPts val="1000"/>
               <a:buFont typeface="Arial"/>
               <a:buNone/>
-              <a:defRPr sz="1000" b="0" i="0" u="none" strike="noStrike" cap="none">
+              <a:defRPr b="0" i="0" sz="1000" u="none" cap="none" strike="noStrike">
                 <a:solidFill>
                   <a:schemeClr val="dk2"/>
                 </a:solidFill>
@@ -9264,7 +9229,7 @@
                 <a:sym typeface="Lato"/>
               </a:defRPr>
             </a:lvl8pPr>
-            <a:lvl9pPr marL="0" marR="0" lvl="8" indent="0" algn="r" rtl="0">
+            <a:lvl9pPr indent="0" lvl="8" marL="0" marR="0" rtl="0" algn="r">
               <a:lnSpc>
                 <a:spcPct val="100000"/>
               </a:lnSpc>
@@ -9280,7 +9245,7 @@
               <a:buSzPts val="1000"/>
               <a:buFont typeface="Arial"/>
               <a:buNone/>
-              <a:defRPr sz="1000" b="0" i="0" u="none" strike="noStrike" cap="none">
+              <a:defRPr b="0" i="0" sz="1000" u="none" cap="none" strike="noStrike">
                 <a:solidFill>
                   <a:schemeClr val="dk2"/>
                 </a:solidFill>
@@ -9292,7 +9257,7 @@
             </a:lvl9pPr>
           </a:lstStyle>
           <a:p>
-            <a:pPr marL="0" lvl="0" indent="0" algn="r" rtl="0">
+            <a:pPr indent="0" lvl="0" marL="0" rtl="0" algn="r">
               <a:spcBef>
                 <a:spcPts val="0"/>
               </a:spcBef>
@@ -9311,23 +9276,23 @@
       </p:sp>
     </p:spTree>
   </p:cSld>
-  <p:clrMap bg1="lt1" tx1="dk1" bg2="dk2" tx2="lt2" accent1="accent1" accent2="accent2" accent3="accent3" accent4="accent4" accent5="accent5" accent6="accent6" hlink="hlink" folHlink="folHlink"/>
+  <p:clrMap accent1="accent1" accent2="accent2" accent3="accent3" accent4="accent4" accent5="accent5" accent6="accent6" bg1="lt1" bg2="dk2" tx1="dk1" tx2="lt2" folHlink="folHlink" hlink="hlink"/>
   <p:sldLayoutIdLst>
     <p:sldLayoutId id="2147483648" r:id="rId1"/>
     <p:sldLayoutId id="2147483649" r:id="rId2"/>
     <p:sldLayoutId id="2147483650" r:id="rId3"/>
-    <p:sldLayoutId id="2147483652" r:id="rId4"/>
-    <p:sldLayoutId id="2147483653" r:id="rId5"/>
-    <p:sldLayoutId id="2147483654" r:id="rId6"/>
-    <p:sldLayoutId id="2147483655" r:id="rId7"/>
-    <p:sldLayoutId id="2147483656" r:id="rId8"/>
-    <p:sldLayoutId id="2147483657" r:id="rId9"/>
-    <p:sldLayoutId id="2147483658" r:id="rId10"/>
+    <p:sldLayoutId id="2147483651" r:id="rId4"/>
+    <p:sldLayoutId id="2147483652" r:id="rId5"/>
+    <p:sldLayoutId id="2147483653" r:id="rId6"/>
+    <p:sldLayoutId id="2147483654" r:id="rId7"/>
+    <p:sldLayoutId id="2147483655" r:id="rId8"/>
+    <p:sldLayoutId id="2147483656" r:id="rId9"/>
+    <p:sldLayoutId id="2147483657" r:id="rId10"/>
   </p:sldLayoutIdLst>
-  <p:hf sldNum="0" hdr="0" ftr="0" dt="0"/>
+  <p:hf dt="0" ftr="0" hdr="0" sldNum="0"/>
   <p:txStyles>
     <p:titleStyle>
-      <a:defPPr marR="0" lvl="0" algn="l" rtl="0">
+      <a:defPPr lvl="0" marR="0" rtl="0" algn="l">
         <a:lnSpc>
           <a:spcPct val="100000"/>
         </a:lnSpc>
@@ -9338,7 +9303,7 @@
           <a:spcPts val="0"/>
         </a:spcAft>
       </a:defPPr>
-      <a:lvl1pPr marR="0" lvl="0" algn="l" rtl="0">
+      <a:lvl1pPr lvl="0" marR="0" rtl="0" algn="l">
         <a:lnSpc>
           <a:spcPct val="100000"/>
         </a:lnSpc>
@@ -9352,7 +9317,7 @@
           <a:srgbClr val="000000"/>
         </a:buClr>
         <a:buFont typeface="Arial"/>
-        <a:defRPr sz="1400" b="0" i="0" u="none" strike="noStrike" cap="none">
+        <a:defRPr b="0" i="0" sz="1400" u="none" cap="none" strike="noStrike">
           <a:solidFill>
             <a:srgbClr val="000000"/>
           </a:solidFill>
@@ -9362,7 +9327,7 @@
           <a:sym typeface="Arial"/>
         </a:defRPr>
       </a:lvl1pPr>
-      <a:lvl2pPr marR="0" lvl="1" algn="l" rtl="0">
+      <a:lvl2pPr lvl="1" marR="0" rtl="0" algn="l">
         <a:lnSpc>
           <a:spcPct val="100000"/>
         </a:lnSpc>
@@ -9376,7 +9341,7 @@
           <a:srgbClr val="000000"/>
         </a:buClr>
         <a:buFont typeface="Arial"/>
-        <a:defRPr sz="1400" b="0" i="0" u="none" strike="noStrike" cap="none">
+        <a:defRPr b="0" i="0" sz="1400" u="none" cap="none" strike="noStrike">
           <a:solidFill>
             <a:srgbClr val="000000"/>
           </a:solidFill>
@@ -9386,7 +9351,7 @@
           <a:sym typeface="Arial"/>
         </a:defRPr>
       </a:lvl2pPr>
-      <a:lvl3pPr marR="0" lvl="2" algn="l" rtl="0">
+      <a:lvl3pPr lvl="2" marR="0" rtl="0" algn="l">
         <a:lnSpc>
           <a:spcPct val="100000"/>
         </a:lnSpc>
@@ -9400,7 +9365,7 @@
           <a:srgbClr val="000000"/>
         </a:buClr>
         <a:buFont typeface="Arial"/>
-        <a:defRPr sz="1400" b="0" i="0" u="none" strike="noStrike" cap="none">
+        <a:defRPr b="0" i="0" sz="1400" u="none" cap="none" strike="noStrike">
           <a:solidFill>
             <a:srgbClr val="000000"/>
           </a:solidFill>
@@ -9410,7 +9375,7 @@
           <a:sym typeface="Arial"/>
         </a:defRPr>
       </a:lvl3pPr>
-      <a:lvl4pPr marR="0" lvl="3" algn="l" rtl="0">
+      <a:lvl4pPr lvl="3" marR="0" rtl="0" algn="l">
         <a:lnSpc>
           <a:spcPct val="100000"/>
         </a:lnSpc>
@@ -9424,7 +9389,7 @@
           <a:srgbClr val="000000"/>
         </a:buClr>
         <a:buFont typeface="Arial"/>
-        <a:defRPr sz="1400" b="0" i="0" u="none" strike="noStrike" cap="none">
+        <a:defRPr b="0" i="0" sz="1400" u="none" cap="none" strike="noStrike">
           <a:solidFill>
             <a:srgbClr val="000000"/>
           </a:solidFill>
@@ -9434,7 +9399,7 @@
           <a:sym typeface="Arial"/>
         </a:defRPr>
       </a:lvl4pPr>
-      <a:lvl5pPr marR="0" lvl="4" algn="l" rtl="0">
+      <a:lvl5pPr lvl="4" marR="0" rtl="0" algn="l">
         <a:lnSpc>
           <a:spcPct val="100000"/>
         </a:lnSpc>
@@ -9448,7 +9413,7 @@
           <a:srgbClr val="000000"/>
         </a:buClr>
         <a:buFont typeface="Arial"/>
-        <a:defRPr sz="1400" b="0" i="0" u="none" strike="noStrike" cap="none">
+        <a:defRPr b="0" i="0" sz="1400" u="none" cap="none" strike="noStrike">
           <a:solidFill>
             <a:srgbClr val="000000"/>
           </a:solidFill>
@@ -9458,7 +9423,7 @@
           <a:sym typeface="Arial"/>
         </a:defRPr>
       </a:lvl5pPr>
-      <a:lvl6pPr marR="0" lvl="5" algn="l" rtl="0">
+      <a:lvl6pPr lvl="5" marR="0" rtl="0" algn="l">
         <a:lnSpc>
           <a:spcPct val="100000"/>
         </a:lnSpc>
@@ -9472,7 +9437,7 @@
           <a:srgbClr val="000000"/>
         </a:buClr>
         <a:buFont typeface="Arial"/>
-        <a:defRPr sz="1400" b="0" i="0" u="none" strike="noStrike" cap="none">
+        <a:defRPr b="0" i="0" sz="1400" u="none" cap="none" strike="noStrike">
           <a:solidFill>
             <a:srgbClr val="000000"/>
           </a:solidFill>
@@ -9482,7 +9447,7 @@
           <a:sym typeface="Arial"/>
         </a:defRPr>
       </a:lvl6pPr>
-      <a:lvl7pPr marR="0" lvl="6" algn="l" rtl="0">
+      <a:lvl7pPr lvl="6" marR="0" rtl="0" algn="l">
         <a:lnSpc>
           <a:spcPct val="100000"/>
         </a:lnSpc>
@@ -9496,7 +9461,7 @@
           <a:srgbClr val="000000"/>
         </a:buClr>
         <a:buFont typeface="Arial"/>
-        <a:defRPr sz="1400" b="0" i="0" u="none" strike="noStrike" cap="none">
+        <a:defRPr b="0" i="0" sz="1400" u="none" cap="none" strike="noStrike">
           <a:solidFill>
             <a:srgbClr val="000000"/>
           </a:solidFill>
@@ -9506,7 +9471,7 @@
           <a:sym typeface="Arial"/>
         </a:defRPr>
       </a:lvl7pPr>
-      <a:lvl8pPr marR="0" lvl="7" algn="l" rtl="0">
+      <a:lvl8pPr lvl="7" marR="0" rtl="0" algn="l">
         <a:lnSpc>
           <a:spcPct val="100000"/>
         </a:lnSpc>
@@ -9520,7 +9485,7 @@
           <a:srgbClr val="000000"/>
         </a:buClr>
         <a:buFont typeface="Arial"/>
-        <a:defRPr sz="1400" b="0" i="0" u="none" strike="noStrike" cap="none">
+        <a:defRPr b="0" i="0" sz="1400" u="none" cap="none" strike="noStrike">
           <a:solidFill>
             <a:srgbClr val="000000"/>
           </a:solidFill>
@@ -9530,7 +9495,7 @@
           <a:sym typeface="Arial"/>
         </a:defRPr>
       </a:lvl8pPr>
-      <a:lvl9pPr marR="0" lvl="8" algn="l" rtl="0">
+      <a:lvl9pPr lvl="8" marR="0" rtl="0" algn="l">
         <a:lnSpc>
           <a:spcPct val="100000"/>
         </a:lnSpc>
@@ -9544,7 +9509,7 @@
           <a:srgbClr val="000000"/>
         </a:buClr>
         <a:buFont typeface="Arial"/>
-        <a:defRPr sz="1400" b="0" i="0" u="none" strike="noStrike" cap="none">
+        <a:defRPr b="0" i="0" sz="1400" u="none" cap="none" strike="noStrike">
           <a:solidFill>
             <a:srgbClr val="000000"/>
           </a:solidFill>
@@ -9556,7 +9521,7 @@
       </a:lvl9pPr>
     </p:titleStyle>
     <p:bodyStyle>
-      <a:defPPr marR="0" lvl="0" algn="l" rtl="0">
+      <a:defPPr lvl="0" marR="0" rtl="0" algn="l">
         <a:lnSpc>
           <a:spcPct val="100000"/>
         </a:lnSpc>
@@ -9567,7 +9532,7 @@
           <a:spcPts val="0"/>
         </a:spcAft>
       </a:defPPr>
-      <a:lvl1pPr marR="0" lvl="0" algn="l" rtl="0">
+      <a:lvl1pPr lvl="0" marR="0" rtl="0" algn="l">
         <a:lnSpc>
           <a:spcPct val="100000"/>
         </a:lnSpc>
@@ -9581,7 +9546,7 @@
           <a:srgbClr val="000000"/>
         </a:buClr>
         <a:buFont typeface="Arial"/>
-        <a:defRPr sz="1400" b="0" i="0" u="none" strike="noStrike" cap="none">
+        <a:defRPr b="0" i="0" sz="1400" u="none" cap="none" strike="noStrike">
           <a:solidFill>
             <a:srgbClr val="000000"/>
           </a:solidFill>
@@ -9591,7 +9556,7 @@
           <a:sym typeface="Arial"/>
         </a:defRPr>
       </a:lvl1pPr>
-      <a:lvl2pPr marR="0" lvl="1" algn="l" rtl="0">
+      <a:lvl2pPr lvl="1" marR="0" rtl="0" algn="l">
         <a:lnSpc>
           <a:spcPct val="100000"/>
         </a:lnSpc>
@@ -9605,7 +9570,7 @@
           <a:srgbClr val="000000"/>
         </a:buClr>
         <a:buFont typeface="Arial"/>
-        <a:defRPr sz="1400" b="0" i="0" u="none" strike="noStrike" cap="none">
+        <a:defRPr b="0" i="0" sz="1400" u="none" cap="none" strike="noStrike">
           <a:solidFill>
             <a:srgbClr val="000000"/>
           </a:solidFill>
@@ -9615,7 +9580,7 @@
           <a:sym typeface="Arial"/>
         </a:defRPr>
       </a:lvl2pPr>
-      <a:lvl3pPr marR="0" lvl="2" algn="l" rtl="0">
+      <a:lvl3pPr lvl="2" marR="0" rtl="0" algn="l">
         <a:lnSpc>
           <a:spcPct val="100000"/>
         </a:lnSpc>
@@ -9629,7 +9594,7 @@
           <a:srgbClr val="000000"/>
         </a:buClr>
         <a:buFont typeface="Arial"/>
-        <a:defRPr sz="1400" b="0" i="0" u="none" strike="noStrike" cap="none">
+        <a:defRPr b="0" i="0" sz="1400" u="none" cap="none" strike="noStrike">
           <a:solidFill>
             <a:srgbClr val="000000"/>
           </a:solidFill>
@@ -9639,7 +9604,7 @@
           <a:sym typeface="Arial"/>
         </a:defRPr>
       </a:lvl3pPr>
-      <a:lvl4pPr marR="0" lvl="3" algn="l" rtl="0">
+      <a:lvl4pPr lvl="3" marR="0" rtl="0" algn="l">
         <a:lnSpc>
           <a:spcPct val="100000"/>
         </a:lnSpc>
@@ -9653,7 +9618,7 @@
           <a:srgbClr val="000000"/>
         </a:buClr>
         <a:buFont typeface="Arial"/>
-        <a:defRPr sz="1400" b="0" i="0" u="none" strike="noStrike" cap="none">
+        <a:defRPr b="0" i="0" sz="1400" u="none" cap="none" strike="noStrike">
           <a:solidFill>
             <a:srgbClr val="000000"/>
           </a:solidFill>
@@ -9663,7 +9628,7 @@
           <a:sym typeface="Arial"/>
         </a:defRPr>
       </a:lvl4pPr>
-      <a:lvl5pPr marR="0" lvl="4" algn="l" rtl="0">
+      <a:lvl5pPr lvl="4" marR="0" rtl="0" algn="l">
         <a:lnSpc>
           <a:spcPct val="100000"/>
         </a:lnSpc>
@@ -9677,7 +9642,7 @@
           <a:srgbClr val="000000"/>
         </a:buClr>
         <a:buFont typeface="Arial"/>
-        <a:defRPr sz="1400" b="0" i="0" u="none" strike="noStrike" cap="none">
+        <a:defRPr b="0" i="0" sz="1400" u="none" cap="none" strike="noStrike">
           <a:solidFill>
             <a:srgbClr val="000000"/>
           </a:solidFill>
@@ -9687,7 +9652,7 @@
           <a:sym typeface="Arial"/>
         </a:defRPr>
       </a:lvl5pPr>
-      <a:lvl6pPr marR="0" lvl="5" algn="l" rtl="0">
+      <a:lvl6pPr lvl="5" marR="0" rtl="0" algn="l">
         <a:lnSpc>
           <a:spcPct val="100000"/>
         </a:lnSpc>
@@ -9701,7 +9666,7 @@
           <a:srgbClr val="000000"/>
         </a:buClr>
         <a:buFont typeface="Arial"/>
-        <a:defRPr sz="1400" b="0" i="0" u="none" strike="noStrike" cap="none">
+        <a:defRPr b="0" i="0" sz="1400" u="none" cap="none" strike="noStrike">
           <a:solidFill>
             <a:srgbClr val="000000"/>
           </a:solidFill>
@@ -9711,7 +9676,7 @@
           <a:sym typeface="Arial"/>
         </a:defRPr>
       </a:lvl6pPr>
-      <a:lvl7pPr marR="0" lvl="6" algn="l" rtl="0">
+      <a:lvl7pPr lvl="6" marR="0" rtl="0" algn="l">
         <a:lnSpc>
           <a:spcPct val="100000"/>
         </a:lnSpc>
@@ -9725,7 +9690,7 @@
           <a:srgbClr val="000000"/>
         </a:buClr>
         <a:buFont typeface="Arial"/>
-        <a:defRPr sz="1400" b="0" i="0" u="none" strike="noStrike" cap="none">
+        <a:defRPr b="0" i="0" sz="1400" u="none" cap="none" strike="noStrike">
           <a:solidFill>
             <a:srgbClr val="000000"/>
           </a:solidFill>
@@ -9735,7 +9700,7 @@
           <a:sym typeface="Arial"/>
         </a:defRPr>
       </a:lvl7pPr>
-      <a:lvl8pPr marR="0" lvl="7" algn="l" rtl="0">
+      <a:lvl8pPr lvl="7" marR="0" rtl="0" algn="l">
         <a:lnSpc>
           <a:spcPct val="100000"/>
         </a:lnSpc>
@@ -9749,7 +9714,7 @@
           <a:srgbClr val="000000"/>
         </a:buClr>
         <a:buFont typeface="Arial"/>
-        <a:defRPr sz="1400" b="0" i="0" u="none" strike="noStrike" cap="none">
+        <a:defRPr b="0" i="0" sz="1400" u="none" cap="none" strike="noStrike">
           <a:solidFill>
             <a:srgbClr val="000000"/>
           </a:solidFill>
@@ -9759,7 +9724,7 @@
           <a:sym typeface="Arial"/>
         </a:defRPr>
       </a:lvl8pPr>
-      <a:lvl9pPr marR="0" lvl="8" algn="l" rtl="0">
+      <a:lvl9pPr lvl="8" marR="0" rtl="0" algn="l">
         <a:lnSpc>
           <a:spcPct val="100000"/>
         </a:lnSpc>
@@ -9773,7 +9738,7 @@
           <a:srgbClr val="000000"/>
         </a:buClr>
         <a:buFont typeface="Arial"/>
-        <a:defRPr sz="1400" b="0" i="0" u="none" strike="noStrike" cap="none">
+        <a:defRPr b="0" i="0" sz="1400" u="none" cap="none" strike="noStrike">
           <a:solidFill>
             <a:srgbClr val="000000"/>
           </a:solidFill>
@@ -9785,7 +9750,7 @@
       </a:lvl9pPr>
     </p:bodyStyle>
     <p:otherStyle>
-      <a:defPPr marR="0" lvl="0" algn="l" rtl="0">
+      <a:defPPr lvl="0" marR="0" rtl="0" algn="l">
         <a:lnSpc>
           <a:spcPct val="100000"/>
         </a:lnSpc>
@@ -9796,7 +9761,7 @@
           <a:spcPts val="0"/>
         </a:spcAft>
       </a:defPPr>
-      <a:lvl1pPr marR="0" lvl="0" algn="l" rtl="0">
+      <a:lvl1pPr lvl="0" marR="0" rtl="0" algn="l">
         <a:lnSpc>
           <a:spcPct val="100000"/>
         </a:lnSpc>
@@ -9810,7 +9775,7 @@
           <a:srgbClr val="000000"/>
         </a:buClr>
         <a:buFont typeface="Arial"/>
-        <a:defRPr sz="1400" b="0" i="0" u="none" strike="noStrike" cap="none">
+        <a:defRPr b="0" i="0" sz="1400" u="none" cap="none" strike="noStrike">
           <a:solidFill>
             <a:srgbClr val="000000"/>
           </a:solidFill>
@@ -9820,7 +9785,7 @@
           <a:sym typeface="Arial"/>
         </a:defRPr>
       </a:lvl1pPr>
-      <a:lvl2pPr marR="0" lvl="1" algn="l" rtl="0">
+      <a:lvl2pPr lvl="1" marR="0" rtl="0" algn="l">
         <a:lnSpc>
           <a:spcPct val="100000"/>
         </a:lnSpc>
@@ -9834,7 +9799,7 @@
           <a:srgbClr val="000000"/>
         </a:buClr>
         <a:buFont typeface="Arial"/>
-        <a:defRPr sz="1400" b="0" i="0" u="none" strike="noStrike" cap="none">
+        <a:defRPr b="0" i="0" sz="1400" u="none" cap="none" strike="noStrike">
           <a:solidFill>
             <a:srgbClr val="000000"/>
           </a:solidFill>
@@ -9844,7 +9809,7 @@
           <a:sym typeface="Arial"/>
         </a:defRPr>
       </a:lvl2pPr>
-      <a:lvl3pPr marR="0" lvl="2" algn="l" rtl="0">
+      <a:lvl3pPr lvl="2" marR="0" rtl="0" algn="l">
         <a:lnSpc>
           <a:spcPct val="100000"/>
         </a:lnSpc>
@@ -9858,7 +9823,7 @@
           <a:srgbClr val="000000"/>
         </a:buClr>
         <a:buFont typeface="Arial"/>
-        <a:defRPr sz="1400" b="0" i="0" u="none" strike="noStrike" cap="none">
+        <a:defRPr b="0" i="0" sz="1400" u="none" cap="none" strike="noStrike">
           <a:solidFill>
             <a:srgbClr val="000000"/>
           </a:solidFill>
@@ -9868,7 +9833,7 @@
           <a:sym typeface="Arial"/>
         </a:defRPr>
       </a:lvl3pPr>
-      <a:lvl4pPr marR="0" lvl="3" algn="l" rtl="0">
+      <a:lvl4pPr lvl="3" marR="0" rtl="0" algn="l">
         <a:lnSpc>
           <a:spcPct val="100000"/>
         </a:lnSpc>
@@ -9882,7 +9847,7 @@
           <a:srgbClr val="000000"/>
         </a:buClr>
         <a:buFont typeface="Arial"/>
-        <a:defRPr sz="1400" b="0" i="0" u="none" strike="noStrike" cap="none">
+        <a:defRPr b="0" i="0" sz="1400" u="none" cap="none" strike="noStrike">
           <a:solidFill>
             <a:srgbClr val="000000"/>
           </a:solidFill>
@@ -9892,7 +9857,7 @@
           <a:sym typeface="Arial"/>
         </a:defRPr>
       </a:lvl4pPr>
-      <a:lvl5pPr marR="0" lvl="4" algn="l" rtl="0">
+      <a:lvl5pPr lvl="4" marR="0" rtl="0" algn="l">
         <a:lnSpc>
           <a:spcPct val="100000"/>
         </a:lnSpc>
@@ -9906,7 +9871,7 @@
           <a:srgbClr val="000000"/>
         </a:buClr>
         <a:buFont typeface="Arial"/>
-        <a:defRPr sz="1400" b="0" i="0" u="none" strike="noStrike" cap="none">
+        <a:defRPr b="0" i="0" sz="1400" u="none" cap="none" strike="noStrike">
           <a:solidFill>
             <a:srgbClr val="000000"/>
           </a:solidFill>
@@ -9916,7 +9881,7 @@
           <a:sym typeface="Arial"/>
         </a:defRPr>
       </a:lvl5pPr>
-      <a:lvl6pPr marR="0" lvl="5" algn="l" rtl="0">
+      <a:lvl6pPr lvl="5" marR="0" rtl="0" algn="l">
         <a:lnSpc>
           <a:spcPct val="100000"/>
         </a:lnSpc>
@@ -9930,7 +9895,7 @@
           <a:srgbClr val="000000"/>
         </a:buClr>
         <a:buFont typeface="Arial"/>
-        <a:defRPr sz="1400" b="0" i="0" u="none" strike="noStrike" cap="none">
+        <a:defRPr b="0" i="0" sz="1400" u="none" cap="none" strike="noStrike">
           <a:solidFill>
             <a:srgbClr val="000000"/>
           </a:solidFill>
@@ -9940,7 +9905,7 @@
           <a:sym typeface="Arial"/>
         </a:defRPr>
       </a:lvl6pPr>
-      <a:lvl7pPr marR="0" lvl="6" algn="l" rtl="0">
+      <a:lvl7pPr lvl="6" marR="0" rtl="0" algn="l">
         <a:lnSpc>
           <a:spcPct val="100000"/>
         </a:lnSpc>
@@ -9954,7 +9919,7 @@
           <a:srgbClr val="000000"/>
         </a:buClr>
         <a:buFont typeface="Arial"/>
-        <a:defRPr sz="1400" b="0" i="0" u="none" strike="noStrike" cap="none">
+        <a:defRPr b="0" i="0" sz="1400" u="none" cap="none" strike="noStrike">
           <a:solidFill>
             <a:srgbClr val="000000"/>
           </a:solidFill>
@@ -9964,7 +9929,7 @@
           <a:sym typeface="Arial"/>
         </a:defRPr>
       </a:lvl7pPr>
-      <a:lvl8pPr marR="0" lvl="7" algn="l" rtl="0">
+      <a:lvl8pPr lvl="7" marR="0" rtl="0" algn="l">
         <a:lnSpc>
           <a:spcPct val="100000"/>
         </a:lnSpc>
@@ -9978,7 +9943,7 @@
           <a:srgbClr val="000000"/>
         </a:buClr>
         <a:buFont typeface="Arial"/>
-        <a:defRPr sz="1400" b="0" i="0" u="none" strike="noStrike" cap="none">
+        <a:defRPr b="0" i="0" sz="1400" u="none" cap="none" strike="noStrike">
           <a:solidFill>
             <a:srgbClr val="000000"/>
           </a:solidFill>
@@ -9988,7 +9953,7 @@
           <a:sym typeface="Arial"/>
         </a:defRPr>
       </a:lvl8pPr>
-      <a:lvl9pPr marR="0" lvl="8" algn="l" rtl="0">
+      <a:lvl9pPr lvl="8" marR="0" rtl="0" algn="l">
         <a:lnSpc>
           <a:spcPct val="100000"/>
         </a:lnSpc>
@@ -10002,7 +9967,7 @@
           <a:srgbClr val="000000"/>
         </a:buClr>
         <a:buFont typeface="Arial"/>
-        <a:defRPr sz="1400" b="0" i="0" u="none" strike="noStrike" cap="none">
+        <a:defRPr b="0" i="0" sz="1400" u="none" cap="none" strike="noStrike">
           <a:solidFill>
             <a:srgbClr val="000000"/>
           </a:solidFill>
@@ -10018,11 +9983,11 @@
 </file>
 
 <file path=ppt/slides/slide1.xml><?xml version="1.0" encoding="utf-8"?>
-<p:sld xmlns:a="http://schemas.openxmlformats.org/drawingml/2006/main" xmlns:r="http://schemas.openxmlformats.org/officeDocument/2006/relationships" xmlns:p="http://schemas.openxmlformats.org/presentationml/2006/main">
+<p:sld xmlns:a="http://schemas.openxmlformats.org/drawingml/2006/main" xmlns:r="http://schemas.openxmlformats.org/officeDocument/2006/relationships" xmlns:mc="http://schemas.openxmlformats.org/markup-compatibility/2006" xmlns:mv="urn:schemas-microsoft-com:mac:vml" xmlns:p="http://schemas.openxmlformats.org/presentationml/2006/main" xmlns:c="http://schemas.openxmlformats.org/drawingml/2006/chart" xmlns:dgm="http://schemas.openxmlformats.org/drawingml/2006/diagram" xmlns:o="urn:schemas-microsoft-com:office:office" xmlns:v="urn:schemas-microsoft-com:vml" xmlns:pvml="urn:schemas-microsoft-com:office:powerpoint" xmlns:com="http://schemas.openxmlformats.org/drawingml/2006/compatibility" xmlns:p14="http://schemas.microsoft.com/office/powerpoint/2010/main" xmlns:p15="http://schemas.microsoft.com/office/powerpoint/2012/main">
   <p:cSld>
     <p:spTree>
       <p:nvGrpSpPr>
-        <p:cNvPr id="1" name="Shape 71"/>
+        <p:cNvPr id="69" name="Shape 69"/>
         <p:cNvGrpSpPr/>
         <p:nvPr/>
       </p:nvGrpSpPr>
@@ -10036,7 +10001,7 @@
       </p:grpSpPr>
       <p:sp>
         <p:nvSpPr>
-          <p:cNvPr id="72" name="Google Shape;72;p13"/>
+          <p:cNvPr id="70" name="Google Shape;70;p12"/>
           <p:cNvSpPr/>
           <p:nvPr/>
         </p:nvSpPr>
@@ -10047,7 +10012,7 @@
           </a:xfrm>
           <a:prstGeom prst="roundRect">
             <a:avLst>
-              <a:gd name="adj" fmla="val 16667"/>
+              <a:gd fmla="val 16667" name="adj"/>
             </a:avLst>
           </a:prstGeom>
           <a:solidFill>
@@ -10058,12 +10023,12 @@
           </a:ln>
         </p:spPr>
         <p:txBody>
-          <a:bodyPr spcFirstLastPara="1" wrap="square" lIns="91425" tIns="91425" rIns="91425" bIns="91425" anchor="ctr" anchorCtr="0">
+          <a:bodyPr anchorCtr="0" anchor="ctr" bIns="91425" lIns="91425" spcFirstLastPara="1" rIns="91425" wrap="square" tIns="91425">
             <a:noAutofit/>
           </a:bodyPr>
           <a:lstStyle/>
           <a:p>
-            <a:pPr marL="0" marR="0" lvl="0" indent="0" algn="l" rtl="0">
+            <a:pPr indent="0" lvl="0" marL="0" marR="0" rtl="0" algn="l">
               <a:lnSpc>
                 <a:spcPct val="100000"/>
               </a:lnSpc>
@@ -10080,7 +10045,10 @@
               <a:buFont typeface="Arial"/>
               <a:buNone/>
             </a:pPr>
-            <a:endParaRPr sz="1400" b="0" i="0" u="none" strike="noStrike" cap="none">
+            <a:r>
+              <a:t/>
+            </a:r>
+            <a:endParaRPr b="0" i="0" sz="1400" u="none" cap="none" strike="noStrike">
               <a:solidFill>
                 <a:srgbClr val="000000"/>
               </a:solidFill>
@@ -10094,10 +10062,8 @@
       </p:sp>
       <p:sp>
         <p:nvSpPr>
-          <p:cNvPr id="73" name="Google Shape;73;p13"/>
-          <p:cNvSpPr txBox="1">
-            <a:spLocks noGrp="1"/>
-          </p:cNvSpPr>
+          <p:cNvPr id="71" name="Google Shape;71;p12"/>
+          <p:cNvSpPr txBox="1"/>
           <p:nvPr>
             <p:ph type="ctrTitle"/>
           </p:nvPr>
@@ -10116,12 +10082,12 @@
           </a:ln>
         </p:spPr>
         <p:txBody>
-          <a:bodyPr spcFirstLastPara="1" wrap="square" lIns="91425" tIns="91425" rIns="91425" bIns="91425" anchor="t" anchorCtr="0">
+          <a:bodyPr anchorCtr="0" anchor="t" bIns="91425" lIns="91425" spcFirstLastPara="1" rIns="91425" wrap="square" tIns="91425">
             <a:noAutofit/>
           </a:bodyPr>
           <a:lstStyle/>
           <a:p>
-            <a:pPr marL="0" lvl="0" indent="0" algn="l" rtl="0">
+            <a:pPr indent="0" lvl="0" marL="0" rtl="0" algn="l">
               <a:lnSpc>
                 <a:spcPct val="100000"/>
               </a:lnSpc>
@@ -10135,21 +10101,19 @@
               <a:buNone/>
             </a:pPr>
             <a:r>
-              <a:rPr lang="en-US" dirty="0"/>
+              <a:rPr lang="en"/>
               <a:t>What is Data Science?</a:t>
             </a:r>
-            <a:endParaRPr dirty="0"/>
+            <a:endParaRPr/>
           </a:p>
         </p:txBody>
       </p:sp>
       <p:sp>
         <p:nvSpPr>
-          <p:cNvPr id="74" name="Google Shape;74;p13"/>
-          <p:cNvSpPr txBox="1">
-            <a:spLocks noGrp="1"/>
-          </p:cNvSpPr>
+          <p:cNvPr id="72" name="Google Shape;72;p12"/>
+          <p:cNvSpPr txBox="1"/>
           <p:nvPr>
-            <p:ph type="subTitle" idx="1"/>
+            <p:ph idx="1" type="subTitle"/>
           </p:nvPr>
         </p:nvSpPr>
         <p:spPr>
@@ -10166,31 +10130,35 @@
           </a:ln>
         </p:spPr>
         <p:txBody>
-          <a:bodyPr spcFirstLastPara="1" wrap="square" lIns="91425" tIns="91425" rIns="91425" bIns="91425" anchor="b" anchorCtr="0">
+          <a:bodyPr anchorCtr="0" anchor="b" bIns="91425" lIns="91425" spcFirstLastPara="1" rIns="91425" wrap="square" tIns="91425">
             <a:noAutofit/>
           </a:bodyPr>
           <a:lstStyle/>
           <a:p>
-            <a:pPr marL="0" lvl="0" indent="0"/>
+            <a:pPr indent="0" lvl="0" marL="0" rtl="0" algn="l">
+              <a:lnSpc>
+                <a:spcPct val="100000"/>
+              </a:lnSpc>
+              <a:spcBef>
+                <a:spcPts val="0"/>
+              </a:spcBef>
+              <a:spcAft>
+                <a:spcPts val="0"/>
+              </a:spcAft>
+              <a:buSzPts val="1800"/>
+              <a:buNone/>
+            </a:pPr>
             <a:r>
-              <a:rPr lang="en" dirty="0"/>
-              <a:t>SSF D</a:t>
+              <a:rPr lang="en"/>
+              <a:t>SSF DS-101 Overview</a:t>
             </a:r>
-            <a:r>
-              <a:rPr lang="en-US" dirty="0"/>
-              <a:t>S-101 </a:t>
-            </a:r>
-            <a:r>
-              <a:rPr lang="en" dirty="0"/>
-              <a:t>Overview</a:t>
-            </a:r>
-            <a:endParaRPr dirty="0"/>
+            <a:endParaRPr/>
           </a:p>
         </p:txBody>
       </p:sp>
       <p:pic>
         <p:nvPicPr>
-          <p:cNvPr id="75" name="Google Shape;75;p13"/>
+          <p:cNvPr id="73" name="Google Shape;73;p12"/>
           <p:cNvPicPr preferRelativeResize="0"/>
           <p:nvPr/>
         </p:nvPicPr>
@@ -10198,7 +10166,7 @@
           <a:blip r:embed="rId3">
             <a:alphaModFix/>
           </a:blip>
-          <a:srcRect/>
+          <a:srcRect b="0" l="0" r="0" t="0"/>
           <a:stretch/>
         </p:blipFill>
         <p:spPr>
@@ -10224,11 +10192,11 @@
 </file>
 
 <file path=ppt/slides/slide2.xml><?xml version="1.0" encoding="utf-8"?>
-<p:sld xmlns:a="http://schemas.openxmlformats.org/drawingml/2006/main" xmlns:r="http://schemas.openxmlformats.org/officeDocument/2006/relationships" xmlns:p="http://schemas.openxmlformats.org/presentationml/2006/main">
+<p:sld xmlns:a="http://schemas.openxmlformats.org/drawingml/2006/main" xmlns:r="http://schemas.openxmlformats.org/officeDocument/2006/relationships" xmlns:mc="http://schemas.openxmlformats.org/markup-compatibility/2006" xmlns:mv="urn:schemas-microsoft-com:mac:vml" xmlns:p="http://schemas.openxmlformats.org/presentationml/2006/main" xmlns:c="http://schemas.openxmlformats.org/drawingml/2006/chart" xmlns:dgm="http://schemas.openxmlformats.org/drawingml/2006/diagram" xmlns:o="urn:schemas-microsoft-com:office:office" xmlns:v="urn:schemas-microsoft-com:vml" xmlns:pvml="urn:schemas-microsoft-com:office:powerpoint" xmlns:com="http://schemas.openxmlformats.org/drawingml/2006/compatibility" xmlns:p14="http://schemas.microsoft.com/office/powerpoint/2010/main" xmlns:p15="http://schemas.microsoft.com/office/powerpoint/2012/main">
   <p:cSld>
     <p:spTree>
       <p:nvGrpSpPr>
-        <p:cNvPr id="1" name="Shape 140"/>
+        <p:cNvPr id="77" name="Shape 77"/>
         <p:cNvGrpSpPr/>
         <p:nvPr/>
       </p:nvGrpSpPr>
@@ -10242,7 +10210,7 @@
       </p:grpSpPr>
       <p:sp>
         <p:nvSpPr>
-          <p:cNvPr id="141" name="Google Shape;141;p26"/>
+          <p:cNvPr id="78" name="Google Shape;78;p13"/>
           <p:cNvSpPr txBox="1"/>
           <p:nvPr/>
         </p:nvSpPr>
@@ -10260,42 +10228,56 @@
           </a:ln>
         </p:spPr>
         <p:txBody>
-          <a:bodyPr spcFirstLastPara="1" wrap="square" lIns="91425" tIns="91425" rIns="91425" bIns="91425" anchor="t" anchorCtr="0">
+          <a:bodyPr anchorCtr="0" anchor="t" bIns="91425" lIns="91425" spcFirstLastPara="1" rIns="91425" wrap="square" tIns="91425">
             <a:noAutofit/>
           </a:bodyPr>
           <a:lstStyle/>
           <a:p>
-            <a:pPr marL="0" lvl="0" indent="0" algn="l" rtl="0">
-              <a:spcBef>
-                <a:spcPts val="0"/>
-              </a:spcBef>
-              <a:spcAft>
-                <a:spcPts val="0"/>
-              </a:spcAft>
+            <a:pPr indent="0" lvl="0" marL="0" marR="0" rtl="0" algn="l">
+              <a:lnSpc>
+                <a:spcPct val="100000"/>
+              </a:lnSpc>
+              <a:spcBef>
+                <a:spcPts val="0"/>
+              </a:spcBef>
+              <a:spcAft>
+                <a:spcPts val="0"/>
+              </a:spcAft>
+              <a:buClr>
+                <a:srgbClr val="000000"/>
+              </a:buClr>
+              <a:buSzPts val="1400"/>
+              <a:buFont typeface="Arial"/>
               <a:buNone/>
             </a:pPr>
             <a:r>
-              <a:rPr lang="en">
+              <a:rPr b="0" i="0" lang="en" sz="1400" u="none" cap="none" strike="noStrike">
                 <a:solidFill>
                   <a:srgbClr val="FFFFFF"/>
                 </a:solidFill>
+                <a:latin typeface="Arial"/>
+                <a:ea typeface="Arial"/>
+                <a:cs typeface="Arial"/>
+                <a:sym typeface="Arial"/>
               </a:rPr>
               <a:t>Visualizations</a:t>
             </a:r>
-            <a:endParaRPr>
+            <a:endParaRPr b="0" i="0" sz="1400" u="none" cap="none" strike="noStrike">
               <a:solidFill>
                 <a:srgbClr val="FFFFFF"/>
               </a:solidFill>
+              <a:latin typeface="Arial"/>
+              <a:ea typeface="Arial"/>
+              <a:cs typeface="Arial"/>
+              <a:sym typeface="Arial"/>
             </a:endParaRPr>
           </a:p>
         </p:txBody>
       </p:sp>
       <p:cxnSp>
         <p:nvCxnSpPr>
-          <p:cNvPr id="142" name="Google Shape;142;p26"/>
-          <p:cNvCxnSpPr>
-            <a:stCxn id="143" idx="1"/>
-          </p:cNvCxnSpPr>
+          <p:cNvPr id="79" name="Google Shape;79;p13"/>
+          <p:cNvCxnSpPr/>
           <p:nvPr/>
         </p:nvCxnSpPr>
         <p:spPr>
@@ -10307,30 +10289,29 @@
             <a:avLst/>
           </a:prstGeom>
           <a:noFill/>
-          <a:ln w="9525" cap="flat" cmpd="sng">
+          <a:ln cap="flat" cmpd="sng" w="9525">
             <a:solidFill>
               <a:srgbClr val="FFFFFF"/>
             </a:solidFill>
             <a:prstDash val="solid"/>
             <a:round/>
-            <a:headEnd type="none" w="med" len="med"/>
-            <a:tailEnd type="triangle" w="med" len="med"/>
+            <a:headEnd len="sm" w="sm" type="none"/>
+            <a:tailEnd len="med" w="med" type="triangle"/>
           </a:ln>
         </p:spPr>
       </p:cxnSp>
       <p:pic>
         <p:nvPicPr>
-          <p:cNvPr id="144" name="Google Shape;144;p26"/>
+          <p:cNvPr id="80" name="Google Shape;80;p13"/>
           <p:cNvPicPr preferRelativeResize="0"/>
           <p:nvPr/>
         </p:nvPicPr>
-        <p:blipFill>
+        <p:blipFill rotWithShape="1">
           <a:blip r:embed="rId3">
             <a:alphaModFix/>
           </a:blip>
-          <a:stretch>
-            <a:fillRect/>
-          </a:stretch>
+          <a:srcRect b="0" l="0" r="0" t="0"/>
+          <a:stretch/>
         </p:blipFill>
         <p:spPr>
           <a:xfrm>
@@ -10355,11 +10336,11 @@
 </file>
 
 <file path=ppt/slides/slide3.xml><?xml version="1.0" encoding="utf-8"?>
-<p:sld xmlns:a="http://schemas.openxmlformats.org/drawingml/2006/main" xmlns:r="http://schemas.openxmlformats.org/officeDocument/2006/relationships" xmlns:p="http://schemas.openxmlformats.org/presentationml/2006/main">
+<p:sld xmlns:a="http://schemas.openxmlformats.org/drawingml/2006/main" xmlns:r="http://schemas.openxmlformats.org/officeDocument/2006/relationships" xmlns:mc="http://schemas.openxmlformats.org/markup-compatibility/2006" xmlns:mv="urn:schemas-microsoft-com:mac:vml" xmlns:p="http://schemas.openxmlformats.org/presentationml/2006/main" xmlns:c="http://schemas.openxmlformats.org/drawingml/2006/chart" xmlns:dgm="http://schemas.openxmlformats.org/drawingml/2006/diagram" xmlns:o="urn:schemas-microsoft-com:office:office" xmlns:v="urn:schemas-microsoft-com:vml" xmlns:pvml="urn:schemas-microsoft-com:office:powerpoint" xmlns:com="http://schemas.openxmlformats.org/drawingml/2006/compatibility" xmlns:p14="http://schemas.microsoft.com/office/powerpoint/2010/main" xmlns:p15="http://schemas.microsoft.com/office/powerpoint/2012/main">
   <p:cSld>
     <p:spTree>
       <p:nvGrpSpPr>
-        <p:cNvPr id="1" name="Shape 187"/>
+        <p:cNvPr id="84" name="Shape 84"/>
         <p:cNvGrpSpPr/>
         <p:nvPr/>
       </p:nvGrpSpPr>
@@ -10373,7 +10354,7 @@
       </p:grpSpPr>
       <p:pic>
         <p:nvPicPr>
-          <p:cNvPr id="188" name="Google Shape;188;p28"/>
+          <p:cNvPr id="85" name="Google Shape;85;p14"/>
           <p:cNvPicPr preferRelativeResize="0"/>
           <p:nvPr/>
         </p:nvPicPr>
@@ -10381,7 +10362,7 @@
           <a:blip r:embed="rId3">
             <a:alphaModFix/>
           </a:blip>
-          <a:srcRect l="7783"/>
+          <a:srcRect b="0" l="7783" r="0" t="0"/>
           <a:stretch/>
         </p:blipFill>
         <p:spPr>
@@ -10400,7 +10381,7 @@
       </p:pic>
       <p:sp>
         <p:nvSpPr>
-          <p:cNvPr id="189" name="Google Shape;189;p28"/>
+          <p:cNvPr id="86" name="Google Shape;86;p14"/>
           <p:cNvSpPr txBox="1"/>
           <p:nvPr/>
         </p:nvSpPr>
@@ -10418,39 +10399,55 @@
           </a:ln>
         </p:spPr>
         <p:txBody>
-          <a:bodyPr spcFirstLastPara="1" wrap="square" lIns="91425" tIns="91425" rIns="91425" bIns="91425" anchor="t" anchorCtr="0">
+          <a:bodyPr anchorCtr="0" anchor="t" bIns="91425" lIns="91425" spcFirstLastPara="1" rIns="91425" wrap="square" tIns="91425">
             <a:noAutofit/>
           </a:bodyPr>
           <a:lstStyle/>
           <a:p>
-            <a:pPr marL="0" lvl="0" indent="0" algn="l" rtl="0">
-              <a:spcBef>
-                <a:spcPts val="0"/>
-              </a:spcBef>
-              <a:spcAft>
-                <a:spcPts val="0"/>
-              </a:spcAft>
+            <a:pPr indent="0" lvl="0" marL="0" marR="0" rtl="0" algn="l">
+              <a:lnSpc>
+                <a:spcPct val="100000"/>
+              </a:lnSpc>
+              <a:spcBef>
+                <a:spcPts val="0"/>
+              </a:spcBef>
+              <a:spcAft>
+                <a:spcPts val="0"/>
+              </a:spcAft>
+              <a:buClr>
+                <a:srgbClr val="000000"/>
+              </a:buClr>
+              <a:buSzPts val="3000"/>
+              <a:buFont typeface="Arial"/>
               <a:buNone/>
             </a:pPr>
             <a:r>
-              <a:rPr lang="en" sz="3000">
+              <a:rPr b="0" i="0" lang="en" sz="3000" u="none" cap="none" strike="noStrike">
                 <a:solidFill>
                   <a:srgbClr val="FFFFFF"/>
                 </a:solidFill>
+                <a:latin typeface="Arial"/>
+                <a:ea typeface="Arial"/>
+                <a:cs typeface="Arial"/>
+                <a:sym typeface="Arial"/>
               </a:rPr>
               <a:t>What is a Data Scientist?</a:t>
             </a:r>
-            <a:endParaRPr sz="3000">
+            <a:endParaRPr b="0" i="0" sz="3000" u="none" cap="none" strike="noStrike">
               <a:solidFill>
                 <a:srgbClr val="FFFFFF"/>
               </a:solidFill>
+              <a:latin typeface="Arial"/>
+              <a:ea typeface="Arial"/>
+              <a:cs typeface="Arial"/>
+              <a:sym typeface="Arial"/>
             </a:endParaRPr>
           </a:p>
         </p:txBody>
       </p:sp>
       <p:cxnSp>
         <p:nvCxnSpPr>
-          <p:cNvPr id="190" name="Google Shape;190;p28"/>
+          <p:cNvPr id="87" name="Google Shape;87;p14"/>
           <p:cNvCxnSpPr/>
           <p:nvPr/>
         </p:nvCxnSpPr>
@@ -10463,20 +10460,20 @@
             <a:avLst/>
           </a:prstGeom>
           <a:noFill/>
-          <a:ln w="9525" cap="flat" cmpd="sng">
+          <a:ln cap="flat" cmpd="sng" w="9525">
             <a:solidFill>
               <a:schemeClr val="dk1"/>
             </a:solidFill>
             <a:prstDash val="solid"/>
             <a:round/>
-            <a:headEnd type="none" w="med" len="med"/>
-            <a:tailEnd type="none" w="med" len="med"/>
+            <a:headEnd len="sm" w="sm" type="none"/>
+            <a:tailEnd len="sm" w="sm" type="none"/>
           </a:ln>
         </p:spPr>
       </p:cxnSp>
       <p:sp>
         <p:nvSpPr>
-          <p:cNvPr id="191" name="Google Shape;191;p28"/>
+          <p:cNvPr id="88" name="Google Shape;88;p14"/>
           <p:cNvSpPr txBox="1"/>
           <p:nvPr/>
         </p:nvSpPr>
@@ -10494,12 +10491,15 @@
           </a:ln>
         </p:spPr>
         <p:txBody>
-          <a:bodyPr spcFirstLastPara="1" wrap="square" lIns="91425" tIns="91425" rIns="91425" bIns="91425" anchor="t" anchorCtr="0">
+          <a:bodyPr anchorCtr="0" anchor="t" bIns="91425" lIns="91425" spcFirstLastPara="1" rIns="91425" wrap="square" tIns="91425">
             <a:noAutofit/>
           </a:bodyPr>
           <a:lstStyle/>
           <a:p>
-            <a:pPr marL="457200" lvl="0" indent="-381000" algn="l" rtl="0">
+            <a:pPr indent="-381000" lvl="0" marL="457200" marR="0" rtl="0" algn="l">
+              <a:lnSpc>
+                <a:spcPct val="100000"/>
+              </a:lnSpc>
               <a:spcBef>
                 <a:spcPts val="0"/>
               </a:spcBef>
@@ -10514,7 +10514,7 @@
               <a:buChar char="●"/>
             </a:pPr>
             <a:r>
-              <a:rPr lang="en" sz="2400" b="1" dirty="0">
+              <a:rPr b="1" i="0" lang="en" sz="2400" u="none" cap="none" strike="noStrike">
                 <a:solidFill>
                   <a:schemeClr val="lt1"/>
                 </a:solidFill>
@@ -10526,7 +10526,7 @@
               <a:t>Leverages existing data sources (</a:t>
             </a:r>
             <a:r>
-              <a:rPr lang="en-US" sz="2400" b="1" i="1" dirty="0">
+              <a:rPr b="1" i="1" lang="en" sz="2400" u="none" cap="none" strike="noStrike">
                 <a:solidFill>
                   <a:schemeClr val="lt1"/>
                 </a:solidFill>
@@ -10538,7 +10538,7 @@
               <a:t>Company CRM</a:t>
             </a:r>
             <a:r>
-              <a:rPr lang="en" sz="2400" b="1" dirty="0">
+              <a:rPr b="1" i="0" lang="en" sz="2400" u="none" cap="none" strike="noStrike">
                 <a:solidFill>
                   <a:schemeClr val="lt1"/>
                 </a:solidFill>
@@ -10549,7 +10549,7 @@
               </a:rPr>
               <a:t>).</a:t>
             </a:r>
-            <a:endParaRPr sz="2400" b="1" dirty="0">
+            <a:endParaRPr b="1" i="0" sz="2400" u="none" cap="none" strike="noStrike">
               <a:solidFill>
                 <a:schemeClr val="lt1"/>
               </a:solidFill>
@@ -10560,7 +10560,10 @@
             </a:endParaRPr>
           </a:p>
           <a:p>
-            <a:pPr marL="457200" lvl="0" indent="-381000" algn="l" rtl="0">
+            <a:pPr indent="-381000" lvl="0" marL="457200" marR="0" rtl="0" algn="l">
+              <a:lnSpc>
+                <a:spcPct val="100000"/>
+              </a:lnSpc>
               <a:spcBef>
                 <a:spcPts val="0"/>
               </a:spcBef>
@@ -10575,7 +10578,7 @@
               <a:buChar char="●"/>
             </a:pPr>
             <a:r>
-              <a:rPr lang="en" sz="2400" b="1" dirty="0">
+              <a:rPr b="1" i="0" lang="en" sz="2400" u="none" cap="none" strike="noStrike">
                 <a:solidFill>
                   <a:schemeClr val="lt1"/>
                 </a:solidFill>
@@ -10587,7 +10590,7 @@
               <a:t>Create new data sources as needed (</a:t>
             </a:r>
             <a:r>
-              <a:rPr lang="en-US" sz="2400" b="1" i="1" dirty="0">
+              <a:rPr b="1" i="1" lang="en" sz="2400" u="none" cap="none" strike="noStrike">
                 <a:solidFill>
                   <a:schemeClr val="lt1"/>
                 </a:solidFill>
@@ -10599,7 +10602,7 @@
               <a:t>Web Scraping</a:t>
             </a:r>
             <a:r>
-              <a:rPr lang="en" sz="2400" b="1" dirty="0">
+              <a:rPr b="1" i="0" lang="en" sz="2400" u="none" cap="none" strike="noStrike">
                 <a:solidFill>
                   <a:schemeClr val="lt1"/>
                 </a:solidFill>
@@ -10610,7 +10613,7 @@
               </a:rPr>
               <a:t>)</a:t>
             </a:r>
-            <a:endParaRPr sz="2400" b="1" dirty="0">
+            <a:endParaRPr b="1" i="0" sz="2400" u="none" cap="none" strike="noStrike">
               <a:solidFill>
                 <a:schemeClr val="lt1"/>
               </a:solidFill>
@@ -10621,7 +10624,10 @@
             </a:endParaRPr>
           </a:p>
           <a:p>
-            <a:pPr marL="457200" lvl="0" indent="-381000" algn="l" rtl="0">
+            <a:pPr indent="-381000" lvl="0" marL="457200" marR="0" rtl="0" algn="l">
+              <a:lnSpc>
+                <a:spcPct val="100000"/>
+              </a:lnSpc>
               <a:spcBef>
                 <a:spcPts val="0"/>
               </a:spcBef>
@@ -10636,7 +10642,7 @@
               <a:buChar char="●"/>
             </a:pPr>
             <a:r>
-              <a:rPr lang="en" sz="2400" b="1" dirty="0">
+              <a:rPr b="1" i="0" lang="en" sz="2400" u="none" cap="none" strike="noStrike">
                 <a:solidFill>
                   <a:schemeClr val="lt1"/>
                 </a:solidFill>
@@ -10647,7 +10653,7 @@
               </a:rPr>
               <a:t>Extracts meaningful information and actionable insights. </a:t>
             </a:r>
-            <a:endParaRPr sz="2400" b="1" dirty="0">
+            <a:endParaRPr b="1" i="0" sz="2400" u="none" cap="none" strike="noStrike">
               <a:solidFill>
                 <a:schemeClr val="lt1"/>
               </a:solidFill>
@@ -10658,7 +10664,10 @@
             </a:endParaRPr>
           </a:p>
           <a:p>
-            <a:pPr marL="457200" lvl="0" indent="-381000" algn="l" rtl="0">
+            <a:pPr indent="-381000" lvl="0" marL="457200" marR="0" rtl="0" algn="l">
+              <a:lnSpc>
+                <a:spcPct val="100000"/>
+              </a:lnSpc>
               <a:spcBef>
                 <a:spcPts val="0"/>
               </a:spcBef>
@@ -10673,7 +10682,7 @@
               <a:buChar char="●"/>
             </a:pPr>
             <a:r>
-              <a:rPr lang="en" sz="2400" b="1" dirty="0">
+              <a:rPr b="1" i="0" lang="en" sz="2400" u="none" cap="none" strike="noStrike">
                 <a:solidFill>
                   <a:schemeClr val="lt1"/>
                 </a:solidFill>
@@ -10682,46 +10691,10 @@
                 <a:cs typeface="Raleway"/>
                 <a:sym typeface="Raleway"/>
               </a:rPr>
-              <a:t>Their insights drive</a:t>
+              <a:t>Their insights drive the decision-making of the modern </a:t>
             </a:r>
             <a:r>
-              <a:rPr lang="en-US" sz="2400" b="1" dirty="0">
-                <a:solidFill>
-                  <a:schemeClr val="lt1"/>
-                </a:solidFill>
-                <a:latin typeface="Raleway"/>
-                <a:ea typeface="Raleway"/>
-                <a:cs typeface="Raleway"/>
-                <a:sym typeface="Raleway"/>
-              </a:rPr>
-              <a:t> the </a:t>
-            </a:r>
-            <a:r>
-              <a:rPr lang="en" sz="2400" b="1" dirty="0">
-                <a:solidFill>
-                  <a:schemeClr val="lt1"/>
-                </a:solidFill>
-                <a:latin typeface="Raleway"/>
-                <a:ea typeface="Raleway"/>
-                <a:cs typeface="Raleway"/>
-                <a:sym typeface="Raleway"/>
-              </a:rPr>
-              <a:t>decision-</a:t>
-            </a:r>
-            <a:r>
-              <a:rPr lang="en-US" sz="2400" b="1" dirty="0">
-                <a:solidFill>
-                  <a:schemeClr val="lt1"/>
-                </a:solidFill>
-                <a:latin typeface="Raleway"/>
-                <a:ea typeface="Raleway"/>
-                <a:cs typeface="Raleway"/>
-                <a:sym typeface="Raleway"/>
-              </a:rPr>
-              <a:t>making of the modern </a:t>
-            </a:r>
-            <a:r>
-              <a:rPr lang="en-US" sz="2400" b="1" i="1" dirty="0">
+              <a:rPr b="1" i="1" lang="en" sz="2400" u="none" cap="none" strike="noStrike">
                 <a:solidFill>
                   <a:schemeClr val="lt1"/>
                 </a:solidFill>
@@ -10733,7 +10706,7 @@
               <a:t>data-oriented</a:t>
             </a:r>
             <a:r>
-              <a:rPr lang="en-US" sz="2400" b="1" dirty="0">
+              <a:rPr b="1" i="0" lang="en" sz="2400" u="none" cap="none" strike="noStrike">
                 <a:solidFill>
                   <a:schemeClr val="lt1"/>
                 </a:solidFill>
@@ -10744,23 +10717,21 @@
               </a:rPr>
               <a:t> business.</a:t>
             </a:r>
-            <a:endParaRPr dirty="0">
+            <a:endParaRPr b="0" i="0" sz="1400" u="none" cap="none" strike="noStrike">
               <a:solidFill>
                 <a:srgbClr val="FFFFFF"/>
               </a:solidFill>
+              <a:latin typeface="Arial"/>
+              <a:ea typeface="Arial"/>
+              <a:cs typeface="Arial"/>
+              <a:sym typeface="Arial"/>
             </a:endParaRPr>
           </a:p>
         </p:txBody>
       </p:sp>
       <p:pic>
         <p:nvPicPr>
-          <p:cNvPr id="6" name="Google Shape;158;p16">
-            <a:extLst>
-              <a:ext uri="{FF2B5EF4-FFF2-40B4-BE49-F238E27FC236}">
-                <a16:creationId xmlns:a16="http://schemas.microsoft.com/office/drawing/2014/main" id="{2C5E3C06-8737-4482-AA2B-4A217BBE38B9}"/>
-              </a:ext>
-            </a:extLst>
-          </p:cNvPr>
+          <p:cNvPr id="89" name="Google Shape;89;p14"/>
           <p:cNvPicPr preferRelativeResize="0"/>
           <p:nvPr/>
         </p:nvPicPr>
@@ -10768,7 +10739,7 @@
           <a:blip r:embed="rId4">
             <a:alphaModFix/>
           </a:blip>
-          <a:srcRect/>
+          <a:srcRect b="0" l="0" r="0" t="0"/>
           <a:stretch/>
         </p:blipFill>
         <p:spPr>
@@ -10794,11 +10765,11 @@
 </file>
 
 <file path=ppt/slides/slide4.xml><?xml version="1.0" encoding="utf-8"?>
-<p:sld xmlns:a="http://schemas.openxmlformats.org/drawingml/2006/main" xmlns:r="http://schemas.openxmlformats.org/officeDocument/2006/relationships" xmlns:p="http://schemas.openxmlformats.org/presentationml/2006/main">
+<p:sld xmlns:a="http://schemas.openxmlformats.org/drawingml/2006/main" xmlns:r="http://schemas.openxmlformats.org/officeDocument/2006/relationships" xmlns:mc="http://schemas.openxmlformats.org/markup-compatibility/2006" xmlns:mv="urn:schemas-microsoft-com:mac:vml" xmlns:p="http://schemas.openxmlformats.org/presentationml/2006/main" xmlns:c="http://schemas.openxmlformats.org/drawingml/2006/chart" xmlns:dgm="http://schemas.openxmlformats.org/drawingml/2006/diagram" xmlns:o="urn:schemas-microsoft-com:office:office" xmlns:v="urn:schemas-microsoft-com:vml" xmlns:pvml="urn:schemas-microsoft-com:office:powerpoint" xmlns:com="http://schemas.openxmlformats.org/drawingml/2006/compatibility" xmlns:p14="http://schemas.microsoft.com/office/powerpoint/2010/main" xmlns:p15="http://schemas.microsoft.com/office/powerpoint/2012/main">
   <p:cSld>
     <p:spTree>
       <p:nvGrpSpPr>
-        <p:cNvPr id="1" name="Shape 148"/>
+        <p:cNvPr id="93" name="Shape 93"/>
         <p:cNvGrpSpPr/>
         <p:nvPr/>
       </p:nvGrpSpPr>
@@ -10812,7 +10783,7 @@
       </p:grpSpPr>
       <p:pic>
         <p:nvPicPr>
-          <p:cNvPr id="149" name="Google Shape;149;p27"/>
+          <p:cNvPr id="94" name="Google Shape;94;p15"/>
           <p:cNvPicPr preferRelativeResize="0"/>
           <p:nvPr/>
         </p:nvPicPr>
@@ -10820,7 +10791,7 @@
           <a:blip r:embed="rId3">
             <a:alphaModFix/>
           </a:blip>
-          <a:srcRect l="7783"/>
+          <a:srcRect b="0" l="7783" r="0" t="0"/>
           <a:stretch/>
         </p:blipFill>
         <p:spPr>
@@ -10839,7 +10810,7 @@
       </p:pic>
       <p:sp>
         <p:nvSpPr>
-          <p:cNvPr id="150" name="Google Shape;150;p27"/>
+          <p:cNvPr id="95" name="Google Shape;95;p15"/>
           <p:cNvSpPr txBox="1"/>
           <p:nvPr/>
         </p:nvSpPr>
@@ -10857,39 +10828,55 @@
           </a:ln>
         </p:spPr>
         <p:txBody>
-          <a:bodyPr spcFirstLastPara="1" wrap="square" lIns="91425" tIns="91425" rIns="91425" bIns="91425" anchor="t" anchorCtr="0">
+          <a:bodyPr anchorCtr="0" anchor="t" bIns="91425" lIns="91425" spcFirstLastPara="1" rIns="91425" wrap="square" tIns="91425">
             <a:noAutofit/>
           </a:bodyPr>
           <a:lstStyle/>
           <a:p>
-            <a:pPr marL="0" lvl="0" indent="0" algn="l" rtl="0">
-              <a:spcBef>
-                <a:spcPts val="0"/>
-              </a:spcBef>
-              <a:spcAft>
-                <a:spcPts val="0"/>
-              </a:spcAft>
+            <a:pPr indent="0" lvl="0" marL="0" marR="0" rtl="0" algn="l">
+              <a:lnSpc>
+                <a:spcPct val="100000"/>
+              </a:lnSpc>
+              <a:spcBef>
+                <a:spcPts val="0"/>
+              </a:spcBef>
+              <a:spcAft>
+                <a:spcPts val="0"/>
+              </a:spcAft>
+              <a:buClr>
+                <a:srgbClr val="000000"/>
+              </a:buClr>
+              <a:buSzPts val="3000"/>
+              <a:buFont typeface="Arial"/>
               <a:buNone/>
             </a:pPr>
             <a:r>
-              <a:rPr lang="en" sz="3000" dirty="0">
+              <a:rPr b="0" i="0" lang="en" sz="3000" u="none" cap="none" strike="noStrike">
                 <a:solidFill>
                   <a:srgbClr val="FFFFFF"/>
                 </a:solidFill>
+                <a:latin typeface="Arial"/>
+                <a:ea typeface="Arial"/>
+                <a:cs typeface="Arial"/>
+                <a:sym typeface="Arial"/>
               </a:rPr>
               <a:t>Data Science Process</a:t>
             </a:r>
-            <a:endParaRPr sz="3000" dirty="0">
+            <a:endParaRPr b="0" i="0" sz="3000" u="none" cap="none" strike="noStrike">
               <a:solidFill>
                 <a:srgbClr val="FFFFFF"/>
               </a:solidFill>
+              <a:latin typeface="Arial"/>
+              <a:ea typeface="Arial"/>
+              <a:cs typeface="Arial"/>
+              <a:sym typeface="Arial"/>
             </a:endParaRPr>
           </a:p>
         </p:txBody>
       </p:sp>
       <p:cxnSp>
         <p:nvCxnSpPr>
-          <p:cNvPr id="151" name="Google Shape;151;p27"/>
+          <p:cNvPr id="96" name="Google Shape;96;p15"/>
           <p:cNvCxnSpPr/>
           <p:nvPr/>
         </p:nvCxnSpPr>
@@ -10902,36 +10889,29 @@
             <a:avLst/>
           </a:prstGeom>
           <a:noFill/>
-          <a:ln w="9525" cap="flat" cmpd="sng">
+          <a:ln cap="flat" cmpd="sng" w="9525">
             <a:solidFill>
               <a:schemeClr val="dk1"/>
             </a:solidFill>
             <a:prstDash val="solid"/>
             <a:round/>
-            <a:headEnd type="none" w="med" len="med"/>
-            <a:tailEnd type="none" w="med" len="med"/>
+            <a:headEnd len="sm" w="sm" type="none"/>
+            <a:tailEnd len="sm" w="sm" type="none"/>
           </a:ln>
         </p:spPr>
       </p:cxnSp>
       <p:pic>
         <p:nvPicPr>
-          <p:cNvPr id="3" name="Picture 2" descr="A close up of a logo&#10;&#10;Description automatically generated">
-            <a:extLst>
-              <a:ext uri="{FF2B5EF4-FFF2-40B4-BE49-F238E27FC236}">
-                <a16:creationId xmlns:a16="http://schemas.microsoft.com/office/drawing/2014/main" id="{8DE7BED2-FF56-4AFF-BBD0-A7A15282AE81}"/>
-              </a:ext>
-            </a:extLst>
-          </p:cNvPr>
-          <p:cNvPicPr>
-            <a:picLocks noChangeAspect="1"/>
-          </p:cNvPicPr>
+          <p:cNvPr descr="A close up of a logo&#10;&#10;Description automatically generated" id="97" name="Google Shape;97;p15"/>
+          <p:cNvPicPr preferRelativeResize="0"/>
           <p:nvPr/>
         </p:nvPicPr>
-        <p:blipFill>
-          <a:blip r:embed="rId4"/>
-          <a:stretch>
-            <a:fillRect/>
-          </a:stretch>
+        <p:blipFill rotWithShape="1">
+          <a:blip r:embed="rId4">
+            <a:alphaModFix/>
+          </a:blip>
+          <a:srcRect b="0" l="0" r="0" t="0"/>
+          <a:stretch/>
         </p:blipFill>
         <p:spPr>
           <a:xfrm>
@@ -10941,17 +10921,15 @@
           <a:prstGeom prst="rect">
             <a:avLst/>
           </a:prstGeom>
+          <a:noFill/>
+          <a:ln>
+            <a:noFill/>
+          </a:ln>
         </p:spPr>
       </p:pic>
       <p:sp>
         <p:nvSpPr>
-          <p:cNvPr id="6" name="Google Shape;150;p27">
-            <a:extLst>
-              <a:ext uri="{FF2B5EF4-FFF2-40B4-BE49-F238E27FC236}">
-                <a16:creationId xmlns:a16="http://schemas.microsoft.com/office/drawing/2014/main" id="{C0AB6F1C-EF31-4A86-A2BE-EA0D1FAB1F1C}"/>
-              </a:ext>
-            </a:extLst>
-          </p:cNvPr>
+          <p:cNvPr id="98" name="Google Shape;98;p15"/>
           <p:cNvSpPr txBox="1"/>
           <p:nvPr/>
         </p:nvSpPr>
@@ -10969,64 +10947,72 @@
           </a:ln>
         </p:spPr>
         <p:txBody>
-          <a:bodyPr spcFirstLastPara="1" wrap="square" lIns="91425" tIns="91425" rIns="91425" bIns="91425" anchor="t" anchorCtr="0">
+          <a:bodyPr anchorCtr="0" anchor="t" bIns="91425" lIns="91425" spcFirstLastPara="1" rIns="91425" wrap="square" tIns="91425">
             <a:noAutofit/>
           </a:bodyPr>
           <a:lstStyle/>
           <a:p>
-            <a:pPr marL="0" lvl="0" indent="0" algn="l" rtl="0">
-              <a:spcBef>
-                <a:spcPts val="0"/>
-              </a:spcBef>
-              <a:spcAft>
-                <a:spcPts val="0"/>
-              </a:spcAft>
+            <a:pPr indent="0" lvl="0" marL="0" marR="0" rtl="0" algn="l">
+              <a:lnSpc>
+                <a:spcPct val="100000"/>
+              </a:lnSpc>
+              <a:spcBef>
+                <a:spcPts val="0"/>
+              </a:spcBef>
+              <a:spcAft>
+                <a:spcPts val="0"/>
+              </a:spcAft>
+              <a:buClr>
+                <a:srgbClr val="000000"/>
+              </a:buClr>
+              <a:buSzPts val="2000"/>
+              <a:buFont typeface="Arial"/>
               <a:buNone/>
             </a:pPr>
             <a:r>
-              <a:rPr lang="en" sz="2000" dirty="0">
-                <a:solidFill>
-                  <a:schemeClr val="tx1"/>
-                </a:solidFill>
+              <a:rPr b="0" i="0" lang="en" sz="2000" u="none" cap="none" strike="noStrike">
+                <a:solidFill>
+                  <a:schemeClr val="dk1"/>
+                </a:solidFill>
+                <a:latin typeface="Arial"/>
+                <a:ea typeface="Arial"/>
+                <a:cs typeface="Arial"/>
+                <a:sym typeface="Arial"/>
               </a:rPr>
               <a:t>Month 1 </a:t>
             </a:r>
             <a:r>
-              <a:rPr lang="en" sz="2000" dirty="0">
+              <a:rPr b="0" i="0" lang="en" sz="2000" u="none" cap="none" strike="noStrike">
                 <a:solidFill>
                   <a:srgbClr val="FFFFFF"/>
                 </a:solidFill>
+                <a:latin typeface="Arial"/>
+                <a:ea typeface="Arial"/>
+                <a:cs typeface="Arial"/>
+                <a:sym typeface="Arial"/>
               </a:rPr>
-              <a:t>will prepare us to tackle th</a:t>
+              <a:t>will prepare us to tackle the DS process</a:t>
             </a:r>
             <a:r>
-              <a:rPr lang="en-US" sz="2000" dirty="0">
+              <a:rPr b="0" i="0" lang="en" sz="3000" u="none" cap="none" strike="noStrike">
                 <a:solidFill>
                   <a:srgbClr val="FFFFFF"/>
                 </a:solidFill>
-              </a:rPr>
-              <a:t>e DS</a:t>
-            </a:r>
-            <a:r>
-              <a:rPr lang="en" sz="2000" dirty="0">
-                <a:solidFill>
-                  <a:srgbClr val="FFFFFF"/>
-                </a:solidFill>
-              </a:rPr>
-              <a:t> process</a:t>
-            </a:r>
-            <a:r>
-              <a:rPr lang="en" sz="3000" dirty="0">
-                <a:solidFill>
-                  <a:srgbClr val="FFFFFF"/>
-                </a:solidFill>
+                <a:latin typeface="Arial"/>
+                <a:ea typeface="Arial"/>
+                <a:cs typeface="Arial"/>
+                <a:sym typeface="Arial"/>
               </a:rPr>
               <a:t>.</a:t>
             </a:r>
-            <a:endParaRPr sz="3000" dirty="0">
+            <a:endParaRPr b="0" i="0" sz="3000" u="none" cap="none" strike="noStrike">
               <a:solidFill>
                 <a:srgbClr val="FFFFFF"/>
               </a:solidFill>
+              <a:latin typeface="Arial"/>
+              <a:ea typeface="Arial"/>
+              <a:cs typeface="Arial"/>
+              <a:sym typeface="Arial"/>
             </a:endParaRPr>
           </a:p>
         </p:txBody>
@@ -11040,11 +11026,11 @@
 </file>
 
 <file path=ppt/slides/slide5.xml><?xml version="1.0" encoding="utf-8"?>
-<p:sld xmlns:a="http://schemas.openxmlformats.org/drawingml/2006/main" xmlns:r="http://schemas.openxmlformats.org/officeDocument/2006/relationships" xmlns:p="http://schemas.openxmlformats.org/presentationml/2006/main">
+<p:sld xmlns:a="http://schemas.openxmlformats.org/drawingml/2006/main" xmlns:r="http://schemas.openxmlformats.org/officeDocument/2006/relationships" xmlns:mc="http://schemas.openxmlformats.org/markup-compatibility/2006" xmlns:mv="urn:schemas-microsoft-com:mac:vml" xmlns:p="http://schemas.openxmlformats.org/presentationml/2006/main" xmlns:c="http://schemas.openxmlformats.org/drawingml/2006/chart" xmlns:dgm="http://schemas.openxmlformats.org/drawingml/2006/diagram" xmlns:o="urn:schemas-microsoft-com:office:office" xmlns:v="urn:schemas-microsoft-com:vml" xmlns:pvml="urn:schemas-microsoft-com:office:powerpoint" xmlns:com="http://schemas.openxmlformats.org/drawingml/2006/compatibility" xmlns:p14="http://schemas.microsoft.com/office/powerpoint/2010/main" xmlns:p15="http://schemas.microsoft.com/office/powerpoint/2012/main">
   <p:cSld>
     <p:spTree>
       <p:nvGrpSpPr>
-        <p:cNvPr id="1" name="Shape 187"/>
+        <p:cNvPr id="102" name="Shape 102"/>
         <p:cNvGrpSpPr/>
         <p:nvPr/>
       </p:nvGrpSpPr>
@@ -11058,7 +11044,7 @@
       </p:grpSpPr>
       <p:pic>
         <p:nvPicPr>
-          <p:cNvPr id="188" name="Google Shape;188;p28"/>
+          <p:cNvPr id="103" name="Google Shape;103;p16"/>
           <p:cNvPicPr preferRelativeResize="0"/>
           <p:nvPr/>
         </p:nvPicPr>
@@ -11066,7 +11052,7 @@
           <a:blip r:embed="rId3">
             <a:alphaModFix/>
           </a:blip>
-          <a:srcRect l="7783"/>
+          <a:srcRect b="0" l="7783" r="0" t="0"/>
           <a:stretch/>
         </p:blipFill>
         <p:spPr>
@@ -11085,7 +11071,7 @@
       </p:pic>
       <p:sp>
         <p:nvSpPr>
-          <p:cNvPr id="189" name="Google Shape;189;p28"/>
+          <p:cNvPr id="104" name="Google Shape;104;p16"/>
           <p:cNvSpPr txBox="1"/>
           <p:nvPr/>
         </p:nvSpPr>
@@ -11103,39 +11089,55 @@
           </a:ln>
         </p:spPr>
         <p:txBody>
-          <a:bodyPr spcFirstLastPara="1" wrap="square" lIns="91425" tIns="91425" rIns="91425" bIns="91425" anchor="t" anchorCtr="0">
+          <a:bodyPr anchorCtr="0" anchor="t" bIns="91425" lIns="91425" spcFirstLastPara="1" rIns="91425" wrap="square" tIns="91425">
             <a:noAutofit/>
           </a:bodyPr>
           <a:lstStyle/>
           <a:p>
-            <a:pPr marL="0" lvl="0" indent="0" algn="l" rtl="0">
-              <a:spcBef>
-                <a:spcPts val="0"/>
-              </a:spcBef>
-              <a:spcAft>
-                <a:spcPts val="0"/>
-              </a:spcAft>
+            <a:pPr indent="0" lvl="0" marL="0" marR="0" rtl="0" algn="l">
+              <a:lnSpc>
+                <a:spcPct val="100000"/>
+              </a:lnSpc>
+              <a:spcBef>
+                <a:spcPts val="0"/>
+              </a:spcBef>
+              <a:spcAft>
+                <a:spcPts val="0"/>
+              </a:spcAft>
+              <a:buClr>
+                <a:srgbClr val="000000"/>
+              </a:buClr>
+              <a:buSzPts val="3000"/>
+              <a:buFont typeface="Arial"/>
               <a:buNone/>
             </a:pPr>
             <a:r>
-              <a:rPr lang="en-US" sz="3000" dirty="0">
+              <a:rPr b="0" i="0" lang="en" sz="3000" u="none" cap="none" strike="noStrike">
                 <a:solidFill>
                   <a:srgbClr val="FFFFFF"/>
                 </a:solidFill>
+                <a:latin typeface="Arial"/>
+                <a:ea typeface="Arial"/>
+                <a:cs typeface="Arial"/>
+                <a:sym typeface="Arial"/>
               </a:rPr>
               <a:t>Our Focus in Month 1</a:t>
             </a:r>
-            <a:endParaRPr sz="3000" dirty="0">
+            <a:endParaRPr b="0" i="0" sz="3000" u="none" cap="none" strike="noStrike">
               <a:solidFill>
                 <a:srgbClr val="FFFFFF"/>
               </a:solidFill>
+              <a:latin typeface="Arial"/>
+              <a:ea typeface="Arial"/>
+              <a:cs typeface="Arial"/>
+              <a:sym typeface="Arial"/>
             </a:endParaRPr>
           </a:p>
         </p:txBody>
       </p:sp>
       <p:cxnSp>
         <p:nvCxnSpPr>
-          <p:cNvPr id="190" name="Google Shape;190;p28"/>
+          <p:cNvPr id="105" name="Google Shape;105;p16"/>
           <p:cNvCxnSpPr/>
           <p:nvPr/>
         </p:nvCxnSpPr>
@@ -11148,20 +11150,20 @@
             <a:avLst/>
           </a:prstGeom>
           <a:noFill/>
-          <a:ln w="9525" cap="flat" cmpd="sng">
+          <a:ln cap="flat" cmpd="sng" w="9525">
             <a:solidFill>
               <a:schemeClr val="dk1"/>
             </a:solidFill>
             <a:prstDash val="solid"/>
             <a:round/>
-            <a:headEnd type="none" w="med" len="med"/>
-            <a:tailEnd type="none" w="med" len="med"/>
+            <a:headEnd len="sm" w="sm" type="none"/>
+            <a:tailEnd len="sm" w="sm" type="none"/>
           </a:ln>
         </p:spPr>
       </p:cxnSp>
       <p:sp>
         <p:nvSpPr>
-          <p:cNvPr id="191" name="Google Shape;191;p28"/>
+          <p:cNvPr id="106" name="Google Shape;106;p16"/>
           <p:cNvSpPr txBox="1"/>
           <p:nvPr/>
         </p:nvSpPr>
@@ -11179,156 +11181,231 @@
           </a:ln>
         </p:spPr>
         <p:txBody>
-          <a:bodyPr spcFirstLastPara="1" wrap="square" lIns="91425" tIns="91425" rIns="91425" bIns="91425" anchor="t" anchorCtr="0">
+          <a:bodyPr anchorCtr="0" anchor="t" bIns="91425" lIns="91425" spcFirstLastPara="1" rIns="91425" wrap="square" tIns="91425">
             <a:noAutofit/>
           </a:bodyPr>
           <a:lstStyle/>
           <a:p>
-            <a:pPr marL="76200" lvl="0" algn="l" rtl="0">
-              <a:spcBef>
-                <a:spcPts val="0"/>
-              </a:spcBef>
-              <a:spcAft>
-                <a:spcPts val="0"/>
-              </a:spcAft>
-              <a:buClr>
-                <a:schemeClr val="lt1"/>
-              </a:buClr>
-              <a:buSzPts val="2400"/>
+            <a:pPr indent="0" lvl="0" marL="76200" marR="0" rtl="0" algn="l">
+              <a:lnSpc>
+                <a:spcPct val="100000"/>
+              </a:lnSpc>
+              <a:spcBef>
+                <a:spcPts val="0"/>
+              </a:spcBef>
+              <a:spcAft>
+                <a:spcPts val="0"/>
+              </a:spcAft>
+              <a:buNone/>
             </a:pPr>
             <a:r>
-              <a:rPr lang="en-US" sz="2400" b="1" dirty="0">
+              <a:rPr b="1" i="0" lang="en" sz="2400" u="none" cap="none" strike="noStrike">
                 <a:solidFill>
                   <a:schemeClr val="lt1"/>
                 </a:solidFill>
                 <a:latin typeface="Raleway"/>
+                <a:ea typeface="Raleway"/>
+                <a:cs typeface="Raleway"/>
                 <a:sym typeface="Raleway"/>
               </a:rPr>
               <a:t>Python for DS</a:t>
             </a:r>
-            <a:endParaRPr lang="en-US" sz="2400" b="1" dirty="0">
+            <a:endParaRPr b="1" i="0" sz="2400" u="none" cap="none" strike="noStrike">
               <a:solidFill>
                 <a:srgbClr val="FFFFFF"/>
               </a:solidFill>
               <a:latin typeface="Raleway"/>
+              <a:ea typeface="Raleway"/>
+              <a:cs typeface="Raleway"/>
               <a:sym typeface="Raleway"/>
             </a:endParaRPr>
           </a:p>
           <a:p>
-            <a:pPr marL="457200" lvl="8" indent="-381000">
+            <a:pPr indent="-381000" lvl="8" marL="457200" marR="0" rtl="0" algn="l">
+              <a:lnSpc>
+                <a:spcPct val="100000"/>
+              </a:lnSpc>
+              <a:spcBef>
+                <a:spcPts val="0"/>
+              </a:spcBef>
+              <a:spcAft>
+                <a:spcPts val="0"/>
+              </a:spcAft>
               <a:buClr>
                 <a:schemeClr val="lt1"/>
               </a:buClr>
               <a:buSzPts val="2400"/>
-              <a:buFont typeface="Raleway" panose="020B0604020202020204" charset="0"/>
+              <a:buFont typeface="Raleway"/>
               <a:buChar char="●"/>
             </a:pPr>
             <a:r>
-              <a:rPr lang="en-US" sz="2400" b="1" dirty="0">
+              <a:rPr b="1" i="0" lang="en" sz="2400" u="none" cap="none" strike="noStrike">
                 <a:solidFill>
                   <a:srgbClr val="FFFFFF"/>
                 </a:solidFill>
                 <a:latin typeface="Raleway"/>
+                <a:ea typeface="Raleway"/>
+                <a:cs typeface="Raleway"/>
                 <a:sym typeface="Raleway"/>
               </a:rPr>
               <a:t>Work on the different data types</a:t>
             </a:r>
+            <a:endParaRPr/>
           </a:p>
           <a:p>
-            <a:pPr marL="457200" lvl="8" indent="-381000">
+            <a:pPr indent="-381000" lvl="8" marL="457200" marR="0" rtl="0" algn="l">
+              <a:lnSpc>
+                <a:spcPct val="100000"/>
+              </a:lnSpc>
+              <a:spcBef>
+                <a:spcPts val="0"/>
+              </a:spcBef>
+              <a:spcAft>
+                <a:spcPts val="0"/>
+              </a:spcAft>
               <a:buClr>
                 <a:schemeClr val="lt1"/>
               </a:buClr>
               <a:buSzPts val="2400"/>
-              <a:buFont typeface="Raleway" panose="020B0604020202020204" charset="0"/>
+              <a:buFont typeface="Raleway"/>
               <a:buChar char="●"/>
             </a:pPr>
             <a:r>
-              <a:rPr lang="en-US" sz="2400" b="1" dirty="0">
+              <a:rPr b="1" i="0" lang="en" sz="2400" u="none" cap="none" strike="noStrike">
                 <a:solidFill>
                   <a:srgbClr val="FFFFFF"/>
                 </a:solidFill>
                 <a:latin typeface="Raleway"/>
+                <a:ea typeface="Raleway"/>
+                <a:cs typeface="Raleway"/>
                 <a:sym typeface="Raleway"/>
               </a:rPr>
               <a:t>Iterate through data structures</a:t>
             </a:r>
+            <a:endParaRPr/>
           </a:p>
           <a:p>
-            <a:pPr marL="457200" lvl="8" indent="-381000">
+            <a:pPr indent="-381000" lvl="8" marL="457200" marR="0" rtl="0" algn="l">
+              <a:lnSpc>
+                <a:spcPct val="100000"/>
+              </a:lnSpc>
+              <a:spcBef>
+                <a:spcPts val="0"/>
+              </a:spcBef>
+              <a:spcAft>
+                <a:spcPts val="0"/>
+              </a:spcAft>
               <a:buClr>
                 <a:schemeClr val="lt1"/>
               </a:buClr>
               <a:buSzPts val="2400"/>
-              <a:buFont typeface="Raleway" panose="020B0604020202020204" charset="0"/>
+              <a:buFont typeface="Raleway"/>
               <a:buChar char="●"/>
             </a:pPr>
             <a:r>
-              <a:rPr lang="en-US" sz="2400" b="1" dirty="0">
+              <a:rPr b="1" i="0" lang="en" sz="2400" u="none" cap="none" strike="noStrike">
                 <a:solidFill>
                   <a:srgbClr val="FFFFFF"/>
                 </a:solidFill>
                 <a:latin typeface="Raleway"/>
+                <a:ea typeface="Raleway"/>
+                <a:cs typeface="Raleway"/>
                 <a:sym typeface="Raleway"/>
               </a:rPr>
               <a:t>Write Basic Functions</a:t>
             </a:r>
+            <a:endParaRPr/>
           </a:p>
           <a:p>
-            <a:pPr marL="76200" lvl="8">
-              <a:buClr>
-                <a:schemeClr val="lt1"/>
-              </a:buClr>
-              <a:buSzPts val="2400"/>
+            <a:pPr indent="0" lvl="8" marL="76200" marR="0" rtl="0" algn="l">
+              <a:lnSpc>
+                <a:spcPct val="100000"/>
+              </a:lnSpc>
+              <a:spcBef>
+                <a:spcPts val="0"/>
+              </a:spcBef>
+              <a:spcAft>
+                <a:spcPts val="0"/>
+              </a:spcAft>
+              <a:buNone/>
             </a:pPr>
-            <a:endParaRPr lang="en-US" sz="2400" b="1" dirty="0">
+            <a:r>
+              <a:t/>
+            </a:r>
+            <a:endParaRPr b="1" i="0" sz="2400" u="none" cap="none" strike="noStrike">
               <a:solidFill>
                 <a:srgbClr val="FFFFFF"/>
               </a:solidFill>
               <a:latin typeface="Raleway"/>
+              <a:ea typeface="Raleway"/>
+              <a:cs typeface="Raleway"/>
               <a:sym typeface="Raleway"/>
             </a:endParaRPr>
           </a:p>
           <a:p>
-            <a:pPr marL="76200" lvl="8">
-              <a:buClr>
-                <a:schemeClr val="lt1"/>
-              </a:buClr>
-              <a:buSzPts val="2400"/>
+            <a:pPr indent="0" lvl="8" marL="76200" marR="0" rtl="0" algn="l">
+              <a:lnSpc>
+                <a:spcPct val="100000"/>
+              </a:lnSpc>
+              <a:spcBef>
+                <a:spcPts val="0"/>
+              </a:spcBef>
+              <a:spcAft>
+                <a:spcPts val="0"/>
+              </a:spcAft>
+              <a:buNone/>
             </a:pPr>
             <a:r>
-              <a:rPr lang="en-US" sz="2400" b="1" dirty="0">
+              <a:rPr b="1" i="0" lang="en" sz="2400" u="none" cap="none" strike="noStrike">
                 <a:solidFill>
                   <a:srgbClr val="FFFFFF"/>
                 </a:solidFill>
                 <a:latin typeface="Raleway"/>
+                <a:ea typeface="Raleway"/>
+                <a:cs typeface="Raleway"/>
                 <a:sym typeface="Raleway"/>
               </a:rPr>
               <a:t>NumPy and Pandas</a:t>
             </a:r>
+            <a:endParaRPr/>
           </a:p>
           <a:p>
-            <a:pPr marL="457200" lvl="8" indent="-381000">
+            <a:pPr indent="-381000" lvl="8" marL="457200" marR="0" rtl="0" algn="l">
+              <a:lnSpc>
+                <a:spcPct val="100000"/>
+              </a:lnSpc>
+              <a:spcBef>
+                <a:spcPts val="0"/>
+              </a:spcBef>
+              <a:spcAft>
+                <a:spcPts val="0"/>
+              </a:spcAft>
               <a:buClr>
                 <a:schemeClr val="lt1"/>
               </a:buClr>
               <a:buSzPts val="2400"/>
-              <a:buFont typeface="Raleway" panose="020B0604020202020204" charset="0"/>
+              <a:buFont typeface="Raleway"/>
               <a:buChar char="●"/>
             </a:pPr>
             <a:r>
-              <a:rPr lang="en-US" sz="2400" b="1" dirty="0">
+              <a:rPr b="1" i="0" lang="en" sz="2400" u="none" cap="none" strike="noStrike">
                 <a:solidFill>
                   <a:srgbClr val="FFFFFF"/>
                 </a:solidFill>
                 <a:latin typeface="Raleway"/>
+                <a:ea typeface="Raleway"/>
+                <a:cs typeface="Raleway"/>
                 <a:sym typeface="Raleway"/>
               </a:rPr>
               <a:t>Be able to load dataset and understand its most basic attributes.</a:t>
             </a:r>
+            <a:endParaRPr/>
           </a:p>
           <a:p>
-            <a:pPr marL="457200" lvl="0" indent="-381000" algn="l" rtl="0">
+            <a:pPr indent="-228600" lvl="0" marL="457200" marR="0" rtl="0" algn="l">
+              <a:lnSpc>
+                <a:spcPct val="100000"/>
+              </a:lnSpc>
               <a:spcBef>
                 <a:spcPts val="0"/>
               </a:spcBef>
@@ -11340,13 +11417,18 @@
               </a:buClr>
               <a:buSzPts val="2400"/>
               <a:buFont typeface="Raleway"/>
-              <a:buChar char="●"/>
+              <a:buNone/>
             </a:pPr>
-            <a:endParaRPr lang="en-US" sz="2400" b="1" dirty="0">
+            <a:r>
+              <a:t/>
+            </a:r>
+            <a:endParaRPr b="1" i="0" sz="2400" u="none" cap="none" strike="noStrike">
               <a:solidFill>
                 <a:schemeClr val="lt1"/>
               </a:solidFill>
               <a:latin typeface="Raleway"/>
+              <a:ea typeface="Raleway"/>
+              <a:cs typeface="Raleway"/>
               <a:sym typeface="Raleway"/>
             </a:endParaRPr>
           </a:p>
@@ -11354,13 +11436,7 @@
       </p:sp>
       <p:pic>
         <p:nvPicPr>
-          <p:cNvPr id="6" name="Google Shape;158;p16">
-            <a:extLst>
-              <a:ext uri="{FF2B5EF4-FFF2-40B4-BE49-F238E27FC236}">
-                <a16:creationId xmlns:a16="http://schemas.microsoft.com/office/drawing/2014/main" id="{2C5E3C06-8737-4482-AA2B-4A217BBE38B9}"/>
-              </a:ext>
-            </a:extLst>
-          </p:cNvPr>
+          <p:cNvPr id="107" name="Google Shape;107;p16"/>
           <p:cNvPicPr preferRelativeResize="0"/>
           <p:nvPr/>
         </p:nvPicPr>
@@ -11368,7 +11444,7 @@
           <a:blip r:embed="rId4">
             <a:alphaModFix/>
           </a:blip>
-          <a:srcRect/>
+          <a:srcRect b="0" l="0" r="0" t="0"/>
           <a:stretch/>
         </p:blipFill>
         <p:spPr>
@@ -11386,11 +11462,6 @@
         </p:spPr>
       </p:pic>
     </p:spTree>
-    <p:extLst>
-      <p:ext uri="{BB962C8B-B14F-4D97-AF65-F5344CB8AC3E}">
-        <p14:creationId xmlns:p14="http://schemas.microsoft.com/office/powerpoint/2010/main" val="3149451918"/>
-      </p:ext>
-    </p:extLst>
   </p:cSld>
   <p:clrMapOvr>
     <a:masterClrMapping/>
@@ -11399,11 +11470,11 @@
 </file>
 
 <file path=ppt/slides/slide6.xml><?xml version="1.0" encoding="utf-8"?>
-<p:sld xmlns:a="http://schemas.openxmlformats.org/drawingml/2006/main" xmlns:r="http://schemas.openxmlformats.org/officeDocument/2006/relationships" xmlns:p="http://schemas.openxmlformats.org/presentationml/2006/main">
+<p:sld xmlns:a="http://schemas.openxmlformats.org/drawingml/2006/main" xmlns:r="http://schemas.openxmlformats.org/officeDocument/2006/relationships" xmlns:mc="http://schemas.openxmlformats.org/markup-compatibility/2006" xmlns:mv="urn:schemas-microsoft-com:mac:vml" xmlns:p="http://schemas.openxmlformats.org/presentationml/2006/main" xmlns:c="http://schemas.openxmlformats.org/drawingml/2006/chart" xmlns:dgm="http://schemas.openxmlformats.org/drawingml/2006/diagram" xmlns:o="urn:schemas-microsoft-com:office:office" xmlns:v="urn:schemas-microsoft-com:vml" xmlns:pvml="urn:schemas-microsoft-com:office:powerpoint" xmlns:com="http://schemas.openxmlformats.org/drawingml/2006/compatibility" xmlns:p14="http://schemas.microsoft.com/office/powerpoint/2010/main" xmlns:p15="http://schemas.microsoft.com/office/powerpoint/2012/main">
   <p:cSld>
     <p:spTree>
       <p:nvGrpSpPr>
-        <p:cNvPr id="1" name="Shape 178"/>
+        <p:cNvPr id="111" name="Shape 111"/>
         <p:cNvGrpSpPr/>
         <p:nvPr/>
       </p:nvGrpSpPr>
@@ -11417,7 +11488,7 @@
       </p:grpSpPr>
       <p:pic>
         <p:nvPicPr>
-          <p:cNvPr id="179" name="Google Shape;179;p19" descr="Closeup from the side of a hand pushing a knob on an audio mixer"/>
+          <p:cNvPr descr="Closeup from the side of a hand pushing a knob on an audio mixer" id="112" name="Google Shape;112;p17"/>
           <p:cNvPicPr preferRelativeResize="0"/>
           <p:nvPr/>
         </p:nvPicPr>
@@ -11425,7 +11496,7 @@
           <a:blip r:embed="rId3">
             <a:alphaModFix/>
           </a:blip>
-          <a:srcRect l="7506" r="42247" b="15419"/>
+          <a:srcRect b="15419" l="7506" r="42247" t="0"/>
           <a:stretch/>
         </p:blipFill>
         <p:spPr>
@@ -11444,10 +11515,8 @@
       </p:pic>
       <p:sp>
         <p:nvSpPr>
-          <p:cNvPr id="180" name="Google Shape;180;p19"/>
-          <p:cNvSpPr txBox="1">
-            <a:spLocks noGrp="1"/>
-          </p:cNvSpPr>
+          <p:cNvPr id="113" name="Google Shape;113;p17"/>
+          <p:cNvSpPr txBox="1"/>
           <p:nvPr>
             <p:ph type="title"/>
           </p:nvPr>
@@ -11466,12 +11535,12 @@
           </a:ln>
         </p:spPr>
         <p:txBody>
-          <a:bodyPr spcFirstLastPara="1" wrap="square" lIns="91425" tIns="91425" rIns="91425" bIns="91425" anchor="ctr" anchorCtr="0">
+          <a:bodyPr anchorCtr="0" anchor="ctr" bIns="91425" lIns="91425" spcFirstLastPara="1" rIns="91425" wrap="square" tIns="91425">
             <a:noAutofit/>
           </a:bodyPr>
           <a:lstStyle/>
           <a:p>
-            <a:pPr marL="0" lvl="0" indent="0" algn="ctr" rtl="0">
+            <a:pPr indent="0" lvl="0" marL="0" rtl="0" algn="ctr">
               <a:lnSpc>
                 <a:spcPct val="100000"/>
               </a:lnSpc>
@@ -11502,12 +11571,10 @@
       </p:sp>
       <p:sp>
         <p:nvSpPr>
-          <p:cNvPr id="181" name="Google Shape;181;p19"/>
-          <p:cNvSpPr txBox="1">
-            <a:spLocks noGrp="1"/>
-          </p:cNvSpPr>
+          <p:cNvPr id="114" name="Google Shape;114;p17"/>
+          <p:cNvSpPr txBox="1"/>
           <p:nvPr>
-            <p:ph type="body" idx="2"/>
+            <p:ph idx="2" type="body"/>
           </p:nvPr>
         </p:nvSpPr>
         <p:spPr>
@@ -11524,12 +11591,12 @@
           </a:ln>
         </p:spPr>
         <p:txBody>
-          <a:bodyPr spcFirstLastPara="1" wrap="square" lIns="91425" tIns="91425" rIns="91425" bIns="91425" anchor="ctr" anchorCtr="0">
+          <a:bodyPr anchorCtr="0" anchor="ctr" bIns="91425" lIns="91425" spcFirstLastPara="1" rIns="91425" wrap="square" tIns="91425">
             <a:noAutofit/>
           </a:bodyPr>
           <a:lstStyle/>
           <a:p>
-            <a:pPr marL="0" lvl="0" indent="0" algn="l" rtl="0">
+            <a:pPr indent="0" lvl="0" marL="0" rtl="0" algn="l">
               <a:lnSpc>
                 <a:spcPct val="115000"/>
               </a:lnSpc>
@@ -11555,7 +11622,7 @@
       </p:sp>
       <p:pic>
         <p:nvPicPr>
-          <p:cNvPr id="182" name="Google Shape;182;p19"/>
+          <p:cNvPr id="115" name="Google Shape;115;p17"/>
           <p:cNvPicPr preferRelativeResize="0"/>
           <p:nvPr/>
         </p:nvPicPr>
@@ -11563,7 +11630,7 @@
           <a:blip r:embed="rId4">
             <a:alphaModFix/>
           </a:blip>
-          <a:srcRect/>
+          <a:srcRect b="0" l="0" r="0" t="0"/>
           <a:stretch/>
         </p:blipFill>
         <p:spPr>
@@ -11589,11 +11656,11 @@
 </file>
 
 <file path=ppt/slides/slide7.xml><?xml version="1.0" encoding="utf-8"?>
-<p:sld xmlns:a="http://schemas.openxmlformats.org/drawingml/2006/main" xmlns:r="http://schemas.openxmlformats.org/officeDocument/2006/relationships" xmlns:p="http://schemas.openxmlformats.org/presentationml/2006/main">
+<p:sld xmlns:a="http://schemas.openxmlformats.org/drawingml/2006/main" xmlns:r="http://schemas.openxmlformats.org/officeDocument/2006/relationships" xmlns:mc="http://schemas.openxmlformats.org/markup-compatibility/2006" xmlns:mv="urn:schemas-microsoft-com:mac:vml" xmlns:p="http://schemas.openxmlformats.org/presentationml/2006/main" xmlns:c="http://schemas.openxmlformats.org/drawingml/2006/chart" xmlns:dgm="http://schemas.openxmlformats.org/drawingml/2006/diagram" xmlns:o="urn:schemas-microsoft-com:office:office" xmlns:v="urn:schemas-microsoft-com:vml" xmlns:pvml="urn:schemas-microsoft-com:office:powerpoint" xmlns:com="http://schemas.openxmlformats.org/drawingml/2006/compatibility" xmlns:p14="http://schemas.microsoft.com/office/powerpoint/2010/main" xmlns:p15="http://schemas.microsoft.com/office/powerpoint/2012/main">
   <p:cSld>
     <p:spTree>
       <p:nvGrpSpPr>
-        <p:cNvPr id="1" name="Shape 186"/>
+        <p:cNvPr id="119" name="Shape 119"/>
         <p:cNvGrpSpPr/>
         <p:nvPr/>
       </p:nvGrpSpPr>
@@ -11607,7 +11674,7 @@
       </p:grpSpPr>
       <p:pic>
         <p:nvPicPr>
-          <p:cNvPr id="187" name="Google Shape;187;p20" descr="Closeup from the side of a hand pushing a knob on an audio mixer"/>
+          <p:cNvPr descr="Closeup from the side of a hand pushing a knob on an audio mixer" id="120" name="Google Shape;120;p18"/>
           <p:cNvPicPr preferRelativeResize="0"/>
           <p:nvPr/>
         </p:nvPicPr>
@@ -11615,7 +11682,7 @@
           <a:blip r:embed="rId3">
             <a:alphaModFix/>
           </a:blip>
-          <a:srcRect l="7506" r="42247" b="15419"/>
+          <a:srcRect b="15419" l="7506" r="42247" t="0"/>
           <a:stretch/>
         </p:blipFill>
         <p:spPr>
@@ -11634,10 +11701,8 @@
       </p:pic>
       <p:sp>
         <p:nvSpPr>
-          <p:cNvPr id="188" name="Google Shape;188;p20"/>
-          <p:cNvSpPr txBox="1">
-            <a:spLocks noGrp="1"/>
-          </p:cNvSpPr>
+          <p:cNvPr id="121" name="Google Shape;121;p18"/>
+          <p:cNvSpPr txBox="1"/>
           <p:nvPr>
             <p:ph type="title"/>
           </p:nvPr>
@@ -11656,12 +11721,12 @@
           </a:ln>
         </p:spPr>
         <p:txBody>
-          <a:bodyPr spcFirstLastPara="1" wrap="square" lIns="91425" tIns="91425" rIns="91425" bIns="91425" anchor="ctr" anchorCtr="0">
+          <a:bodyPr anchorCtr="0" anchor="ctr" bIns="91425" lIns="91425" spcFirstLastPara="1" rIns="91425" wrap="square" tIns="91425">
             <a:noAutofit/>
           </a:bodyPr>
           <a:lstStyle/>
           <a:p>
-            <a:pPr marL="0" lvl="0" indent="0" algn="ctr" rtl="0">
+            <a:pPr indent="0" lvl="0" marL="0" rtl="0" algn="ctr">
               <a:lnSpc>
                 <a:spcPct val="100000"/>
               </a:lnSpc>
@@ -11692,12 +11757,10 @@
       </p:sp>
       <p:sp>
         <p:nvSpPr>
-          <p:cNvPr id="189" name="Google Shape;189;p20"/>
-          <p:cNvSpPr txBox="1">
-            <a:spLocks noGrp="1"/>
-          </p:cNvSpPr>
+          <p:cNvPr id="122" name="Google Shape;122;p18"/>
+          <p:cNvSpPr txBox="1"/>
           <p:nvPr>
-            <p:ph type="body" idx="2"/>
+            <p:ph idx="2" type="body"/>
           </p:nvPr>
         </p:nvSpPr>
         <p:spPr>
@@ -11714,12 +11777,12 @@
           </a:ln>
         </p:spPr>
         <p:txBody>
-          <a:bodyPr spcFirstLastPara="1" wrap="square" lIns="91425" tIns="91425" rIns="91425" bIns="91425" anchor="ctr" anchorCtr="0">
+          <a:bodyPr anchorCtr="0" anchor="ctr" bIns="91425" lIns="91425" spcFirstLastPara="1" rIns="91425" wrap="square" tIns="91425">
             <a:noAutofit/>
           </a:bodyPr>
           <a:lstStyle/>
           <a:p>
-            <a:pPr marL="457200" lvl="0" indent="-381000" algn="l" rtl="0">
+            <a:pPr indent="-381000" lvl="0" marL="457200" rtl="0" algn="l">
               <a:lnSpc>
                 <a:spcPct val="115000"/>
               </a:lnSpc>
@@ -11739,7 +11802,7 @@
             <a:endParaRPr sz="2400"/>
           </a:p>
           <a:p>
-            <a:pPr marL="457200" lvl="0" indent="-381000" algn="l" rtl="0">
+            <a:pPr indent="-381000" lvl="0" marL="457200" rtl="0" algn="l">
               <a:lnSpc>
                 <a:spcPct val="115000"/>
               </a:lnSpc>
@@ -11762,7 +11825,7 @@
       </p:sp>
       <p:pic>
         <p:nvPicPr>
-          <p:cNvPr id="190" name="Google Shape;190;p20"/>
+          <p:cNvPr id="123" name="Google Shape;123;p18"/>
           <p:cNvPicPr preferRelativeResize="0"/>
           <p:nvPr/>
         </p:nvPicPr>
@@ -11770,7 +11833,7 @@
           <a:blip r:embed="rId4">
             <a:alphaModFix/>
           </a:blip>
-          <a:srcRect/>
+          <a:srcRect b="0" l="0" r="0" t="0"/>
           <a:stretch/>
         </p:blipFill>
         <p:spPr>
@@ -11796,7 +11859,286 @@
 </file>
 
 <file path=ppt/theme/theme1.xml><?xml version="1.0" encoding="utf-8"?>
-<a:theme xmlns:a="http://schemas.openxmlformats.org/drawingml/2006/main" name="Swiss">
+<a:theme xmlns:a="http://schemas.openxmlformats.org/drawingml/2006/main" xmlns:r="http://schemas.openxmlformats.org/officeDocument/2006/relationships">
+  <a:themeElements>
+    <a:clrScheme name="Default">
+      <a:dk1>
+        <a:srgbClr val="000000"/>
+      </a:dk1>
+      <a:lt1>
+        <a:srgbClr val="FFFFFF"/>
+      </a:lt1>
+      <a:dk2>
+        <a:srgbClr val="158158"/>
+      </a:dk2>
+      <a:lt2>
+        <a:srgbClr val="F3F3F3"/>
+      </a:lt2>
+      <a:accent1>
+        <a:srgbClr val="058DC7"/>
+      </a:accent1>
+      <a:accent2>
+        <a:srgbClr val="50B432"/>
+      </a:accent2>
+      <a:accent3>
+        <a:srgbClr val="ED561B"/>
+      </a:accent3>
+      <a:accent4>
+        <a:srgbClr val="EDEF00"/>
+      </a:accent4>
+      <a:accent5>
+        <a:srgbClr val="24CBE5"/>
+      </a:accent5>
+      <a:accent6>
+        <a:srgbClr val="64E572"/>
+      </a:accent6>
+      <a:hlink>
+        <a:srgbClr val="2200CC"/>
+      </a:hlink>
+      <a:folHlink>
+        <a:srgbClr val="551A8B"/>
+      </a:folHlink>
+    </a:clrScheme>
+    <a:fontScheme name="Office">
+      <a:majorFont>
+        <a:latin typeface="Arial"/>
+        <a:ea typeface=""/>
+        <a:cs typeface=""/>
+        <a:font script="Jpan" typeface="ＭＳ Ｐゴシック"/>
+        <a:font script="Hang" typeface="맑은 고딕"/>
+        <a:font script="Hans" typeface="宋体"/>
+        <a:font script="Hant" typeface="新細明體"/>
+        <a:font script="Arab" typeface="Times New Roman"/>
+        <a:font script="Hebr" typeface="Times New Roman"/>
+        <a:font script="Thai" typeface="Angsana New"/>
+        <a:font script="Ethi" typeface="Nyala"/>
+        <a:font script="Beng" typeface="Vrinda"/>
+        <a:font script="Gujr" typeface="Shruti"/>
+        <a:font script="Khmr" typeface="MoolBoran"/>
+        <a:font script="Knda" typeface="Tunga"/>
+        <a:font script="Guru" typeface="Raavi"/>
+        <a:font script="Cans" typeface="Euphemia"/>
+        <a:font script="Cher" typeface="Plantagenet Cherokee"/>
+        <a:font script="Yiii" typeface="Microsoft Yi Baiti"/>
+        <a:font script="Tibt" typeface="Microsoft Himalaya"/>
+        <a:font script="Thaa" typeface="MV Boli"/>
+        <a:font script="Deva" typeface="Mangal"/>
+        <a:font script="Telu" typeface="Gautami"/>
+        <a:font script="Taml" typeface="Latha"/>
+        <a:font script="Syrc" typeface="Estrangelo Edessa"/>
+        <a:font script="Orya" typeface="Kalinga"/>
+        <a:font script="Mlym" typeface="Kartika"/>
+        <a:font script="Laoo" typeface="DokChampa"/>
+        <a:font script="Sinh" typeface="Iskoola Pota"/>
+        <a:font script="Mong" typeface="Mongolian Baiti"/>
+        <a:font script="Viet" typeface="Times New Roman"/>
+        <a:font script="Uigh" typeface="Microsoft Uighur"/>
+        <a:font script="Geor" typeface="Sylfaen"/>
+      </a:majorFont>
+      <a:minorFont>
+        <a:latin typeface="Arial"/>
+        <a:ea typeface=""/>
+        <a:cs typeface=""/>
+        <a:font script="Jpan" typeface="ＭＳ Ｐゴシック"/>
+        <a:font script="Hang" typeface="맑은 고딕"/>
+        <a:font script="Hans" typeface="宋体"/>
+        <a:font script="Hant" typeface="新細明體"/>
+        <a:font script="Arab" typeface="Arial"/>
+        <a:font script="Hebr" typeface="Arial"/>
+        <a:font script="Thai" typeface="Cordia New"/>
+        <a:font script="Ethi" typeface="Nyala"/>
+        <a:font script="Beng" typeface="Vrinda"/>
+        <a:font script="Gujr" typeface="Shruti"/>
+        <a:font script="Khmr" typeface="DaunPenh"/>
+        <a:font script="Knda" typeface="Tunga"/>
+        <a:font script="Guru" typeface="Raavi"/>
+        <a:font script="Cans" typeface="Euphemia"/>
+        <a:font script="Cher" typeface="Plantagenet Cherokee"/>
+        <a:font script="Yiii" typeface="Microsoft Yi Baiti"/>
+        <a:font script="Tibt" typeface="Microsoft Himalaya"/>
+        <a:font script="Thaa" typeface="MV Boli"/>
+        <a:font script="Deva" typeface="Mangal"/>
+        <a:font script="Telu" typeface="Gautami"/>
+        <a:font script="Taml" typeface="Latha"/>
+        <a:font script="Syrc" typeface="Estrangelo Edessa"/>
+        <a:font script="Orya" typeface="Kalinga"/>
+        <a:font script="Mlym" typeface="Kartika"/>
+        <a:font script="Laoo" typeface="DokChampa"/>
+        <a:font script="Sinh" typeface="Iskoola Pota"/>
+        <a:font script="Mong" typeface="Mongolian Baiti"/>
+        <a:font script="Viet" typeface="Arial"/>
+        <a:font script="Uigh" typeface="Microsoft Uighur"/>
+        <a:font script="Geor" typeface="Sylfaen"/>
+      </a:minorFont>
+    </a:fontScheme>
+    <a:fmtScheme name="Office">
+      <a:fillStyleLst>
+        <a:solidFill>
+          <a:schemeClr val="phClr"/>
+        </a:solidFill>
+        <a:gradFill rotWithShape="1">
+          <a:gsLst>
+            <a:gs pos="0">
+              <a:schemeClr val="phClr">
+                <a:tint val="50000"/>
+                <a:satMod val="300000"/>
+              </a:schemeClr>
+            </a:gs>
+            <a:gs pos="35000">
+              <a:schemeClr val="phClr">
+                <a:tint val="37000"/>
+                <a:satMod val="300000"/>
+              </a:schemeClr>
+            </a:gs>
+            <a:gs pos="100000">
+              <a:schemeClr val="phClr">
+                <a:tint val="15000"/>
+                <a:satMod val="350000"/>
+              </a:schemeClr>
+            </a:gs>
+          </a:gsLst>
+          <a:lin ang="16200000" scaled="1"/>
+        </a:gradFill>
+        <a:gradFill rotWithShape="1">
+          <a:gsLst>
+            <a:gs pos="0">
+              <a:schemeClr val="phClr">
+                <a:tint val="100000"/>
+                <a:shade val="100000"/>
+                <a:satMod val="130000"/>
+              </a:schemeClr>
+            </a:gs>
+            <a:gs pos="100000">
+              <a:schemeClr val="phClr">
+                <a:tint val="50000"/>
+                <a:shade val="100000"/>
+                <a:satMod val="350000"/>
+              </a:schemeClr>
+            </a:gs>
+          </a:gsLst>
+          <a:lin ang="16200000" scaled="0"/>
+        </a:gradFill>
+      </a:fillStyleLst>
+      <a:lnStyleLst>
+        <a:ln w="9525" cap="flat" cmpd="sng" algn="ctr">
+          <a:solidFill>
+            <a:schemeClr val="phClr">
+              <a:shade val="95000"/>
+              <a:satMod val="105000"/>
+            </a:schemeClr>
+          </a:solidFill>
+          <a:prstDash val="solid"/>
+        </a:ln>
+        <a:ln w="25400" cap="flat" cmpd="sng" algn="ctr">
+          <a:solidFill>
+            <a:schemeClr val="phClr"/>
+          </a:solidFill>
+          <a:prstDash val="solid"/>
+        </a:ln>
+        <a:ln w="38100" cap="flat" cmpd="sng" algn="ctr">
+          <a:solidFill>
+            <a:schemeClr val="phClr"/>
+          </a:solidFill>
+          <a:prstDash val="solid"/>
+        </a:ln>
+      </a:lnStyleLst>
+      <a:effectStyleLst>
+        <a:effectStyle>
+          <a:effectLst>
+            <a:outerShdw blurRad="40000" dist="20000" dir="5400000" rotWithShape="0">
+              <a:srgbClr val="000000">
+                <a:alpha val="38000"/>
+              </a:srgbClr>
+            </a:outerShdw>
+          </a:effectLst>
+        </a:effectStyle>
+        <a:effectStyle>
+          <a:effectLst>
+            <a:outerShdw blurRad="40000" dist="23000" dir="5400000" rotWithShape="0">
+              <a:srgbClr val="000000">
+                <a:alpha val="35000"/>
+              </a:srgbClr>
+            </a:outerShdw>
+          </a:effectLst>
+        </a:effectStyle>
+        <a:effectStyle>
+          <a:effectLst>
+            <a:outerShdw blurRad="40000" dist="23000" dir="5400000" rotWithShape="0">
+              <a:srgbClr val="000000">
+                <a:alpha val="35000"/>
+              </a:srgbClr>
+            </a:outerShdw>
+          </a:effectLst>
+          <a:scene3d>
+            <a:camera prst="orthographicFront">
+              <a:rot lat="0" lon="0" rev="0"/>
+            </a:camera>
+            <a:lightRig rig="threePt" dir="t">
+              <a:rot lat="0" lon="0" rev="1200000"/>
+            </a:lightRig>
+          </a:scene3d>
+          <a:sp3d>
+            <a:bevelT w="63500" h="25400"/>
+          </a:sp3d>
+        </a:effectStyle>
+      </a:effectStyleLst>
+      <a:bgFillStyleLst>
+        <a:solidFill>
+          <a:schemeClr val="phClr"/>
+        </a:solidFill>
+        <a:gradFill rotWithShape="1">
+          <a:gsLst>
+            <a:gs pos="0">
+              <a:schemeClr val="phClr">
+                <a:tint val="40000"/>
+                <a:satMod val="350000"/>
+              </a:schemeClr>
+            </a:gs>
+            <a:gs pos="40000">
+              <a:schemeClr val="phClr">
+                <a:tint val="45000"/>
+                <a:shade val="99000"/>
+                <a:satMod val="350000"/>
+              </a:schemeClr>
+            </a:gs>
+            <a:gs pos="100000">
+              <a:schemeClr val="phClr">
+                <a:shade val="20000"/>
+                <a:satMod val="255000"/>
+              </a:schemeClr>
+            </a:gs>
+          </a:gsLst>
+          <a:path path="circle">
+            <a:fillToRect l="50000" t="-80000" r="50000" b="180000"/>
+          </a:path>
+        </a:gradFill>
+        <a:gradFill rotWithShape="1">
+          <a:gsLst>
+            <a:gs pos="0">
+              <a:schemeClr val="phClr">
+                <a:tint val="80000"/>
+                <a:satMod val="300000"/>
+              </a:schemeClr>
+            </a:gs>
+            <a:gs pos="100000">
+              <a:schemeClr val="phClr">
+                <a:shade val="30000"/>
+                <a:satMod val="200000"/>
+              </a:schemeClr>
+            </a:gs>
+          </a:gsLst>
+          <a:path path="circle">
+            <a:fillToRect l="50000" t="50000" r="50000" b="50000"/>
+          </a:path>
+        </a:gradFill>
+      </a:bgFillStyleLst>
+    </a:fmtScheme>
+  </a:themeElements>
+</a:theme>
+</file>
+
+<file path=ppt/theme/theme2.xml><?xml version="1.0" encoding="utf-8"?>
+<a:theme xmlns:a="http://schemas.openxmlformats.org/drawingml/2006/main" xmlns:r="http://schemas.openxmlformats.org/officeDocument/2006/relationships" name="Swiss">
   <a:themeElements>
     <a:clrScheme name="Swiss">
       <a:dk1>
@@ -12071,288 +12413,5 @@
       </a:bgFillStyleLst>
     </a:fmtScheme>
   </a:themeElements>
-  <a:objectDefaults/>
-  <a:extraClrSchemeLst/>
-</a:theme>
-</file>
-
-<file path=ppt/theme/theme2.xml><?xml version="1.0" encoding="utf-8"?>
-<a:theme xmlns:a="http://schemas.openxmlformats.org/drawingml/2006/main">
-  <a:themeElements>
-    <a:clrScheme name="Default">
-      <a:dk1>
-        <a:srgbClr val="000000"/>
-      </a:dk1>
-      <a:lt1>
-        <a:srgbClr val="FFFFFF"/>
-      </a:lt1>
-      <a:dk2>
-        <a:srgbClr val="158158"/>
-      </a:dk2>
-      <a:lt2>
-        <a:srgbClr val="F3F3F3"/>
-      </a:lt2>
-      <a:accent1>
-        <a:srgbClr val="058DC7"/>
-      </a:accent1>
-      <a:accent2>
-        <a:srgbClr val="50B432"/>
-      </a:accent2>
-      <a:accent3>
-        <a:srgbClr val="ED561B"/>
-      </a:accent3>
-      <a:accent4>
-        <a:srgbClr val="EDEF00"/>
-      </a:accent4>
-      <a:accent5>
-        <a:srgbClr val="24CBE5"/>
-      </a:accent5>
-      <a:accent6>
-        <a:srgbClr val="64E572"/>
-      </a:accent6>
-      <a:hlink>
-        <a:srgbClr val="2200CC"/>
-      </a:hlink>
-      <a:folHlink>
-        <a:srgbClr val="551A8B"/>
-      </a:folHlink>
-    </a:clrScheme>
-    <a:fontScheme name="Office">
-      <a:majorFont>
-        <a:latin typeface="Arial"/>
-        <a:ea typeface=""/>
-        <a:cs typeface=""/>
-        <a:font script="Jpan" typeface="ＭＳ Ｐゴシック"/>
-        <a:font script="Hang" typeface="맑은 고딕"/>
-        <a:font script="Hans" typeface="宋体"/>
-        <a:font script="Hant" typeface="新細明體"/>
-        <a:font script="Arab" typeface="Times New Roman"/>
-        <a:font script="Hebr" typeface="Times New Roman"/>
-        <a:font script="Thai" typeface="Angsana New"/>
-        <a:font script="Ethi" typeface="Nyala"/>
-        <a:font script="Beng" typeface="Vrinda"/>
-        <a:font script="Gujr" typeface="Shruti"/>
-        <a:font script="Khmr" typeface="MoolBoran"/>
-        <a:font script="Knda" typeface="Tunga"/>
-        <a:font script="Guru" typeface="Raavi"/>
-        <a:font script="Cans" typeface="Euphemia"/>
-        <a:font script="Cher" typeface="Plantagenet Cherokee"/>
-        <a:font script="Yiii" typeface="Microsoft Yi Baiti"/>
-        <a:font script="Tibt" typeface="Microsoft Himalaya"/>
-        <a:font script="Thaa" typeface="MV Boli"/>
-        <a:font script="Deva" typeface="Mangal"/>
-        <a:font script="Telu" typeface="Gautami"/>
-        <a:font script="Taml" typeface="Latha"/>
-        <a:font script="Syrc" typeface="Estrangelo Edessa"/>
-        <a:font script="Orya" typeface="Kalinga"/>
-        <a:font script="Mlym" typeface="Kartika"/>
-        <a:font script="Laoo" typeface="DokChampa"/>
-        <a:font script="Sinh" typeface="Iskoola Pota"/>
-        <a:font script="Mong" typeface="Mongolian Baiti"/>
-        <a:font script="Viet" typeface="Times New Roman"/>
-        <a:font script="Uigh" typeface="Microsoft Uighur"/>
-        <a:font script="Geor" typeface="Sylfaen"/>
-      </a:majorFont>
-      <a:minorFont>
-        <a:latin typeface="Arial"/>
-        <a:ea typeface=""/>
-        <a:cs typeface=""/>
-        <a:font script="Jpan" typeface="ＭＳ Ｐゴシック"/>
-        <a:font script="Hang" typeface="맑은 고딕"/>
-        <a:font script="Hans" typeface="宋体"/>
-        <a:font script="Hant" typeface="新細明體"/>
-        <a:font script="Arab" typeface="Arial"/>
-        <a:font script="Hebr" typeface="Arial"/>
-        <a:font script="Thai" typeface="Cordia New"/>
-        <a:font script="Ethi" typeface="Nyala"/>
-        <a:font script="Beng" typeface="Vrinda"/>
-        <a:font script="Gujr" typeface="Shruti"/>
-        <a:font script="Khmr" typeface="DaunPenh"/>
-        <a:font script="Knda" typeface="Tunga"/>
-        <a:font script="Guru" typeface="Raavi"/>
-        <a:font script="Cans" typeface="Euphemia"/>
-        <a:font script="Cher" typeface="Plantagenet Cherokee"/>
-        <a:font script="Yiii" typeface="Microsoft Yi Baiti"/>
-        <a:font script="Tibt" typeface="Microsoft Himalaya"/>
-        <a:font script="Thaa" typeface="MV Boli"/>
-        <a:font script="Deva" typeface="Mangal"/>
-        <a:font script="Telu" typeface="Gautami"/>
-        <a:font script="Taml" typeface="Latha"/>
-        <a:font script="Syrc" typeface="Estrangelo Edessa"/>
-        <a:font script="Orya" typeface="Kalinga"/>
-        <a:font script="Mlym" typeface="Kartika"/>
-        <a:font script="Laoo" typeface="DokChampa"/>
-        <a:font script="Sinh" typeface="Iskoola Pota"/>
-        <a:font script="Mong" typeface="Mongolian Baiti"/>
-        <a:font script="Viet" typeface="Arial"/>
-        <a:font script="Uigh" typeface="Microsoft Uighur"/>
-        <a:font script="Geor" typeface="Sylfaen"/>
-      </a:minorFont>
-    </a:fontScheme>
-    <a:fmtScheme name="Office">
-      <a:fillStyleLst>
-        <a:solidFill>
-          <a:schemeClr val="phClr"/>
-        </a:solidFill>
-        <a:gradFill rotWithShape="1">
-          <a:gsLst>
-            <a:gs pos="0">
-              <a:schemeClr val="phClr">
-                <a:tint val="50000"/>
-                <a:satMod val="300000"/>
-              </a:schemeClr>
-            </a:gs>
-            <a:gs pos="35000">
-              <a:schemeClr val="phClr">
-                <a:tint val="37000"/>
-                <a:satMod val="300000"/>
-              </a:schemeClr>
-            </a:gs>
-            <a:gs pos="100000">
-              <a:schemeClr val="phClr">
-                <a:tint val="15000"/>
-                <a:satMod val="350000"/>
-              </a:schemeClr>
-            </a:gs>
-          </a:gsLst>
-          <a:lin ang="16200000" scaled="1"/>
-        </a:gradFill>
-        <a:gradFill rotWithShape="1">
-          <a:gsLst>
-            <a:gs pos="0">
-              <a:schemeClr val="phClr">
-                <a:tint val="100000"/>
-                <a:shade val="100000"/>
-                <a:satMod val="130000"/>
-              </a:schemeClr>
-            </a:gs>
-            <a:gs pos="100000">
-              <a:schemeClr val="phClr">
-                <a:tint val="50000"/>
-                <a:shade val="100000"/>
-                <a:satMod val="350000"/>
-              </a:schemeClr>
-            </a:gs>
-          </a:gsLst>
-          <a:lin ang="16200000" scaled="0"/>
-        </a:gradFill>
-      </a:fillStyleLst>
-      <a:lnStyleLst>
-        <a:ln w="9525" cap="flat" cmpd="sng" algn="ctr">
-          <a:solidFill>
-            <a:schemeClr val="phClr">
-              <a:shade val="95000"/>
-              <a:satMod val="105000"/>
-            </a:schemeClr>
-          </a:solidFill>
-          <a:prstDash val="solid"/>
-        </a:ln>
-        <a:ln w="25400" cap="flat" cmpd="sng" algn="ctr">
-          <a:solidFill>
-            <a:schemeClr val="phClr"/>
-          </a:solidFill>
-          <a:prstDash val="solid"/>
-        </a:ln>
-        <a:ln w="38100" cap="flat" cmpd="sng" algn="ctr">
-          <a:solidFill>
-            <a:schemeClr val="phClr"/>
-          </a:solidFill>
-          <a:prstDash val="solid"/>
-        </a:ln>
-      </a:lnStyleLst>
-      <a:effectStyleLst>
-        <a:effectStyle>
-          <a:effectLst>
-            <a:outerShdw blurRad="40000" dist="20000" dir="5400000" rotWithShape="0">
-              <a:srgbClr val="000000">
-                <a:alpha val="38000"/>
-              </a:srgbClr>
-            </a:outerShdw>
-          </a:effectLst>
-        </a:effectStyle>
-        <a:effectStyle>
-          <a:effectLst>
-            <a:outerShdw blurRad="40000" dist="23000" dir="5400000" rotWithShape="0">
-              <a:srgbClr val="000000">
-                <a:alpha val="35000"/>
-              </a:srgbClr>
-            </a:outerShdw>
-          </a:effectLst>
-        </a:effectStyle>
-        <a:effectStyle>
-          <a:effectLst>
-            <a:outerShdw blurRad="40000" dist="23000" dir="5400000" rotWithShape="0">
-              <a:srgbClr val="000000">
-                <a:alpha val="35000"/>
-              </a:srgbClr>
-            </a:outerShdw>
-          </a:effectLst>
-          <a:scene3d>
-            <a:camera prst="orthographicFront">
-              <a:rot lat="0" lon="0" rev="0"/>
-            </a:camera>
-            <a:lightRig rig="threePt" dir="t">
-              <a:rot lat="0" lon="0" rev="1200000"/>
-            </a:lightRig>
-          </a:scene3d>
-          <a:sp3d>
-            <a:bevelT w="63500" h="25400"/>
-          </a:sp3d>
-        </a:effectStyle>
-      </a:effectStyleLst>
-      <a:bgFillStyleLst>
-        <a:solidFill>
-          <a:schemeClr val="phClr"/>
-        </a:solidFill>
-        <a:gradFill rotWithShape="1">
-          <a:gsLst>
-            <a:gs pos="0">
-              <a:schemeClr val="phClr">
-                <a:tint val="40000"/>
-                <a:satMod val="350000"/>
-              </a:schemeClr>
-            </a:gs>
-            <a:gs pos="40000">
-              <a:schemeClr val="phClr">
-                <a:tint val="45000"/>
-                <a:shade val="99000"/>
-                <a:satMod val="350000"/>
-              </a:schemeClr>
-            </a:gs>
-            <a:gs pos="100000">
-              <a:schemeClr val="phClr">
-                <a:shade val="20000"/>
-                <a:satMod val="255000"/>
-              </a:schemeClr>
-            </a:gs>
-          </a:gsLst>
-          <a:path path="circle">
-            <a:fillToRect l="50000" t="-80000" r="50000" b="180000"/>
-          </a:path>
-        </a:gradFill>
-        <a:gradFill rotWithShape="1">
-          <a:gsLst>
-            <a:gs pos="0">
-              <a:schemeClr val="phClr">
-                <a:tint val="80000"/>
-                <a:satMod val="300000"/>
-              </a:schemeClr>
-            </a:gs>
-            <a:gs pos="100000">
-              <a:schemeClr val="phClr">
-                <a:shade val="30000"/>
-                <a:satMod val="200000"/>
-              </a:schemeClr>
-            </a:gs>
-          </a:gsLst>
-          <a:path path="circle">
-            <a:fillToRect l="50000" t="50000" r="50000" b="50000"/>
-          </a:path>
-        </a:gradFill>
-      </a:bgFillStyleLst>
-    </a:fmtScheme>
-  </a:themeElements>
-  <a:objectDefaults/>
-  <a:extraClrSchemeLst/>
 </a:theme>
 </file>